--- a/Presentations/Non-Disclosure Agreement.pptx
+++ b/Presentations/Non-Disclosure Agreement.pptx
@@ -5,22 +5,17 @@
     <p:sldMasterId id="2147483648" r:id="rId4"/>
   </p:sldMasterIdLst>
   <p:notesMasterIdLst>
-    <p:notesMasterId r:id="rId15"/>
+    <p:notesMasterId r:id="rId10"/>
   </p:notesMasterIdLst>
   <p:handoutMasterIdLst>
-    <p:handoutMasterId r:id="rId16"/>
+    <p:handoutMasterId r:id="rId11"/>
   </p:handoutMasterIdLst>
   <p:sldIdLst>
     <p:sldId id="298" r:id="rId5"/>
     <p:sldId id="283" r:id="rId6"/>
-    <p:sldId id="292" r:id="rId7"/>
-    <p:sldId id="284" r:id="rId8"/>
-    <p:sldId id="293" r:id="rId9"/>
-    <p:sldId id="294" r:id="rId10"/>
-    <p:sldId id="295" r:id="rId11"/>
-    <p:sldId id="285" r:id="rId12"/>
-    <p:sldId id="296" r:id="rId13"/>
-    <p:sldId id="256" r:id="rId14"/>
+    <p:sldId id="300" r:id="rId7"/>
+    <p:sldId id="301" r:id="rId8"/>
+    <p:sldId id="296" r:id="rId9"/>
   </p:sldIdLst>
   <p:sldSz cx="12192000" cy="6858000"/>
   <p:notesSz cx="6858000" cy="9144000"/>
@@ -128,2899 +123,6 @@
     </p:ext>
   </p:extLst>
 </p:presentation>
-</file>
-
-<file path=ppt/charts/chart1.xml><?xml version="1.0" encoding="utf-8"?>
-<c:chartSpace xmlns:c="http://schemas.openxmlformats.org/drawingml/2006/chart" xmlns:a="http://schemas.openxmlformats.org/drawingml/2006/main" xmlns:r="http://schemas.openxmlformats.org/officeDocument/2006/relationships" xmlns:c16r2="http://schemas.microsoft.com/office/drawing/2015/06/chart">
-  <c:date1904 val="0"/>
-  <c:lang val="en-US"/>
-  <c:roundedCorners val="0"/>
-  <mc:AlternateContent xmlns:mc="http://schemas.openxmlformats.org/markup-compatibility/2006">
-    <mc:Choice xmlns:c14="http://schemas.microsoft.com/office/drawing/2007/8/2/chart" Requires="c14">
-      <c14:style val="102"/>
-    </mc:Choice>
-    <mc:Fallback>
-      <c:style val="2"/>
-    </mc:Fallback>
-  </mc:AlternateContent>
-  <c:chart>
-    <c:title>
-      <c:tx>
-        <c:rich>
-          <a:bodyPr rot="0" spcFirstLastPara="1" vertOverflow="ellipsis" vert="horz" wrap="square" anchor="ctr" anchorCtr="1"/>
-          <a:lstStyle/>
-          <a:p>
-            <a:pPr>
-              <a:defRPr sz="1862" b="0" i="0" u="none" strike="noStrike" kern="1200" spc="0" baseline="0">
-                <a:solidFill>
-                  <a:schemeClr val="tx1">
-                    <a:lumMod val="75000"/>
-                    <a:lumOff val="25000"/>
-                  </a:schemeClr>
-                </a:solidFill>
-                <a:latin typeface="+mn-lt"/>
-                <a:ea typeface="+mn-ea"/>
-                <a:cs typeface="+mn-cs"/>
-              </a:defRPr>
-            </a:pPr>
-            <a:r>
-              <a:rPr lang="en-US" dirty="0">
-                <a:solidFill>
-                  <a:schemeClr val="tx1">
-                    <a:lumMod val="75000"/>
-                    <a:lumOff val="25000"/>
-                  </a:schemeClr>
-                </a:solidFill>
-              </a:rPr>
-              <a:t>Gross Revenue</a:t>
-            </a:r>
-          </a:p>
-        </c:rich>
-      </c:tx>
-      <c:overlay val="0"/>
-      <c:spPr>
-        <a:noFill/>
-        <a:ln>
-          <a:noFill/>
-        </a:ln>
-        <a:effectLst/>
-      </c:spPr>
-      <c:txPr>
-        <a:bodyPr rot="0" spcFirstLastPara="1" vertOverflow="ellipsis" vert="horz" wrap="square" anchor="ctr" anchorCtr="1"/>
-        <a:lstStyle/>
-        <a:p>
-          <a:pPr>
-            <a:defRPr sz="1862" b="0" i="0" u="none" strike="noStrike" kern="1200" spc="0" baseline="0">
-              <a:solidFill>
-                <a:schemeClr val="tx1">
-                  <a:lumMod val="75000"/>
-                  <a:lumOff val="25000"/>
-                </a:schemeClr>
-              </a:solidFill>
-              <a:latin typeface="+mn-lt"/>
-              <a:ea typeface="+mn-ea"/>
-              <a:cs typeface="+mn-cs"/>
-            </a:defRPr>
-          </a:pPr>
-          <a:endParaRPr lang="en-US"/>
-        </a:p>
-      </c:txPr>
-    </c:title>
-    <c:autoTitleDeleted val="0"/>
-    <c:plotArea>
-      <c:layout/>
-      <c:barChart>
-        <c:barDir val="col"/>
-        <c:grouping val="clustered"/>
-        <c:varyColors val="0"/>
-        <c:ser>
-          <c:idx val="0"/>
-          <c:order val="0"/>
-          <c:tx>
-            <c:strRef>
-              <c:f>Sheet1!$B$1</c:f>
-              <c:strCache>
-                <c:ptCount val="1"/>
-                <c:pt idx="0">
-                  <c:v>Series 1</c:v>
-                </c:pt>
-              </c:strCache>
-            </c:strRef>
-          </c:tx>
-          <c:spPr>
-            <a:solidFill>
-              <a:schemeClr val="accent3"/>
-            </a:solidFill>
-            <a:ln>
-              <a:noFill/>
-            </a:ln>
-            <a:effectLst/>
-          </c:spPr>
-          <c:invertIfNegative val="0"/>
-          <c:dPt>
-            <c:idx val="1"/>
-            <c:invertIfNegative val="0"/>
-            <c:bubble3D val="0"/>
-            <c:spPr>
-              <a:solidFill>
-                <a:schemeClr val="accent2"/>
-              </a:solidFill>
-              <a:ln>
-                <a:noFill/>
-              </a:ln>
-              <a:effectLst/>
-            </c:spPr>
-            <c:extLst>
-              <c:ext xmlns:c16="http://schemas.microsoft.com/office/drawing/2014/chart" uri="{C3380CC4-5D6E-409C-BE32-E72D297353CC}">
-                <c16:uniqueId val="{00000001-0ADA-48E7-A321-402E979D2202}"/>
-              </c:ext>
-            </c:extLst>
-          </c:dPt>
-          <c:dPt>
-            <c:idx val="3"/>
-            <c:invertIfNegative val="0"/>
-            <c:bubble3D val="0"/>
-            <c:spPr>
-              <a:solidFill>
-                <a:schemeClr val="accent1"/>
-              </a:solidFill>
-              <a:ln>
-                <a:noFill/>
-              </a:ln>
-              <a:effectLst/>
-            </c:spPr>
-            <c:extLst>
-              <c:ext xmlns:c16="http://schemas.microsoft.com/office/drawing/2014/chart" uri="{C3380CC4-5D6E-409C-BE32-E72D297353CC}">
-                <c16:uniqueId val="{00000003-0ADA-48E7-A321-402E979D2202}"/>
-              </c:ext>
-            </c:extLst>
-          </c:dPt>
-          <c:dPt>
-            <c:idx val="4"/>
-            <c:invertIfNegative val="0"/>
-            <c:bubble3D val="0"/>
-            <c:spPr>
-              <a:solidFill>
-                <a:schemeClr val="accent4"/>
-              </a:solidFill>
-              <a:ln>
-                <a:noFill/>
-              </a:ln>
-              <a:effectLst/>
-            </c:spPr>
-            <c:extLst>
-              <c:ext xmlns:c16="http://schemas.microsoft.com/office/drawing/2014/chart" uri="{C3380CC4-5D6E-409C-BE32-E72D297353CC}">
-                <c16:uniqueId val="{00000005-0ADA-48E7-A321-402E979D2202}"/>
-              </c:ext>
-            </c:extLst>
-          </c:dPt>
-          <c:cat>
-            <c:strRef>
-              <c:f>Sheet1!$A$2:$A$6</c:f>
-              <c:strCache>
-                <c:ptCount val="5"/>
-                <c:pt idx="0">
-                  <c:v>20YY</c:v>
-                </c:pt>
-                <c:pt idx="1">
-                  <c:v>20YY</c:v>
-                </c:pt>
-                <c:pt idx="2">
-                  <c:v>20YY</c:v>
-                </c:pt>
-                <c:pt idx="3">
-                  <c:v>20YY</c:v>
-                </c:pt>
-                <c:pt idx="4">
-                  <c:v>20YY</c:v>
-                </c:pt>
-              </c:strCache>
-            </c:strRef>
-          </c:cat>
-          <c:val>
-            <c:numRef>
-              <c:f>Sheet1!$B$2:$B$6</c:f>
-              <c:numCache>
-                <c:formatCode>[$$-409]#,##0</c:formatCode>
-                <c:ptCount val="5"/>
-                <c:pt idx="0">
-                  <c:v>0</c:v>
-                </c:pt>
-                <c:pt idx="1">
-                  <c:v>6750</c:v>
-                </c:pt>
-                <c:pt idx="2">
-                  <c:v>33750</c:v>
-                </c:pt>
-                <c:pt idx="3">
-                  <c:v>135000</c:v>
-                </c:pt>
-                <c:pt idx="4">
-                  <c:v>270000</c:v>
-                </c:pt>
-              </c:numCache>
-            </c:numRef>
-          </c:val>
-          <c:extLst>
-            <c:ext xmlns:c16="http://schemas.microsoft.com/office/drawing/2014/chart" uri="{C3380CC4-5D6E-409C-BE32-E72D297353CC}">
-              <c16:uniqueId val="{00000006-0ADA-48E7-A321-402E979D2202}"/>
-            </c:ext>
-          </c:extLst>
-        </c:ser>
-        <c:dLbls>
-          <c:showLegendKey val="0"/>
-          <c:showVal val="0"/>
-          <c:showCatName val="0"/>
-          <c:showSerName val="0"/>
-          <c:showPercent val="0"/>
-          <c:showBubbleSize val="0"/>
-        </c:dLbls>
-        <c:gapWidth val="25"/>
-        <c:axId val="1000041416"/>
-        <c:axId val="1000041744"/>
-      </c:barChart>
-      <c:catAx>
-        <c:axId val="1000041416"/>
-        <c:scaling>
-          <c:orientation val="minMax"/>
-        </c:scaling>
-        <c:delete val="0"/>
-        <c:axPos val="b"/>
-        <c:numFmt formatCode="General" sourceLinked="1"/>
-        <c:majorTickMark val="none"/>
-        <c:minorTickMark val="none"/>
-        <c:tickLblPos val="nextTo"/>
-        <c:spPr>
-          <a:noFill/>
-          <a:ln w="9525" cap="flat" cmpd="sng" algn="ctr">
-            <a:solidFill>
-              <a:schemeClr val="tx1">
-                <a:lumMod val="15000"/>
-                <a:lumOff val="85000"/>
-              </a:schemeClr>
-            </a:solidFill>
-            <a:round/>
-          </a:ln>
-          <a:effectLst/>
-        </c:spPr>
-        <c:txPr>
-          <a:bodyPr rot="-60000000" spcFirstLastPara="1" vertOverflow="ellipsis" vert="horz" wrap="square" anchor="ctr" anchorCtr="1"/>
-          <a:lstStyle/>
-          <a:p>
-            <a:pPr>
-              <a:defRPr sz="1400" b="0" i="0" u="none" strike="noStrike" kern="1200" baseline="0">
-                <a:solidFill>
-                  <a:schemeClr val="tx1">
-                    <a:lumMod val="65000"/>
-                    <a:lumOff val="35000"/>
-                  </a:schemeClr>
-                </a:solidFill>
-                <a:latin typeface="+mn-lt"/>
-                <a:ea typeface="+mn-ea"/>
-                <a:cs typeface="+mn-cs"/>
-              </a:defRPr>
-            </a:pPr>
-            <a:endParaRPr lang="en-US"/>
-          </a:p>
-        </c:txPr>
-        <c:crossAx val="1000041744"/>
-        <c:crosses val="autoZero"/>
-        <c:auto val="1"/>
-        <c:lblAlgn val="ctr"/>
-        <c:lblOffset val="100"/>
-        <c:noMultiLvlLbl val="0"/>
-      </c:catAx>
-      <c:valAx>
-        <c:axId val="1000041744"/>
-        <c:scaling>
-          <c:orientation val="minMax"/>
-        </c:scaling>
-        <c:delete val="0"/>
-        <c:axPos val="l"/>
-        <c:majorGridlines>
-          <c:spPr>
-            <a:ln w="9525" cap="flat" cmpd="sng" algn="ctr">
-              <a:solidFill>
-                <a:schemeClr val="tx1">
-                  <a:lumMod val="15000"/>
-                  <a:lumOff val="85000"/>
-                </a:schemeClr>
-              </a:solidFill>
-              <a:round/>
-            </a:ln>
-            <a:effectLst/>
-          </c:spPr>
-        </c:majorGridlines>
-        <c:numFmt formatCode="[$$-409]#,##0" sourceLinked="1"/>
-        <c:majorTickMark val="none"/>
-        <c:minorTickMark val="none"/>
-        <c:tickLblPos val="nextTo"/>
-        <c:spPr>
-          <a:noFill/>
-          <a:ln>
-            <a:noFill/>
-          </a:ln>
-          <a:effectLst/>
-        </c:spPr>
-        <c:txPr>
-          <a:bodyPr rot="-60000000" spcFirstLastPara="1" vertOverflow="ellipsis" vert="horz" wrap="square" anchor="ctr" anchorCtr="1"/>
-          <a:lstStyle/>
-          <a:p>
-            <a:pPr>
-              <a:defRPr sz="1400" b="0" i="0" u="none" strike="noStrike" kern="1200" baseline="0">
-                <a:solidFill>
-                  <a:schemeClr val="tx1">
-                    <a:lumMod val="65000"/>
-                    <a:lumOff val="35000"/>
-                  </a:schemeClr>
-                </a:solidFill>
-                <a:latin typeface="+mn-lt"/>
-                <a:ea typeface="+mn-ea"/>
-                <a:cs typeface="+mn-cs"/>
-              </a:defRPr>
-            </a:pPr>
-            <a:endParaRPr lang="en-US"/>
-          </a:p>
-        </c:txPr>
-        <c:crossAx val="1000041416"/>
-        <c:crosses val="autoZero"/>
-        <c:crossBetween val="between"/>
-      </c:valAx>
-      <c:spPr>
-        <a:noFill/>
-        <a:ln>
-          <a:noFill/>
-        </a:ln>
-        <a:effectLst/>
-      </c:spPr>
-    </c:plotArea>
-    <c:plotVisOnly val="1"/>
-    <c:dispBlanksAs val="gap"/>
-    <c:extLst>
-      <c:ext xmlns:c16r3="http://schemas.microsoft.com/office/drawing/2017/03/chart" uri="{56B9EC1D-385E-4148-901F-78D8002777C0}">
-        <c16r3:dataDisplayOptions16>
-          <c16r3:dispNaAsBlank val="1"/>
-        </c16r3:dataDisplayOptions16>
-      </c:ext>
-    </c:extLst>
-    <c:showDLblsOverMax val="0"/>
-  </c:chart>
-  <c:spPr>
-    <a:noFill/>
-    <a:ln>
-      <a:noFill/>
-    </a:ln>
-    <a:effectLst/>
-  </c:spPr>
-  <c:txPr>
-    <a:bodyPr/>
-    <a:lstStyle/>
-    <a:p>
-      <a:pPr>
-        <a:defRPr/>
-      </a:pPr>
-      <a:endParaRPr lang="en-US"/>
-    </a:p>
-  </c:txPr>
-  <c:externalData r:id="rId3">
-    <c:autoUpdate val="0"/>
-  </c:externalData>
-</c:chartSpace>
-</file>
-
-<file path=ppt/charts/chart2.xml><?xml version="1.0" encoding="utf-8"?>
-<c:chartSpace xmlns:c="http://schemas.openxmlformats.org/drawingml/2006/chart" xmlns:a="http://schemas.openxmlformats.org/drawingml/2006/main" xmlns:r="http://schemas.openxmlformats.org/officeDocument/2006/relationships" xmlns:c16r2="http://schemas.microsoft.com/office/drawing/2015/06/chart">
-  <c:date1904 val="0"/>
-  <c:lang val="en-US"/>
-  <c:roundedCorners val="0"/>
-  <mc:AlternateContent xmlns:mc="http://schemas.openxmlformats.org/markup-compatibility/2006">
-    <mc:Choice xmlns:c14="http://schemas.microsoft.com/office/drawing/2007/8/2/chart" Requires="c14">
-      <c14:style val="102"/>
-    </mc:Choice>
-    <mc:Fallback>
-      <c:style val="2"/>
-    </mc:Fallback>
-  </mc:AlternateContent>
-  <c:chart>
-    <c:title>
-      <c:tx>
-        <c:rich>
-          <a:bodyPr rot="0" spcFirstLastPara="1" vertOverflow="ellipsis" vert="horz" wrap="square" anchor="ctr" anchorCtr="1"/>
-          <a:lstStyle/>
-          <a:p>
-            <a:pPr>
-              <a:defRPr sz="1862" b="0" i="0" u="none" strike="noStrike" kern="1200" spc="0" baseline="0">
-                <a:solidFill>
-                  <a:schemeClr val="tx1">
-                    <a:lumMod val="75000"/>
-                    <a:lumOff val="25000"/>
-                  </a:schemeClr>
-                </a:solidFill>
-                <a:latin typeface="+mn-lt"/>
-                <a:ea typeface="+mn-ea"/>
-                <a:cs typeface="+mn-cs"/>
-              </a:defRPr>
-            </a:pPr>
-            <a:r>
-              <a:rPr lang="en-US" dirty="0">
-                <a:solidFill>
-                  <a:schemeClr val="tx1">
-                    <a:lumMod val="75000"/>
-                    <a:lumOff val="25000"/>
-                  </a:schemeClr>
-                </a:solidFill>
-              </a:rPr>
-              <a:t>Company Sales</a:t>
-            </a:r>
-          </a:p>
-        </c:rich>
-      </c:tx>
-      <c:overlay val="0"/>
-      <c:spPr>
-        <a:noFill/>
-        <a:ln>
-          <a:noFill/>
-        </a:ln>
-        <a:effectLst/>
-      </c:spPr>
-      <c:txPr>
-        <a:bodyPr rot="0" spcFirstLastPara="1" vertOverflow="ellipsis" vert="horz" wrap="square" anchor="ctr" anchorCtr="1"/>
-        <a:lstStyle/>
-        <a:p>
-          <a:pPr>
-            <a:defRPr sz="1862" b="0" i="0" u="none" strike="noStrike" kern="1200" spc="0" baseline="0">
-              <a:solidFill>
-                <a:schemeClr val="tx1">
-                  <a:lumMod val="75000"/>
-                  <a:lumOff val="25000"/>
-                </a:schemeClr>
-              </a:solidFill>
-              <a:latin typeface="+mn-lt"/>
-              <a:ea typeface="+mn-ea"/>
-              <a:cs typeface="+mn-cs"/>
-            </a:defRPr>
-          </a:pPr>
-          <a:endParaRPr lang="en-US"/>
-        </a:p>
-      </c:txPr>
-    </c:title>
-    <c:autoTitleDeleted val="0"/>
-    <c:plotArea>
-      <c:layout/>
-      <c:doughnutChart>
-        <c:varyColors val="1"/>
-        <c:ser>
-          <c:idx val="0"/>
-          <c:order val="0"/>
-          <c:tx>
-            <c:strRef>
-              <c:f>Sheet1!$B$1</c:f>
-              <c:strCache>
-                <c:ptCount val="1"/>
-                <c:pt idx="0">
-                  <c:v>Series 1</c:v>
-                </c:pt>
-              </c:strCache>
-            </c:strRef>
-          </c:tx>
-          <c:spPr>
-            <a:solidFill>
-              <a:schemeClr val="accent3"/>
-            </a:solidFill>
-          </c:spPr>
-          <c:dPt>
-            <c:idx val="0"/>
-            <c:bubble3D val="0"/>
-            <c:spPr>
-              <a:solidFill>
-                <a:schemeClr val="accent3"/>
-              </a:solidFill>
-              <a:ln>
-                <a:noFill/>
-              </a:ln>
-              <a:effectLst/>
-            </c:spPr>
-            <c:extLst>
-              <c:ext xmlns:c16="http://schemas.microsoft.com/office/drawing/2014/chart" uri="{C3380CC4-5D6E-409C-BE32-E72D297353CC}">
-                <c16:uniqueId val="{00000007-BEFA-4A5E-AB52-FBB4B74C74A7}"/>
-              </c:ext>
-            </c:extLst>
-          </c:dPt>
-          <c:dPt>
-            <c:idx val="1"/>
-            <c:bubble3D val="0"/>
-            <c:spPr>
-              <a:solidFill>
-                <a:schemeClr val="accent2"/>
-              </a:solidFill>
-              <a:ln>
-                <a:noFill/>
-              </a:ln>
-              <a:effectLst/>
-            </c:spPr>
-            <c:extLst>
-              <c:ext xmlns:c16="http://schemas.microsoft.com/office/drawing/2014/chart" uri="{C3380CC4-5D6E-409C-BE32-E72D297353CC}">
-                <c16:uniqueId val="{00000001-0ADA-48E7-A321-402E979D2202}"/>
-              </c:ext>
-            </c:extLst>
-          </c:dPt>
-          <c:dPt>
-            <c:idx val="2"/>
-            <c:bubble3D val="0"/>
-            <c:spPr>
-              <a:solidFill>
-                <a:schemeClr val="accent3"/>
-              </a:solidFill>
-              <a:ln>
-                <a:noFill/>
-              </a:ln>
-              <a:effectLst/>
-            </c:spPr>
-            <c:extLst>
-              <c:ext xmlns:c16="http://schemas.microsoft.com/office/drawing/2014/chart" uri="{C3380CC4-5D6E-409C-BE32-E72D297353CC}">
-                <c16:uniqueId val="{00000006-BEFA-4A5E-AB52-FBB4B74C74A7}"/>
-              </c:ext>
-            </c:extLst>
-          </c:dPt>
-          <c:dPt>
-            <c:idx val="3"/>
-            <c:bubble3D val="0"/>
-            <c:spPr>
-              <a:solidFill>
-                <a:schemeClr val="accent1"/>
-              </a:solidFill>
-              <a:ln>
-                <a:noFill/>
-              </a:ln>
-              <a:effectLst/>
-            </c:spPr>
-            <c:extLst>
-              <c:ext xmlns:c16="http://schemas.microsoft.com/office/drawing/2014/chart" uri="{C3380CC4-5D6E-409C-BE32-E72D297353CC}">
-                <c16:uniqueId val="{00000003-0ADA-48E7-A321-402E979D2202}"/>
-              </c:ext>
-            </c:extLst>
-          </c:dPt>
-          <c:dPt>
-            <c:idx val="4"/>
-            <c:bubble3D val="0"/>
-            <c:spPr>
-              <a:solidFill>
-                <a:schemeClr val="accent4"/>
-              </a:solidFill>
-              <a:ln>
-                <a:noFill/>
-              </a:ln>
-              <a:effectLst/>
-            </c:spPr>
-            <c:extLst>
-              <c:ext xmlns:c16="http://schemas.microsoft.com/office/drawing/2014/chart" uri="{C3380CC4-5D6E-409C-BE32-E72D297353CC}">
-                <c16:uniqueId val="{00000005-0ADA-48E7-A321-402E979D2202}"/>
-              </c:ext>
-            </c:extLst>
-          </c:dPt>
-          <c:dLbls>
-            <c:dLbl>
-              <c:idx val="0"/>
-              <c:delete val="1"/>
-              <c:extLst>
-                <c:ext xmlns:c15="http://schemas.microsoft.com/office/drawing/2012/chart" uri="{CE6537A1-D6FC-4f65-9D91-7224C49458BB}"/>
-                <c:ext xmlns:c16="http://schemas.microsoft.com/office/drawing/2014/chart" uri="{C3380CC4-5D6E-409C-BE32-E72D297353CC}">
-                  <c16:uniqueId val="{00000007-BEFA-4A5E-AB52-FBB4B74C74A7}"/>
-                </c:ext>
-              </c:extLst>
-            </c:dLbl>
-            <c:dLbl>
-              <c:idx val="1"/>
-              <c:layout>
-                <c:manualLayout>
-                  <c:x val="-0.11615923344937455"/>
-                  <c:y val="-0.14002523289348653"/>
-                </c:manualLayout>
-              </c:layout>
-              <c:showLegendKey val="1"/>
-              <c:showVal val="1"/>
-              <c:showCatName val="0"/>
-              <c:showSerName val="0"/>
-              <c:showPercent val="0"/>
-              <c:showBubbleSize val="0"/>
-              <c:extLst>
-                <c:ext xmlns:c15="http://schemas.microsoft.com/office/drawing/2012/chart" uri="{CE6537A1-D6FC-4f65-9D91-7224C49458BB}"/>
-                <c:ext xmlns:c16="http://schemas.microsoft.com/office/drawing/2014/chart" uri="{C3380CC4-5D6E-409C-BE32-E72D297353CC}">
-                  <c16:uniqueId val="{00000001-0ADA-48E7-A321-402E979D2202}"/>
-                </c:ext>
-              </c:extLst>
-            </c:dLbl>
-            <c:dLbl>
-              <c:idx val="2"/>
-              <c:layout>
-                <c:manualLayout>
-                  <c:x val="0.13864166572989867"/>
-                  <c:y val="-0.15145586415009771"/>
-                </c:manualLayout>
-              </c:layout>
-              <c:showLegendKey val="1"/>
-              <c:showVal val="1"/>
-              <c:showCatName val="0"/>
-              <c:showSerName val="0"/>
-              <c:showPercent val="0"/>
-              <c:showBubbleSize val="0"/>
-              <c:extLst>
-                <c:ext xmlns:c15="http://schemas.microsoft.com/office/drawing/2012/chart" uri="{CE6537A1-D6FC-4f65-9D91-7224C49458BB}"/>
-                <c:ext xmlns:c16="http://schemas.microsoft.com/office/drawing/2014/chart" uri="{C3380CC4-5D6E-409C-BE32-E72D297353CC}">
-                  <c16:uniqueId val="{00000006-BEFA-4A5E-AB52-FBB4B74C74A7}"/>
-                </c:ext>
-              </c:extLst>
-            </c:dLbl>
-            <c:dLbl>
-              <c:idx val="3"/>
-              <c:layout>
-                <c:manualLayout>
-                  <c:x val="6.9525299079784011E-2"/>
-                  <c:y val="0.28576578141527864"/>
-                </c:manualLayout>
-              </c:layout>
-              <c:showLegendKey val="1"/>
-              <c:showVal val="1"/>
-              <c:showCatName val="0"/>
-              <c:showSerName val="0"/>
-              <c:showPercent val="0"/>
-              <c:showBubbleSize val="0"/>
-              <c:extLst>
-                <c:ext xmlns:c15="http://schemas.microsoft.com/office/drawing/2012/chart" uri="{CE6537A1-D6FC-4f65-9D91-7224C49458BB}"/>
-                <c:ext xmlns:c16="http://schemas.microsoft.com/office/drawing/2014/chart" uri="{C3380CC4-5D6E-409C-BE32-E72D297353CC}">
-                  <c16:uniqueId val="{00000003-0ADA-48E7-A321-402E979D2202}"/>
-                </c:ext>
-              </c:extLst>
-            </c:dLbl>
-            <c:dLbl>
-              <c:idx val="4"/>
-              <c:layout>
-                <c:manualLayout>
-                  <c:x val="-8.1787666114047294E-2"/>
-                  <c:y val="0.22861262513222283"/>
-                </c:manualLayout>
-              </c:layout>
-              <c:showLegendKey val="1"/>
-              <c:showVal val="1"/>
-              <c:showCatName val="0"/>
-              <c:showSerName val="0"/>
-              <c:showPercent val="0"/>
-              <c:showBubbleSize val="0"/>
-              <c:extLst>
-                <c:ext xmlns:c15="http://schemas.microsoft.com/office/drawing/2012/chart" uri="{CE6537A1-D6FC-4f65-9D91-7224C49458BB}"/>
-                <c:ext xmlns:c16="http://schemas.microsoft.com/office/drawing/2014/chart" uri="{C3380CC4-5D6E-409C-BE32-E72D297353CC}">
-                  <c16:uniqueId val="{00000005-0ADA-48E7-A321-402E979D2202}"/>
-                </c:ext>
-              </c:extLst>
-            </c:dLbl>
-            <c:spPr>
-              <a:noFill/>
-              <a:ln>
-                <a:noFill/>
-              </a:ln>
-              <a:effectLst/>
-            </c:spPr>
-            <c:txPr>
-              <a:bodyPr rot="0" spcFirstLastPara="1" vertOverflow="ellipsis" vert="horz" wrap="square" lIns="38100" tIns="19050" rIns="38100" bIns="19050" anchor="ctr" anchorCtr="1">
-                <a:spAutoFit/>
-              </a:bodyPr>
-              <a:lstStyle/>
-              <a:p>
-                <a:pPr>
-                  <a:defRPr sz="1197" b="0" i="0" u="none" strike="noStrike" kern="1200" baseline="0">
-                    <a:solidFill>
-                      <a:schemeClr val="tx1">
-                        <a:lumMod val="75000"/>
-                        <a:lumOff val="25000"/>
-                      </a:schemeClr>
-                    </a:solidFill>
-                    <a:latin typeface="+mn-lt"/>
-                    <a:ea typeface="+mn-ea"/>
-                    <a:cs typeface="+mn-cs"/>
-                  </a:defRPr>
-                </a:pPr>
-                <a:endParaRPr lang="en-US"/>
-              </a:p>
-            </c:txPr>
-            <c:showLegendKey val="1"/>
-            <c:showVal val="1"/>
-            <c:showCatName val="0"/>
-            <c:showSerName val="0"/>
-            <c:showPercent val="0"/>
-            <c:showBubbleSize val="0"/>
-            <c:showLeaderLines val="0"/>
-            <c:extLst>
-              <c:ext xmlns:c15="http://schemas.microsoft.com/office/drawing/2012/chart" uri="{CE6537A1-D6FC-4f65-9D91-7224C49458BB}"/>
-            </c:extLst>
-          </c:dLbls>
-          <c:cat>
-            <c:strRef>
-              <c:f>Sheet1!$A$2:$A$6</c:f>
-              <c:strCache>
-                <c:ptCount val="5"/>
-                <c:pt idx="0">
-                  <c:v>20YY</c:v>
-                </c:pt>
-                <c:pt idx="1">
-                  <c:v>20YY</c:v>
-                </c:pt>
-                <c:pt idx="2">
-                  <c:v>20YY</c:v>
-                </c:pt>
-                <c:pt idx="3">
-                  <c:v>20YY</c:v>
-                </c:pt>
-                <c:pt idx="4">
-                  <c:v>20YY</c:v>
-                </c:pt>
-              </c:strCache>
-            </c:strRef>
-          </c:cat>
-          <c:val>
-            <c:numRef>
-              <c:f>Sheet1!$B$2:$B$6</c:f>
-              <c:numCache>
-                <c:formatCode>[$$-409]#,##0</c:formatCode>
-                <c:ptCount val="5"/>
-                <c:pt idx="0">
-                  <c:v>0</c:v>
-                </c:pt>
-                <c:pt idx="1">
-                  <c:v>6750</c:v>
-                </c:pt>
-                <c:pt idx="2">
-                  <c:v>33750</c:v>
-                </c:pt>
-                <c:pt idx="3">
-                  <c:v>135000</c:v>
-                </c:pt>
-                <c:pt idx="4">
-                  <c:v>270000</c:v>
-                </c:pt>
-              </c:numCache>
-            </c:numRef>
-          </c:val>
-          <c:extLst>
-            <c:ext xmlns:c16="http://schemas.microsoft.com/office/drawing/2014/chart" uri="{C3380CC4-5D6E-409C-BE32-E72D297353CC}">
-              <c16:uniqueId val="{00000006-0ADA-48E7-A321-402E979D2202}"/>
-            </c:ext>
-          </c:extLst>
-        </c:ser>
-        <c:dLbls>
-          <c:showLegendKey val="0"/>
-          <c:showVal val="0"/>
-          <c:showCatName val="0"/>
-          <c:showSerName val="0"/>
-          <c:showPercent val="0"/>
-          <c:showBubbleSize val="0"/>
-          <c:showLeaderLines val="0"/>
-        </c:dLbls>
-        <c:firstSliceAng val="0"/>
-        <c:holeSize val="50"/>
-      </c:doughnutChart>
-      <c:spPr>
-        <a:noFill/>
-        <a:ln>
-          <a:noFill/>
-        </a:ln>
-        <a:effectLst/>
-      </c:spPr>
-    </c:plotArea>
-    <c:plotVisOnly val="1"/>
-    <c:dispBlanksAs val="gap"/>
-    <c:extLst>
-      <c:ext xmlns:c16r3="http://schemas.microsoft.com/office/drawing/2017/03/chart" uri="{56B9EC1D-385E-4148-901F-78D8002777C0}">
-        <c16r3:dataDisplayOptions16>
-          <c16r3:dispNaAsBlank val="1"/>
-        </c16r3:dataDisplayOptions16>
-      </c:ext>
-    </c:extLst>
-    <c:showDLblsOverMax val="0"/>
-  </c:chart>
-  <c:spPr>
-    <a:noFill/>
-    <a:ln>
-      <a:noFill/>
-    </a:ln>
-    <a:effectLst/>
-  </c:spPr>
-  <c:txPr>
-    <a:bodyPr/>
-    <a:lstStyle/>
-    <a:p>
-      <a:pPr>
-        <a:defRPr/>
-      </a:pPr>
-      <a:endParaRPr lang="en-US"/>
-    </a:p>
-  </c:txPr>
-  <c:externalData r:id="rId3">
-    <c:autoUpdate val="0"/>
-  </c:externalData>
-</c:chartSpace>
-</file>
-
-<file path=ppt/charts/chart3.xml><?xml version="1.0" encoding="utf-8"?>
-<c:chartSpace xmlns:c="http://schemas.openxmlformats.org/drawingml/2006/chart" xmlns:a="http://schemas.openxmlformats.org/drawingml/2006/main" xmlns:r="http://schemas.openxmlformats.org/officeDocument/2006/relationships" xmlns:c16r2="http://schemas.microsoft.com/office/drawing/2015/06/chart">
-  <c:date1904 val="0"/>
-  <c:lang val="en-US"/>
-  <c:roundedCorners val="0"/>
-  <mc:AlternateContent xmlns:mc="http://schemas.openxmlformats.org/markup-compatibility/2006">
-    <mc:Choice xmlns:c14="http://schemas.microsoft.com/office/drawing/2007/8/2/chart" Requires="c14">
-      <c14:style val="102"/>
-    </mc:Choice>
-    <mc:Fallback>
-      <c:style val="2"/>
-    </mc:Fallback>
-  </mc:AlternateContent>
-  <c:chart>
-    <c:title>
-      <c:tx>
-        <c:rich>
-          <a:bodyPr rot="0" spcFirstLastPara="1" vertOverflow="ellipsis" vert="horz" wrap="square" anchor="ctr" anchorCtr="1"/>
-          <a:lstStyle/>
-          <a:p>
-            <a:pPr>
-              <a:defRPr sz="1862" b="0" i="0" u="none" strike="noStrike" kern="1200" spc="0" baseline="0">
-                <a:solidFill>
-                  <a:schemeClr val="tx1">
-                    <a:lumMod val="75000"/>
-                    <a:lumOff val="25000"/>
-                  </a:schemeClr>
-                </a:solidFill>
-                <a:latin typeface="+mn-lt"/>
-                <a:ea typeface="+mn-ea"/>
-                <a:cs typeface="+mn-cs"/>
-              </a:defRPr>
-            </a:pPr>
-            <a:r>
-              <a:rPr lang="en-US" dirty="0">
-                <a:solidFill>
-                  <a:schemeClr val="tx1">
-                    <a:lumMod val="75000"/>
-                    <a:lumOff val="25000"/>
-                  </a:schemeClr>
-                </a:solidFill>
-              </a:rPr>
-              <a:t>Revenue</a:t>
-            </a:r>
-            <a:r>
-              <a:rPr lang="en-US" baseline="0" dirty="0">
-                <a:solidFill>
-                  <a:schemeClr val="tx1">
-                    <a:lumMod val="75000"/>
-                    <a:lumOff val="25000"/>
-                  </a:schemeClr>
-                </a:solidFill>
-              </a:rPr>
-              <a:t> Over Time</a:t>
-            </a:r>
-            <a:endParaRPr lang="en-US" dirty="0">
-              <a:solidFill>
-                <a:schemeClr val="tx1">
-                  <a:lumMod val="75000"/>
-                  <a:lumOff val="25000"/>
-                </a:schemeClr>
-              </a:solidFill>
-            </a:endParaRPr>
-          </a:p>
-        </c:rich>
-      </c:tx>
-      <c:overlay val="0"/>
-      <c:spPr>
-        <a:noFill/>
-        <a:ln>
-          <a:noFill/>
-        </a:ln>
-        <a:effectLst/>
-      </c:spPr>
-      <c:txPr>
-        <a:bodyPr rot="0" spcFirstLastPara="1" vertOverflow="ellipsis" vert="horz" wrap="square" anchor="ctr" anchorCtr="1"/>
-        <a:lstStyle/>
-        <a:p>
-          <a:pPr>
-            <a:defRPr sz="1862" b="0" i="0" u="none" strike="noStrike" kern="1200" spc="0" baseline="0">
-              <a:solidFill>
-                <a:schemeClr val="tx1">
-                  <a:lumMod val="75000"/>
-                  <a:lumOff val="25000"/>
-                </a:schemeClr>
-              </a:solidFill>
-              <a:latin typeface="+mn-lt"/>
-              <a:ea typeface="+mn-ea"/>
-              <a:cs typeface="+mn-cs"/>
-            </a:defRPr>
-          </a:pPr>
-          <a:endParaRPr lang="en-US"/>
-        </a:p>
-      </c:txPr>
-    </c:title>
-    <c:autoTitleDeleted val="0"/>
-    <c:plotArea>
-      <c:layout/>
-      <c:lineChart>
-        <c:grouping val="stacked"/>
-        <c:varyColors val="0"/>
-        <c:ser>
-          <c:idx val="0"/>
-          <c:order val="0"/>
-          <c:tx>
-            <c:strRef>
-              <c:f>Sheet1!$B$1</c:f>
-              <c:strCache>
-                <c:ptCount val="1"/>
-                <c:pt idx="0">
-                  <c:v>Series 1</c:v>
-                </c:pt>
-              </c:strCache>
-            </c:strRef>
-          </c:tx>
-          <c:spPr>
-            <a:ln w="28575" cap="rnd">
-              <a:solidFill>
-                <a:schemeClr val="accent1"/>
-              </a:solidFill>
-              <a:round/>
-            </a:ln>
-            <a:effectLst/>
-          </c:spPr>
-          <c:marker>
-            <c:symbol val="circle"/>
-            <c:size val="5"/>
-            <c:spPr>
-              <a:solidFill>
-                <a:schemeClr val="accent1"/>
-              </a:solidFill>
-              <a:ln w="9525">
-                <a:solidFill>
-                  <a:schemeClr val="accent1"/>
-                </a:solidFill>
-              </a:ln>
-              <a:effectLst/>
-            </c:spPr>
-          </c:marker>
-          <c:dPt>
-            <c:idx val="1"/>
-            <c:marker>
-              <c:symbol val="circle"/>
-              <c:size val="5"/>
-              <c:spPr>
-                <a:solidFill>
-                  <a:schemeClr val="accent1"/>
-                </a:solidFill>
-                <a:ln w="9525">
-                  <a:solidFill>
-                    <a:schemeClr val="accent1"/>
-                  </a:solidFill>
-                </a:ln>
-                <a:effectLst/>
-              </c:spPr>
-            </c:marker>
-            <c:bubble3D val="0"/>
-            <c:spPr>
-              <a:ln w="28575" cap="rnd">
-                <a:solidFill>
-                  <a:schemeClr val="accent1"/>
-                </a:solidFill>
-                <a:round/>
-              </a:ln>
-              <a:effectLst/>
-            </c:spPr>
-            <c:extLst>
-              <c:ext xmlns:c16="http://schemas.microsoft.com/office/drawing/2014/chart" uri="{C3380CC4-5D6E-409C-BE32-E72D297353CC}">
-                <c16:uniqueId val="{00000001-0ADA-48E7-A321-402E979D2202}"/>
-              </c:ext>
-            </c:extLst>
-          </c:dPt>
-          <c:dPt>
-            <c:idx val="3"/>
-            <c:marker>
-              <c:symbol val="circle"/>
-              <c:size val="5"/>
-              <c:spPr>
-                <a:solidFill>
-                  <a:schemeClr val="accent1"/>
-                </a:solidFill>
-                <a:ln w="9525">
-                  <a:solidFill>
-                    <a:schemeClr val="accent1"/>
-                  </a:solidFill>
-                </a:ln>
-                <a:effectLst/>
-              </c:spPr>
-            </c:marker>
-            <c:bubble3D val="0"/>
-            <c:spPr>
-              <a:ln w="28575" cap="rnd">
-                <a:solidFill>
-                  <a:schemeClr val="accent1"/>
-                </a:solidFill>
-                <a:round/>
-              </a:ln>
-              <a:effectLst/>
-            </c:spPr>
-            <c:extLst>
-              <c:ext xmlns:c16="http://schemas.microsoft.com/office/drawing/2014/chart" uri="{C3380CC4-5D6E-409C-BE32-E72D297353CC}">
-                <c16:uniqueId val="{00000003-0ADA-48E7-A321-402E979D2202}"/>
-              </c:ext>
-            </c:extLst>
-          </c:dPt>
-          <c:dPt>
-            <c:idx val="4"/>
-            <c:marker>
-              <c:symbol val="circle"/>
-              <c:size val="5"/>
-              <c:spPr>
-                <a:solidFill>
-                  <a:schemeClr val="accent1"/>
-                </a:solidFill>
-                <a:ln w="9525">
-                  <a:solidFill>
-                    <a:schemeClr val="accent1"/>
-                  </a:solidFill>
-                </a:ln>
-                <a:effectLst/>
-              </c:spPr>
-            </c:marker>
-            <c:bubble3D val="0"/>
-            <c:spPr>
-              <a:ln w="28575" cap="rnd">
-                <a:solidFill>
-                  <a:schemeClr val="accent1"/>
-                </a:solidFill>
-                <a:round/>
-              </a:ln>
-              <a:effectLst/>
-            </c:spPr>
-            <c:extLst>
-              <c:ext xmlns:c16="http://schemas.microsoft.com/office/drawing/2014/chart" uri="{C3380CC4-5D6E-409C-BE32-E72D297353CC}">
-                <c16:uniqueId val="{00000005-0ADA-48E7-A321-402E979D2202}"/>
-              </c:ext>
-            </c:extLst>
-          </c:dPt>
-          <c:cat>
-            <c:strRef>
-              <c:f>Sheet1!$A$2:$A$6</c:f>
-              <c:strCache>
-                <c:ptCount val="5"/>
-                <c:pt idx="0">
-                  <c:v>20YY</c:v>
-                </c:pt>
-                <c:pt idx="1">
-                  <c:v>20YY</c:v>
-                </c:pt>
-                <c:pt idx="2">
-                  <c:v>20YY</c:v>
-                </c:pt>
-                <c:pt idx="3">
-                  <c:v>20YY</c:v>
-                </c:pt>
-                <c:pt idx="4">
-                  <c:v>20YY</c:v>
-                </c:pt>
-              </c:strCache>
-            </c:strRef>
-          </c:cat>
-          <c:val>
-            <c:numRef>
-              <c:f>Sheet1!$B$2:$B$6</c:f>
-              <c:numCache>
-                <c:formatCode>[$$-409]#,##0</c:formatCode>
-                <c:ptCount val="5"/>
-                <c:pt idx="0">
-                  <c:v>0</c:v>
-                </c:pt>
-                <c:pt idx="1">
-                  <c:v>6750</c:v>
-                </c:pt>
-                <c:pt idx="2">
-                  <c:v>33750</c:v>
-                </c:pt>
-                <c:pt idx="3">
-                  <c:v>135000</c:v>
-                </c:pt>
-                <c:pt idx="4">
-                  <c:v>270000</c:v>
-                </c:pt>
-              </c:numCache>
-            </c:numRef>
-          </c:val>
-          <c:smooth val="0"/>
-          <c:extLst>
-            <c:ext xmlns:c16="http://schemas.microsoft.com/office/drawing/2014/chart" uri="{C3380CC4-5D6E-409C-BE32-E72D297353CC}">
-              <c16:uniqueId val="{00000006-0ADA-48E7-A321-402E979D2202}"/>
-            </c:ext>
-          </c:extLst>
-        </c:ser>
-        <c:dLbls>
-          <c:showLegendKey val="0"/>
-          <c:showVal val="0"/>
-          <c:showCatName val="0"/>
-          <c:showSerName val="0"/>
-          <c:showPercent val="0"/>
-          <c:showBubbleSize val="0"/>
-        </c:dLbls>
-        <c:marker val="1"/>
-        <c:smooth val="0"/>
-        <c:axId val="1000041416"/>
-        <c:axId val="1000041744"/>
-      </c:lineChart>
-      <c:catAx>
-        <c:axId val="1000041416"/>
-        <c:scaling>
-          <c:orientation val="minMax"/>
-        </c:scaling>
-        <c:delete val="0"/>
-        <c:axPos val="b"/>
-        <c:numFmt formatCode="General" sourceLinked="1"/>
-        <c:majorTickMark val="none"/>
-        <c:minorTickMark val="none"/>
-        <c:tickLblPos val="nextTo"/>
-        <c:spPr>
-          <a:noFill/>
-          <a:ln w="9525" cap="flat" cmpd="sng" algn="ctr">
-            <a:solidFill>
-              <a:schemeClr val="tx1">
-                <a:lumMod val="15000"/>
-                <a:lumOff val="85000"/>
-              </a:schemeClr>
-            </a:solidFill>
-            <a:round/>
-          </a:ln>
-          <a:effectLst/>
-        </c:spPr>
-        <c:txPr>
-          <a:bodyPr rot="-60000000" spcFirstLastPara="1" vertOverflow="ellipsis" vert="horz" wrap="square" anchor="ctr" anchorCtr="1"/>
-          <a:lstStyle/>
-          <a:p>
-            <a:pPr>
-              <a:defRPr sz="1400" b="0" i="0" u="none" strike="noStrike" kern="1200" baseline="0">
-                <a:solidFill>
-                  <a:schemeClr val="tx1">
-                    <a:lumMod val="65000"/>
-                    <a:lumOff val="35000"/>
-                  </a:schemeClr>
-                </a:solidFill>
-                <a:latin typeface="+mn-lt"/>
-                <a:ea typeface="+mn-ea"/>
-                <a:cs typeface="+mn-cs"/>
-              </a:defRPr>
-            </a:pPr>
-            <a:endParaRPr lang="en-US"/>
-          </a:p>
-        </c:txPr>
-        <c:crossAx val="1000041744"/>
-        <c:crosses val="autoZero"/>
-        <c:auto val="1"/>
-        <c:lblAlgn val="ctr"/>
-        <c:lblOffset val="100"/>
-        <c:noMultiLvlLbl val="0"/>
-      </c:catAx>
-      <c:valAx>
-        <c:axId val="1000041744"/>
-        <c:scaling>
-          <c:orientation val="minMax"/>
-        </c:scaling>
-        <c:delete val="0"/>
-        <c:axPos val="l"/>
-        <c:majorGridlines>
-          <c:spPr>
-            <a:ln w="9525" cap="flat" cmpd="sng" algn="ctr">
-              <a:solidFill>
-                <a:schemeClr val="tx1">
-                  <a:lumMod val="15000"/>
-                  <a:lumOff val="85000"/>
-                </a:schemeClr>
-              </a:solidFill>
-              <a:round/>
-            </a:ln>
-            <a:effectLst/>
-          </c:spPr>
-        </c:majorGridlines>
-        <c:numFmt formatCode="[$$-409]#,##0" sourceLinked="1"/>
-        <c:majorTickMark val="none"/>
-        <c:minorTickMark val="none"/>
-        <c:tickLblPos val="nextTo"/>
-        <c:spPr>
-          <a:noFill/>
-          <a:ln>
-            <a:noFill/>
-          </a:ln>
-          <a:effectLst/>
-        </c:spPr>
-        <c:txPr>
-          <a:bodyPr rot="-60000000" spcFirstLastPara="1" vertOverflow="ellipsis" vert="horz" wrap="square" anchor="ctr" anchorCtr="1"/>
-          <a:lstStyle/>
-          <a:p>
-            <a:pPr>
-              <a:defRPr sz="1400" b="0" i="0" u="none" strike="noStrike" kern="1200" baseline="0">
-                <a:solidFill>
-                  <a:schemeClr val="tx1">
-                    <a:lumMod val="65000"/>
-                    <a:lumOff val="35000"/>
-                  </a:schemeClr>
-                </a:solidFill>
-                <a:latin typeface="+mn-lt"/>
-                <a:ea typeface="+mn-ea"/>
-                <a:cs typeface="+mn-cs"/>
-              </a:defRPr>
-            </a:pPr>
-            <a:endParaRPr lang="en-US"/>
-          </a:p>
-        </c:txPr>
-        <c:crossAx val="1000041416"/>
-        <c:crosses val="autoZero"/>
-        <c:crossBetween val="between"/>
-      </c:valAx>
-      <c:spPr>
-        <a:noFill/>
-        <a:ln>
-          <a:noFill/>
-        </a:ln>
-        <a:effectLst/>
-      </c:spPr>
-    </c:plotArea>
-    <c:plotVisOnly val="1"/>
-    <c:dispBlanksAs val="gap"/>
-    <c:extLst>
-      <c:ext xmlns:c16r3="http://schemas.microsoft.com/office/drawing/2017/03/chart" uri="{56B9EC1D-385E-4148-901F-78D8002777C0}">
-        <c16r3:dataDisplayOptions16>
-          <c16r3:dispNaAsBlank val="1"/>
-        </c16r3:dataDisplayOptions16>
-      </c:ext>
-    </c:extLst>
-    <c:showDLblsOverMax val="0"/>
-  </c:chart>
-  <c:spPr>
-    <a:noFill/>
-    <a:ln>
-      <a:noFill/>
-    </a:ln>
-    <a:effectLst/>
-  </c:spPr>
-  <c:txPr>
-    <a:bodyPr/>
-    <a:lstStyle/>
-    <a:p>
-      <a:pPr>
-        <a:defRPr/>
-      </a:pPr>
-      <a:endParaRPr lang="en-US"/>
-    </a:p>
-  </c:txPr>
-  <c:externalData r:id="rId3">
-    <c:autoUpdate val="0"/>
-  </c:externalData>
-</c:chartSpace>
-</file>
-
-<file path=ppt/charts/colors1.xml><?xml version="1.0" encoding="utf-8"?>
-<cs:colorStyle xmlns:cs="http://schemas.microsoft.com/office/drawing/2012/chartStyle" xmlns:a="http://schemas.openxmlformats.org/drawingml/2006/main" meth="cycle" id="10">
-  <a:schemeClr val="accent1"/>
-  <a:schemeClr val="accent2"/>
-  <a:schemeClr val="accent3"/>
-  <a:schemeClr val="accent4"/>
-  <a:schemeClr val="accent5"/>
-  <a:schemeClr val="accent6"/>
-  <cs:variation/>
-  <cs:variation>
-    <a:lumMod val="60000"/>
-  </cs:variation>
-  <cs:variation>
-    <a:lumMod val="80000"/>
-    <a:lumOff val="20000"/>
-  </cs:variation>
-  <cs:variation>
-    <a:lumMod val="80000"/>
-  </cs:variation>
-  <cs:variation>
-    <a:lumMod val="60000"/>
-    <a:lumOff val="40000"/>
-  </cs:variation>
-  <cs:variation>
-    <a:lumMod val="50000"/>
-  </cs:variation>
-  <cs:variation>
-    <a:lumMod val="70000"/>
-    <a:lumOff val="30000"/>
-  </cs:variation>
-  <cs:variation>
-    <a:lumMod val="70000"/>
-  </cs:variation>
-  <cs:variation>
-    <a:lumMod val="50000"/>
-    <a:lumOff val="50000"/>
-  </cs:variation>
-</cs:colorStyle>
-</file>
-
-<file path=ppt/charts/colors2.xml><?xml version="1.0" encoding="utf-8"?>
-<cs:colorStyle xmlns:cs="http://schemas.microsoft.com/office/drawing/2012/chartStyle" xmlns:a="http://schemas.openxmlformats.org/drawingml/2006/main" meth="cycle" id="10">
-  <a:schemeClr val="accent1"/>
-  <a:schemeClr val="accent2"/>
-  <a:schemeClr val="accent3"/>
-  <a:schemeClr val="accent4"/>
-  <a:schemeClr val="accent5"/>
-  <a:schemeClr val="accent6"/>
-  <cs:variation/>
-  <cs:variation>
-    <a:lumMod val="60000"/>
-  </cs:variation>
-  <cs:variation>
-    <a:lumMod val="80000"/>
-    <a:lumOff val="20000"/>
-  </cs:variation>
-  <cs:variation>
-    <a:lumMod val="80000"/>
-  </cs:variation>
-  <cs:variation>
-    <a:lumMod val="60000"/>
-    <a:lumOff val="40000"/>
-  </cs:variation>
-  <cs:variation>
-    <a:lumMod val="50000"/>
-  </cs:variation>
-  <cs:variation>
-    <a:lumMod val="70000"/>
-    <a:lumOff val="30000"/>
-  </cs:variation>
-  <cs:variation>
-    <a:lumMod val="70000"/>
-  </cs:variation>
-  <cs:variation>
-    <a:lumMod val="50000"/>
-    <a:lumOff val="50000"/>
-  </cs:variation>
-</cs:colorStyle>
-</file>
-
-<file path=ppt/charts/colors3.xml><?xml version="1.0" encoding="utf-8"?>
-<cs:colorStyle xmlns:cs="http://schemas.microsoft.com/office/drawing/2012/chartStyle" xmlns:a="http://schemas.openxmlformats.org/drawingml/2006/main" meth="cycle" id="10">
-  <a:schemeClr val="accent1"/>
-  <a:schemeClr val="accent2"/>
-  <a:schemeClr val="accent3"/>
-  <a:schemeClr val="accent4"/>
-  <a:schemeClr val="accent5"/>
-  <a:schemeClr val="accent6"/>
-  <cs:variation/>
-  <cs:variation>
-    <a:lumMod val="60000"/>
-  </cs:variation>
-  <cs:variation>
-    <a:lumMod val="80000"/>
-    <a:lumOff val="20000"/>
-  </cs:variation>
-  <cs:variation>
-    <a:lumMod val="80000"/>
-  </cs:variation>
-  <cs:variation>
-    <a:lumMod val="60000"/>
-    <a:lumOff val="40000"/>
-  </cs:variation>
-  <cs:variation>
-    <a:lumMod val="50000"/>
-  </cs:variation>
-  <cs:variation>
-    <a:lumMod val="70000"/>
-    <a:lumOff val="30000"/>
-  </cs:variation>
-  <cs:variation>
-    <a:lumMod val="70000"/>
-  </cs:variation>
-  <cs:variation>
-    <a:lumMod val="50000"/>
-    <a:lumOff val="50000"/>
-  </cs:variation>
-</cs:colorStyle>
-</file>
-
-<file path=ppt/charts/style1.xml><?xml version="1.0" encoding="utf-8"?>
-<cs:chartStyle xmlns:cs="http://schemas.microsoft.com/office/drawing/2012/chartStyle" xmlns:a="http://schemas.openxmlformats.org/drawingml/2006/main" id="201">
-  <cs:axisTitle>
-    <cs:lnRef idx="0"/>
-    <cs:fillRef idx="0"/>
-    <cs:effectRef idx="0"/>
-    <cs:fontRef idx="minor">
-      <a:schemeClr val="tx1">
-        <a:lumMod val="65000"/>
-        <a:lumOff val="35000"/>
-      </a:schemeClr>
-    </cs:fontRef>
-    <cs:defRPr sz="1330" kern="1200"/>
-  </cs:axisTitle>
-  <cs:categoryAxis>
-    <cs:lnRef idx="0"/>
-    <cs:fillRef idx="0"/>
-    <cs:effectRef idx="0"/>
-    <cs:fontRef idx="minor">
-      <a:schemeClr val="tx1">
-        <a:lumMod val="65000"/>
-        <a:lumOff val="35000"/>
-      </a:schemeClr>
-    </cs:fontRef>
-    <cs:spPr>
-      <a:ln w="9525" cap="flat" cmpd="sng" algn="ctr">
-        <a:solidFill>
-          <a:schemeClr val="tx1">
-            <a:lumMod val="15000"/>
-            <a:lumOff val="85000"/>
-          </a:schemeClr>
-        </a:solidFill>
-        <a:round/>
-      </a:ln>
-    </cs:spPr>
-    <cs:defRPr sz="1197" kern="1200"/>
-  </cs:categoryAxis>
-  <cs:chartArea mods="allowNoFillOverride allowNoLineOverride">
-    <cs:lnRef idx="0"/>
-    <cs:fillRef idx="0"/>
-    <cs:effectRef idx="0"/>
-    <cs:fontRef idx="minor">
-      <a:schemeClr val="tx1"/>
-    </cs:fontRef>
-    <cs:spPr>
-      <a:solidFill>
-        <a:schemeClr val="bg1"/>
-      </a:solidFill>
-      <a:ln w="9525" cap="flat" cmpd="sng" algn="ctr">
-        <a:solidFill>
-          <a:schemeClr val="tx1">
-            <a:lumMod val="15000"/>
-            <a:lumOff val="85000"/>
-          </a:schemeClr>
-        </a:solidFill>
-        <a:round/>
-      </a:ln>
-    </cs:spPr>
-    <cs:defRPr sz="1330" kern="1200"/>
-  </cs:chartArea>
-  <cs:dataLabel>
-    <cs:lnRef idx="0"/>
-    <cs:fillRef idx="0"/>
-    <cs:effectRef idx="0"/>
-    <cs:fontRef idx="minor">
-      <a:schemeClr val="tx1">
-        <a:lumMod val="75000"/>
-        <a:lumOff val="25000"/>
-      </a:schemeClr>
-    </cs:fontRef>
-    <cs:defRPr sz="1197" kern="1200"/>
-  </cs:dataLabel>
-  <cs:dataLabelCallout>
-    <cs:lnRef idx="0"/>
-    <cs:fillRef idx="0"/>
-    <cs:effectRef idx="0"/>
-    <cs:fontRef idx="minor">
-      <a:schemeClr val="dk1">
-        <a:lumMod val="65000"/>
-        <a:lumOff val="35000"/>
-      </a:schemeClr>
-    </cs:fontRef>
-    <cs:spPr>
-      <a:solidFill>
-        <a:schemeClr val="lt1"/>
-      </a:solidFill>
-      <a:ln>
-        <a:solidFill>
-          <a:schemeClr val="dk1">
-            <a:lumMod val="25000"/>
-            <a:lumOff val="75000"/>
-          </a:schemeClr>
-        </a:solidFill>
-      </a:ln>
-    </cs:spPr>
-    <cs:defRPr sz="1197" kern="1200"/>
-    <cs:bodyPr rot="0" spcFirstLastPara="1" vertOverflow="clip" horzOverflow="clip" vert="horz" wrap="square" lIns="36576" tIns="18288" rIns="36576" bIns="18288" anchor="ctr" anchorCtr="1">
-      <a:spAutoFit/>
-    </cs:bodyPr>
-  </cs:dataLabelCallout>
-  <cs:dataPoint>
-    <cs:lnRef idx="0"/>
-    <cs:fillRef idx="1">
-      <cs:styleClr val="auto"/>
-    </cs:fillRef>
-    <cs:effectRef idx="0"/>
-    <cs:fontRef idx="minor">
-      <a:schemeClr val="tx1"/>
-    </cs:fontRef>
-  </cs:dataPoint>
-  <cs:dataPoint3D>
-    <cs:lnRef idx="0"/>
-    <cs:fillRef idx="1">
-      <cs:styleClr val="auto"/>
-    </cs:fillRef>
-    <cs:effectRef idx="0"/>
-    <cs:fontRef idx="minor">
-      <a:schemeClr val="tx1"/>
-    </cs:fontRef>
-  </cs:dataPoint3D>
-  <cs:dataPointLine>
-    <cs:lnRef idx="0">
-      <cs:styleClr val="auto"/>
-    </cs:lnRef>
-    <cs:fillRef idx="1"/>
-    <cs:effectRef idx="0"/>
-    <cs:fontRef idx="minor">
-      <a:schemeClr val="tx1"/>
-    </cs:fontRef>
-    <cs:spPr>
-      <a:ln w="28575" cap="rnd">
-        <a:solidFill>
-          <a:schemeClr val="phClr"/>
-        </a:solidFill>
-        <a:round/>
-      </a:ln>
-    </cs:spPr>
-  </cs:dataPointLine>
-  <cs:dataPointMarker>
-    <cs:lnRef idx="0">
-      <cs:styleClr val="auto"/>
-    </cs:lnRef>
-    <cs:fillRef idx="1">
-      <cs:styleClr val="auto"/>
-    </cs:fillRef>
-    <cs:effectRef idx="0"/>
-    <cs:fontRef idx="minor">
-      <a:schemeClr val="tx1"/>
-    </cs:fontRef>
-    <cs:spPr>
-      <a:ln w="9525">
-        <a:solidFill>
-          <a:schemeClr val="phClr"/>
-        </a:solidFill>
-      </a:ln>
-    </cs:spPr>
-  </cs:dataPointMarker>
-  <cs:dataPointMarkerLayout symbol="circle" size="5"/>
-  <cs:dataPointWireframe>
-    <cs:lnRef idx="0">
-      <cs:styleClr val="auto"/>
-    </cs:lnRef>
-    <cs:fillRef idx="1"/>
-    <cs:effectRef idx="0"/>
-    <cs:fontRef idx="minor">
-      <a:schemeClr val="tx1"/>
-    </cs:fontRef>
-    <cs:spPr>
-      <a:ln w="9525" cap="rnd">
-        <a:solidFill>
-          <a:schemeClr val="phClr"/>
-        </a:solidFill>
-        <a:round/>
-      </a:ln>
-    </cs:spPr>
-  </cs:dataPointWireframe>
-  <cs:dataTable>
-    <cs:lnRef idx="0"/>
-    <cs:fillRef idx="0"/>
-    <cs:effectRef idx="0"/>
-    <cs:fontRef idx="minor">
-      <a:schemeClr val="tx1">
-        <a:lumMod val="65000"/>
-        <a:lumOff val="35000"/>
-      </a:schemeClr>
-    </cs:fontRef>
-    <cs:spPr>
-      <a:noFill/>
-      <a:ln w="9525" cap="flat" cmpd="sng" algn="ctr">
-        <a:solidFill>
-          <a:schemeClr val="tx1">
-            <a:lumMod val="15000"/>
-            <a:lumOff val="85000"/>
-          </a:schemeClr>
-        </a:solidFill>
-        <a:round/>
-      </a:ln>
-    </cs:spPr>
-    <cs:defRPr sz="1197" kern="1200"/>
-  </cs:dataTable>
-  <cs:downBar>
-    <cs:lnRef idx="0"/>
-    <cs:fillRef idx="0"/>
-    <cs:effectRef idx="0"/>
-    <cs:fontRef idx="minor">
-      <a:schemeClr val="dk1"/>
-    </cs:fontRef>
-    <cs:spPr>
-      <a:solidFill>
-        <a:schemeClr val="dk1">
-          <a:lumMod val="65000"/>
-          <a:lumOff val="35000"/>
-        </a:schemeClr>
-      </a:solidFill>
-      <a:ln w="9525">
-        <a:solidFill>
-          <a:schemeClr val="tx1">
-            <a:lumMod val="65000"/>
-            <a:lumOff val="35000"/>
-          </a:schemeClr>
-        </a:solidFill>
-      </a:ln>
-    </cs:spPr>
-  </cs:downBar>
-  <cs:dropLine>
-    <cs:lnRef idx="0"/>
-    <cs:fillRef idx="0"/>
-    <cs:effectRef idx="0"/>
-    <cs:fontRef idx="minor">
-      <a:schemeClr val="tx1"/>
-    </cs:fontRef>
-    <cs:spPr>
-      <a:ln w="9525" cap="flat" cmpd="sng" algn="ctr">
-        <a:solidFill>
-          <a:schemeClr val="tx1">
-            <a:lumMod val="35000"/>
-            <a:lumOff val="65000"/>
-          </a:schemeClr>
-        </a:solidFill>
-        <a:round/>
-      </a:ln>
-    </cs:spPr>
-  </cs:dropLine>
-  <cs:errorBar>
-    <cs:lnRef idx="0"/>
-    <cs:fillRef idx="0"/>
-    <cs:effectRef idx="0"/>
-    <cs:fontRef idx="minor">
-      <a:schemeClr val="tx1"/>
-    </cs:fontRef>
-    <cs:spPr>
-      <a:ln w="9525" cap="flat" cmpd="sng" algn="ctr">
-        <a:solidFill>
-          <a:schemeClr val="tx1">
-            <a:lumMod val="65000"/>
-            <a:lumOff val="35000"/>
-          </a:schemeClr>
-        </a:solidFill>
-        <a:round/>
-      </a:ln>
-    </cs:spPr>
-  </cs:errorBar>
-  <cs:floor>
-    <cs:lnRef idx="0"/>
-    <cs:fillRef idx="0"/>
-    <cs:effectRef idx="0"/>
-    <cs:fontRef idx="minor">
-      <a:schemeClr val="tx1"/>
-    </cs:fontRef>
-    <cs:spPr>
-      <a:noFill/>
-      <a:ln>
-        <a:noFill/>
-      </a:ln>
-    </cs:spPr>
-  </cs:floor>
-  <cs:gridlineMajor>
-    <cs:lnRef idx="0"/>
-    <cs:fillRef idx="0"/>
-    <cs:effectRef idx="0"/>
-    <cs:fontRef idx="minor">
-      <a:schemeClr val="tx1"/>
-    </cs:fontRef>
-    <cs:spPr>
-      <a:ln w="9525" cap="flat" cmpd="sng" algn="ctr">
-        <a:solidFill>
-          <a:schemeClr val="tx1">
-            <a:lumMod val="15000"/>
-            <a:lumOff val="85000"/>
-          </a:schemeClr>
-        </a:solidFill>
-        <a:round/>
-      </a:ln>
-    </cs:spPr>
-  </cs:gridlineMajor>
-  <cs:gridlineMinor>
-    <cs:lnRef idx="0"/>
-    <cs:fillRef idx="0"/>
-    <cs:effectRef idx="0"/>
-    <cs:fontRef idx="minor">
-      <a:schemeClr val="tx1"/>
-    </cs:fontRef>
-    <cs:spPr>
-      <a:ln w="9525" cap="flat" cmpd="sng" algn="ctr">
-        <a:solidFill>
-          <a:schemeClr val="tx1">
-            <a:lumMod val="5000"/>
-            <a:lumOff val="95000"/>
-          </a:schemeClr>
-        </a:solidFill>
-        <a:round/>
-      </a:ln>
-    </cs:spPr>
-  </cs:gridlineMinor>
-  <cs:hiLoLine>
-    <cs:lnRef idx="0"/>
-    <cs:fillRef idx="0"/>
-    <cs:effectRef idx="0"/>
-    <cs:fontRef idx="minor">
-      <a:schemeClr val="tx1"/>
-    </cs:fontRef>
-    <cs:spPr>
-      <a:ln w="9525" cap="flat" cmpd="sng" algn="ctr">
-        <a:solidFill>
-          <a:schemeClr val="tx1">
-            <a:lumMod val="75000"/>
-            <a:lumOff val="25000"/>
-          </a:schemeClr>
-        </a:solidFill>
-        <a:round/>
-      </a:ln>
-    </cs:spPr>
-  </cs:hiLoLine>
-  <cs:leaderLine>
-    <cs:lnRef idx="0"/>
-    <cs:fillRef idx="0"/>
-    <cs:effectRef idx="0"/>
-    <cs:fontRef idx="minor">
-      <a:schemeClr val="tx1"/>
-    </cs:fontRef>
-    <cs:spPr>
-      <a:ln w="9525" cap="flat" cmpd="sng" algn="ctr">
-        <a:solidFill>
-          <a:schemeClr val="tx1">
-            <a:lumMod val="35000"/>
-            <a:lumOff val="65000"/>
-          </a:schemeClr>
-        </a:solidFill>
-        <a:round/>
-      </a:ln>
-    </cs:spPr>
-  </cs:leaderLine>
-  <cs:legend>
-    <cs:lnRef idx="0"/>
-    <cs:fillRef idx="0"/>
-    <cs:effectRef idx="0"/>
-    <cs:fontRef idx="minor">
-      <a:schemeClr val="tx1">
-        <a:lumMod val="65000"/>
-        <a:lumOff val="35000"/>
-      </a:schemeClr>
-    </cs:fontRef>
-    <cs:defRPr sz="1197" kern="1200"/>
-  </cs:legend>
-  <cs:plotArea mods="allowNoFillOverride allowNoLineOverride">
-    <cs:lnRef idx="0"/>
-    <cs:fillRef idx="0"/>
-    <cs:effectRef idx="0"/>
-    <cs:fontRef idx="minor">
-      <a:schemeClr val="tx1"/>
-    </cs:fontRef>
-  </cs:plotArea>
-  <cs:plotArea3D mods="allowNoFillOverride allowNoLineOverride">
-    <cs:lnRef idx="0"/>
-    <cs:fillRef idx="0"/>
-    <cs:effectRef idx="0"/>
-    <cs:fontRef idx="minor">
-      <a:schemeClr val="tx1"/>
-    </cs:fontRef>
-  </cs:plotArea3D>
-  <cs:seriesAxis>
-    <cs:lnRef idx="0"/>
-    <cs:fillRef idx="0"/>
-    <cs:effectRef idx="0"/>
-    <cs:fontRef idx="minor">
-      <a:schemeClr val="tx1">
-        <a:lumMod val="65000"/>
-        <a:lumOff val="35000"/>
-      </a:schemeClr>
-    </cs:fontRef>
-    <cs:defRPr sz="1197" kern="1200"/>
-  </cs:seriesAxis>
-  <cs:seriesLine>
-    <cs:lnRef idx="0"/>
-    <cs:fillRef idx="0"/>
-    <cs:effectRef idx="0"/>
-    <cs:fontRef idx="minor">
-      <a:schemeClr val="tx1"/>
-    </cs:fontRef>
-    <cs:spPr>
-      <a:ln w="9525" cap="flat" cmpd="sng" algn="ctr">
-        <a:solidFill>
-          <a:schemeClr val="tx1">
-            <a:lumMod val="35000"/>
-            <a:lumOff val="65000"/>
-          </a:schemeClr>
-        </a:solidFill>
-        <a:round/>
-      </a:ln>
-    </cs:spPr>
-  </cs:seriesLine>
-  <cs:title>
-    <cs:lnRef idx="0"/>
-    <cs:fillRef idx="0"/>
-    <cs:effectRef idx="0"/>
-    <cs:fontRef idx="minor">
-      <a:schemeClr val="tx1">
-        <a:lumMod val="65000"/>
-        <a:lumOff val="35000"/>
-      </a:schemeClr>
-    </cs:fontRef>
-    <cs:defRPr sz="1862" b="0" kern="1200" spc="0" baseline="0"/>
-  </cs:title>
-  <cs:trendline>
-    <cs:lnRef idx="0">
-      <cs:styleClr val="auto"/>
-    </cs:lnRef>
-    <cs:fillRef idx="0"/>
-    <cs:effectRef idx="0"/>
-    <cs:fontRef idx="minor">
-      <a:schemeClr val="tx1"/>
-    </cs:fontRef>
-    <cs:spPr>
-      <a:ln w="19050" cap="rnd">
-        <a:solidFill>
-          <a:schemeClr val="phClr"/>
-        </a:solidFill>
-        <a:prstDash val="sysDot"/>
-      </a:ln>
-    </cs:spPr>
-  </cs:trendline>
-  <cs:trendlineLabel>
-    <cs:lnRef idx="0"/>
-    <cs:fillRef idx="0"/>
-    <cs:effectRef idx="0"/>
-    <cs:fontRef idx="minor">
-      <a:schemeClr val="tx1">
-        <a:lumMod val="65000"/>
-        <a:lumOff val="35000"/>
-      </a:schemeClr>
-    </cs:fontRef>
-    <cs:defRPr sz="1197" kern="1200"/>
-  </cs:trendlineLabel>
-  <cs:upBar>
-    <cs:lnRef idx="0"/>
-    <cs:fillRef idx="0"/>
-    <cs:effectRef idx="0"/>
-    <cs:fontRef idx="minor">
-      <a:schemeClr val="dk1"/>
-    </cs:fontRef>
-    <cs:spPr>
-      <a:solidFill>
-        <a:schemeClr val="lt1"/>
-      </a:solidFill>
-      <a:ln w="9525">
-        <a:solidFill>
-          <a:schemeClr val="tx1">
-            <a:lumMod val="15000"/>
-            <a:lumOff val="85000"/>
-          </a:schemeClr>
-        </a:solidFill>
-      </a:ln>
-    </cs:spPr>
-  </cs:upBar>
-  <cs:valueAxis>
-    <cs:lnRef idx="0"/>
-    <cs:fillRef idx="0"/>
-    <cs:effectRef idx="0"/>
-    <cs:fontRef idx="minor">
-      <a:schemeClr val="tx1">
-        <a:lumMod val="65000"/>
-        <a:lumOff val="35000"/>
-      </a:schemeClr>
-    </cs:fontRef>
-    <cs:defRPr sz="1197" kern="1200"/>
-  </cs:valueAxis>
-  <cs:wall>
-    <cs:lnRef idx="0"/>
-    <cs:fillRef idx="0"/>
-    <cs:effectRef idx="0"/>
-    <cs:fontRef idx="minor">
-      <a:schemeClr val="tx1"/>
-    </cs:fontRef>
-    <cs:spPr>
-      <a:noFill/>
-      <a:ln>
-        <a:noFill/>
-      </a:ln>
-    </cs:spPr>
-  </cs:wall>
-</cs:chartStyle>
-</file>
-
-<file path=ppt/charts/style2.xml><?xml version="1.0" encoding="utf-8"?>
-<cs:chartStyle xmlns:cs="http://schemas.microsoft.com/office/drawing/2012/chartStyle" xmlns:a="http://schemas.openxmlformats.org/drawingml/2006/main" id="201">
-  <cs:axisTitle>
-    <cs:lnRef idx="0"/>
-    <cs:fillRef idx="0"/>
-    <cs:effectRef idx="0"/>
-    <cs:fontRef idx="minor">
-      <a:schemeClr val="tx1">
-        <a:lumMod val="65000"/>
-        <a:lumOff val="35000"/>
-      </a:schemeClr>
-    </cs:fontRef>
-    <cs:defRPr sz="1330" kern="1200"/>
-  </cs:axisTitle>
-  <cs:categoryAxis>
-    <cs:lnRef idx="0"/>
-    <cs:fillRef idx="0"/>
-    <cs:effectRef idx="0"/>
-    <cs:fontRef idx="minor">
-      <a:schemeClr val="tx1">
-        <a:lumMod val="65000"/>
-        <a:lumOff val="35000"/>
-      </a:schemeClr>
-    </cs:fontRef>
-    <cs:spPr>
-      <a:ln w="9525" cap="flat" cmpd="sng" algn="ctr">
-        <a:solidFill>
-          <a:schemeClr val="tx1">
-            <a:lumMod val="15000"/>
-            <a:lumOff val="85000"/>
-          </a:schemeClr>
-        </a:solidFill>
-        <a:round/>
-      </a:ln>
-    </cs:spPr>
-    <cs:defRPr sz="1197" kern="1200"/>
-  </cs:categoryAxis>
-  <cs:chartArea mods="allowNoFillOverride allowNoLineOverride">
-    <cs:lnRef idx="0"/>
-    <cs:fillRef idx="0"/>
-    <cs:effectRef idx="0"/>
-    <cs:fontRef idx="minor">
-      <a:schemeClr val="tx1"/>
-    </cs:fontRef>
-    <cs:spPr>
-      <a:solidFill>
-        <a:schemeClr val="bg1"/>
-      </a:solidFill>
-      <a:ln w="9525" cap="flat" cmpd="sng" algn="ctr">
-        <a:solidFill>
-          <a:schemeClr val="tx1">
-            <a:lumMod val="15000"/>
-            <a:lumOff val="85000"/>
-          </a:schemeClr>
-        </a:solidFill>
-        <a:round/>
-      </a:ln>
-    </cs:spPr>
-    <cs:defRPr sz="1330" kern="1200"/>
-  </cs:chartArea>
-  <cs:dataLabel>
-    <cs:lnRef idx="0"/>
-    <cs:fillRef idx="0"/>
-    <cs:effectRef idx="0"/>
-    <cs:fontRef idx="minor">
-      <a:schemeClr val="tx1">
-        <a:lumMod val="75000"/>
-        <a:lumOff val="25000"/>
-      </a:schemeClr>
-    </cs:fontRef>
-    <cs:defRPr sz="1197" kern="1200"/>
-  </cs:dataLabel>
-  <cs:dataLabelCallout>
-    <cs:lnRef idx="0"/>
-    <cs:fillRef idx="0"/>
-    <cs:effectRef idx="0"/>
-    <cs:fontRef idx="minor">
-      <a:schemeClr val="dk1">
-        <a:lumMod val="65000"/>
-        <a:lumOff val="35000"/>
-      </a:schemeClr>
-    </cs:fontRef>
-    <cs:spPr>
-      <a:solidFill>
-        <a:schemeClr val="lt1"/>
-      </a:solidFill>
-      <a:ln>
-        <a:solidFill>
-          <a:schemeClr val="dk1">
-            <a:lumMod val="25000"/>
-            <a:lumOff val="75000"/>
-          </a:schemeClr>
-        </a:solidFill>
-      </a:ln>
-    </cs:spPr>
-    <cs:defRPr sz="1197" kern="1200"/>
-    <cs:bodyPr rot="0" spcFirstLastPara="1" vertOverflow="clip" horzOverflow="clip" vert="horz" wrap="square" lIns="36576" tIns="18288" rIns="36576" bIns="18288" anchor="ctr" anchorCtr="1">
-      <a:spAutoFit/>
-    </cs:bodyPr>
-  </cs:dataLabelCallout>
-  <cs:dataPoint>
-    <cs:lnRef idx="0"/>
-    <cs:fillRef idx="1">
-      <cs:styleClr val="auto"/>
-    </cs:fillRef>
-    <cs:effectRef idx="0"/>
-    <cs:fontRef idx="minor">
-      <a:schemeClr val="tx1"/>
-    </cs:fontRef>
-  </cs:dataPoint>
-  <cs:dataPoint3D>
-    <cs:lnRef idx="0"/>
-    <cs:fillRef idx="1">
-      <cs:styleClr val="auto"/>
-    </cs:fillRef>
-    <cs:effectRef idx="0"/>
-    <cs:fontRef idx="minor">
-      <a:schemeClr val="tx1"/>
-    </cs:fontRef>
-  </cs:dataPoint3D>
-  <cs:dataPointLine>
-    <cs:lnRef idx="0">
-      <cs:styleClr val="auto"/>
-    </cs:lnRef>
-    <cs:fillRef idx="1"/>
-    <cs:effectRef idx="0"/>
-    <cs:fontRef idx="minor">
-      <a:schemeClr val="tx1"/>
-    </cs:fontRef>
-    <cs:spPr>
-      <a:ln w="28575" cap="rnd">
-        <a:solidFill>
-          <a:schemeClr val="phClr"/>
-        </a:solidFill>
-        <a:round/>
-      </a:ln>
-    </cs:spPr>
-  </cs:dataPointLine>
-  <cs:dataPointMarker>
-    <cs:lnRef idx="0">
-      <cs:styleClr val="auto"/>
-    </cs:lnRef>
-    <cs:fillRef idx="1">
-      <cs:styleClr val="auto"/>
-    </cs:fillRef>
-    <cs:effectRef idx="0"/>
-    <cs:fontRef idx="minor">
-      <a:schemeClr val="tx1"/>
-    </cs:fontRef>
-    <cs:spPr>
-      <a:ln w="9525">
-        <a:solidFill>
-          <a:schemeClr val="phClr"/>
-        </a:solidFill>
-      </a:ln>
-    </cs:spPr>
-  </cs:dataPointMarker>
-  <cs:dataPointMarkerLayout symbol="circle" size="5"/>
-  <cs:dataPointWireframe>
-    <cs:lnRef idx="0">
-      <cs:styleClr val="auto"/>
-    </cs:lnRef>
-    <cs:fillRef idx="1"/>
-    <cs:effectRef idx="0"/>
-    <cs:fontRef idx="minor">
-      <a:schemeClr val="tx1"/>
-    </cs:fontRef>
-    <cs:spPr>
-      <a:ln w="9525" cap="rnd">
-        <a:solidFill>
-          <a:schemeClr val="phClr"/>
-        </a:solidFill>
-        <a:round/>
-      </a:ln>
-    </cs:spPr>
-  </cs:dataPointWireframe>
-  <cs:dataTable>
-    <cs:lnRef idx="0"/>
-    <cs:fillRef idx="0"/>
-    <cs:effectRef idx="0"/>
-    <cs:fontRef idx="minor">
-      <a:schemeClr val="tx1">
-        <a:lumMod val="65000"/>
-        <a:lumOff val="35000"/>
-      </a:schemeClr>
-    </cs:fontRef>
-    <cs:spPr>
-      <a:noFill/>
-      <a:ln w="9525" cap="flat" cmpd="sng" algn="ctr">
-        <a:solidFill>
-          <a:schemeClr val="tx1">
-            <a:lumMod val="15000"/>
-            <a:lumOff val="85000"/>
-          </a:schemeClr>
-        </a:solidFill>
-        <a:round/>
-      </a:ln>
-    </cs:spPr>
-    <cs:defRPr sz="1197" kern="1200"/>
-  </cs:dataTable>
-  <cs:downBar>
-    <cs:lnRef idx="0"/>
-    <cs:fillRef idx="0"/>
-    <cs:effectRef idx="0"/>
-    <cs:fontRef idx="minor">
-      <a:schemeClr val="dk1"/>
-    </cs:fontRef>
-    <cs:spPr>
-      <a:solidFill>
-        <a:schemeClr val="dk1">
-          <a:lumMod val="65000"/>
-          <a:lumOff val="35000"/>
-        </a:schemeClr>
-      </a:solidFill>
-      <a:ln w="9525">
-        <a:solidFill>
-          <a:schemeClr val="tx1">
-            <a:lumMod val="65000"/>
-            <a:lumOff val="35000"/>
-          </a:schemeClr>
-        </a:solidFill>
-      </a:ln>
-    </cs:spPr>
-  </cs:downBar>
-  <cs:dropLine>
-    <cs:lnRef idx="0"/>
-    <cs:fillRef idx="0"/>
-    <cs:effectRef idx="0"/>
-    <cs:fontRef idx="minor">
-      <a:schemeClr val="tx1"/>
-    </cs:fontRef>
-    <cs:spPr>
-      <a:ln w="9525" cap="flat" cmpd="sng" algn="ctr">
-        <a:solidFill>
-          <a:schemeClr val="tx1">
-            <a:lumMod val="35000"/>
-            <a:lumOff val="65000"/>
-          </a:schemeClr>
-        </a:solidFill>
-        <a:round/>
-      </a:ln>
-    </cs:spPr>
-  </cs:dropLine>
-  <cs:errorBar>
-    <cs:lnRef idx="0"/>
-    <cs:fillRef idx="0"/>
-    <cs:effectRef idx="0"/>
-    <cs:fontRef idx="minor">
-      <a:schemeClr val="tx1"/>
-    </cs:fontRef>
-    <cs:spPr>
-      <a:ln w="9525" cap="flat" cmpd="sng" algn="ctr">
-        <a:solidFill>
-          <a:schemeClr val="tx1">
-            <a:lumMod val="65000"/>
-            <a:lumOff val="35000"/>
-          </a:schemeClr>
-        </a:solidFill>
-        <a:round/>
-      </a:ln>
-    </cs:spPr>
-  </cs:errorBar>
-  <cs:floor>
-    <cs:lnRef idx="0"/>
-    <cs:fillRef idx="0"/>
-    <cs:effectRef idx="0"/>
-    <cs:fontRef idx="minor">
-      <a:schemeClr val="tx1"/>
-    </cs:fontRef>
-    <cs:spPr>
-      <a:noFill/>
-      <a:ln>
-        <a:noFill/>
-      </a:ln>
-    </cs:spPr>
-  </cs:floor>
-  <cs:gridlineMajor>
-    <cs:lnRef idx="0"/>
-    <cs:fillRef idx="0"/>
-    <cs:effectRef idx="0"/>
-    <cs:fontRef idx="minor">
-      <a:schemeClr val="tx1"/>
-    </cs:fontRef>
-    <cs:spPr>
-      <a:ln w="9525" cap="flat" cmpd="sng" algn="ctr">
-        <a:solidFill>
-          <a:schemeClr val="tx1">
-            <a:lumMod val="15000"/>
-            <a:lumOff val="85000"/>
-          </a:schemeClr>
-        </a:solidFill>
-        <a:round/>
-      </a:ln>
-    </cs:spPr>
-  </cs:gridlineMajor>
-  <cs:gridlineMinor>
-    <cs:lnRef idx="0"/>
-    <cs:fillRef idx="0"/>
-    <cs:effectRef idx="0"/>
-    <cs:fontRef idx="minor">
-      <a:schemeClr val="tx1"/>
-    </cs:fontRef>
-    <cs:spPr>
-      <a:ln w="9525" cap="flat" cmpd="sng" algn="ctr">
-        <a:solidFill>
-          <a:schemeClr val="tx1">
-            <a:lumMod val="5000"/>
-            <a:lumOff val="95000"/>
-          </a:schemeClr>
-        </a:solidFill>
-        <a:round/>
-      </a:ln>
-    </cs:spPr>
-  </cs:gridlineMinor>
-  <cs:hiLoLine>
-    <cs:lnRef idx="0"/>
-    <cs:fillRef idx="0"/>
-    <cs:effectRef idx="0"/>
-    <cs:fontRef idx="minor">
-      <a:schemeClr val="tx1"/>
-    </cs:fontRef>
-    <cs:spPr>
-      <a:ln w="9525" cap="flat" cmpd="sng" algn="ctr">
-        <a:solidFill>
-          <a:schemeClr val="tx1">
-            <a:lumMod val="75000"/>
-            <a:lumOff val="25000"/>
-          </a:schemeClr>
-        </a:solidFill>
-        <a:round/>
-      </a:ln>
-    </cs:spPr>
-  </cs:hiLoLine>
-  <cs:leaderLine>
-    <cs:lnRef idx="0"/>
-    <cs:fillRef idx="0"/>
-    <cs:effectRef idx="0"/>
-    <cs:fontRef idx="minor">
-      <a:schemeClr val="tx1"/>
-    </cs:fontRef>
-    <cs:spPr>
-      <a:ln w="9525" cap="flat" cmpd="sng" algn="ctr">
-        <a:solidFill>
-          <a:schemeClr val="tx1">
-            <a:lumMod val="35000"/>
-            <a:lumOff val="65000"/>
-          </a:schemeClr>
-        </a:solidFill>
-        <a:round/>
-      </a:ln>
-    </cs:spPr>
-  </cs:leaderLine>
-  <cs:legend>
-    <cs:lnRef idx="0"/>
-    <cs:fillRef idx="0"/>
-    <cs:effectRef idx="0"/>
-    <cs:fontRef idx="minor">
-      <a:schemeClr val="tx1">
-        <a:lumMod val="65000"/>
-        <a:lumOff val="35000"/>
-      </a:schemeClr>
-    </cs:fontRef>
-    <cs:defRPr sz="1197" kern="1200"/>
-  </cs:legend>
-  <cs:plotArea mods="allowNoFillOverride allowNoLineOverride">
-    <cs:lnRef idx="0"/>
-    <cs:fillRef idx="0"/>
-    <cs:effectRef idx="0"/>
-    <cs:fontRef idx="minor">
-      <a:schemeClr val="tx1"/>
-    </cs:fontRef>
-  </cs:plotArea>
-  <cs:plotArea3D mods="allowNoFillOverride allowNoLineOverride">
-    <cs:lnRef idx="0"/>
-    <cs:fillRef idx="0"/>
-    <cs:effectRef idx="0"/>
-    <cs:fontRef idx="minor">
-      <a:schemeClr val="tx1"/>
-    </cs:fontRef>
-  </cs:plotArea3D>
-  <cs:seriesAxis>
-    <cs:lnRef idx="0"/>
-    <cs:fillRef idx="0"/>
-    <cs:effectRef idx="0"/>
-    <cs:fontRef idx="minor">
-      <a:schemeClr val="tx1">
-        <a:lumMod val="65000"/>
-        <a:lumOff val="35000"/>
-      </a:schemeClr>
-    </cs:fontRef>
-    <cs:defRPr sz="1197" kern="1200"/>
-  </cs:seriesAxis>
-  <cs:seriesLine>
-    <cs:lnRef idx="0"/>
-    <cs:fillRef idx="0"/>
-    <cs:effectRef idx="0"/>
-    <cs:fontRef idx="minor">
-      <a:schemeClr val="tx1"/>
-    </cs:fontRef>
-    <cs:spPr>
-      <a:ln w="9525" cap="flat" cmpd="sng" algn="ctr">
-        <a:solidFill>
-          <a:schemeClr val="tx1">
-            <a:lumMod val="35000"/>
-            <a:lumOff val="65000"/>
-          </a:schemeClr>
-        </a:solidFill>
-        <a:round/>
-      </a:ln>
-    </cs:spPr>
-  </cs:seriesLine>
-  <cs:title>
-    <cs:lnRef idx="0"/>
-    <cs:fillRef idx="0"/>
-    <cs:effectRef idx="0"/>
-    <cs:fontRef idx="minor">
-      <a:schemeClr val="tx1">
-        <a:lumMod val="65000"/>
-        <a:lumOff val="35000"/>
-      </a:schemeClr>
-    </cs:fontRef>
-    <cs:defRPr sz="1862" b="0" kern="1200" spc="0" baseline="0"/>
-  </cs:title>
-  <cs:trendline>
-    <cs:lnRef idx="0">
-      <cs:styleClr val="auto"/>
-    </cs:lnRef>
-    <cs:fillRef idx="0"/>
-    <cs:effectRef idx="0"/>
-    <cs:fontRef idx="minor">
-      <a:schemeClr val="tx1"/>
-    </cs:fontRef>
-    <cs:spPr>
-      <a:ln w="19050" cap="rnd">
-        <a:solidFill>
-          <a:schemeClr val="phClr"/>
-        </a:solidFill>
-        <a:prstDash val="sysDot"/>
-      </a:ln>
-    </cs:spPr>
-  </cs:trendline>
-  <cs:trendlineLabel>
-    <cs:lnRef idx="0"/>
-    <cs:fillRef idx="0"/>
-    <cs:effectRef idx="0"/>
-    <cs:fontRef idx="minor">
-      <a:schemeClr val="tx1">
-        <a:lumMod val="65000"/>
-        <a:lumOff val="35000"/>
-      </a:schemeClr>
-    </cs:fontRef>
-    <cs:defRPr sz="1197" kern="1200"/>
-  </cs:trendlineLabel>
-  <cs:upBar>
-    <cs:lnRef idx="0"/>
-    <cs:fillRef idx="0"/>
-    <cs:effectRef idx="0"/>
-    <cs:fontRef idx="minor">
-      <a:schemeClr val="dk1"/>
-    </cs:fontRef>
-    <cs:spPr>
-      <a:solidFill>
-        <a:schemeClr val="lt1"/>
-      </a:solidFill>
-      <a:ln w="9525">
-        <a:solidFill>
-          <a:schemeClr val="tx1">
-            <a:lumMod val="15000"/>
-            <a:lumOff val="85000"/>
-          </a:schemeClr>
-        </a:solidFill>
-      </a:ln>
-    </cs:spPr>
-  </cs:upBar>
-  <cs:valueAxis>
-    <cs:lnRef idx="0"/>
-    <cs:fillRef idx="0"/>
-    <cs:effectRef idx="0"/>
-    <cs:fontRef idx="minor">
-      <a:schemeClr val="tx1">
-        <a:lumMod val="65000"/>
-        <a:lumOff val="35000"/>
-      </a:schemeClr>
-    </cs:fontRef>
-    <cs:defRPr sz="1197" kern="1200"/>
-  </cs:valueAxis>
-  <cs:wall>
-    <cs:lnRef idx="0"/>
-    <cs:fillRef idx="0"/>
-    <cs:effectRef idx="0"/>
-    <cs:fontRef idx="minor">
-      <a:schemeClr val="tx1"/>
-    </cs:fontRef>
-    <cs:spPr>
-      <a:noFill/>
-      <a:ln>
-        <a:noFill/>
-      </a:ln>
-    </cs:spPr>
-  </cs:wall>
-</cs:chartStyle>
-</file>
-
-<file path=ppt/charts/style3.xml><?xml version="1.0" encoding="utf-8"?>
-<cs:chartStyle xmlns:cs="http://schemas.microsoft.com/office/drawing/2012/chartStyle" xmlns:a="http://schemas.openxmlformats.org/drawingml/2006/main" id="201">
-  <cs:axisTitle>
-    <cs:lnRef idx="0"/>
-    <cs:fillRef idx="0"/>
-    <cs:effectRef idx="0"/>
-    <cs:fontRef idx="minor">
-      <a:schemeClr val="tx1">
-        <a:lumMod val="65000"/>
-        <a:lumOff val="35000"/>
-      </a:schemeClr>
-    </cs:fontRef>
-    <cs:defRPr sz="1330" kern="1200"/>
-  </cs:axisTitle>
-  <cs:categoryAxis>
-    <cs:lnRef idx="0"/>
-    <cs:fillRef idx="0"/>
-    <cs:effectRef idx="0"/>
-    <cs:fontRef idx="minor">
-      <a:schemeClr val="tx1">
-        <a:lumMod val="65000"/>
-        <a:lumOff val="35000"/>
-      </a:schemeClr>
-    </cs:fontRef>
-    <cs:spPr>
-      <a:ln w="9525" cap="flat" cmpd="sng" algn="ctr">
-        <a:solidFill>
-          <a:schemeClr val="tx1">
-            <a:lumMod val="15000"/>
-            <a:lumOff val="85000"/>
-          </a:schemeClr>
-        </a:solidFill>
-        <a:round/>
-      </a:ln>
-    </cs:spPr>
-    <cs:defRPr sz="1197" kern="1200"/>
-  </cs:categoryAxis>
-  <cs:chartArea mods="allowNoFillOverride allowNoLineOverride">
-    <cs:lnRef idx="0"/>
-    <cs:fillRef idx="0"/>
-    <cs:effectRef idx="0"/>
-    <cs:fontRef idx="minor">
-      <a:schemeClr val="tx1"/>
-    </cs:fontRef>
-    <cs:spPr>
-      <a:solidFill>
-        <a:schemeClr val="bg1"/>
-      </a:solidFill>
-      <a:ln w="9525" cap="flat" cmpd="sng" algn="ctr">
-        <a:solidFill>
-          <a:schemeClr val="tx1">
-            <a:lumMod val="15000"/>
-            <a:lumOff val="85000"/>
-          </a:schemeClr>
-        </a:solidFill>
-        <a:round/>
-      </a:ln>
-    </cs:spPr>
-    <cs:defRPr sz="1330" kern="1200"/>
-  </cs:chartArea>
-  <cs:dataLabel>
-    <cs:lnRef idx="0"/>
-    <cs:fillRef idx="0"/>
-    <cs:effectRef idx="0"/>
-    <cs:fontRef idx="minor">
-      <a:schemeClr val="tx1">
-        <a:lumMod val="75000"/>
-        <a:lumOff val="25000"/>
-      </a:schemeClr>
-    </cs:fontRef>
-    <cs:defRPr sz="1197" kern="1200"/>
-  </cs:dataLabel>
-  <cs:dataLabelCallout>
-    <cs:lnRef idx="0"/>
-    <cs:fillRef idx="0"/>
-    <cs:effectRef idx="0"/>
-    <cs:fontRef idx="minor">
-      <a:schemeClr val="dk1">
-        <a:lumMod val="65000"/>
-        <a:lumOff val="35000"/>
-      </a:schemeClr>
-    </cs:fontRef>
-    <cs:spPr>
-      <a:solidFill>
-        <a:schemeClr val="lt1"/>
-      </a:solidFill>
-      <a:ln>
-        <a:solidFill>
-          <a:schemeClr val="dk1">
-            <a:lumMod val="25000"/>
-            <a:lumOff val="75000"/>
-          </a:schemeClr>
-        </a:solidFill>
-      </a:ln>
-    </cs:spPr>
-    <cs:defRPr sz="1197" kern="1200"/>
-    <cs:bodyPr rot="0" spcFirstLastPara="1" vertOverflow="clip" horzOverflow="clip" vert="horz" wrap="square" lIns="36576" tIns="18288" rIns="36576" bIns="18288" anchor="ctr" anchorCtr="1">
-      <a:spAutoFit/>
-    </cs:bodyPr>
-  </cs:dataLabelCallout>
-  <cs:dataPoint>
-    <cs:lnRef idx="0"/>
-    <cs:fillRef idx="1">
-      <cs:styleClr val="auto"/>
-    </cs:fillRef>
-    <cs:effectRef idx="0"/>
-    <cs:fontRef idx="minor">
-      <a:schemeClr val="tx1"/>
-    </cs:fontRef>
-  </cs:dataPoint>
-  <cs:dataPoint3D>
-    <cs:lnRef idx="0"/>
-    <cs:fillRef idx="1">
-      <cs:styleClr val="auto"/>
-    </cs:fillRef>
-    <cs:effectRef idx="0"/>
-    <cs:fontRef idx="minor">
-      <a:schemeClr val="tx1"/>
-    </cs:fontRef>
-  </cs:dataPoint3D>
-  <cs:dataPointLine>
-    <cs:lnRef idx="0">
-      <cs:styleClr val="auto"/>
-    </cs:lnRef>
-    <cs:fillRef idx="1"/>
-    <cs:effectRef idx="0"/>
-    <cs:fontRef idx="minor">
-      <a:schemeClr val="tx1"/>
-    </cs:fontRef>
-    <cs:spPr>
-      <a:ln w="28575" cap="rnd">
-        <a:solidFill>
-          <a:schemeClr val="phClr"/>
-        </a:solidFill>
-        <a:round/>
-      </a:ln>
-    </cs:spPr>
-  </cs:dataPointLine>
-  <cs:dataPointMarker>
-    <cs:lnRef idx="0">
-      <cs:styleClr val="auto"/>
-    </cs:lnRef>
-    <cs:fillRef idx="1">
-      <cs:styleClr val="auto"/>
-    </cs:fillRef>
-    <cs:effectRef idx="0"/>
-    <cs:fontRef idx="minor">
-      <a:schemeClr val="tx1"/>
-    </cs:fontRef>
-    <cs:spPr>
-      <a:ln w="9525">
-        <a:solidFill>
-          <a:schemeClr val="phClr"/>
-        </a:solidFill>
-      </a:ln>
-    </cs:spPr>
-  </cs:dataPointMarker>
-  <cs:dataPointMarkerLayout symbol="circle" size="5"/>
-  <cs:dataPointWireframe>
-    <cs:lnRef idx="0">
-      <cs:styleClr val="auto"/>
-    </cs:lnRef>
-    <cs:fillRef idx="1"/>
-    <cs:effectRef idx="0"/>
-    <cs:fontRef idx="minor">
-      <a:schemeClr val="tx1"/>
-    </cs:fontRef>
-    <cs:spPr>
-      <a:ln w="9525" cap="rnd">
-        <a:solidFill>
-          <a:schemeClr val="phClr"/>
-        </a:solidFill>
-        <a:round/>
-      </a:ln>
-    </cs:spPr>
-  </cs:dataPointWireframe>
-  <cs:dataTable>
-    <cs:lnRef idx="0"/>
-    <cs:fillRef idx="0"/>
-    <cs:effectRef idx="0"/>
-    <cs:fontRef idx="minor">
-      <a:schemeClr val="tx1">
-        <a:lumMod val="65000"/>
-        <a:lumOff val="35000"/>
-      </a:schemeClr>
-    </cs:fontRef>
-    <cs:spPr>
-      <a:noFill/>
-      <a:ln w="9525" cap="flat" cmpd="sng" algn="ctr">
-        <a:solidFill>
-          <a:schemeClr val="tx1">
-            <a:lumMod val="15000"/>
-            <a:lumOff val="85000"/>
-          </a:schemeClr>
-        </a:solidFill>
-        <a:round/>
-      </a:ln>
-    </cs:spPr>
-    <cs:defRPr sz="1197" kern="1200"/>
-  </cs:dataTable>
-  <cs:downBar>
-    <cs:lnRef idx="0"/>
-    <cs:fillRef idx="0"/>
-    <cs:effectRef idx="0"/>
-    <cs:fontRef idx="minor">
-      <a:schemeClr val="dk1"/>
-    </cs:fontRef>
-    <cs:spPr>
-      <a:solidFill>
-        <a:schemeClr val="dk1">
-          <a:lumMod val="65000"/>
-          <a:lumOff val="35000"/>
-        </a:schemeClr>
-      </a:solidFill>
-      <a:ln w="9525">
-        <a:solidFill>
-          <a:schemeClr val="tx1">
-            <a:lumMod val="65000"/>
-            <a:lumOff val="35000"/>
-          </a:schemeClr>
-        </a:solidFill>
-      </a:ln>
-    </cs:spPr>
-  </cs:downBar>
-  <cs:dropLine>
-    <cs:lnRef idx="0"/>
-    <cs:fillRef idx="0"/>
-    <cs:effectRef idx="0"/>
-    <cs:fontRef idx="minor">
-      <a:schemeClr val="tx1"/>
-    </cs:fontRef>
-    <cs:spPr>
-      <a:ln w="9525" cap="flat" cmpd="sng" algn="ctr">
-        <a:solidFill>
-          <a:schemeClr val="tx1">
-            <a:lumMod val="35000"/>
-            <a:lumOff val="65000"/>
-          </a:schemeClr>
-        </a:solidFill>
-        <a:round/>
-      </a:ln>
-    </cs:spPr>
-  </cs:dropLine>
-  <cs:errorBar>
-    <cs:lnRef idx="0"/>
-    <cs:fillRef idx="0"/>
-    <cs:effectRef idx="0"/>
-    <cs:fontRef idx="minor">
-      <a:schemeClr val="tx1"/>
-    </cs:fontRef>
-    <cs:spPr>
-      <a:ln w="9525" cap="flat" cmpd="sng" algn="ctr">
-        <a:solidFill>
-          <a:schemeClr val="tx1">
-            <a:lumMod val="65000"/>
-            <a:lumOff val="35000"/>
-          </a:schemeClr>
-        </a:solidFill>
-        <a:round/>
-      </a:ln>
-    </cs:spPr>
-  </cs:errorBar>
-  <cs:floor>
-    <cs:lnRef idx="0"/>
-    <cs:fillRef idx="0"/>
-    <cs:effectRef idx="0"/>
-    <cs:fontRef idx="minor">
-      <a:schemeClr val="tx1"/>
-    </cs:fontRef>
-    <cs:spPr>
-      <a:noFill/>
-      <a:ln>
-        <a:noFill/>
-      </a:ln>
-    </cs:spPr>
-  </cs:floor>
-  <cs:gridlineMajor>
-    <cs:lnRef idx="0"/>
-    <cs:fillRef idx="0"/>
-    <cs:effectRef idx="0"/>
-    <cs:fontRef idx="minor">
-      <a:schemeClr val="tx1"/>
-    </cs:fontRef>
-    <cs:spPr>
-      <a:ln w="9525" cap="flat" cmpd="sng" algn="ctr">
-        <a:solidFill>
-          <a:schemeClr val="tx1">
-            <a:lumMod val="15000"/>
-            <a:lumOff val="85000"/>
-          </a:schemeClr>
-        </a:solidFill>
-        <a:round/>
-      </a:ln>
-    </cs:spPr>
-  </cs:gridlineMajor>
-  <cs:gridlineMinor>
-    <cs:lnRef idx="0"/>
-    <cs:fillRef idx="0"/>
-    <cs:effectRef idx="0"/>
-    <cs:fontRef idx="minor">
-      <a:schemeClr val="tx1"/>
-    </cs:fontRef>
-    <cs:spPr>
-      <a:ln w="9525" cap="flat" cmpd="sng" algn="ctr">
-        <a:solidFill>
-          <a:schemeClr val="tx1">
-            <a:lumMod val="5000"/>
-            <a:lumOff val="95000"/>
-          </a:schemeClr>
-        </a:solidFill>
-        <a:round/>
-      </a:ln>
-    </cs:spPr>
-  </cs:gridlineMinor>
-  <cs:hiLoLine>
-    <cs:lnRef idx="0"/>
-    <cs:fillRef idx="0"/>
-    <cs:effectRef idx="0"/>
-    <cs:fontRef idx="minor">
-      <a:schemeClr val="tx1"/>
-    </cs:fontRef>
-    <cs:spPr>
-      <a:ln w="9525" cap="flat" cmpd="sng" algn="ctr">
-        <a:solidFill>
-          <a:schemeClr val="tx1">
-            <a:lumMod val="75000"/>
-            <a:lumOff val="25000"/>
-          </a:schemeClr>
-        </a:solidFill>
-        <a:round/>
-      </a:ln>
-    </cs:spPr>
-  </cs:hiLoLine>
-  <cs:leaderLine>
-    <cs:lnRef idx="0"/>
-    <cs:fillRef idx="0"/>
-    <cs:effectRef idx="0"/>
-    <cs:fontRef idx="minor">
-      <a:schemeClr val="tx1"/>
-    </cs:fontRef>
-    <cs:spPr>
-      <a:ln w="9525" cap="flat" cmpd="sng" algn="ctr">
-        <a:solidFill>
-          <a:schemeClr val="tx1">
-            <a:lumMod val="35000"/>
-            <a:lumOff val="65000"/>
-          </a:schemeClr>
-        </a:solidFill>
-        <a:round/>
-      </a:ln>
-    </cs:spPr>
-  </cs:leaderLine>
-  <cs:legend>
-    <cs:lnRef idx="0"/>
-    <cs:fillRef idx="0"/>
-    <cs:effectRef idx="0"/>
-    <cs:fontRef idx="minor">
-      <a:schemeClr val="tx1">
-        <a:lumMod val="65000"/>
-        <a:lumOff val="35000"/>
-      </a:schemeClr>
-    </cs:fontRef>
-    <cs:defRPr sz="1197" kern="1200"/>
-  </cs:legend>
-  <cs:plotArea mods="allowNoFillOverride allowNoLineOverride">
-    <cs:lnRef idx="0"/>
-    <cs:fillRef idx="0"/>
-    <cs:effectRef idx="0"/>
-    <cs:fontRef idx="minor">
-      <a:schemeClr val="tx1"/>
-    </cs:fontRef>
-  </cs:plotArea>
-  <cs:plotArea3D mods="allowNoFillOverride allowNoLineOverride">
-    <cs:lnRef idx="0"/>
-    <cs:fillRef idx="0"/>
-    <cs:effectRef idx="0"/>
-    <cs:fontRef idx="minor">
-      <a:schemeClr val="tx1"/>
-    </cs:fontRef>
-  </cs:plotArea3D>
-  <cs:seriesAxis>
-    <cs:lnRef idx="0"/>
-    <cs:fillRef idx="0"/>
-    <cs:effectRef idx="0"/>
-    <cs:fontRef idx="minor">
-      <a:schemeClr val="tx1">
-        <a:lumMod val="65000"/>
-        <a:lumOff val="35000"/>
-      </a:schemeClr>
-    </cs:fontRef>
-    <cs:defRPr sz="1197" kern="1200"/>
-  </cs:seriesAxis>
-  <cs:seriesLine>
-    <cs:lnRef idx="0"/>
-    <cs:fillRef idx="0"/>
-    <cs:effectRef idx="0"/>
-    <cs:fontRef idx="minor">
-      <a:schemeClr val="tx1"/>
-    </cs:fontRef>
-    <cs:spPr>
-      <a:ln w="9525" cap="flat" cmpd="sng" algn="ctr">
-        <a:solidFill>
-          <a:schemeClr val="tx1">
-            <a:lumMod val="35000"/>
-            <a:lumOff val="65000"/>
-          </a:schemeClr>
-        </a:solidFill>
-        <a:round/>
-      </a:ln>
-    </cs:spPr>
-  </cs:seriesLine>
-  <cs:title>
-    <cs:lnRef idx="0"/>
-    <cs:fillRef idx="0"/>
-    <cs:effectRef idx="0"/>
-    <cs:fontRef idx="minor">
-      <a:schemeClr val="tx1">
-        <a:lumMod val="65000"/>
-        <a:lumOff val="35000"/>
-      </a:schemeClr>
-    </cs:fontRef>
-    <cs:defRPr sz="1862" b="0" kern="1200" spc="0" baseline="0"/>
-  </cs:title>
-  <cs:trendline>
-    <cs:lnRef idx="0">
-      <cs:styleClr val="auto"/>
-    </cs:lnRef>
-    <cs:fillRef idx="0"/>
-    <cs:effectRef idx="0"/>
-    <cs:fontRef idx="minor">
-      <a:schemeClr val="tx1"/>
-    </cs:fontRef>
-    <cs:spPr>
-      <a:ln w="19050" cap="rnd">
-        <a:solidFill>
-          <a:schemeClr val="phClr"/>
-        </a:solidFill>
-        <a:prstDash val="sysDot"/>
-      </a:ln>
-    </cs:spPr>
-  </cs:trendline>
-  <cs:trendlineLabel>
-    <cs:lnRef idx="0"/>
-    <cs:fillRef idx="0"/>
-    <cs:effectRef idx="0"/>
-    <cs:fontRef idx="minor">
-      <a:schemeClr val="tx1">
-        <a:lumMod val="65000"/>
-        <a:lumOff val="35000"/>
-      </a:schemeClr>
-    </cs:fontRef>
-    <cs:defRPr sz="1197" kern="1200"/>
-  </cs:trendlineLabel>
-  <cs:upBar>
-    <cs:lnRef idx="0"/>
-    <cs:fillRef idx="0"/>
-    <cs:effectRef idx="0"/>
-    <cs:fontRef idx="minor">
-      <a:schemeClr val="dk1"/>
-    </cs:fontRef>
-    <cs:spPr>
-      <a:solidFill>
-        <a:schemeClr val="lt1"/>
-      </a:solidFill>
-      <a:ln w="9525">
-        <a:solidFill>
-          <a:schemeClr val="tx1">
-            <a:lumMod val="15000"/>
-            <a:lumOff val="85000"/>
-          </a:schemeClr>
-        </a:solidFill>
-      </a:ln>
-    </cs:spPr>
-  </cs:upBar>
-  <cs:valueAxis>
-    <cs:lnRef idx="0"/>
-    <cs:fillRef idx="0"/>
-    <cs:effectRef idx="0"/>
-    <cs:fontRef idx="minor">
-      <a:schemeClr val="tx1">
-        <a:lumMod val="65000"/>
-        <a:lumOff val="35000"/>
-      </a:schemeClr>
-    </cs:fontRef>
-    <cs:defRPr sz="1197" kern="1200"/>
-  </cs:valueAxis>
-  <cs:wall>
-    <cs:lnRef idx="0"/>
-    <cs:fillRef idx="0"/>
-    <cs:effectRef idx="0"/>
-    <cs:fontRef idx="minor">
-      <a:schemeClr val="tx1"/>
-    </cs:fontRef>
-    <cs:spPr>
-      <a:noFill/>
-      <a:ln>
-        <a:noFill/>
-      </a:ln>
-    </cs:spPr>
-  </cs:wall>
-</cs:chartStyle>
 </file>
 
 <file path=ppt/handoutMasters/handoutMaster1.xml><?xml version="1.0" encoding="utf-8"?>
@@ -12855,8 +9957,8 @@
         </p:nvSpPr>
         <p:spPr>
           <a:xfrm>
-            <a:off x="3200400" y="2811053"/>
-            <a:ext cx="8991600" cy="1261295"/>
+            <a:off x="1688841" y="2811053"/>
+            <a:ext cx="10503159" cy="1261295"/>
           </a:xfrm>
         </p:spPr>
         <p:txBody>
@@ -12865,7 +9967,7 @@
           <a:p>
             <a:r>
               <a:rPr lang="en-US" dirty="0"/>
-              <a:t>Non-Disclosure Agreement</a:t>
+              <a:t>Non-Disclosure Agreement (NDA)</a:t>
             </a:r>
           </a:p>
         </p:txBody>
@@ -12888,8 +9990,8 @@
         </p:nvSpPr>
         <p:spPr>
           <a:xfrm>
-            <a:off x="3200400" y="4061039"/>
-            <a:ext cx="6580188" cy="580921"/>
+            <a:off x="1688841" y="4061039"/>
+            <a:ext cx="8091747" cy="580921"/>
           </a:xfrm>
         </p:spPr>
         <p:txBody>
@@ -13000,150 +10102,6 @@
     <p:extLst>
       <p:ext uri="{BB962C8B-B14F-4D97-AF65-F5344CB8AC3E}">
         <p14:creationId xmlns:p14="http://schemas.microsoft.com/office/powerpoint/2010/main" val="3989923275"/>
-      </p:ext>
-    </p:extLst>
-  </p:cSld>
-  <p:clrMapOvr>
-    <a:masterClrMapping/>
-  </p:clrMapOvr>
-</p:sld>
-</file>
-
-<file path=ppt/slides/slide10.xml><?xml version="1.0" encoding="utf-8"?>
-<p:sld xmlns:a="http://schemas.openxmlformats.org/drawingml/2006/main" xmlns:r="http://schemas.openxmlformats.org/officeDocument/2006/relationships" xmlns:p="http://schemas.openxmlformats.org/presentationml/2006/main">
-  <p:cSld>
-    <p:spTree>
-      <p:nvGrpSpPr>
-        <p:cNvPr id="1" name=""/>
-        <p:cNvGrpSpPr/>
-        <p:nvPr/>
-      </p:nvGrpSpPr>
-      <p:grpSpPr>
-        <a:xfrm>
-          <a:off x="0" y="0"/>
-          <a:ext cx="0" cy="0"/>
-          <a:chOff x="0" y="0"/>
-          <a:chExt cx="0" cy="0"/>
-        </a:xfrm>
-      </p:grpSpPr>
-      <p:sp>
-        <p:nvSpPr>
-          <p:cNvPr id="4" name="Title 3">
-            <a:extLst>
-              <a:ext uri="{FF2B5EF4-FFF2-40B4-BE49-F238E27FC236}">
-                <a16:creationId xmlns:a16="http://schemas.microsoft.com/office/drawing/2014/main" id="{E98DCA46-603B-4178-8707-30E192CE6B8D}"/>
-              </a:ext>
-            </a:extLst>
-          </p:cNvPr>
-          <p:cNvSpPr>
-            <a:spLocks noGrp="1"/>
-          </p:cNvSpPr>
-          <p:nvPr>
-            <p:ph type="title"/>
-          </p:nvPr>
-        </p:nvSpPr>
-        <p:spPr/>
-        <p:txBody>
-          <a:bodyPr/>
-          <a:lstStyle/>
-          <a:p>
-            <a:r>
-              <a:rPr lang="en-US" dirty="0"/>
-              <a:t>Customize this Template</a:t>
-            </a:r>
-          </a:p>
-        </p:txBody>
-      </p:sp>
-      <p:sp>
-        <p:nvSpPr>
-          <p:cNvPr id="3" name="Text Placeholder 2">
-            <a:extLst>
-              <a:ext uri="{FF2B5EF4-FFF2-40B4-BE49-F238E27FC236}">
-                <a16:creationId xmlns:a16="http://schemas.microsoft.com/office/drawing/2014/main" id="{9E1C54E2-35CD-4B4C-8AF6-A9BBA506FC1F}"/>
-              </a:ext>
-            </a:extLst>
-          </p:cNvPr>
-          <p:cNvSpPr>
-            <a:spLocks noGrp="1"/>
-          </p:cNvSpPr>
-          <p:nvPr>
-            <p:ph type="body" sz="quarter" idx="14"/>
-          </p:nvPr>
-        </p:nvSpPr>
-        <p:spPr/>
-        <p:txBody>
-          <a:bodyPr/>
-          <a:lstStyle/>
-          <a:p>
-            <a:pPr>
-              <a:lnSpc>
-                <a:spcPct val="100000"/>
-              </a:lnSpc>
-            </a:pPr>
-            <a:r>
-              <a:rPr lang="en-US" u="sng" dirty="0">
-                <a:solidFill>
-                  <a:srgbClr val="0070C0"/>
-                </a:solidFill>
-                <a:hlinkClick r:id="rId2">
-                  <a:extLst>
-                    <a:ext uri="{A12FA001-AC4F-418D-AE19-62706E023703}">
-                      <ahyp:hlinkClr xmlns:ahyp="http://schemas.microsoft.com/office/drawing/2018/hyperlinkcolor" val="tx"/>
-                    </a:ext>
-                  </a:extLst>
-                </a:hlinkClick>
-              </a:rPr>
-              <a:t>Template Editing Instructions and Feedback</a:t>
-            </a:r>
-            <a:endParaRPr lang="en-US" u="sng" dirty="0">
-              <a:solidFill>
-                <a:srgbClr val="0070C0"/>
-              </a:solidFill>
-            </a:endParaRPr>
-          </a:p>
-        </p:txBody>
-      </p:sp>
-      <p:sp>
-        <p:nvSpPr>
-          <p:cNvPr id="2" name="Slide Number Placeholder 1">
-            <a:extLst>
-              <a:ext uri="{FF2B5EF4-FFF2-40B4-BE49-F238E27FC236}">
-                <a16:creationId xmlns:a16="http://schemas.microsoft.com/office/drawing/2014/main" id="{CB78354A-41D5-43F7-A38D-3C946669B3C8}"/>
-              </a:ext>
-            </a:extLst>
-          </p:cNvPr>
-          <p:cNvSpPr>
-            <a:spLocks noGrp="1"/>
-          </p:cNvSpPr>
-          <p:nvPr>
-            <p:ph type="sldNum" sz="quarter" idx="13"/>
-          </p:nvPr>
-        </p:nvSpPr>
-        <p:spPr>
-          <a:solidFill>
-            <a:schemeClr val="tx1">
-              <a:lumMod val="95000"/>
-              <a:lumOff val="5000"/>
-            </a:schemeClr>
-          </a:solidFill>
-        </p:spPr>
-        <p:txBody>
-          <a:bodyPr/>
-          <a:lstStyle/>
-          <a:p>
-            <a:fld id="{19B51A1E-902D-48AF-9020-955120F399B6}" type="slidenum">
-              <a:rPr lang="en-US" smtClean="0"/>
-              <a:pPr/>
-              <a:t>10</a:t>
-            </a:fld>
-            <a:endParaRPr lang="en-US" dirty="0"/>
-          </a:p>
-        </p:txBody>
-      </p:sp>
-    </p:spTree>
-    <p:extLst>
-      <p:ext uri="{BB962C8B-B14F-4D97-AF65-F5344CB8AC3E}">
-        <p14:creationId xmlns:p14="http://schemas.microsoft.com/office/powerpoint/2010/main" val="59582380"/>
       </p:ext>
     </p:extLst>
   </p:cSld>
@@ -13471,134 +10429,269 @@
           <a:chExt cx="0" cy="0"/>
         </a:xfrm>
       </p:grpSpPr>
-      <p:pic>
-        <p:nvPicPr>
-          <p:cNvPr id="11" name="Picture Placeholder 10" descr="Desk with computer, phone, books, etc.">
-            <a:extLst>
-              <a:ext uri="{FF2B5EF4-FFF2-40B4-BE49-F238E27FC236}">
-                <a16:creationId xmlns:a16="http://schemas.microsoft.com/office/drawing/2014/main" id="{2E7ADBC3-DECA-9F4C-9289-9E43C727592F}"/>
-              </a:ext>
-            </a:extLst>
-          </p:cNvPr>
-          <p:cNvPicPr>
-            <a:picLocks noGrp="1" noChangeAspect="1"/>
-          </p:cNvPicPr>
-          <p:nvPr>
-            <p:ph type="pic" sz="quarter" idx="10"/>
-          </p:nvPr>
-        </p:nvPicPr>
-        <p:blipFill>
-          <a:blip r:embed="rId2" cstate="screen">
-            <a:extLst>
-              <a:ext uri="{28A0092B-C50C-407E-A947-70E740481C1C}">
-                <a14:useLocalDpi xmlns:a14="http://schemas.microsoft.com/office/drawing/2010/main"/>
-              </a:ext>
-            </a:extLst>
-          </a:blip>
-          <a:srcRect/>
-          <a:stretch>
-            <a:fillRect/>
-          </a:stretch>
-        </p:blipFill>
-        <p:spPr/>
-      </p:pic>
-      <p:sp>
-        <p:nvSpPr>
-          <p:cNvPr id="3" name="Title 2">
-            <a:extLst>
-              <a:ext uri="{FF2B5EF4-FFF2-40B4-BE49-F238E27FC236}">
-                <a16:creationId xmlns:a16="http://schemas.microsoft.com/office/drawing/2014/main" id="{200B3D2B-613A-41BE-987D-E6A1324B456D}"/>
-              </a:ext>
-            </a:extLst>
-          </p:cNvPr>
-          <p:cNvSpPr>
-            <a:spLocks noGrp="1"/>
-          </p:cNvSpPr>
-          <p:nvPr>
-            <p:ph type="ctrTitle"/>
-          </p:nvPr>
-        </p:nvSpPr>
-        <p:spPr/>
+      <p:sp>
+        <p:nvSpPr>
+          <p:cNvPr id="2" name="Title 1">
+            <a:extLst>
+              <a:ext uri="{FF2B5EF4-FFF2-40B4-BE49-F238E27FC236}">
+                <a16:creationId xmlns:a16="http://schemas.microsoft.com/office/drawing/2014/main" id="{24FA5A5C-ED16-44C7-B7AD-5582E2497F07}"/>
+              </a:ext>
+            </a:extLst>
+          </p:cNvPr>
+          <p:cNvSpPr>
+            <a:spLocks noGrp="1"/>
+          </p:cNvSpPr>
+          <p:nvPr>
+            <p:ph type="title"/>
+          </p:nvPr>
+        </p:nvSpPr>
+        <p:spPr>
+          <a:xfrm>
+            <a:off x="432000" y="450750"/>
+            <a:ext cx="11328000" cy="432000"/>
+          </a:xfrm>
+        </p:spPr>
         <p:txBody>
           <a:bodyPr/>
           <a:lstStyle/>
           <a:p>
             <a:r>
               <a:rPr lang="en-US" dirty="0"/>
-              <a:t>1. DEFINITIONS</a:t>
-            </a:r>
-          </a:p>
-        </p:txBody>
-      </p:sp>
-      <p:sp>
-        <p:nvSpPr>
-          <p:cNvPr id="14" name="Text Placeholder 13">
-            <a:extLst>
-              <a:ext uri="{FF2B5EF4-FFF2-40B4-BE49-F238E27FC236}">
-                <a16:creationId xmlns:a16="http://schemas.microsoft.com/office/drawing/2014/main" id="{F278402B-CA7D-4F5B-B3FA-ED74AB3CFB6C}"/>
-              </a:ext>
-            </a:extLst>
-          </p:cNvPr>
-          <p:cNvSpPr>
-            <a:spLocks noGrp="1"/>
-          </p:cNvSpPr>
-          <p:nvPr>
-            <p:ph type="body" sz="quarter" idx="13"/>
-          </p:nvPr>
-        </p:nvSpPr>
-        <p:spPr/>
+              <a:t>Information included in an NDA</a:t>
+            </a:r>
+          </a:p>
+        </p:txBody>
+      </p:sp>
+      <p:sp>
+        <p:nvSpPr>
+          <p:cNvPr id="4" name="Content Placeholder 3">
+            <a:extLst>
+              <a:ext uri="{FF2B5EF4-FFF2-40B4-BE49-F238E27FC236}">
+                <a16:creationId xmlns:a16="http://schemas.microsoft.com/office/drawing/2014/main" id="{05A7ED62-6A2B-4C19-A070-DE05C38FF363}"/>
+              </a:ext>
+            </a:extLst>
+          </p:cNvPr>
+          <p:cNvSpPr>
+            <a:spLocks noGrp="1"/>
+          </p:cNvSpPr>
+          <p:nvPr>
+            <p:ph idx="1"/>
+          </p:nvPr>
+        </p:nvSpPr>
+        <p:spPr>
+          <a:xfrm>
+            <a:off x="432000" y="979714"/>
+            <a:ext cx="11328000" cy="5211536"/>
+          </a:xfrm>
+        </p:spPr>
         <p:txBody>
           <a:bodyPr/>
           <a:lstStyle/>
           <a:p>
-            <a:r>
-              <a:rPr lang="en-US" dirty="0"/>
-              <a:t>Lorem ipsum dolor sit amet, consectetur adipiscing elit</a:t>
-            </a:r>
-          </a:p>
-        </p:txBody>
-      </p:sp>
-      <p:sp>
-        <p:nvSpPr>
-          <p:cNvPr id="5" name="Slide Number Placeholder 4">
-            <a:extLst>
-              <a:ext uri="{FF2B5EF4-FFF2-40B4-BE49-F238E27FC236}">
-                <a16:creationId xmlns:a16="http://schemas.microsoft.com/office/drawing/2014/main" id="{BDD5A594-D852-43BB-B591-E9D9027253BD}"/>
-              </a:ext>
-            </a:extLst>
-          </p:cNvPr>
-          <p:cNvSpPr>
-            <a:spLocks noGrp="1"/>
-          </p:cNvSpPr>
-          <p:nvPr>
-            <p:ph type="sldNum" sz="quarter" idx="12"/>
-          </p:nvPr>
-        </p:nvSpPr>
-        <p:spPr>
-          <a:solidFill>
-            <a:schemeClr val="tx1">
-              <a:lumMod val="95000"/>
-              <a:lumOff val="5000"/>
-            </a:schemeClr>
-          </a:solidFill>
-        </p:spPr>
+            <a:pPr marL="342900" indent="-342900">
+              <a:buFont typeface="+mj-lt"/>
+              <a:buAutoNum type="arabicPeriod"/>
+            </a:pPr>
+            <a:r>
+              <a:rPr lang="en-US" sz="2000" dirty="0">
+                <a:solidFill>
+                  <a:srgbClr val="FF0000"/>
+                </a:solidFill>
+              </a:rPr>
+              <a:t>Definitions</a:t>
+            </a:r>
+            <a:r>
+              <a:rPr lang="en-US" sz="2000" dirty="0"/>
+              <a:t> of the terms used in the document</a:t>
+            </a:r>
+          </a:p>
+          <a:p>
+            <a:pPr marL="342900" indent="-342900">
+              <a:buFont typeface="+mj-lt"/>
+              <a:buAutoNum type="arabicPeriod"/>
+            </a:pPr>
+            <a:r>
+              <a:rPr lang="en-US" sz="2000" dirty="0"/>
+              <a:t>Rules and regulations related to </a:t>
+            </a:r>
+            <a:r>
+              <a:rPr lang="en-US" sz="2000" dirty="0">
+                <a:solidFill>
+                  <a:srgbClr val="FF0000"/>
+                </a:solidFill>
+              </a:rPr>
+              <a:t>Use, Disclose and Reproduce</a:t>
+            </a:r>
+            <a:r>
+              <a:rPr lang="en-US" sz="2000" dirty="0"/>
+              <a:t> the shared confidential information </a:t>
+            </a:r>
+          </a:p>
+          <a:p>
+            <a:pPr marL="342900" indent="-342900">
+              <a:buFont typeface="+mj-lt"/>
+              <a:buAutoNum type="arabicPeriod"/>
+            </a:pPr>
+            <a:r>
+              <a:rPr lang="en-US" sz="2000" dirty="0"/>
+              <a:t>Actions to be taken in an event of </a:t>
+            </a:r>
+            <a:r>
+              <a:rPr lang="en-US" sz="2000" dirty="0">
+                <a:solidFill>
+                  <a:srgbClr val="FF0000"/>
+                </a:solidFill>
+              </a:rPr>
+              <a:t>breach</a:t>
+            </a:r>
+            <a:r>
+              <a:rPr lang="en-US" sz="2000" dirty="0"/>
+              <a:t> of a term of the  agreement</a:t>
+            </a:r>
+          </a:p>
+          <a:p>
+            <a:pPr marL="342900" indent="-342900">
+              <a:buFont typeface="+mj-lt"/>
+              <a:buAutoNum type="arabicPeriod"/>
+            </a:pPr>
+            <a:r>
+              <a:rPr lang="en-US" sz="2000" dirty="0"/>
+              <a:t>Non-Competition Clause</a:t>
+            </a:r>
+          </a:p>
+          <a:p>
+            <a:pPr marL="342900" indent="-342900">
+              <a:buFont typeface="+mj-lt"/>
+              <a:buAutoNum type="arabicPeriod"/>
+            </a:pPr>
+            <a:r>
+              <a:rPr lang="en-US" sz="2000" dirty="0">
+                <a:solidFill>
+                  <a:srgbClr val="FF0000"/>
+                </a:solidFill>
+              </a:rPr>
+              <a:t>Governing Law </a:t>
+            </a:r>
+            <a:r>
+              <a:rPr lang="en-US" sz="2000" dirty="0"/>
+              <a:t>which describes the way of interpreting the agreement</a:t>
+            </a:r>
+          </a:p>
+          <a:p>
+            <a:pPr marL="342900" indent="-342900">
+              <a:buFont typeface="+mj-lt"/>
+              <a:buAutoNum type="arabicPeriod"/>
+            </a:pPr>
+            <a:r>
+              <a:rPr lang="en-US" sz="2000" dirty="0"/>
+              <a:t>Entire agreement/ Modifications</a:t>
+            </a:r>
+          </a:p>
+          <a:p>
+            <a:pPr marL="342900" indent="-342900">
+              <a:buFont typeface="+mj-lt"/>
+              <a:buAutoNum type="arabicPeriod"/>
+            </a:pPr>
+            <a:r>
+              <a:rPr lang="en-US" sz="2000" dirty="0"/>
+              <a:t>Confidentiality Period</a:t>
+            </a:r>
+          </a:p>
+          <a:p>
+            <a:pPr marL="342900" indent="-342900">
+              <a:buFont typeface="+mj-lt"/>
+              <a:buAutoNum type="arabicPeriod"/>
+            </a:pPr>
+            <a:r>
+              <a:rPr lang="en-US" sz="2000" dirty="0"/>
+              <a:t>Arbitration</a:t>
+            </a:r>
+          </a:p>
+          <a:p>
+            <a:pPr marL="342900" indent="-342900">
+              <a:buFont typeface="+mj-lt"/>
+              <a:buAutoNum type="arabicPeriod"/>
+            </a:pPr>
+            <a:r>
+              <a:rPr lang="en-US" sz="2000" dirty="0"/>
+              <a:t>Warranty</a:t>
+            </a:r>
+          </a:p>
+          <a:p>
+            <a:pPr marL="342900" indent="-342900">
+              <a:buFont typeface="+mj-lt"/>
+              <a:buAutoNum type="arabicPeriod"/>
+            </a:pPr>
+            <a:r>
+              <a:rPr lang="en-US" sz="2000" dirty="0"/>
+              <a:t>Counterparts</a:t>
+            </a:r>
+          </a:p>
+        </p:txBody>
+      </p:sp>
+      <p:sp>
+        <p:nvSpPr>
+          <p:cNvPr id="5" name="Footer Placeholder 4">
+            <a:extLst>
+              <a:ext uri="{FF2B5EF4-FFF2-40B4-BE49-F238E27FC236}">
+                <a16:creationId xmlns:a16="http://schemas.microsoft.com/office/drawing/2014/main" id="{A544B2DD-AC47-4E2E-9D37-91234C47BFE7}"/>
+              </a:ext>
+            </a:extLst>
+          </p:cNvPr>
+          <p:cNvSpPr>
+            <a:spLocks noGrp="1"/>
+          </p:cNvSpPr>
+          <p:nvPr>
+            <p:ph type="ftr" sz="quarter" idx="12"/>
+          </p:nvPr>
+        </p:nvSpPr>
+        <p:spPr/>
         <p:txBody>
           <a:bodyPr/>
           <a:lstStyle/>
           <a:p>
+            <a:r>
+              <a:rPr lang="en-US" noProof="0"/>
+              <a:t>Add a footer</a:t>
+            </a:r>
+            <a:endParaRPr lang="en-US" noProof="0" dirty="0"/>
+          </a:p>
+        </p:txBody>
+      </p:sp>
+      <p:sp>
+        <p:nvSpPr>
+          <p:cNvPr id="6" name="Slide Number Placeholder 5">
+            <a:extLst>
+              <a:ext uri="{FF2B5EF4-FFF2-40B4-BE49-F238E27FC236}">
+                <a16:creationId xmlns:a16="http://schemas.microsoft.com/office/drawing/2014/main" id="{663F9FC0-FB8D-4C52-BB99-0B74B5B6D972}"/>
+              </a:ext>
+            </a:extLst>
+          </p:cNvPr>
+          <p:cNvSpPr>
+            <a:spLocks noGrp="1"/>
+          </p:cNvSpPr>
+          <p:nvPr>
+            <p:ph type="sldNum" sz="quarter" idx="33"/>
+          </p:nvPr>
+        </p:nvSpPr>
+        <p:spPr/>
+        <p:txBody>
+          <a:bodyPr/>
+          <a:lstStyle/>
+          <a:p>
             <a:fld id="{19B51A1E-902D-48AF-9020-955120F399B6}" type="slidenum">
-              <a:rPr lang="en-US" smtClean="0"/>
+              <a:rPr lang="en-US" noProof="0" smtClean="0"/>
               <a:pPr/>
               <a:t>3</a:t>
             </a:fld>
-            <a:endParaRPr lang="en-US" dirty="0"/>
+            <a:endParaRPr lang="en-US" noProof="0" dirty="0"/>
           </a:p>
         </p:txBody>
       </p:sp>
     </p:spTree>
     <p:extLst>
       <p:ext uri="{BB962C8B-B14F-4D97-AF65-F5344CB8AC3E}">
-        <p14:creationId xmlns:p14="http://schemas.microsoft.com/office/powerpoint/2010/main" val="4091674644"/>
+        <p14:creationId xmlns:p14="http://schemas.microsoft.com/office/powerpoint/2010/main" val="686033245"/>
       </p:ext>
     </p:extLst>
   </p:cSld>
@@ -13627,66 +10720,112 @@
       </p:grpSpPr>
       <p:sp>
         <p:nvSpPr>
-          <p:cNvPr id="2" name="Title 1">
-            <a:extLst>
-              <a:ext uri="{FF2B5EF4-FFF2-40B4-BE49-F238E27FC236}">
-                <a16:creationId xmlns:a16="http://schemas.microsoft.com/office/drawing/2014/main" id="{19304E83-A4F0-49C5-BB01-F5773509A2B3}"/>
-              </a:ext>
-            </a:extLst>
-          </p:cNvPr>
-          <p:cNvSpPr>
-            <a:spLocks noGrp="1"/>
-          </p:cNvSpPr>
-          <p:nvPr>
-            <p:ph type="title"/>
-          </p:nvPr>
-        </p:nvSpPr>
-        <p:spPr/>
+          <p:cNvPr id="4" name="Content Placeholder 3">
+            <a:extLst>
+              <a:ext uri="{FF2B5EF4-FFF2-40B4-BE49-F238E27FC236}">
+                <a16:creationId xmlns:a16="http://schemas.microsoft.com/office/drawing/2014/main" id="{D355C61F-C8F1-4977-8E1F-F16C0D9EA88C}"/>
+              </a:ext>
+            </a:extLst>
+          </p:cNvPr>
+          <p:cNvSpPr>
+            <a:spLocks noGrp="1"/>
+          </p:cNvSpPr>
+          <p:nvPr>
+            <p:ph sz="half" idx="1"/>
+          </p:nvPr>
+        </p:nvSpPr>
+        <p:spPr>
+          <a:xfrm>
+            <a:off x="340560" y="0"/>
+            <a:ext cx="5472000" cy="6371350"/>
+          </a:xfrm>
+        </p:spPr>
         <p:txBody>
           <a:bodyPr/>
           <a:lstStyle/>
           <a:p>
-            <a:r>
-              <a:rPr lang="en-US" dirty="0"/>
-              <a:t>Comparison</a:t>
-            </a:r>
-          </a:p>
-        </p:txBody>
-      </p:sp>
-      <p:sp>
-        <p:nvSpPr>
-          <p:cNvPr id="3" name="Text Placeholder 2">
-            <a:extLst>
-              <a:ext uri="{FF2B5EF4-FFF2-40B4-BE49-F238E27FC236}">
-                <a16:creationId xmlns:a16="http://schemas.microsoft.com/office/drawing/2014/main" id="{7CA42D59-EAD6-4F95-84F1-32A30F057856}"/>
-              </a:ext>
-            </a:extLst>
-          </p:cNvPr>
-          <p:cNvSpPr>
-            <a:spLocks noGrp="1"/>
-          </p:cNvSpPr>
-          <p:nvPr>
-            <p:ph type="body" sz="quarter" idx="32"/>
-          </p:nvPr>
-        </p:nvSpPr>
-        <p:spPr/>
-        <p:txBody>
-          <a:bodyPr/>
-          <a:lstStyle/>
-          <a:p>
-            <a:r>
-              <a:rPr lang="en-US" dirty="0"/>
-              <a:t>Lorem ipsum dolor sit amet, consectetur adipiscing elit. </a:t>
-            </a:r>
-          </a:p>
-        </p:txBody>
-      </p:sp>
-      <p:sp>
-        <p:nvSpPr>
-          <p:cNvPr id="12" name="Rectangle 11">
-            <a:extLst>
-              <a:ext uri="{FF2B5EF4-FFF2-40B4-BE49-F238E27FC236}">
-                <a16:creationId xmlns:a16="http://schemas.microsoft.com/office/drawing/2014/main" id="{7F65E93D-09FF-42EE-B9DD-750638966686}"/>
+            <a:pPr algn="just"/>
+            <a:r>
+              <a:rPr lang="en-US" sz="3200" b="1" dirty="0"/>
+              <a:t>Confidential Information</a:t>
+            </a:r>
+            <a:r>
+              <a:rPr lang="en-US" sz="3200" dirty="0"/>
+              <a:t>:</a:t>
+            </a:r>
+            <a:r>
+              <a:rPr lang="en-US" sz="2000" dirty="0"/>
+              <a:t> Technical, customer,  supplier, personnel, financial, commercial and/or business information, data any other information or knowledge communicated at any time before or after the date of the agreement, including information of a proprietary, private or confidential nature in written, graphical, oral or otherwise tangible or intangible form whether communicated in writing, orally, graphically or by inspections, relating directly or indirectly to the business or affairs of the involved parties.</a:t>
+            </a:r>
+          </a:p>
+          <a:p>
+            <a:pPr algn="just"/>
+            <a:r>
+              <a:rPr lang="en-US" sz="3200" b="1" dirty="0"/>
+              <a:t>Disclosing Party:</a:t>
+            </a:r>
+            <a:r>
+              <a:rPr lang="en-US" sz="2000" b="1" dirty="0"/>
+              <a:t> </a:t>
+            </a:r>
+            <a:r>
+              <a:rPr lang="en-US" sz="2000" dirty="0"/>
+              <a:t>The party disclosing the confidential information</a:t>
+            </a:r>
+          </a:p>
+          <a:p>
+            <a:pPr algn="just"/>
+            <a:r>
+              <a:rPr lang="en-US" sz="3200" b="1" dirty="0"/>
+              <a:t>Receiving Party:</a:t>
+            </a:r>
+            <a:r>
+              <a:rPr lang="en-US" sz="2000" dirty="0"/>
+              <a:t> The party  receiving the confidential information.</a:t>
+            </a:r>
+          </a:p>
+          <a:p>
+            <a:pPr marL="0" indent="0" algn="just">
+              <a:buNone/>
+            </a:pPr>
+            <a:endParaRPr lang="en-US" sz="2000" dirty="0"/>
+          </a:p>
+        </p:txBody>
+      </p:sp>
+      <p:pic>
+        <p:nvPicPr>
+          <p:cNvPr id="9" name="Picture Placeholder 8">
+            <a:extLst>
+              <a:ext uri="{FF2B5EF4-FFF2-40B4-BE49-F238E27FC236}">
+                <a16:creationId xmlns:a16="http://schemas.microsoft.com/office/drawing/2014/main" id="{A9A75888-22E3-1D43-9112-DA02186070B5}"/>
+              </a:ext>
+            </a:extLst>
+          </p:cNvPr>
+          <p:cNvPicPr>
+            <a:picLocks noGrp="1" noChangeAspect="1"/>
+          </p:cNvPicPr>
+          <p:nvPr>
+            <p:ph type="pic" sz="quarter" idx="14"/>
+          </p:nvPr>
+        </p:nvPicPr>
+        <p:blipFill rotWithShape="1">
+          <a:blip r:embed="rId2"/>
+          <a:srcRect l="37705"/>
+          <a:stretch/>
+        </p:blipFill>
+        <p:spPr>
+          <a:xfrm>
+            <a:off x="6096000" y="-4405"/>
+            <a:ext cx="6096000" cy="6371349"/>
+          </a:xfrm>
+        </p:spPr>
+      </p:pic>
+      <p:sp>
+        <p:nvSpPr>
+          <p:cNvPr id="20" name="Rectangle 19">
+            <a:extLst>
+              <a:ext uri="{FF2B5EF4-FFF2-40B4-BE49-F238E27FC236}">
+                <a16:creationId xmlns:a16="http://schemas.microsoft.com/office/drawing/2014/main" id="{EFA08948-2B6F-46B1-9D2D-8D7B2B3FBD56}"/>
               </a:ext>
               <a:ext uri="{C183D7F6-B498-43B3-948B-1728B52AA6E4}">
                 <adec:decorative xmlns:adec="http://schemas.microsoft.com/office/drawing/2017/decorative" val="1"/>
@@ -13698,8 +10837,8 @@
         </p:nvSpPr>
         <p:spPr>
           <a:xfrm>
-            <a:off x="431800" y="2100317"/>
-            <a:ext cx="1984175" cy="114824"/>
+            <a:off x="9348588" y="3688075"/>
+            <a:ext cx="2411412" cy="114824"/>
           </a:xfrm>
           <a:prstGeom prst="rect">
             <a:avLst/>
@@ -13738,24 +10877,24 @@
       </p:sp>
       <p:sp>
         <p:nvSpPr>
-          <p:cNvPr id="4" name="Text Placeholder 3">
-            <a:extLst>
-              <a:ext uri="{FF2B5EF4-FFF2-40B4-BE49-F238E27FC236}">
-                <a16:creationId xmlns:a16="http://schemas.microsoft.com/office/drawing/2014/main" id="{6AB259A0-0017-492F-A0DC-4B70C7052AE0}"/>
-              </a:ext>
-            </a:extLst>
-          </p:cNvPr>
-          <p:cNvSpPr>
-            <a:spLocks noGrp="1"/>
-          </p:cNvSpPr>
-          <p:nvPr>
-            <p:ph type="body" idx="1"/>
-          </p:nvPr>
-        </p:nvSpPr>
-        <p:spPr>
-          <a:xfrm>
-            <a:off x="432000" y="2443459"/>
-            <a:ext cx="5472000" cy="360000"/>
+          <p:cNvPr id="2" name="Title 1">
+            <a:extLst>
+              <a:ext uri="{FF2B5EF4-FFF2-40B4-BE49-F238E27FC236}">
+                <a16:creationId xmlns:a16="http://schemas.microsoft.com/office/drawing/2014/main" id="{3560F281-4FF6-4617-A809-AC9C15ECF18A}"/>
+              </a:ext>
+            </a:extLst>
+          </p:cNvPr>
+          <p:cNvSpPr>
+            <a:spLocks noGrp="1"/>
+          </p:cNvSpPr>
+          <p:nvPr>
+            <p:ph type="title"/>
+          </p:nvPr>
+        </p:nvSpPr>
+        <p:spPr>
+          <a:xfrm>
+            <a:off x="6502400" y="3640339"/>
+            <a:ext cx="5257600" cy="985000"/>
           </a:xfrm>
         </p:spPr>
         <p:txBody>
@@ -13764,245 +10903,55 @@
           <a:p>
             <a:r>
               <a:rPr lang="en-US" dirty="0"/>
-              <a:t>Trey Research</a:t>
-            </a:r>
-          </a:p>
-        </p:txBody>
-      </p:sp>
-      <p:sp>
-        <p:nvSpPr>
-          <p:cNvPr id="5" name="Content Placeholder 4">
-            <a:extLst>
-              <a:ext uri="{FF2B5EF4-FFF2-40B4-BE49-F238E27FC236}">
-                <a16:creationId xmlns:a16="http://schemas.microsoft.com/office/drawing/2014/main" id="{CEEB3BAE-C0B2-447C-B8BE-96C6BD84D658}"/>
-              </a:ext>
-            </a:extLst>
-          </p:cNvPr>
-          <p:cNvSpPr>
-            <a:spLocks noGrp="1"/>
-          </p:cNvSpPr>
-          <p:nvPr>
-            <p:ph sz="half" idx="2"/>
-          </p:nvPr>
-        </p:nvSpPr>
-        <p:spPr>
-          <a:xfrm>
-            <a:off x="432000" y="2950768"/>
-            <a:ext cx="5472000" cy="2194694"/>
+              <a:t>1. DEFINITIONS</a:t>
+            </a:r>
+          </a:p>
+        </p:txBody>
+      </p:sp>
+      <p:sp>
+        <p:nvSpPr>
+          <p:cNvPr id="3" name="Text Placeholder 2">
+            <a:extLst>
+              <a:ext uri="{FF2B5EF4-FFF2-40B4-BE49-F238E27FC236}">
+                <a16:creationId xmlns:a16="http://schemas.microsoft.com/office/drawing/2014/main" id="{611DC577-0A95-47D0-95D9-5F8DA763D46B}"/>
+              </a:ext>
+            </a:extLst>
+          </p:cNvPr>
+          <p:cNvSpPr>
+            <a:spLocks noGrp="1"/>
+          </p:cNvSpPr>
+          <p:nvPr>
+            <p:ph type="body" sz="quarter" idx="32"/>
+          </p:nvPr>
+        </p:nvSpPr>
+        <p:spPr>
+          <a:xfrm>
+            <a:off x="6502400" y="4635500"/>
+            <a:ext cx="5257600" cy="570982"/>
           </a:xfrm>
         </p:spPr>
         <p:txBody>
           <a:bodyPr/>
           <a:lstStyle/>
           <a:p>
+            <a:pPr algn="just"/>
             <a:r>
               <a:rPr lang="en-US" dirty="0"/>
-              <a:t>Nulla a erat eget nunc hendrerit ultrices eu nec nulla. Donec viverra leo aliquet, auctor quam id, convallis orci. </a:t>
-            </a:r>
-          </a:p>
-          <a:p>
-            <a:pPr lvl="1"/>
-            <a:r>
-              <a:rPr lang="en-US" dirty="0"/>
-              <a:t>Sed in molestie est. Cras ornare turpis at ligula posuere, sit amet accumsan neque lobortis.</a:t>
-            </a:r>
-          </a:p>
-          <a:p>
-            <a:pPr lvl="1"/>
-            <a:r>
-              <a:rPr lang="en-US" dirty="0"/>
-              <a:t>Maecenas mattis risus ligula, sed ullamcorper nunc efficitur sed. </a:t>
-            </a:r>
-          </a:p>
-        </p:txBody>
-      </p:sp>
-      <p:cxnSp>
-        <p:nvCxnSpPr>
-          <p:cNvPr id="11" name="Straight Connector 10">
-            <a:extLst>
-              <a:ext uri="{FF2B5EF4-FFF2-40B4-BE49-F238E27FC236}">
-                <a16:creationId xmlns:a16="http://schemas.microsoft.com/office/drawing/2014/main" id="{5A563457-1EC8-4978-BCCB-AFD88C9ED04C}"/>
-              </a:ext>
-              <a:ext uri="{C183D7F6-B498-43B3-948B-1728B52AA6E4}">
-                <adec:decorative xmlns:adec="http://schemas.microsoft.com/office/drawing/2017/decorative" val="1"/>
-              </a:ext>
-            </a:extLst>
-          </p:cNvPr>
-          <p:cNvCxnSpPr/>
-          <p:nvPr/>
-        </p:nvCxnSpPr>
-        <p:spPr>
-          <a:xfrm>
-            <a:off x="6096000" y="2363035"/>
-            <a:ext cx="0" cy="2411330"/>
-          </a:xfrm>
-          <a:prstGeom prst="line">
-            <a:avLst/>
-          </a:prstGeom>
-          <a:ln>
-            <a:solidFill>
-              <a:schemeClr val="bg1">
-                <a:lumMod val="95000"/>
-              </a:schemeClr>
-            </a:solidFill>
-          </a:ln>
-        </p:spPr>
-        <p:style>
-          <a:lnRef idx="1">
-            <a:schemeClr val="accent1"/>
-          </a:lnRef>
-          <a:fillRef idx="0">
-            <a:schemeClr val="accent1"/>
-          </a:fillRef>
-          <a:effectRef idx="0">
-            <a:schemeClr val="accent1"/>
-          </a:effectRef>
-          <a:fontRef idx="minor">
-            <a:schemeClr val="tx1"/>
-          </a:fontRef>
-        </p:style>
-      </p:cxnSp>
-      <p:sp>
-        <p:nvSpPr>
-          <p:cNvPr id="13" name="Rectangle 12">
-            <a:extLst>
-              <a:ext uri="{FF2B5EF4-FFF2-40B4-BE49-F238E27FC236}">
-                <a16:creationId xmlns:a16="http://schemas.microsoft.com/office/drawing/2014/main" id="{A7CD04AE-9A8B-4DED-855D-F51B510D0B69}"/>
-              </a:ext>
-              <a:ext uri="{C183D7F6-B498-43B3-948B-1728B52AA6E4}">
-                <adec:decorative xmlns:adec="http://schemas.microsoft.com/office/drawing/2017/decorative" val="1"/>
-              </a:ext>
-            </a:extLst>
-          </p:cNvPr>
-          <p:cNvSpPr/>
-          <p:nvPr/>
-        </p:nvSpPr>
-        <p:spPr>
-          <a:xfrm>
-            <a:off x="6299887" y="2100317"/>
-            <a:ext cx="1984175" cy="114824"/>
-          </a:xfrm>
-          <a:prstGeom prst="rect">
-            <a:avLst/>
-          </a:prstGeom>
-          <a:solidFill>
-            <a:schemeClr val="accent3"/>
-          </a:solidFill>
-          <a:ln>
-            <a:noFill/>
-          </a:ln>
-        </p:spPr>
-        <p:style>
-          <a:lnRef idx="2">
-            <a:schemeClr val="accent1">
-              <a:shade val="50000"/>
-            </a:schemeClr>
-          </a:lnRef>
-          <a:fillRef idx="1">
-            <a:schemeClr val="accent1"/>
-          </a:fillRef>
-          <a:effectRef idx="0">
-            <a:schemeClr val="accent1"/>
-          </a:effectRef>
-          <a:fontRef idx="minor">
-            <a:schemeClr val="lt1"/>
-          </a:fontRef>
-        </p:style>
-        <p:txBody>
-          <a:bodyPr rtlCol="0" anchor="ctr"/>
-          <a:lstStyle/>
-          <a:p>
-            <a:pPr algn="l"/>
+              <a:t>Terms used in the Document</a:t>
+            </a:r>
+          </a:p>
+          <a:p>
+            <a:pPr algn="just"/>
             <a:endParaRPr lang="en-US" dirty="0"/>
           </a:p>
         </p:txBody>
       </p:sp>
       <p:sp>
         <p:nvSpPr>
-          <p:cNvPr id="6" name="Text Placeholder 5">
-            <a:extLst>
-              <a:ext uri="{FF2B5EF4-FFF2-40B4-BE49-F238E27FC236}">
-                <a16:creationId xmlns:a16="http://schemas.microsoft.com/office/drawing/2014/main" id="{B237D1CA-B91A-410E-A968-D017BBE99F99}"/>
-              </a:ext>
-            </a:extLst>
-          </p:cNvPr>
-          <p:cNvSpPr>
-            <a:spLocks noGrp="1"/>
-          </p:cNvSpPr>
-          <p:nvPr>
-            <p:ph type="body" sz="quarter" idx="13"/>
-          </p:nvPr>
-        </p:nvSpPr>
-        <p:spPr>
-          <a:xfrm>
-            <a:off x="6300000" y="2443459"/>
-            <a:ext cx="5472000" cy="358775"/>
-          </a:xfrm>
-        </p:spPr>
-        <p:txBody>
-          <a:bodyPr/>
-          <a:lstStyle/>
-          <a:p>
-            <a:r>
-              <a:rPr lang="en-US" dirty="0"/>
-              <a:t>Competitive Service</a:t>
-            </a:r>
-          </a:p>
-        </p:txBody>
-      </p:sp>
-      <p:sp>
-        <p:nvSpPr>
-          <p:cNvPr id="7" name="Text Placeholder 6">
-            <a:extLst>
-              <a:ext uri="{FF2B5EF4-FFF2-40B4-BE49-F238E27FC236}">
-                <a16:creationId xmlns:a16="http://schemas.microsoft.com/office/drawing/2014/main" id="{26A87885-D672-4CF9-A78D-CFE98385B03A}"/>
-              </a:ext>
-            </a:extLst>
-          </p:cNvPr>
-          <p:cNvSpPr>
-            <a:spLocks noGrp="1"/>
-          </p:cNvSpPr>
-          <p:nvPr>
-            <p:ph type="body" sz="quarter" idx="12"/>
-          </p:nvPr>
-        </p:nvSpPr>
-        <p:spPr>
-          <a:xfrm>
-            <a:off x="6299887" y="2947459"/>
-            <a:ext cx="5472113" cy="2196041"/>
-          </a:xfrm>
-        </p:spPr>
-        <p:txBody>
-          <a:bodyPr/>
-          <a:lstStyle/>
-          <a:p>
-            <a:r>
-              <a:rPr lang="en-US" dirty="0"/>
-              <a:t>Praesent venenatis quam tortor, viverra nunc rutrum. </a:t>
-            </a:r>
-          </a:p>
-          <a:p>
-            <a:pPr lvl="1"/>
-            <a:r>
-              <a:rPr lang="en-US" dirty="0"/>
-              <a:t>Maecenas malesuada ultricies sapien sit amet pharetra. </a:t>
-            </a:r>
-          </a:p>
-          <a:p>
-            <a:pPr lvl="1"/>
-            <a:r>
-              <a:rPr lang="en-US" dirty="0"/>
-              <a:t>Nunc tempus, risus sodales hendrerit, arcu dolor commodo libero, a sollicitudin quam nulla quis lectus. In at porta mauris. </a:t>
-            </a:r>
-          </a:p>
-        </p:txBody>
-      </p:sp>
-      <p:sp>
-        <p:nvSpPr>
-          <p:cNvPr id="8" name="Slide Number Placeholder 7">
-            <a:extLst>
-              <a:ext uri="{FF2B5EF4-FFF2-40B4-BE49-F238E27FC236}">
-                <a16:creationId xmlns:a16="http://schemas.microsoft.com/office/drawing/2014/main" id="{E6AC9832-FB01-464A-9824-61887B77997E}"/>
+          <p:cNvPr id="6" name="Slide Number Placeholder 5">
+            <a:extLst>
+              <a:ext uri="{FF2B5EF4-FFF2-40B4-BE49-F238E27FC236}">
+                <a16:creationId xmlns:a16="http://schemas.microsoft.com/office/drawing/2014/main" id="{1C554D9F-1895-486E-BFBA-905BB2D29E08}"/>
               </a:ext>
             </a:extLst>
           </p:cNvPr>
@@ -14014,10 +10963,6 @@
           </p:nvPr>
         </p:nvSpPr>
         <p:spPr>
-          <a:xfrm>
-            <a:off x="11760000" y="6371351"/>
-            <a:ext cx="432000" cy="432000"/>
-          </a:xfrm>
           <a:solidFill>
             <a:schemeClr val="tx1">
               <a:lumMod val="95000"/>
@@ -14041,7 +10986,7 @@
     </p:spTree>
     <p:extLst>
       <p:ext uri="{BB962C8B-B14F-4D97-AF65-F5344CB8AC3E}">
-        <p14:creationId xmlns:p14="http://schemas.microsoft.com/office/powerpoint/2010/main" val="3188837873"/>
+        <p14:creationId xmlns:p14="http://schemas.microsoft.com/office/powerpoint/2010/main" val="2588330324"/>
       </p:ext>
     </p:extLst>
   </p:cSld>
@@ -14052,3873 +10997,6 @@
 </file>
 
 <file path=ppt/slides/slide5.xml><?xml version="1.0" encoding="utf-8"?>
-<p:sld xmlns:a="http://schemas.openxmlformats.org/drawingml/2006/main" xmlns:r="http://schemas.openxmlformats.org/officeDocument/2006/relationships" xmlns:p="http://schemas.openxmlformats.org/presentationml/2006/main">
-  <p:cSld>
-    <p:bg>
-      <p:bgPr>
-        <a:solidFill>
-          <a:schemeClr val="tx1">
-            <a:lumMod val="75000"/>
-            <a:lumOff val="25000"/>
-          </a:schemeClr>
-        </a:solidFill>
-        <a:effectLst/>
-      </p:bgPr>
-    </p:bg>
-    <p:spTree>
-      <p:nvGrpSpPr>
-        <p:cNvPr id="1" name=""/>
-        <p:cNvGrpSpPr/>
-        <p:nvPr/>
-      </p:nvGrpSpPr>
-      <p:grpSpPr>
-        <a:xfrm>
-          <a:off x="0" y="0"/>
-          <a:ext cx="0" cy="0"/>
-          <a:chOff x="0" y="0"/>
-          <a:chExt cx="0" cy="0"/>
-        </a:xfrm>
-      </p:grpSpPr>
-      <p:pic>
-        <p:nvPicPr>
-          <p:cNvPr id="23" name="Picture Placeholder 22" descr="Woman on laptop smiling">
-            <a:extLst>
-              <a:ext uri="{FF2B5EF4-FFF2-40B4-BE49-F238E27FC236}">
-                <a16:creationId xmlns:a16="http://schemas.microsoft.com/office/drawing/2014/main" id="{35E3CE9E-B03C-CB4B-A83A-D3265C7A0545}"/>
-              </a:ext>
-            </a:extLst>
-          </p:cNvPr>
-          <p:cNvPicPr>
-            <a:picLocks noGrp="1" noChangeAspect="1"/>
-          </p:cNvPicPr>
-          <p:nvPr>
-            <p:ph type="pic" sz="quarter" idx="10"/>
-          </p:nvPr>
-        </p:nvPicPr>
-        <p:blipFill>
-          <a:blip r:embed="rId2" cstate="screen">
-            <a:extLst>
-              <a:ext uri="{28A0092B-C50C-407E-A947-70E740481C1C}">
-                <a14:useLocalDpi xmlns:a14="http://schemas.microsoft.com/office/drawing/2010/main"/>
-              </a:ext>
-            </a:extLst>
-          </a:blip>
-          <a:srcRect/>
-          <a:stretch>
-            <a:fillRect/>
-          </a:stretch>
-        </p:blipFill>
-        <p:spPr/>
-      </p:pic>
-      <p:sp>
-        <p:nvSpPr>
-          <p:cNvPr id="3" name="Title 2">
-            <a:extLst>
-              <a:ext uri="{FF2B5EF4-FFF2-40B4-BE49-F238E27FC236}">
-                <a16:creationId xmlns:a16="http://schemas.microsoft.com/office/drawing/2014/main" id="{200B3D2B-613A-41BE-987D-E6A1324B456D}"/>
-              </a:ext>
-            </a:extLst>
-          </p:cNvPr>
-          <p:cNvSpPr>
-            <a:spLocks noGrp="1"/>
-          </p:cNvSpPr>
-          <p:nvPr>
-            <p:ph type="title"/>
-          </p:nvPr>
-        </p:nvSpPr>
-        <p:spPr>
-          <a:xfrm>
-            <a:off x="-1700" y="2156226"/>
-            <a:ext cx="4903599" cy="1958400"/>
-          </a:xfrm>
-        </p:spPr>
-        <p:txBody>
-          <a:bodyPr/>
-          <a:lstStyle/>
-          <a:p>
-            <a:r>
-              <a:rPr lang="en-US" dirty="0"/>
-              <a:t>Section Divider Option 2</a:t>
-            </a:r>
-          </a:p>
-        </p:txBody>
-      </p:sp>
-      <p:sp>
-        <p:nvSpPr>
-          <p:cNvPr id="10" name="Text Placeholder 9">
-            <a:extLst>
-              <a:ext uri="{FF2B5EF4-FFF2-40B4-BE49-F238E27FC236}">
-                <a16:creationId xmlns:a16="http://schemas.microsoft.com/office/drawing/2014/main" id="{2972F17A-D965-40B9-8ABB-C634072DBCC0}"/>
-              </a:ext>
-            </a:extLst>
-          </p:cNvPr>
-          <p:cNvSpPr>
-            <a:spLocks noGrp="1"/>
-          </p:cNvSpPr>
-          <p:nvPr>
-            <p:ph type="body" sz="quarter" idx="13"/>
-          </p:nvPr>
-        </p:nvSpPr>
-        <p:spPr>
-          <a:xfrm>
-            <a:off x="0" y="4110760"/>
-            <a:ext cx="4902200" cy="1100565"/>
-          </a:xfrm>
-        </p:spPr>
-        <p:txBody>
-          <a:bodyPr/>
-          <a:lstStyle/>
-          <a:p>
-            <a:r>
-              <a:rPr lang="en-US" dirty="0"/>
-              <a:t>Lorem ipsum dolor sit amet, consectetur adipiscing elit</a:t>
-            </a:r>
-          </a:p>
-          <a:p>
-            <a:endParaRPr lang="en-US" dirty="0"/>
-          </a:p>
-        </p:txBody>
-      </p:sp>
-      <p:sp>
-        <p:nvSpPr>
-          <p:cNvPr id="5" name="Slide Number Placeholder 4">
-            <a:extLst>
-              <a:ext uri="{FF2B5EF4-FFF2-40B4-BE49-F238E27FC236}">
-                <a16:creationId xmlns:a16="http://schemas.microsoft.com/office/drawing/2014/main" id="{F6964141-6F81-4947-A236-746D94ED3F6F}"/>
-              </a:ext>
-            </a:extLst>
-          </p:cNvPr>
-          <p:cNvSpPr>
-            <a:spLocks noGrp="1"/>
-          </p:cNvSpPr>
-          <p:nvPr>
-            <p:ph type="sldNum" sz="quarter" idx="12"/>
-          </p:nvPr>
-        </p:nvSpPr>
-        <p:spPr>
-          <a:solidFill>
-            <a:schemeClr val="tx1">
-              <a:lumMod val="95000"/>
-              <a:lumOff val="5000"/>
-            </a:schemeClr>
-          </a:solidFill>
-        </p:spPr>
-        <p:txBody>
-          <a:bodyPr/>
-          <a:lstStyle/>
-          <a:p>
-            <a:fld id="{19B51A1E-902D-48AF-9020-955120F399B6}" type="slidenum">
-              <a:rPr lang="en-US" smtClean="0"/>
-              <a:pPr/>
-              <a:t>5</a:t>
-            </a:fld>
-            <a:endParaRPr lang="en-US" dirty="0"/>
-          </a:p>
-        </p:txBody>
-      </p:sp>
-    </p:spTree>
-    <p:extLst>
-      <p:ext uri="{BB962C8B-B14F-4D97-AF65-F5344CB8AC3E}">
-        <p14:creationId xmlns:p14="http://schemas.microsoft.com/office/powerpoint/2010/main" val="2117695413"/>
-      </p:ext>
-    </p:extLst>
-  </p:cSld>
-  <p:clrMapOvr>
-    <a:masterClrMapping/>
-  </p:clrMapOvr>
-</p:sld>
-</file>
-
-<file path=ppt/slides/slide6.xml><?xml version="1.0" encoding="utf-8"?>
-<p:sld xmlns:a="http://schemas.openxmlformats.org/drawingml/2006/main" xmlns:r="http://schemas.openxmlformats.org/officeDocument/2006/relationships" xmlns:p="http://schemas.openxmlformats.org/presentationml/2006/main">
-  <p:cSld>
-    <p:spTree>
-      <p:nvGrpSpPr>
-        <p:cNvPr id="1" name=""/>
-        <p:cNvGrpSpPr/>
-        <p:nvPr/>
-      </p:nvGrpSpPr>
-      <p:grpSpPr>
-        <a:xfrm>
-          <a:off x="0" y="0"/>
-          <a:ext cx="0" cy="0"/>
-          <a:chOff x="0" y="0"/>
-          <a:chExt cx="0" cy="0"/>
-        </a:xfrm>
-      </p:grpSpPr>
-      <p:sp>
-        <p:nvSpPr>
-          <p:cNvPr id="2" name="Title 1">
-            <a:extLst>
-              <a:ext uri="{FF2B5EF4-FFF2-40B4-BE49-F238E27FC236}">
-                <a16:creationId xmlns:a16="http://schemas.microsoft.com/office/drawing/2014/main" id="{623FB4D5-DA14-4F29-9320-2DE0A6B571B9}"/>
-              </a:ext>
-            </a:extLst>
-          </p:cNvPr>
-          <p:cNvSpPr>
-            <a:spLocks noGrp="1"/>
-          </p:cNvSpPr>
-          <p:nvPr>
-            <p:ph type="title"/>
-          </p:nvPr>
-        </p:nvSpPr>
-        <p:spPr/>
-        <p:txBody>
-          <a:bodyPr/>
-          <a:lstStyle/>
-          <a:p>
-            <a:r>
-              <a:rPr lang="en-US" dirty="0"/>
-              <a:t>Chart Options</a:t>
-            </a:r>
-          </a:p>
-        </p:txBody>
-      </p:sp>
-      <p:sp>
-        <p:nvSpPr>
-          <p:cNvPr id="3" name="Text Placeholder 2">
-            <a:extLst>
-              <a:ext uri="{FF2B5EF4-FFF2-40B4-BE49-F238E27FC236}">
-                <a16:creationId xmlns:a16="http://schemas.microsoft.com/office/drawing/2014/main" id="{DE9D0F75-42B5-4960-8C3A-291285872DAF}"/>
-              </a:ext>
-            </a:extLst>
-          </p:cNvPr>
-          <p:cNvSpPr>
-            <a:spLocks noGrp="1"/>
-          </p:cNvSpPr>
-          <p:nvPr>
-            <p:ph type="body" sz="quarter" idx="32"/>
-          </p:nvPr>
-        </p:nvSpPr>
-        <p:spPr>
-          <a:xfrm>
-            <a:off x="431800" y="1008000"/>
-            <a:ext cx="11339513" cy="360000"/>
-          </a:xfrm>
-        </p:spPr>
-        <p:txBody>
-          <a:bodyPr/>
-          <a:lstStyle/>
-          <a:p>
-            <a:r>
-              <a:rPr lang="en-US" dirty="0"/>
-              <a:t>Lorem ipsum dolor sit amet, consectetur adipiscing elit. </a:t>
-            </a:r>
-          </a:p>
-        </p:txBody>
-      </p:sp>
-      <p:graphicFrame>
-        <p:nvGraphicFramePr>
-          <p:cNvPr id="4" name="Chart 3" title="Gross Revenue Placeholder Chart">
-            <a:extLst>
-              <a:ext uri="{FF2B5EF4-FFF2-40B4-BE49-F238E27FC236}">
-                <a16:creationId xmlns:a16="http://schemas.microsoft.com/office/drawing/2014/main" id="{FFE8AFAB-AE1F-4453-8C1B-70D2EF9B1373}"/>
-              </a:ext>
-            </a:extLst>
-          </p:cNvPr>
-          <p:cNvGraphicFramePr/>
-          <p:nvPr>
-            <p:extLst>
-              <p:ext uri="{D42A27DB-BD31-4B8C-83A1-F6EECF244321}">
-                <p14:modId xmlns:p14="http://schemas.microsoft.com/office/powerpoint/2010/main" val="2007591491"/>
-              </p:ext>
-            </p:extLst>
-          </p:nvPr>
-        </p:nvGraphicFramePr>
-        <p:xfrm>
-          <a:off x="431800" y="1512000"/>
-          <a:ext cx="3389313" cy="4444199"/>
-        </p:xfrm>
-        <a:graphic>
-          <a:graphicData uri="http://schemas.openxmlformats.org/drawingml/2006/chart">
-            <c:chart xmlns:c="http://schemas.openxmlformats.org/drawingml/2006/chart" xmlns:r="http://schemas.openxmlformats.org/officeDocument/2006/relationships" r:id="rId2"/>
-          </a:graphicData>
-        </a:graphic>
-      </p:graphicFrame>
-      <p:graphicFrame>
-        <p:nvGraphicFramePr>
-          <p:cNvPr id="7" name="Chart 6" title="Gross Revenue Placeholder Chart">
-            <a:extLst>
-              <a:ext uri="{FF2B5EF4-FFF2-40B4-BE49-F238E27FC236}">
-                <a16:creationId xmlns:a16="http://schemas.microsoft.com/office/drawing/2014/main" id="{9BEBE5AF-1D10-425C-8F3C-2236E52E6E67}"/>
-              </a:ext>
-            </a:extLst>
-          </p:cNvPr>
-          <p:cNvGraphicFramePr/>
-          <p:nvPr>
-            <p:extLst>
-              <p:ext uri="{D42A27DB-BD31-4B8C-83A1-F6EECF244321}">
-                <p14:modId xmlns:p14="http://schemas.microsoft.com/office/powerpoint/2010/main" val="3978817833"/>
-              </p:ext>
-            </p:extLst>
-          </p:nvPr>
-        </p:nvGraphicFramePr>
-        <p:xfrm>
-          <a:off x="4406900" y="1512000"/>
-          <a:ext cx="3389313" cy="4444199"/>
-        </p:xfrm>
-        <a:graphic>
-          <a:graphicData uri="http://schemas.openxmlformats.org/drawingml/2006/chart">
-            <c:chart xmlns:c="http://schemas.openxmlformats.org/drawingml/2006/chart" xmlns:r="http://schemas.openxmlformats.org/officeDocument/2006/relationships" r:id="rId3"/>
-          </a:graphicData>
-        </a:graphic>
-      </p:graphicFrame>
-      <p:graphicFrame>
-        <p:nvGraphicFramePr>
-          <p:cNvPr id="8" name="Chart 7" title="Gross Revenue Placeholder Chart">
-            <a:extLst>
-              <a:ext uri="{FF2B5EF4-FFF2-40B4-BE49-F238E27FC236}">
-                <a16:creationId xmlns:a16="http://schemas.microsoft.com/office/drawing/2014/main" id="{A8D5CDFF-2AF9-4CDE-BF8D-15F294BD5095}"/>
-              </a:ext>
-            </a:extLst>
-          </p:cNvPr>
-          <p:cNvGraphicFramePr/>
-          <p:nvPr>
-            <p:extLst>
-              <p:ext uri="{D42A27DB-BD31-4B8C-83A1-F6EECF244321}">
-                <p14:modId xmlns:p14="http://schemas.microsoft.com/office/powerpoint/2010/main" val="326506538"/>
-              </p:ext>
-            </p:extLst>
-          </p:nvPr>
-        </p:nvGraphicFramePr>
-        <p:xfrm>
-          <a:off x="8382000" y="1512000"/>
-          <a:ext cx="3389313" cy="4444199"/>
-        </p:xfrm>
-        <a:graphic>
-          <a:graphicData uri="http://schemas.openxmlformats.org/drawingml/2006/chart">
-            <c:chart xmlns:c="http://schemas.openxmlformats.org/drawingml/2006/chart" xmlns:r="http://schemas.openxmlformats.org/officeDocument/2006/relationships" r:id="rId4"/>
-          </a:graphicData>
-        </a:graphic>
-      </p:graphicFrame>
-      <p:sp>
-        <p:nvSpPr>
-          <p:cNvPr id="9" name="Slide Number Placeholder 8">
-            <a:extLst>
-              <a:ext uri="{FF2B5EF4-FFF2-40B4-BE49-F238E27FC236}">
-                <a16:creationId xmlns:a16="http://schemas.microsoft.com/office/drawing/2014/main" id="{00A34EBD-7DEA-4599-A81B-0A363A0E17FC}"/>
-              </a:ext>
-            </a:extLst>
-          </p:cNvPr>
-          <p:cNvSpPr>
-            <a:spLocks noGrp="1"/>
-          </p:cNvSpPr>
-          <p:nvPr>
-            <p:ph type="sldNum" sz="quarter" idx="33"/>
-          </p:nvPr>
-        </p:nvSpPr>
-        <p:spPr>
-          <a:xfrm>
-            <a:off x="11760000" y="6371351"/>
-            <a:ext cx="432000" cy="432000"/>
-          </a:xfrm>
-          <a:solidFill>
-            <a:schemeClr val="tx1">
-              <a:lumMod val="95000"/>
-              <a:lumOff val="5000"/>
-            </a:schemeClr>
-          </a:solidFill>
-        </p:spPr>
-        <p:txBody>
-          <a:bodyPr/>
-          <a:lstStyle/>
-          <a:p>
-            <a:fld id="{19B51A1E-902D-48AF-9020-955120F399B6}" type="slidenum">
-              <a:rPr lang="en-US" smtClean="0"/>
-              <a:pPr/>
-              <a:t>6</a:t>
-            </a:fld>
-            <a:endParaRPr lang="en-US" dirty="0"/>
-          </a:p>
-        </p:txBody>
-      </p:sp>
-    </p:spTree>
-    <p:extLst>
-      <p:ext uri="{BB962C8B-B14F-4D97-AF65-F5344CB8AC3E}">
-        <p14:creationId xmlns:p14="http://schemas.microsoft.com/office/powerpoint/2010/main" val="25800700"/>
-      </p:ext>
-    </p:extLst>
-  </p:cSld>
-  <p:clrMapOvr>
-    <a:masterClrMapping/>
-  </p:clrMapOvr>
-</p:sld>
-</file>
-
-<file path=ppt/slides/slide7.xml><?xml version="1.0" encoding="utf-8"?>
-<p:sld xmlns:a="http://schemas.openxmlformats.org/drawingml/2006/main" xmlns:r="http://schemas.openxmlformats.org/officeDocument/2006/relationships" xmlns:p="http://schemas.openxmlformats.org/presentationml/2006/main">
-  <p:cSld>
-    <p:spTree>
-      <p:nvGrpSpPr>
-        <p:cNvPr id="1" name=""/>
-        <p:cNvGrpSpPr/>
-        <p:nvPr/>
-      </p:nvGrpSpPr>
-      <p:grpSpPr>
-        <a:xfrm>
-          <a:off x="0" y="0"/>
-          <a:ext cx="0" cy="0"/>
-          <a:chOff x="0" y="0"/>
-          <a:chExt cx="0" cy="0"/>
-        </a:xfrm>
-      </p:grpSpPr>
-      <p:sp>
-        <p:nvSpPr>
-          <p:cNvPr id="2" name="Title 1">
-            <a:extLst>
-              <a:ext uri="{FF2B5EF4-FFF2-40B4-BE49-F238E27FC236}">
-                <a16:creationId xmlns:a16="http://schemas.microsoft.com/office/drawing/2014/main" id="{E7267129-D582-495A-8F4B-6B9075899DD6}"/>
-              </a:ext>
-            </a:extLst>
-          </p:cNvPr>
-          <p:cNvSpPr>
-            <a:spLocks noGrp="1"/>
-          </p:cNvSpPr>
-          <p:nvPr>
-            <p:ph type="title"/>
-          </p:nvPr>
-        </p:nvSpPr>
-        <p:spPr/>
-        <p:txBody>
-          <a:bodyPr/>
-          <a:lstStyle/>
-          <a:p>
-            <a:r>
-              <a:rPr lang="en-US" dirty="0"/>
-              <a:t>Table</a:t>
-            </a:r>
-          </a:p>
-        </p:txBody>
-      </p:sp>
-      <p:sp>
-        <p:nvSpPr>
-          <p:cNvPr id="3" name="Text Placeholder 2">
-            <a:extLst>
-              <a:ext uri="{FF2B5EF4-FFF2-40B4-BE49-F238E27FC236}">
-                <a16:creationId xmlns:a16="http://schemas.microsoft.com/office/drawing/2014/main" id="{F204AFD2-303D-4B48-AA3E-C96B74D8127A}"/>
-              </a:ext>
-            </a:extLst>
-          </p:cNvPr>
-          <p:cNvSpPr>
-            <a:spLocks noGrp="1"/>
-          </p:cNvSpPr>
-          <p:nvPr>
-            <p:ph type="body" sz="quarter" idx="32"/>
-          </p:nvPr>
-        </p:nvSpPr>
-        <p:spPr/>
-        <p:txBody>
-          <a:bodyPr/>
-          <a:lstStyle/>
-          <a:p>
-            <a:r>
-              <a:rPr lang="en-US" dirty="0"/>
-              <a:t>Lorem ipsum dolor sit amet, consectetur adipiscing elit. </a:t>
-            </a:r>
-          </a:p>
-        </p:txBody>
-      </p:sp>
-      <p:graphicFrame>
-        <p:nvGraphicFramePr>
-          <p:cNvPr id="4" name="Table 3">
-            <a:extLst>
-              <a:ext uri="{FF2B5EF4-FFF2-40B4-BE49-F238E27FC236}">
-                <a16:creationId xmlns:a16="http://schemas.microsoft.com/office/drawing/2014/main" id="{BEE0921D-4C1D-4106-9AC0-F73F30E8DA3C}"/>
-              </a:ext>
-            </a:extLst>
-          </p:cNvPr>
-          <p:cNvGraphicFramePr>
-            <a:graphicFrameLocks noGrp="1"/>
-          </p:cNvGraphicFramePr>
-          <p:nvPr>
-            <p:extLst>
-              <p:ext uri="{D42A27DB-BD31-4B8C-83A1-F6EECF244321}">
-                <p14:modId xmlns:p14="http://schemas.microsoft.com/office/powerpoint/2010/main" val="999029760"/>
-              </p:ext>
-            </p:extLst>
-          </p:nvPr>
-        </p:nvGraphicFramePr>
-        <p:xfrm>
-          <a:off x="431801" y="1614845"/>
-          <a:ext cx="11339510" cy="4252505"/>
-        </p:xfrm>
-        <a:graphic>
-          <a:graphicData uri="http://schemas.openxmlformats.org/drawingml/2006/table">
-            <a:tbl>
-              <a:tblPr firstRow="1" firstCol="1">
-                <a:tableStyleId>{5C22544A-7EE6-4342-B048-85BDC9FD1C3A}</a:tableStyleId>
-              </a:tblPr>
-              <a:tblGrid>
-                <a:gridCol w="1619930">
-                  <a:extLst>
-                    <a:ext uri="{9D8B030D-6E8A-4147-A177-3AD203B41FA5}">
-                      <a16:colId xmlns:a16="http://schemas.microsoft.com/office/drawing/2014/main" val="1173992025"/>
-                    </a:ext>
-                  </a:extLst>
-                </a:gridCol>
-                <a:gridCol w="1619930">
-                  <a:extLst>
-                    <a:ext uri="{9D8B030D-6E8A-4147-A177-3AD203B41FA5}">
-                      <a16:colId xmlns:a16="http://schemas.microsoft.com/office/drawing/2014/main" val="115202853"/>
-                    </a:ext>
-                  </a:extLst>
-                </a:gridCol>
-                <a:gridCol w="1619930">
-                  <a:extLst>
-                    <a:ext uri="{9D8B030D-6E8A-4147-A177-3AD203B41FA5}">
-                      <a16:colId xmlns:a16="http://schemas.microsoft.com/office/drawing/2014/main" val="1010693434"/>
-                    </a:ext>
-                  </a:extLst>
-                </a:gridCol>
-                <a:gridCol w="1619930">
-                  <a:extLst>
-                    <a:ext uri="{9D8B030D-6E8A-4147-A177-3AD203B41FA5}">
-                      <a16:colId xmlns:a16="http://schemas.microsoft.com/office/drawing/2014/main" val="608292439"/>
-                    </a:ext>
-                  </a:extLst>
-                </a:gridCol>
-                <a:gridCol w="1619930">
-                  <a:extLst>
-                    <a:ext uri="{9D8B030D-6E8A-4147-A177-3AD203B41FA5}">
-                      <a16:colId xmlns:a16="http://schemas.microsoft.com/office/drawing/2014/main" val="1007882540"/>
-                    </a:ext>
-                  </a:extLst>
-                </a:gridCol>
-                <a:gridCol w="1619930">
-                  <a:extLst>
-                    <a:ext uri="{9D8B030D-6E8A-4147-A177-3AD203B41FA5}">
-                      <a16:colId xmlns:a16="http://schemas.microsoft.com/office/drawing/2014/main" val="3778082769"/>
-                    </a:ext>
-                  </a:extLst>
-                </a:gridCol>
-                <a:gridCol w="1619930">
-                  <a:extLst>
-                    <a:ext uri="{9D8B030D-6E8A-4147-A177-3AD203B41FA5}">
-                      <a16:colId xmlns:a16="http://schemas.microsoft.com/office/drawing/2014/main" val="1136644251"/>
-                    </a:ext>
-                  </a:extLst>
-                </a:gridCol>
-              </a:tblGrid>
-              <a:tr h="617885">
-                <a:tc>
-                  <a:txBody>
-                    <a:bodyPr/>
-                    <a:lstStyle/>
-                    <a:p>
-                      <a:pPr algn="ctr"/>
-                      <a:endParaRPr lang="en-ZA" dirty="0">
-                        <a:solidFill>
-                          <a:schemeClr val="bg1"/>
-                        </a:solidFill>
-                      </a:endParaRPr>
-                    </a:p>
-                  </a:txBody>
-                  <a:tcPr>
-                    <a:lnL w="12700" cap="flat" cmpd="sng" algn="ctr">
-                      <a:noFill/>
-                      <a:prstDash val="solid"/>
-                      <a:round/>
-                      <a:headEnd type="none" w="med" len="med"/>
-                      <a:tailEnd type="none" w="med" len="med"/>
-                    </a:lnL>
-                    <a:lnR w="12700" cap="flat" cmpd="sng" algn="ctr">
-                      <a:noFill/>
-                      <a:prstDash val="solid"/>
-                      <a:round/>
-                      <a:headEnd type="none" w="med" len="med"/>
-                      <a:tailEnd type="none" w="med" len="med"/>
-                    </a:lnR>
-                    <a:lnT w="12700" cap="flat" cmpd="sng" algn="ctr">
-                      <a:noFill/>
-                      <a:prstDash val="solid"/>
-                      <a:round/>
-                      <a:headEnd type="none" w="med" len="med"/>
-                      <a:tailEnd type="none" w="med" len="med"/>
-                    </a:lnT>
-                    <a:lnB w="12700" cap="flat" cmpd="sng" algn="ctr">
-                      <a:noFill/>
-                      <a:prstDash val="solid"/>
-                      <a:round/>
-                      <a:headEnd type="none" w="med" len="med"/>
-                      <a:tailEnd type="none" w="med" len="med"/>
-                    </a:lnB>
-                    <a:lnTlToBr w="12700" cmpd="sng">
-                      <a:noFill/>
-                      <a:prstDash val="solid"/>
-                    </a:lnTlToBr>
-                    <a:lnBlToTr w="12700" cmpd="sng">
-                      <a:noFill/>
-                      <a:prstDash val="solid"/>
-                    </a:lnBlToTr>
-                    <a:solidFill>
-                      <a:schemeClr val="tx1">
-                        <a:lumMod val="85000"/>
-                        <a:lumOff val="15000"/>
-                      </a:schemeClr>
-                    </a:solidFill>
-                  </a:tcPr>
-                </a:tc>
-                <a:tc>
-                  <a:txBody>
-                    <a:bodyPr/>
-                    <a:lstStyle/>
-                    <a:p>
-                      <a:pPr algn="ctr"/>
-                      <a:r>
-                        <a:rPr lang="en-ZA" sz="1600" b="0" dirty="0">
-                          <a:solidFill>
-                            <a:schemeClr val="bg1"/>
-                          </a:solidFill>
-                          <a:latin typeface="+mj-lt"/>
-                        </a:rPr>
-                        <a:t>Vendors</a:t>
-                      </a:r>
-                    </a:p>
-                  </a:txBody>
-                  <a:tcPr>
-                    <a:lnL w="12700" cap="flat" cmpd="sng" algn="ctr">
-                      <a:noFill/>
-                      <a:prstDash val="solid"/>
-                      <a:round/>
-                      <a:headEnd type="none" w="med" len="med"/>
-                      <a:tailEnd type="none" w="med" len="med"/>
-                    </a:lnL>
-                    <a:lnR w="12700" cap="flat" cmpd="sng" algn="ctr">
-                      <a:solidFill>
-                        <a:schemeClr val="tx1"/>
-                      </a:solidFill>
-                      <a:prstDash val="solid"/>
-                      <a:round/>
-                      <a:headEnd type="none" w="med" len="med"/>
-                      <a:tailEnd type="none" w="med" len="med"/>
-                    </a:lnR>
-                    <a:lnT w="12700" cap="flat" cmpd="sng" algn="ctr">
-                      <a:noFill/>
-                      <a:prstDash val="solid"/>
-                      <a:round/>
-                      <a:headEnd type="none" w="med" len="med"/>
-                      <a:tailEnd type="none" w="med" len="med"/>
-                    </a:lnT>
-                    <a:lnB w="12700" cap="flat" cmpd="sng" algn="ctr">
-                      <a:noFill/>
-                      <a:prstDash val="solid"/>
-                      <a:round/>
-                      <a:headEnd type="none" w="med" len="med"/>
-                      <a:tailEnd type="none" w="med" len="med"/>
-                    </a:lnB>
-                    <a:lnTlToBr w="12700" cmpd="sng">
-                      <a:noFill/>
-                      <a:prstDash val="solid"/>
-                    </a:lnTlToBr>
-                    <a:lnBlToTr w="12700" cmpd="sng">
-                      <a:noFill/>
-                      <a:prstDash val="solid"/>
-                    </a:lnBlToTr>
-                    <a:solidFill>
-                      <a:schemeClr val="tx1">
-                        <a:lumMod val="75000"/>
-                        <a:lumOff val="25000"/>
-                      </a:schemeClr>
-                    </a:solidFill>
-                  </a:tcPr>
-                </a:tc>
-                <a:tc>
-                  <a:txBody>
-                    <a:bodyPr/>
-                    <a:lstStyle/>
-                    <a:p>
-                      <a:pPr algn="ctr"/>
-                      <a:r>
-                        <a:rPr lang="en-ZA" sz="1600" b="0" dirty="0">
-                          <a:solidFill>
-                            <a:schemeClr val="bg1"/>
-                          </a:solidFill>
-                          <a:latin typeface="+mj-lt"/>
-                        </a:rPr>
-                        <a:t>Users</a:t>
-                      </a:r>
-                    </a:p>
-                  </a:txBody>
-                  <a:tcPr>
-                    <a:lnL w="12700" cap="flat" cmpd="sng" algn="ctr">
-                      <a:solidFill>
-                        <a:schemeClr val="tx1"/>
-                      </a:solidFill>
-                      <a:prstDash val="solid"/>
-                      <a:round/>
-                      <a:headEnd type="none" w="med" len="med"/>
-                      <a:tailEnd type="none" w="med" len="med"/>
-                    </a:lnL>
-                    <a:lnR w="12700" cap="flat" cmpd="sng" algn="ctr">
-                      <a:solidFill>
-                        <a:schemeClr val="tx1"/>
-                      </a:solidFill>
-                      <a:prstDash val="solid"/>
-                      <a:round/>
-                      <a:headEnd type="none" w="med" len="med"/>
-                      <a:tailEnd type="none" w="med" len="med"/>
-                    </a:lnR>
-                    <a:lnT w="12700" cap="flat" cmpd="sng" algn="ctr">
-                      <a:noFill/>
-                      <a:prstDash val="solid"/>
-                      <a:round/>
-                      <a:headEnd type="none" w="med" len="med"/>
-                      <a:tailEnd type="none" w="med" len="med"/>
-                    </a:lnT>
-                    <a:lnB w="12700" cap="flat" cmpd="sng" algn="ctr">
-                      <a:noFill/>
-                      <a:prstDash val="solid"/>
-                      <a:round/>
-                      <a:headEnd type="none" w="med" len="med"/>
-                      <a:tailEnd type="none" w="med" len="med"/>
-                    </a:lnB>
-                    <a:lnTlToBr w="12700" cmpd="sng">
-                      <a:noFill/>
-                      <a:prstDash val="solid"/>
-                    </a:lnTlToBr>
-                    <a:lnBlToTr w="12700" cmpd="sng">
-                      <a:noFill/>
-                      <a:prstDash val="solid"/>
-                    </a:lnBlToTr>
-                    <a:solidFill>
-                      <a:schemeClr val="tx1">
-                        <a:lumMod val="75000"/>
-                        <a:lumOff val="25000"/>
-                      </a:schemeClr>
-                    </a:solidFill>
-                  </a:tcPr>
-                </a:tc>
-                <a:tc>
-                  <a:txBody>
-                    <a:bodyPr/>
-                    <a:lstStyle/>
-                    <a:p>
-                      <a:pPr algn="ctr"/>
-                      <a:r>
-                        <a:rPr lang="en-ZA" sz="1600" b="0" dirty="0">
-                          <a:solidFill>
-                            <a:schemeClr val="bg1"/>
-                          </a:solidFill>
-                          <a:latin typeface="+mj-lt"/>
-                        </a:rPr>
-                        <a:t>Consultants</a:t>
-                      </a:r>
-                    </a:p>
-                  </a:txBody>
-                  <a:tcPr>
-                    <a:lnL w="12700" cap="flat" cmpd="sng" algn="ctr">
-                      <a:solidFill>
-                        <a:schemeClr val="tx1"/>
-                      </a:solidFill>
-                      <a:prstDash val="solid"/>
-                      <a:round/>
-                      <a:headEnd type="none" w="med" len="med"/>
-                      <a:tailEnd type="none" w="med" len="med"/>
-                    </a:lnL>
-                    <a:lnR w="12700" cap="flat" cmpd="sng" algn="ctr">
-                      <a:solidFill>
-                        <a:schemeClr val="tx1"/>
-                      </a:solidFill>
-                      <a:prstDash val="solid"/>
-                      <a:round/>
-                      <a:headEnd type="none" w="med" len="med"/>
-                      <a:tailEnd type="none" w="med" len="med"/>
-                    </a:lnR>
-                    <a:lnT w="12700" cap="flat" cmpd="sng" algn="ctr">
-                      <a:noFill/>
-                      <a:prstDash val="solid"/>
-                      <a:round/>
-                      <a:headEnd type="none" w="med" len="med"/>
-                      <a:tailEnd type="none" w="med" len="med"/>
-                    </a:lnT>
-                    <a:lnB w="12700" cap="flat" cmpd="sng" algn="ctr">
-                      <a:noFill/>
-                      <a:prstDash val="solid"/>
-                      <a:round/>
-                      <a:headEnd type="none" w="med" len="med"/>
-                      <a:tailEnd type="none" w="med" len="med"/>
-                    </a:lnB>
-                    <a:lnTlToBr w="12700" cmpd="sng">
-                      <a:noFill/>
-                      <a:prstDash val="solid"/>
-                    </a:lnTlToBr>
-                    <a:lnBlToTr w="12700" cmpd="sng">
-                      <a:noFill/>
-                      <a:prstDash val="solid"/>
-                    </a:lnBlToTr>
-                    <a:solidFill>
-                      <a:schemeClr val="tx1">
-                        <a:lumMod val="75000"/>
-                        <a:lumOff val="25000"/>
-                      </a:schemeClr>
-                    </a:solidFill>
-                  </a:tcPr>
-                </a:tc>
-                <a:tc>
-                  <a:txBody>
-                    <a:bodyPr/>
-                    <a:lstStyle/>
-                    <a:p>
-                      <a:pPr algn="ctr"/>
-                      <a:r>
-                        <a:rPr lang="en-ZA" sz="1600" b="0" dirty="0">
-                          <a:solidFill>
-                            <a:schemeClr val="bg1"/>
-                          </a:solidFill>
-                          <a:latin typeface="+mj-lt"/>
-                        </a:rPr>
-                        <a:t>Ad Buyers</a:t>
-                      </a:r>
-                    </a:p>
-                  </a:txBody>
-                  <a:tcPr>
-                    <a:lnL w="12700" cap="flat" cmpd="sng" algn="ctr">
-                      <a:solidFill>
-                        <a:schemeClr val="tx1"/>
-                      </a:solidFill>
-                      <a:prstDash val="solid"/>
-                      <a:round/>
-                      <a:headEnd type="none" w="med" len="med"/>
-                      <a:tailEnd type="none" w="med" len="med"/>
-                    </a:lnL>
-                    <a:lnR w="12700" cap="flat" cmpd="sng" algn="ctr">
-                      <a:solidFill>
-                        <a:schemeClr val="tx1"/>
-                      </a:solidFill>
-                      <a:prstDash val="solid"/>
-                      <a:round/>
-                      <a:headEnd type="none" w="med" len="med"/>
-                      <a:tailEnd type="none" w="med" len="med"/>
-                    </a:lnR>
-                    <a:lnT w="12700" cap="flat" cmpd="sng" algn="ctr">
-                      <a:noFill/>
-                      <a:prstDash val="solid"/>
-                      <a:round/>
-                      <a:headEnd type="none" w="med" len="med"/>
-                      <a:tailEnd type="none" w="med" len="med"/>
-                    </a:lnT>
-                    <a:lnB w="12700" cap="flat" cmpd="sng" algn="ctr">
-                      <a:noFill/>
-                      <a:prstDash val="solid"/>
-                      <a:round/>
-                      <a:headEnd type="none" w="med" len="med"/>
-                      <a:tailEnd type="none" w="med" len="med"/>
-                    </a:lnB>
-                    <a:lnTlToBr w="12700" cmpd="sng">
-                      <a:noFill/>
-                      <a:prstDash val="solid"/>
-                    </a:lnTlToBr>
-                    <a:lnBlToTr w="12700" cmpd="sng">
-                      <a:noFill/>
-                      <a:prstDash val="solid"/>
-                    </a:lnBlToTr>
-                    <a:solidFill>
-                      <a:schemeClr val="tx1">
-                        <a:lumMod val="75000"/>
-                        <a:lumOff val="25000"/>
-                      </a:schemeClr>
-                    </a:solidFill>
-                  </a:tcPr>
-                </a:tc>
-                <a:tc>
-                  <a:txBody>
-                    <a:bodyPr/>
-                    <a:lstStyle/>
-                    <a:p>
-                      <a:pPr algn="ctr"/>
-                      <a:r>
-                        <a:rPr lang="en-ZA" sz="1600" b="0" dirty="0">
-                          <a:solidFill>
-                            <a:schemeClr val="bg1"/>
-                          </a:solidFill>
-                          <a:latin typeface="+mj-lt"/>
-                        </a:rPr>
-                        <a:t>Gross Revenue</a:t>
-                      </a:r>
-                    </a:p>
-                  </a:txBody>
-                  <a:tcPr>
-                    <a:lnL w="12700" cap="flat" cmpd="sng" algn="ctr">
-                      <a:solidFill>
-                        <a:schemeClr val="tx1"/>
-                      </a:solidFill>
-                      <a:prstDash val="solid"/>
-                      <a:round/>
-                      <a:headEnd type="none" w="med" len="med"/>
-                      <a:tailEnd type="none" w="med" len="med"/>
-                    </a:lnL>
-                    <a:lnR w="12700" cap="flat" cmpd="sng" algn="ctr">
-                      <a:solidFill>
-                        <a:schemeClr val="tx1"/>
-                      </a:solidFill>
-                      <a:prstDash val="solid"/>
-                      <a:round/>
-                      <a:headEnd type="none" w="med" len="med"/>
-                      <a:tailEnd type="none" w="med" len="med"/>
-                    </a:lnR>
-                    <a:lnT w="12700" cap="flat" cmpd="sng" algn="ctr">
-                      <a:noFill/>
-                      <a:prstDash val="solid"/>
-                      <a:round/>
-                      <a:headEnd type="none" w="med" len="med"/>
-                      <a:tailEnd type="none" w="med" len="med"/>
-                    </a:lnT>
-                    <a:lnB w="12700" cap="flat" cmpd="sng" algn="ctr">
-                      <a:noFill/>
-                      <a:prstDash val="solid"/>
-                      <a:round/>
-                      <a:headEnd type="none" w="med" len="med"/>
-                      <a:tailEnd type="none" w="med" len="med"/>
-                    </a:lnB>
-                    <a:lnTlToBr w="12700" cmpd="sng">
-                      <a:noFill/>
-                      <a:prstDash val="solid"/>
-                    </a:lnTlToBr>
-                    <a:lnBlToTr w="12700" cmpd="sng">
-                      <a:noFill/>
-                      <a:prstDash val="solid"/>
-                    </a:lnBlToTr>
-                    <a:solidFill>
-                      <a:schemeClr val="tx1">
-                        <a:lumMod val="75000"/>
-                        <a:lumOff val="25000"/>
-                      </a:schemeClr>
-                    </a:solidFill>
-                  </a:tcPr>
-                </a:tc>
-                <a:tc>
-                  <a:txBody>
-                    <a:bodyPr/>
-                    <a:lstStyle/>
-                    <a:p>
-                      <a:pPr algn="ctr"/>
-                      <a:r>
-                        <a:rPr lang="en-ZA" sz="1600" b="0" dirty="0">
-                          <a:solidFill>
-                            <a:schemeClr val="bg1"/>
-                          </a:solidFill>
-                          <a:latin typeface="+mj-lt"/>
-                        </a:rPr>
-                        <a:t>Company Revenue</a:t>
-                      </a:r>
-                    </a:p>
-                  </a:txBody>
-                  <a:tcPr>
-                    <a:lnL w="12700" cap="flat" cmpd="sng" algn="ctr">
-                      <a:solidFill>
-                        <a:schemeClr val="tx1"/>
-                      </a:solidFill>
-                      <a:prstDash val="solid"/>
-                      <a:round/>
-                      <a:headEnd type="none" w="med" len="med"/>
-                      <a:tailEnd type="none" w="med" len="med"/>
-                    </a:lnL>
-                    <a:lnR w="12700" cap="flat" cmpd="sng" algn="ctr">
-                      <a:noFill/>
-                      <a:prstDash val="solid"/>
-                      <a:round/>
-                      <a:headEnd type="none" w="med" len="med"/>
-                      <a:tailEnd type="none" w="med" len="med"/>
-                    </a:lnR>
-                    <a:lnT w="12700" cap="flat" cmpd="sng" algn="ctr">
-                      <a:noFill/>
-                      <a:prstDash val="solid"/>
-                      <a:round/>
-                      <a:headEnd type="none" w="med" len="med"/>
-                      <a:tailEnd type="none" w="med" len="med"/>
-                    </a:lnT>
-                    <a:lnB w="12700" cap="flat" cmpd="sng" algn="ctr">
-                      <a:noFill/>
-                      <a:prstDash val="solid"/>
-                      <a:round/>
-                      <a:headEnd type="none" w="med" len="med"/>
-                      <a:tailEnd type="none" w="med" len="med"/>
-                    </a:lnB>
-                    <a:lnTlToBr w="12700" cmpd="sng">
-                      <a:noFill/>
-                      <a:prstDash val="solid"/>
-                    </a:lnTlToBr>
-                    <a:lnBlToTr w="12700" cmpd="sng">
-                      <a:noFill/>
-                      <a:prstDash val="solid"/>
-                    </a:lnBlToTr>
-                    <a:solidFill>
-                      <a:schemeClr val="tx1">
-                        <a:lumMod val="75000"/>
-                        <a:lumOff val="25000"/>
-                      </a:schemeClr>
-                    </a:solidFill>
-                  </a:tcPr>
-                </a:tc>
-                <a:extLst>
-                  <a:ext uri="{0D108BD9-81ED-4DB2-BD59-A6C34878D82A}">
-                    <a16:rowId xmlns:a16="http://schemas.microsoft.com/office/drawing/2014/main" val="1007223600"/>
-                  </a:ext>
-                </a:extLst>
-              </a:tr>
-              <a:tr h="726924">
-                <a:tc>
-                  <a:txBody>
-                    <a:bodyPr/>
-                    <a:lstStyle/>
-                    <a:p>
-                      <a:pPr algn="ctr"/>
-                      <a:r>
-                        <a:rPr lang="en-ZA" sz="1600" b="1" dirty="0">
-                          <a:solidFill>
-                            <a:schemeClr val="tx1">
-                              <a:lumMod val="75000"/>
-                              <a:lumOff val="25000"/>
-                            </a:schemeClr>
-                          </a:solidFill>
-                        </a:rPr>
-                        <a:t>20YY</a:t>
-                      </a:r>
-                    </a:p>
-                  </a:txBody>
-                  <a:tcPr anchor="ctr">
-                    <a:lnL w="12700" cap="flat" cmpd="sng" algn="ctr">
-                      <a:solidFill>
-                        <a:schemeClr val="bg1">
-                          <a:lumMod val="85000"/>
-                        </a:schemeClr>
-                      </a:solidFill>
-                      <a:prstDash val="solid"/>
-                      <a:round/>
-                      <a:headEnd type="none" w="med" len="med"/>
-                      <a:tailEnd type="none" w="med" len="med"/>
-                    </a:lnL>
-                    <a:lnR w="12700" cap="flat" cmpd="sng" algn="ctr">
-                      <a:solidFill>
-                        <a:schemeClr val="bg1">
-                          <a:lumMod val="85000"/>
-                        </a:schemeClr>
-                      </a:solidFill>
-                      <a:prstDash val="solid"/>
-                      <a:round/>
-                      <a:headEnd type="none" w="med" len="med"/>
-                      <a:tailEnd type="none" w="med" len="med"/>
-                    </a:lnR>
-                    <a:lnT w="12700" cap="flat" cmpd="sng" algn="ctr">
-                      <a:noFill/>
-                      <a:prstDash val="solid"/>
-                      <a:round/>
-                      <a:headEnd type="none" w="med" len="med"/>
-                      <a:tailEnd type="none" w="med" len="med"/>
-                    </a:lnT>
-                    <a:lnB w="12700" cap="flat" cmpd="sng" algn="ctr">
-                      <a:solidFill>
-                        <a:schemeClr val="bg1">
-                          <a:lumMod val="85000"/>
-                        </a:schemeClr>
-                      </a:solidFill>
-                      <a:prstDash val="solid"/>
-                      <a:round/>
-                      <a:headEnd type="none" w="med" len="med"/>
-                      <a:tailEnd type="none" w="med" len="med"/>
-                    </a:lnB>
-                    <a:lnTlToBr w="12700" cmpd="sng">
-                      <a:noFill/>
-                      <a:prstDash val="solid"/>
-                    </a:lnTlToBr>
-                    <a:lnBlToTr w="12700" cmpd="sng">
-                      <a:noFill/>
-                      <a:prstDash val="solid"/>
-                    </a:lnBlToTr>
-                    <a:solidFill>
-                      <a:schemeClr val="bg1"/>
-                    </a:solidFill>
-                  </a:tcPr>
-                </a:tc>
-                <a:tc>
-                  <a:txBody>
-                    <a:bodyPr/>
-                    <a:lstStyle/>
-                    <a:p>
-                      <a:pPr algn="r"/>
-                      <a:r>
-                        <a:rPr lang="en-ZA" sz="1600" dirty="0">
-                          <a:solidFill>
-                            <a:schemeClr val="tx1">
-                              <a:lumMod val="75000"/>
-                              <a:lumOff val="25000"/>
-                            </a:schemeClr>
-                          </a:solidFill>
-                        </a:rPr>
-                        <a:t>0</a:t>
-                      </a:r>
-                    </a:p>
-                  </a:txBody>
-                  <a:tcPr anchor="ctr">
-                    <a:lnL w="12700" cap="flat" cmpd="sng" algn="ctr">
-                      <a:solidFill>
-                        <a:schemeClr val="bg1">
-                          <a:lumMod val="85000"/>
-                        </a:schemeClr>
-                      </a:solidFill>
-                      <a:prstDash val="solid"/>
-                      <a:round/>
-                      <a:headEnd type="none" w="med" len="med"/>
-                      <a:tailEnd type="none" w="med" len="med"/>
-                    </a:lnL>
-                    <a:lnR w="3175" cap="flat" cmpd="sng" algn="ctr">
-                      <a:solidFill>
-                        <a:schemeClr val="bg1">
-                          <a:lumMod val="75000"/>
-                        </a:schemeClr>
-                      </a:solidFill>
-                      <a:prstDash val="solid"/>
-                      <a:round/>
-                      <a:headEnd type="none" w="med" len="med"/>
-                      <a:tailEnd type="none" w="med" len="med"/>
-                    </a:lnR>
-                    <a:lnT w="12700" cap="flat" cmpd="sng" algn="ctr">
-                      <a:noFill/>
-                      <a:prstDash val="solid"/>
-                      <a:round/>
-                      <a:headEnd type="none" w="med" len="med"/>
-                      <a:tailEnd type="none" w="med" len="med"/>
-                    </a:lnT>
-                    <a:lnB w="3175" cap="flat" cmpd="sng" algn="ctr">
-                      <a:solidFill>
-                        <a:schemeClr val="bg1">
-                          <a:lumMod val="75000"/>
-                        </a:schemeClr>
-                      </a:solidFill>
-                      <a:prstDash val="solid"/>
-                      <a:round/>
-                      <a:headEnd type="none" w="med" len="med"/>
-                      <a:tailEnd type="none" w="med" len="med"/>
-                    </a:lnB>
-                    <a:lnTlToBr w="12700" cmpd="sng">
-                      <a:noFill/>
-                      <a:prstDash val="solid"/>
-                    </a:lnTlToBr>
-                    <a:lnBlToTr w="12700" cmpd="sng">
-                      <a:noFill/>
-                      <a:prstDash val="solid"/>
-                    </a:lnBlToTr>
-                    <a:noFill/>
-                  </a:tcPr>
-                </a:tc>
-                <a:tc>
-                  <a:txBody>
-                    <a:bodyPr/>
-                    <a:lstStyle/>
-                    <a:p>
-                      <a:pPr algn="r"/>
-                      <a:r>
-                        <a:rPr lang="en-ZA" sz="1600" dirty="0">
-                          <a:solidFill>
-                            <a:schemeClr val="tx1">
-                              <a:lumMod val="75000"/>
-                              <a:lumOff val="25000"/>
-                            </a:schemeClr>
-                          </a:solidFill>
-                        </a:rPr>
-                        <a:t>0</a:t>
-                      </a:r>
-                    </a:p>
-                  </a:txBody>
-                  <a:tcPr anchor="ctr">
-                    <a:lnL w="3175" cap="flat" cmpd="sng" algn="ctr">
-                      <a:solidFill>
-                        <a:schemeClr val="bg1">
-                          <a:lumMod val="75000"/>
-                        </a:schemeClr>
-                      </a:solidFill>
-                      <a:prstDash val="solid"/>
-                      <a:round/>
-                      <a:headEnd type="none" w="med" len="med"/>
-                      <a:tailEnd type="none" w="med" len="med"/>
-                    </a:lnL>
-                    <a:lnR w="12700" cap="flat" cmpd="sng" algn="ctr">
-                      <a:solidFill>
-                        <a:schemeClr val="bg1">
-                          <a:lumMod val="85000"/>
-                        </a:schemeClr>
-                      </a:solidFill>
-                      <a:prstDash val="solid"/>
-                      <a:round/>
-                      <a:headEnd type="none" w="med" len="med"/>
-                      <a:tailEnd type="none" w="med" len="med"/>
-                    </a:lnR>
-                    <a:lnT w="12700" cap="flat" cmpd="sng" algn="ctr">
-                      <a:noFill/>
-                      <a:prstDash val="solid"/>
-                      <a:round/>
-                      <a:headEnd type="none" w="med" len="med"/>
-                      <a:tailEnd type="none" w="med" len="med"/>
-                    </a:lnT>
-                    <a:lnB w="3175" cap="flat" cmpd="sng" algn="ctr">
-                      <a:solidFill>
-                        <a:schemeClr val="bg1">
-                          <a:lumMod val="75000"/>
-                        </a:schemeClr>
-                      </a:solidFill>
-                      <a:prstDash val="solid"/>
-                      <a:round/>
-                      <a:headEnd type="none" w="med" len="med"/>
-                      <a:tailEnd type="none" w="med" len="med"/>
-                    </a:lnB>
-                    <a:lnTlToBr w="12700" cmpd="sng">
-                      <a:noFill/>
-                      <a:prstDash val="solid"/>
-                    </a:lnTlToBr>
-                    <a:lnBlToTr w="12700" cmpd="sng">
-                      <a:noFill/>
-                      <a:prstDash val="solid"/>
-                    </a:lnBlToTr>
-                    <a:noFill/>
-                  </a:tcPr>
-                </a:tc>
-                <a:tc>
-                  <a:txBody>
-                    <a:bodyPr/>
-                    <a:lstStyle/>
-                    <a:p>
-                      <a:pPr algn="r"/>
-                      <a:r>
-                        <a:rPr lang="en-ZA" sz="1600" dirty="0">
-                          <a:solidFill>
-                            <a:schemeClr val="tx1">
-                              <a:lumMod val="75000"/>
-                              <a:lumOff val="25000"/>
-                            </a:schemeClr>
-                          </a:solidFill>
-                        </a:rPr>
-                        <a:t>2</a:t>
-                      </a:r>
-                    </a:p>
-                  </a:txBody>
-                  <a:tcPr anchor="ctr">
-                    <a:lnL w="12700" cap="flat" cmpd="sng" algn="ctr">
-                      <a:solidFill>
-                        <a:schemeClr val="bg1">
-                          <a:lumMod val="85000"/>
-                        </a:schemeClr>
-                      </a:solidFill>
-                      <a:prstDash val="solid"/>
-                      <a:round/>
-                      <a:headEnd type="none" w="med" len="med"/>
-                      <a:tailEnd type="none" w="med" len="med"/>
-                    </a:lnL>
-                    <a:lnR w="12700" cap="flat" cmpd="sng" algn="ctr">
-                      <a:solidFill>
-                        <a:schemeClr val="bg1">
-                          <a:lumMod val="85000"/>
-                        </a:schemeClr>
-                      </a:solidFill>
-                      <a:prstDash val="solid"/>
-                      <a:round/>
-                      <a:headEnd type="none" w="med" len="med"/>
-                      <a:tailEnd type="none" w="med" len="med"/>
-                    </a:lnR>
-                    <a:lnT w="12700" cap="flat" cmpd="sng" algn="ctr">
-                      <a:noFill/>
-                      <a:prstDash val="solid"/>
-                      <a:round/>
-                      <a:headEnd type="none" w="med" len="med"/>
-                      <a:tailEnd type="none" w="med" len="med"/>
-                    </a:lnT>
-                    <a:lnB w="3175" cap="flat" cmpd="sng" algn="ctr">
-                      <a:solidFill>
-                        <a:schemeClr val="bg1">
-                          <a:lumMod val="75000"/>
-                        </a:schemeClr>
-                      </a:solidFill>
-                      <a:prstDash val="solid"/>
-                      <a:round/>
-                      <a:headEnd type="none" w="med" len="med"/>
-                      <a:tailEnd type="none" w="med" len="med"/>
-                    </a:lnB>
-                    <a:lnTlToBr w="12700" cmpd="sng">
-                      <a:noFill/>
-                      <a:prstDash val="solid"/>
-                    </a:lnTlToBr>
-                    <a:lnBlToTr w="12700" cmpd="sng">
-                      <a:noFill/>
-                      <a:prstDash val="solid"/>
-                    </a:lnBlToTr>
-                    <a:noFill/>
-                  </a:tcPr>
-                </a:tc>
-                <a:tc>
-                  <a:txBody>
-                    <a:bodyPr/>
-                    <a:lstStyle/>
-                    <a:p>
-                      <a:pPr algn="r"/>
-                      <a:r>
-                        <a:rPr lang="en-ZA" sz="1600" dirty="0">
-                          <a:solidFill>
-                            <a:schemeClr val="tx1">
-                              <a:lumMod val="75000"/>
-                              <a:lumOff val="25000"/>
-                            </a:schemeClr>
-                          </a:solidFill>
-                        </a:rPr>
-                        <a:t>0</a:t>
-                      </a:r>
-                    </a:p>
-                  </a:txBody>
-                  <a:tcPr anchor="ctr">
-                    <a:lnL w="12700" cap="flat" cmpd="sng" algn="ctr">
-                      <a:solidFill>
-                        <a:schemeClr val="bg1">
-                          <a:lumMod val="85000"/>
-                        </a:schemeClr>
-                      </a:solidFill>
-                      <a:prstDash val="solid"/>
-                      <a:round/>
-                      <a:headEnd type="none" w="med" len="med"/>
-                      <a:tailEnd type="none" w="med" len="med"/>
-                    </a:lnL>
-                    <a:lnR w="12700" cap="flat" cmpd="sng" algn="ctr">
-                      <a:solidFill>
-                        <a:schemeClr val="bg1">
-                          <a:lumMod val="85000"/>
-                        </a:schemeClr>
-                      </a:solidFill>
-                      <a:prstDash val="solid"/>
-                      <a:round/>
-                      <a:headEnd type="none" w="med" len="med"/>
-                      <a:tailEnd type="none" w="med" len="med"/>
-                    </a:lnR>
-                    <a:lnT w="12700" cap="flat" cmpd="sng" algn="ctr">
-                      <a:noFill/>
-                      <a:prstDash val="solid"/>
-                      <a:round/>
-                      <a:headEnd type="none" w="med" len="med"/>
-                      <a:tailEnd type="none" w="med" len="med"/>
-                    </a:lnT>
-                    <a:lnB w="3175" cap="flat" cmpd="sng" algn="ctr">
-                      <a:solidFill>
-                        <a:schemeClr val="bg1">
-                          <a:lumMod val="75000"/>
-                        </a:schemeClr>
-                      </a:solidFill>
-                      <a:prstDash val="solid"/>
-                      <a:round/>
-                      <a:headEnd type="none" w="med" len="med"/>
-                      <a:tailEnd type="none" w="med" len="med"/>
-                    </a:lnB>
-                    <a:lnTlToBr w="12700" cmpd="sng">
-                      <a:noFill/>
-                      <a:prstDash val="solid"/>
-                    </a:lnTlToBr>
-                    <a:lnBlToTr w="12700" cmpd="sng">
-                      <a:noFill/>
-                      <a:prstDash val="solid"/>
-                    </a:lnBlToTr>
-                    <a:noFill/>
-                  </a:tcPr>
-                </a:tc>
-                <a:tc>
-                  <a:txBody>
-                    <a:bodyPr/>
-                    <a:lstStyle/>
-                    <a:p>
-                      <a:pPr algn="r"/>
-                      <a:r>
-                        <a:rPr lang="en-ZA" sz="1600" dirty="0">
-                          <a:solidFill>
-                            <a:schemeClr val="tx1">
-                              <a:lumMod val="75000"/>
-                              <a:lumOff val="25000"/>
-                            </a:schemeClr>
-                          </a:solidFill>
-                        </a:rPr>
-                        <a:t>$0</a:t>
-                      </a:r>
-                    </a:p>
-                  </a:txBody>
-                  <a:tcPr anchor="ctr">
-                    <a:lnL w="12700" cap="flat" cmpd="sng" algn="ctr">
-                      <a:solidFill>
-                        <a:schemeClr val="bg1">
-                          <a:lumMod val="85000"/>
-                        </a:schemeClr>
-                      </a:solidFill>
-                      <a:prstDash val="solid"/>
-                      <a:round/>
-                      <a:headEnd type="none" w="med" len="med"/>
-                      <a:tailEnd type="none" w="med" len="med"/>
-                    </a:lnL>
-                    <a:lnR w="12700" cap="flat" cmpd="sng" algn="ctr">
-                      <a:solidFill>
-                        <a:schemeClr val="bg1">
-                          <a:lumMod val="85000"/>
-                        </a:schemeClr>
-                      </a:solidFill>
-                      <a:prstDash val="solid"/>
-                      <a:round/>
-                      <a:headEnd type="none" w="med" len="med"/>
-                      <a:tailEnd type="none" w="med" len="med"/>
-                    </a:lnR>
-                    <a:lnT w="12700" cap="flat" cmpd="sng" algn="ctr">
-                      <a:noFill/>
-                      <a:prstDash val="solid"/>
-                      <a:round/>
-                      <a:headEnd type="none" w="med" len="med"/>
-                      <a:tailEnd type="none" w="med" len="med"/>
-                    </a:lnT>
-                    <a:lnB w="12700" cap="flat" cmpd="sng" algn="ctr">
-                      <a:solidFill>
-                        <a:schemeClr val="accent1"/>
-                      </a:solidFill>
-                      <a:prstDash val="solid"/>
-                      <a:round/>
-                      <a:headEnd type="none" w="med" len="med"/>
-                      <a:tailEnd type="none" w="med" len="med"/>
-                    </a:lnB>
-                    <a:lnTlToBr w="12700" cmpd="sng">
-                      <a:noFill/>
-                      <a:prstDash val="solid"/>
-                    </a:lnTlToBr>
-                    <a:lnBlToTr w="12700" cmpd="sng">
-                      <a:noFill/>
-                      <a:prstDash val="solid"/>
-                    </a:lnBlToTr>
-                    <a:solidFill>
-                      <a:schemeClr val="bg1">
-                        <a:lumMod val="95000"/>
-                      </a:schemeClr>
-                    </a:solidFill>
-                  </a:tcPr>
-                </a:tc>
-                <a:tc>
-                  <a:txBody>
-                    <a:bodyPr/>
-                    <a:lstStyle/>
-                    <a:p>
-                      <a:pPr algn="r"/>
-                      <a:r>
-                        <a:rPr lang="en-ZA" sz="1600" dirty="0">
-                          <a:solidFill>
-                            <a:schemeClr val="tx1">
-                              <a:lumMod val="75000"/>
-                              <a:lumOff val="25000"/>
-                            </a:schemeClr>
-                          </a:solidFill>
-                        </a:rPr>
-                        <a:t>$0</a:t>
-                      </a:r>
-                    </a:p>
-                  </a:txBody>
-                  <a:tcPr anchor="ctr">
-                    <a:lnL w="12700" cap="flat" cmpd="sng" algn="ctr">
-                      <a:solidFill>
-                        <a:schemeClr val="bg1">
-                          <a:lumMod val="85000"/>
-                        </a:schemeClr>
-                      </a:solidFill>
-                      <a:prstDash val="solid"/>
-                      <a:round/>
-                      <a:headEnd type="none" w="med" len="med"/>
-                      <a:tailEnd type="none" w="med" len="med"/>
-                    </a:lnL>
-                    <a:lnR w="3175" cap="flat" cmpd="sng" algn="ctr">
-                      <a:solidFill>
-                        <a:schemeClr val="bg1">
-                          <a:lumMod val="75000"/>
-                        </a:schemeClr>
-                      </a:solidFill>
-                      <a:prstDash val="solid"/>
-                      <a:round/>
-                      <a:headEnd type="none" w="med" len="med"/>
-                      <a:tailEnd type="none" w="med" len="med"/>
-                    </a:lnR>
-                    <a:lnT w="12700" cap="flat" cmpd="sng" algn="ctr">
-                      <a:noFill/>
-                      <a:prstDash val="solid"/>
-                      <a:round/>
-                      <a:headEnd type="none" w="med" len="med"/>
-                      <a:tailEnd type="none" w="med" len="med"/>
-                    </a:lnT>
-                    <a:lnB w="3175" cap="flat" cmpd="sng" algn="ctr">
-                      <a:solidFill>
-                        <a:schemeClr val="bg1">
-                          <a:lumMod val="75000"/>
-                        </a:schemeClr>
-                      </a:solidFill>
-                      <a:prstDash val="solid"/>
-                      <a:round/>
-                      <a:headEnd type="none" w="med" len="med"/>
-                      <a:tailEnd type="none" w="med" len="med"/>
-                    </a:lnB>
-                    <a:lnTlToBr w="12700" cmpd="sng">
-                      <a:noFill/>
-                      <a:prstDash val="solid"/>
-                    </a:lnTlToBr>
-                    <a:lnBlToTr w="12700" cmpd="sng">
-                      <a:noFill/>
-                      <a:prstDash val="solid"/>
-                    </a:lnBlToTr>
-                    <a:noFill/>
-                  </a:tcPr>
-                </a:tc>
-                <a:extLst>
-                  <a:ext uri="{0D108BD9-81ED-4DB2-BD59-A6C34878D82A}">
-                    <a16:rowId xmlns:a16="http://schemas.microsoft.com/office/drawing/2014/main" val="3583495943"/>
-                  </a:ext>
-                </a:extLst>
-              </a:tr>
-              <a:tr h="726924">
-                <a:tc>
-                  <a:txBody>
-                    <a:bodyPr/>
-                    <a:lstStyle/>
-                    <a:p>
-                      <a:pPr algn="ctr"/>
-                      <a:r>
-                        <a:rPr lang="en-ZA" sz="1600" b="1" dirty="0">
-                          <a:solidFill>
-                            <a:schemeClr val="tx1">
-                              <a:lumMod val="75000"/>
-                              <a:lumOff val="25000"/>
-                            </a:schemeClr>
-                          </a:solidFill>
-                        </a:rPr>
-                        <a:t>20YY</a:t>
-                      </a:r>
-                    </a:p>
-                  </a:txBody>
-                  <a:tcPr anchor="ctr">
-                    <a:lnL w="12700" cap="flat" cmpd="sng" algn="ctr">
-                      <a:solidFill>
-                        <a:schemeClr val="bg1">
-                          <a:lumMod val="85000"/>
-                        </a:schemeClr>
-                      </a:solidFill>
-                      <a:prstDash val="solid"/>
-                      <a:round/>
-                      <a:headEnd type="none" w="med" len="med"/>
-                      <a:tailEnd type="none" w="med" len="med"/>
-                    </a:lnL>
-                    <a:lnR w="12700" cap="flat" cmpd="sng" algn="ctr">
-                      <a:solidFill>
-                        <a:schemeClr val="bg1">
-                          <a:lumMod val="85000"/>
-                        </a:schemeClr>
-                      </a:solidFill>
-                      <a:prstDash val="solid"/>
-                      <a:round/>
-                      <a:headEnd type="none" w="med" len="med"/>
-                      <a:tailEnd type="none" w="med" len="med"/>
-                    </a:lnR>
-                    <a:lnT w="12700" cap="flat" cmpd="sng" algn="ctr">
-                      <a:solidFill>
-                        <a:schemeClr val="bg1">
-                          <a:lumMod val="85000"/>
-                        </a:schemeClr>
-                      </a:solidFill>
-                      <a:prstDash val="solid"/>
-                      <a:round/>
-                      <a:headEnd type="none" w="med" len="med"/>
-                      <a:tailEnd type="none" w="med" len="med"/>
-                    </a:lnT>
-                    <a:lnB w="12700" cap="flat" cmpd="sng" algn="ctr">
-                      <a:solidFill>
-                        <a:schemeClr val="bg1">
-                          <a:lumMod val="85000"/>
-                        </a:schemeClr>
-                      </a:solidFill>
-                      <a:prstDash val="solid"/>
-                      <a:round/>
-                      <a:headEnd type="none" w="med" len="med"/>
-                      <a:tailEnd type="none" w="med" len="med"/>
-                    </a:lnB>
-                    <a:lnTlToBr w="12700" cmpd="sng">
-                      <a:noFill/>
-                      <a:prstDash val="solid"/>
-                    </a:lnTlToBr>
-                    <a:lnBlToTr w="12700" cmpd="sng">
-                      <a:noFill/>
-                      <a:prstDash val="solid"/>
-                    </a:lnBlToTr>
-                    <a:solidFill>
-                      <a:schemeClr val="bg1"/>
-                    </a:solidFill>
-                  </a:tcPr>
-                </a:tc>
-                <a:tc>
-                  <a:txBody>
-                    <a:bodyPr/>
-                    <a:lstStyle/>
-                    <a:p>
-                      <a:pPr algn="r"/>
-                      <a:r>
-                        <a:rPr lang="en-ZA" sz="1600" dirty="0">
-                          <a:solidFill>
-                            <a:schemeClr val="tx1">
-                              <a:lumMod val="75000"/>
-                              <a:lumOff val="25000"/>
-                            </a:schemeClr>
-                          </a:solidFill>
-                        </a:rPr>
-                        <a:t>10</a:t>
-                      </a:r>
-                    </a:p>
-                  </a:txBody>
-                  <a:tcPr anchor="ctr">
-                    <a:lnL w="12700" cap="flat" cmpd="sng" algn="ctr">
-                      <a:solidFill>
-                        <a:schemeClr val="bg1">
-                          <a:lumMod val="85000"/>
-                        </a:schemeClr>
-                      </a:solidFill>
-                      <a:prstDash val="solid"/>
-                      <a:round/>
-                      <a:headEnd type="none" w="med" len="med"/>
-                      <a:tailEnd type="none" w="med" len="med"/>
-                    </a:lnL>
-                    <a:lnR w="3175" cap="flat" cmpd="sng" algn="ctr">
-                      <a:solidFill>
-                        <a:schemeClr val="bg1">
-                          <a:lumMod val="75000"/>
-                        </a:schemeClr>
-                      </a:solidFill>
-                      <a:prstDash val="solid"/>
-                      <a:round/>
-                      <a:headEnd type="none" w="med" len="med"/>
-                      <a:tailEnd type="none" w="med" len="med"/>
-                    </a:lnR>
-                    <a:lnT w="3175" cap="flat" cmpd="sng" algn="ctr">
-                      <a:solidFill>
-                        <a:schemeClr val="bg1">
-                          <a:lumMod val="75000"/>
-                        </a:schemeClr>
-                      </a:solidFill>
-                      <a:prstDash val="solid"/>
-                      <a:round/>
-                      <a:headEnd type="none" w="med" len="med"/>
-                      <a:tailEnd type="none" w="med" len="med"/>
-                    </a:lnT>
-                    <a:lnB w="3175" cap="flat" cmpd="sng" algn="ctr">
-                      <a:solidFill>
-                        <a:schemeClr val="bg1">
-                          <a:lumMod val="75000"/>
-                        </a:schemeClr>
-                      </a:solidFill>
-                      <a:prstDash val="solid"/>
-                      <a:round/>
-                      <a:headEnd type="none" w="med" len="med"/>
-                      <a:tailEnd type="none" w="med" len="med"/>
-                    </a:lnB>
-                    <a:lnTlToBr w="12700" cmpd="sng">
-                      <a:noFill/>
-                      <a:prstDash val="solid"/>
-                    </a:lnTlToBr>
-                    <a:lnBlToTr w="12700" cmpd="sng">
-                      <a:noFill/>
-                      <a:prstDash val="solid"/>
-                    </a:lnBlToTr>
-                    <a:noFill/>
-                  </a:tcPr>
-                </a:tc>
-                <a:tc>
-                  <a:txBody>
-                    <a:bodyPr/>
-                    <a:lstStyle/>
-                    <a:p>
-                      <a:pPr algn="r"/>
-                      <a:r>
-                        <a:rPr lang="en-ZA" sz="1600" dirty="0">
-                          <a:solidFill>
-                            <a:schemeClr val="tx1">
-                              <a:lumMod val="75000"/>
-                              <a:lumOff val="25000"/>
-                            </a:schemeClr>
-                          </a:solidFill>
-                        </a:rPr>
-                        <a:t>100</a:t>
-                      </a:r>
-                    </a:p>
-                  </a:txBody>
-                  <a:tcPr anchor="ctr">
-                    <a:lnL w="3175" cap="flat" cmpd="sng" algn="ctr">
-                      <a:solidFill>
-                        <a:schemeClr val="bg1">
-                          <a:lumMod val="75000"/>
-                        </a:schemeClr>
-                      </a:solidFill>
-                      <a:prstDash val="solid"/>
-                      <a:round/>
-                      <a:headEnd type="none" w="med" len="med"/>
-                      <a:tailEnd type="none" w="med" len="med"/>
-                    </a:lnL>
-                    <a:lnR w="12700" cap="flat" cmpd="sng" algn="ctr">
-                      <a:solidFill>
-                        <a:schemeClr val="bg1">
-                          <a:lumMod val="85000"/>
-                        </a:schemeClr>
-                      </a:solidFill>
-                      <a:prstDash val="solid"/>
-                      <a:round/>
-                      <a:headEnd type="none" w="med" len="med"/>
-                      <a:tailEnd type="none" w="med" len="med"/>
-                    </a:lnR>
-                    <a:lnT w="3175" cap="flat" cmpd="sng" algn="ctr">
-                      <a:solidFill>
-                        <a:schemeClr val="bg1">
-                          <a:lumMod val="75000"/>
-                        </a:schemeClr>
-                      </a:solidFill>
-                      <a:prstDash val="solid"/>
-                      <a:round/>
-                      <a:headEnd type="none" w="med" len="med"/>
-                      <a:tailEnd type="none" w="med" len="med"/>
-                    </a:lnT>
-                    <a:lnB w="3175" cap="flat" cmpd="sng" algn="ctr">
-                      <a:solidFill>
-                        <a:schemeClr val="bg1">
-                          <a:lumMod val="75000"/>
-                        </a:schemeClr>
-                      </a:solidFill>
-                      <a:prstDash val="solid"/>
-                      <a:round/>
-                      <a:headEnd type="none" w="med" len="med"/>
-                      <a:tailEnd type="none" w="med" len="med"/>
-                    </a:lnB>
-                    <a:lnTlToBr w="12700" cmpd="sng">
-                      <a:noFill/>
-                      <a:prstDash val="solid"/>
-                    </a:lnTlToBr>
-                    <a:lnBlToTr w="12700" cmpd="sng">
-                      <a:noFill/>
-                      <a:prstDash val="solid"/>
-                    </a:lnBlToTr>
-                    <a:noFill/>
-                  </a:tcPr>
-                </a:tc>
-                <a:tc>
-                  <a:txBody>
-                    <a:bodyPr/>
-                    <a:lstStyle/>
-                    <a:p>
-                      <a:pPr algn="r"/>
-                      <a:r>
-                        <a:rPr lang="en-ZA" sz="1600" dirty="0">
-                          <a:solidFill>
-                            <a:schemeClr val="tx1">
-                              <a:lumMod val="75000"/>
-                              <a:lumOff val="25000"/>
-                            </a:schemeClr>
-                          </a:solidFill>
-                        </a:rPr>
-                        <a:t>50</a:t>
-                      </a:r>
-                    </a:p>
-                  </a:txBody>
-                  <a:tcPr anchor="ctr">
-                    <a:lnL w="12700" cap="flat" cmpd="sng" algn="ctr">
-                      <a:solidFill>
-                        <a:schemeClr val="bg1">
-                          <a:lumMod val="85000"/>
-                        </a:schemeClr>
-                      </a:solidFill>
-                      <a:prstDash val="solid"/>
-                      <a:round/>
-                      <a:headEnd type="none" w="med" len="med"/>
-                      <a:tailEnd type="none" w="med" len="med"/>
-                    </a:lnL>
-                    <a:lnR w="12700" cap="flat" cmpd="sng" algn="ctr">
-                      <a:solidFill>
-                        <a:schemeClr val="bg1">
-                          <a:lumMod val="85000"/>
-                        </a:schemeClr>
-                      </a:solidFill>
-                      <a:prstDash val="solid"/>
-                      <a:round/>
-                      <a:headEnd type="none" w="med" len="med"/>
-                      <a:tailEnd type="none" w="med" len="med"/>
-                    </a:lnR>
-                    <a:lnT w="3175" cap="flat" cmpd="sng" algn="ctr">
-                      <a:solidFill>
-                        <a:schemeClr val="bg1">
-                          <a:lumMod val="75000"/>
-                        </a:schemeClr>
-                      </a:solidFill>
-                      <a:prstDash val="solid"/>
-                      <a:round/>
-                      <a:headEnd type="none" w="med" len="med"/>
-                      <a:tailEnd type="none" w="med" len="med"/>
-                    </a:lnT>
-                    <a:lnB w="3175" cap="flat" cmpd="sng" algn="ctr">
-                      <a:solidFill>
-                        <a:schemeClr val="bg1">
-                          <a:lumMod val="75000"/>
-                        </a:schemeClr>
-                      </a:solidFill>
-                      <a:prstDash val="solid"/>
-                      <a:round/>
-                      <a:headEnd type="none" w="med" len="med"/>
-                      <a:tailEnd type="none" w="med" len="med"/>
-                    </a:lnB>
-                    <a:lnTlToBr w="12700" cmpd="sng">
-                      <a:noFill/>
-                      <a:prstDash val="solid"/>
-                    </a:lnTlToBr>
-                    <a:lnBlToTr w="12700" cmpd="sng">
-                      <a:noFill/>
-                      <a:prstDash val="solid"/>
-                    </a:lnBlToTr>
-                    <a:noFill/>
-                  </a:tcPr>
-                </a:tc>
-                <a:tc>
-                  <a:txBody>
-                    <a:bodyPr/>
-                    <a:lstStyle/>
-                    <a:p>
-                      <a:pPr algn="r"/>
-                      <a:r>
-                        <a:rPr lang="en-ZA" sz="1600" dirty="0">
-                          <a:solidFill>
-                            <a:schemeClr val="tx1">
-                              <a:lumMod val="75000"/>
-                              <a:lumOff val="25000"/>
-                            </a:schemeClr>
-                          </a:solidFill>
-                        </a:rPr>
-                        <a:t>10</a:t>
-                      </a:r>
-                    </a:p>
-                  </a:txBody>
-                  <a:tcPr anchor="ctr">
-                    <a:lnL w="12700" cap="flat" cmpd="sng" algn="ctr">
-                      <a:solidFill>
-                        <a:schemeClr val="bg1">
-                          <a:lumMod val="85000"/>
-                        </a:schemeClr>
-                      </a:solidFill>
-                      <a:prstDash val="solid"/>
-                      <a:round/>
-                      <a:headEnd type="none" w="med" len="med"/>
-                      <a:tailEnd type="none" w="med" len="med"/>
-                    </a:lnL>
-                    <a:lnR w="12700" cap="flat" cmpd="sng" algn="ctr">
-                      <a:solidFill>
-                        <a:schemeClr val="bg1">
-                          <a:lumMod val="85000"/>
-                        </a:schemeClr>
-                      </a:solidFill>
-                      <a:prstDash val="solid"/>
-                      <a:round/>
-                      <a:headEnd type="none" w="med" len="med"/>
-                      <a:tailEnd type="none" w="med" len="med"/>
-                    </a:lnR>
-                    <a:lnT w="3175" cap="flat" cmpd="sng" algn="ctr">
-                      <a:solidFill>
-                        <a:schemeClr val="bg1">
-                          <a:lumMod val="75000"/>
-                        </a:schemeClr>
-                      </a:solidFill>
-                      <a:prstDash val="solid"/>
-                      <a:round/>
-                      <a:headEnd type="none" w="med" len="med"/>
-                      <a:tailEnd type="none" w="med" len="med"/>
-                    </a:lnT>
-                    <a:lnB w="3175" cap="flat" cmpd="sng" algn="ctr">
-                      <a:solidFill>
-                        <a:schemeClr val="bg1">
-                          <a:lumMod val="75000"/>
-                        </a:schemeClr>
-                      </a:solidFill>
-                      <a:prstDash val="solid"/>
-                      <a:round/>
-                      <a:headEnd type="none" w="med" len="med"/>
-                      <a:tailEnd type="none" w="med" len="med"/>
-                    </a:lnB>
-                    <a:lnTlToBr w="12700" cmpd="sng">
-                      <a:noFill/>
-                      <a:prstDash val="solid"/>
-                    </a:lnTlToBr>
-                    <a:lnBlToTr w="12700" cmpd="sng">
-                      <a:noFill/>
-                      <a:prstDash val="solid"/>
-                    </a:lnBlToTr>
-                    <a:noFill/>
-                  </a:tcPr>
-                </a:tc>
-                <a:tc>
-                  <a:txBody>
-                    <a:bodyPr/>
-                    <a:lstStyle/>
-                    <a:p>
-                      <a:pPr algn="r"/>
-                      <a:r>
-                        <a:rPr lang="en-ZA" sz="1600" dirty="0">
-                          <a:solidFill>
-                            <a:schemeClr val="tx1">
-                              <a:lumMod val="75000"/>
-                              <a:lumOff val="25000"/>
-                            </a:schemeClr>
-                          </a:solidFill>
-                        </a:rPr>
-                        <a:t>$6,750</a:t>
-                      </a:r>
-                    </a:p>
-                  </a:txBody>
-                  <a:tcPr anchor="ctr">
-                    <a:lnL w="12700" cap="flat" cmpd="sng" algn="ctr">
-                      <a:solidFill>
-                        <a:schemeClr val="bg1">
-                          <a:lumMod val="85000"/>
-                        </a:schemeClr>
-                      </a:solidFill>
-                      <a:prstDash val="solid"/>
-                      <a:round/>
-                      <a:headEnd type="none" w="med" len="med"/>
-                      <a:tailEnd type="none" w="med" len="med"/>
-                    </a:lnL>
-                    <a:lnR w="12700" cap="flat" cmpd="sng" algn="ctr">
-                      <a:solidFill>
-                        <a:schemeClr val="bg1">
-                          <a:lumMod val="85000"/>
-                        </a:schemeClr>
-                      </a:solidFill>
-                      <a:prstDash val="solid"/>
-                      <a:round/>
-                      <a:headEnd type="none" w="med" len="med"/>
-                      <a:tailEnd type="none" w="med" len="med"/>
-                    </a:lnR>
-                    <a:lnT w="12700" cap="flat" cmpd="sng" algn="ctr">
-                      <a:solidFill>
-                        <a:schemeClr val="accent1"/>
-                      </a:solidFill>
-                      <a:prstDash val="solid"/>
-                      <a:round/>
-                      <a:headEnd type="none" w="med" len="med"/>
-                      <a:tailEnd type="none" w="med" len="med"/>
-                    </a:lnT>
-                    <a:lnB w="12700" cap="flat" cmpd="sng" algn="ctr">
-                      <a:solidFill>
-                        <a:schemeClr val="accent1"/>
-                      </a:solidFill>
-                      <a:prstDash val="solid"/>
-                      <a:round/>
-                      <a:headEnd type="none" w="med" len="med"/>
-                      <a:tailEnd type="none" w="med" len="med"/>
-                    </a:lnB>
-                    <a:lnTlToBr w="12700" cmpd="sng">
-                      <a:noFill/>
-                      <a:prstDash val="solid"/>
-                    </a:lnTlToBr>
-                    <a:lnBlToTr w="12700" cmpd="sng">
-                      <a:noFill/>
-                      <a:prstDash val="solid"/>
-                    </a:lnBlToTr>
-                    <a:solidFill>
-                      <a:schemeClr val="bg1">
-                        <a:lumMod val="95000"/>
-                      </a:schemeClr>
-                    </a:solidFill>
-                  </a:tcPr>
-                </a:tc>
-                <a:tc>
-                  <a:txBody>
-                    <a:bodyPr/>
-                    <a:lstStyle/>
-                    <a:p>
-                      <a:pPr algn="r"/>
-                      <a:r>
-                        <a:rPr lang="en-ZA" sz="1600" dirty="0">
-                          <a:solidFill>
-                            <a:schemeClr val="tx1">
-                              <a:lumMod val="75000"/>
-                              <a:lumOff val="25000"/>
-                            </a:schemeClr>
-                          </a:solidFill>
-                        </a:rPr>
-                        <a:t>$1,013</a:t>
-                      </a:r>
-                    </a:p>
-                  </a:txBody>
-                  <a:tcPr anchor="ctr">
-                    <a:lnL w="12700" cap="flat" cmpd="sng" algn="ctr">
-                      <a:solidFill>
-                        <a:schemeClr val="bg1">
-                          <a:lumMod val="85000"/>
-                        </a:schemeClr>
-                      </a:solidFill>
-                      <a:prstDash val="solid"/>
-                      <a:round/>
-                      <a:headEnd type="none" w="med" len="med"/>
-                      <a:tailEnd type="none" w="med" len="med"/>
-                    </a:lnL>
-                    <a:lnR w="3175" cap="flat" cmpd="sng" algn="ctr">
-                      <a:solidFill>
-                        <a:schemeClr val="bg1">
-                          <a:lumMod val="75000"/>
-                        </a:schemeClr>
-                      </a:solidFill>
-                      <a:prstDash val="solid"/>
-                      <a:round/>
-                      <a:headEnd type="none" w="med" len="med"/>
-                      <a:tailEnd type="none" w="med" len="med"/>
-                    </a:lnR>
-                    <a:lnT w="3175" cap="flat" cmpd="sng" algn="ctr">
-                      <a:solidFill>
-                        <a:schemeClr val="bg1">
-                          <a:lumMod val="75000"/>
-                        </a:schemeClr>
-                      </a:solidFill>
-                      <a:prstDash val="solid"/>
-                      <a:round/>
-                      <a:headEnd type="none" w="med" len="med"/>
-                      <a:tailEnd type="none" w="med" len="med"/>
-                    </a:lnT>
-                    <a:lnB w="3175" cap="flat" cmpd="sng" algn="ctr">
-                      <a:solidFill>
-                        <a:schemeClr val="bg1">
-                          <a:lumMod val="75000"/>
-                        </a:schemeClr>
-                      </a:solidFill>
-                      <a:prstDash val="solid"/>
-                      <a:round/>
-                      <a:headEnd type="none" w="med" len="med"/>
-                      <a:tailEnd type="none" w="med" len="med"/>
-                    </a:lnB>
-                    <a:lnTlToBr w="12700" cmpd="sng">
-                      <a:noFill/>
-                      <a:prstDash val="solid"/>
-                    </a:lnTlToBr>
-                    <a:lnBlToTr w="12700" cmpd="sng">
-                      <a:noFill/>
-                      <a:prstDash val="solid"/>
-                    </a:lnBlToTr>
-                    <a:noFill/>
-                  </a:tcPr>
-                </a:tc>
-                <a:extLst>
-                  <a:ext uri="{0D108BD9-81ED-4DB2-BD59-A6C34878D82A}">
-                    <a16:rowId xmlns:a16="http://schemas.microsoft.com/office/drawing/2014/main" val="2912132828"/>
-                  </a:ext>
-                </a:extLst>
-              </a:tr>
-              <a:tr h="726924">
-                <a:tc>
-                  <a:txBody>
-                    <a:bodyPr/>
-                    <a:lstStyle/>
-                    <a:p>
-                      <a:pPr algn="ctr"/>
-                      <a:r>
-                        <a:rPr lang="en-ZA" sz="1600" b="1" dirty="0">
-                          <a:solidFill>
-                            <a:schemeClr val="tx1">
-                              <a:lumMod val="75000"/>
-                              <a:lumOff val="25000"/>
-                            </a:schemeClr>
-                          </a:solidFill>
-                        </a:rPr>
-                        <a:t>20YY</a:t>
-                      </a:r>
-                    </a:p>
-                  </a:txBody>
-                  <a:tcPr anchor="ctr">
-                    <a:lnL w="12700" cap="flat" cmpd="sng" algn="ctr">
-                      <a:solidFill>
-                        <a:schemeClr val="bg1">
-                          <a:lumMod val="85000"/>
-                        </a:schemeClr>
-                      </a:solidFill>
-                      <a:prstDash val="solid"/>
-                      <a:round/>
-                      <a:headEnd type="none" w="med" len="med"/>
-                      <a:tailEnd type="none" w="med" len="med"/>
-                    </a:lnL>
-                    <a:lnR w="12700" cap="flat" cmpd="sng" algn="ctr">
-                      <a:solidFill>
-                        <a:schemeClr val="bg1">
-                          <a:lumMod val="85000"/>
-                        </a:schemeClr>
-                      </a:solidFill>
-                      <a:prstDash val="solid"/>
-                      <a:round/>
-                      <a:headEnd type="none" w="med" len="med"/>
-                      <a:tailEnd type="none" w="med" len="med"/>
-                    </a:lnR>
-                    <a:lnT w="12700" cap="flat" cmpd="sng" algn="ctr">
-                      <a:solidFill>
-                        <a:schemeClr val="bg1">
-                          <a:lumMod val="85000"/>
-                        </a:schemeClr>
-                      </a:solidFill>
-                      <a:prstDash val="solid"/>
-                      <a:round/>
-                      <a:headEnd type="none" w="med" len="med"/>
-                      <a:tailEnd type="none" w="med" len="med"/>
-                    </a:lnT>
-                    <a:lnB w="12700" cap="flat" cmpd="sng" algn="ctr">
-                      <a:solidFill>
-                        <a:schemeClr val="bg1">
-                          <a:lumMod val="85000"/>
-                        </a:schemeClr>
-                      </a:solidFill>
-                      <a:prstDash val="solid"/>
-                      <a:round/>
-                      <a:headEnd type="none" w="med" len="med"/>
-                      <a:tailEnd type="none" w="med" len="med"/>
-                    </a:lnB>
-                    <a:lnTlToBr w="12700" cmpd="sng">
-                      <a:noFill/>
-                      <a:prstDash val="solid"/>
-                    </a:lnTlToBr>
-                    <a:lnBlToTr w="12700" cmpd="sng">
-                      <a:noFill/>
-                      <a:prstDash val="solid"/>
-                    </a:lnBlToTr>
-                    <a:solidFill>
-                      <a:schemeClr val="bg1"/>
-                    </a:solidFill>
-                  </a:tcPr>
-                </a:tc>
-                <a:tc>
-                  <a:txBody>
-                    <a:bodyPr/>
-                    <a:lstStyle/>
-                    <a:p>
-                      <a:pPr algn="r"/>
-                      <a:r>
-                        <a:rPr lang="en-ZA" sz="1600" dirty="0">
-                          <a:solidFill>
-                            <a:schemeClr val="tx1">
-                              <a:lumMod val="75000"/>
-                              <a:lumOff val="25000"/>
-                            </a:schemeClr>
-                          </a:solidFill>
-                        </a:rPr>
-                        <a:t>50</a:t>
-                      </a:r>
-                    </a:p>
-                  </a:txBody>
-                  <a:tcPr anchor="ctr">
-                    <a:lnL w="12700" cap="flat" cmpd="sng" algn="ctr">
-                      <a:solidFill>
-                        <a:schemeClr val="bg1">
-                          <a:lumMod val="85000"/>
-                        </a:schemeClr>
-                      </a:solidFill>
-                      <a:prstDash val="solid"/>
-                      <a:round/>
-                      <a:headEnd type="none" w="med" len="med"/>
-                      <a:tailEnd type="none" w="med" len="med"/>
-                    </a:lnL>
-                    <a:lnR w="3175" cap="flat" cmpd="sng" algn="ctr">
-                      <a:solidFill>
-                        <a:schemeClr val="bg1">
-                          <a:lumMod val="75000"/>
-                        </a:schemeClr>
-                      </a:solidFill>
-                      <a:prstDash val="solid"/>
-                      <a:round/>
-                      <a:headEnd type="none" w="med" len="med"/>
-                      <a:tailEnd type="none" w="med" len="med"/>
-                    </a:lnR>
-                    <a:lnT w="3175" cap="flat" cmpd="sng" algn="ctr">
-                      <a:solidFill>
-                        <a:schemeClr val="bg1">
-                          <a:lumMod val="75000"/>
-                        </a:schemeClr>
-                      </a:solidFill>
-                      <a:prstDash val="solid"/>
-                      <a:round/>
-                      <a:headEnd type="none" w="med" len="med"/>
-                      <a:tailEnd type="none" w="med" len="med"/>
-                    </a:lnT>
-                    <a:lnB w="3175" cap="flat" cmpd="sng" algn="ctr">
-                      <a:solidFill>
-                        <a:schemeClr val="bg1">
-                          <a:lumMod val="75000"/>
-                        </a:schemeClr>
-                      </a:solidFill>
-                      <a:prstDash val="solid"/>
-                      <a:round/>
-                      <a:headEnd type="none" w="med" len="med"/>
-                      <a:tailEnd type="none" w="med" len="med"/>
-                    </a:lnB>
-                    <a:lnTlToBr w="12700" cmpd="sng">
-                      <a:noFill/>
-                      <a:prstDash val="solid"/>
-                    </a:lnTlToBr>
-                    <a:lnBlToTr w="12700" cmpd="sng">
-                      <a:noFill/>
-                      <a:prstDash val="solid"/>
-                    </a:lnBlToTr>
-                    <a:noFill/>
-                  </a:tcPr>
-                </a:tc>
-                <a:tc>
-                  <a:txBody>
-                    <a:bodyPr/>
-                    <a:lstStyle/>
-                    <a:p>
-                      <a:pPr algn="r"/>
-                      <a:r>
-                        <a:rPr lang="en-ZA" sz="1600" dirty="0">
-                          <a:solidFill>
-                            <a:schemeClr val="tx1">
-                              <a:lumMod val="75000"/>
-                              <a:lumOff val="25000"/>
-                            </a:schemeClr>
-                          </a:solidFill>
-                        </a:rPr>
-                        <a:t>500</a:t>
-                      </a:r>
-                    </a:p>
-                  </a:txBody>
-                  <a:tcPr anchor="ctr">
-                    <a:lnL w="3175" cap="flat" cmpd="sng" algn="ctr">
-                      <a:solidFill>
-                        <a:schemeClr val="bg1">
-                          <a:lumMod val="75000"/>
-                        </a:schemeClr>
-                      </a:solidFill>
-                      <a:prstDash val="solid"/>
-                      <a:round/>
-                      <a:headEnd type="none" w="med" len="med"/>
-                      <a:tailEnd type="none" w="med" len="med"/>
-                    </a:lnL>
-                    <a:lnR w="12700" cap="flat" cmpd="sng" algn="ctr">
-                      <a:solidFill>
-                        <a:schemeClr val="bg1">
-                          <a:lumMod val="85000"/>
-                        </a:schemeClr>
-                      </a:solidFill>
-                      <a:prstDash val="solid"/>
-                      <a:round/>
-                      <a:headEnd type="none" w="med" len="med"/>
-                      <a:tailEnd type="none" w="med" len="med"/>
-                    </a:lnR>
-                    <a:lnT w="3175" cap="flat" cmpd="sng" algn="ctr">
-                      <a:solidFill>
-                        <a:schemeClr val="bg1">
-                          <a:lumMod val="75000"/>
-                        </a:schemeClr>
-                      </a:solidFill>
-                      <a:prstDash val="solid"/>
-                      <a:round/>
-                      <a:headEnd type="none" w="med" len="med"/>
-                      <a:tailEnd type="none" w="med" len="med"/>
-                    </a:lnT>
-                    <a:lnB w="3175" cap="flat" cmpd="sng" algn="ctr">
-                      <a:solidFill>
-                        <a:schemeClr val="bg1">
-                          <a:lumMod val="75000"/>
-                        </a:schemeClr>
-                      </a:solidFill>
-                      <a:prstDash val="solid"/>
-                      <a:round/>
-                      <a:headEnd type="none" w="med" len="med"/>
-                      <a:tailEnd type="none" w="med" len="med"/>
-                    </a:lnB>
-                    <a:lnTlToBr w="12700" cmpd="sng">
-                      <a:noFill/>
-                      <a:prstDash val="solid"/>
-                    </a:lnTlToBr>
-                    <a:lnBlToTr w="12700" cmpd="sng">
-                      <a:noFill/>
-                      <a:prstDash val="solid"/>
-                    </a:lnBlToTr>
-                    <a:noFill/>
-                  </a:tcPr>
-                </a:tc>
-                <a:tc>
-                  <a:txBody>
-                    <a:bodyPr/>
-                    <a:lstStyle/>
-                    <a:p>
-                      <a:pPr algn="r"/>
-                      <a:r>
-                        <a:rPr lang="en-ZA" sz="1600" dirty="0">
-                          <a:solidFill>
-                            <a:schemeClr val="tx1">
-                              <a:lumMod val="75000"/>
-                              <a:lumOff val="25000"/>
-                            </a:schemeClr>
-                          </a:solidFill>
-                        </a:rPr>
-                        <a:t>60</a:t>
-                      </a:r>
-                    </a:p>
-                  </a:txBody>
-                  <a:tcPr anchor="ctr">
-                    <a:lnL w="12700" cap="flat" cmpd="sng" algn="ctr">
-                      <a:solidFill>
-                        <a:schemeClr val="bg1">
-                          <a:lumMod val="85000"/>
-                        </a:schemeClr>
-                      </a:solidFill>
-                      <a:prstDash val="solid"/>
-                      <a:round/>
-                      <a:headEnd type="none" w="med" len="med"/>
-                      <a:tailEnd type="none" w="med" len="med"/>
-                    </a:lnL>
-                    <a:lnR w="12700" cap="flat" cmpd="sng" algn="ctr">
-                      <a:solidFill>
-                        <a:schemeClr val="bg1">
-                          <a:lumMod val="85000"/>
-                        </a:schemeClr>
-                      </a:solidFill>
-                      <a:prstDash val="solid"/>
-                      <a:round/>
-                      <a:headEnd type="none" w="med" len="med"/>
-                      <a:tailEnd type="none" w="med" len="med"/>
-                    </a:lnR>
-                    <a:lnT w="3175" cap="flat" cmpd="sng" algn="ctr">
-                      <a:solidFill>
-                        <a:schemeClr val="bg1">
-                          <a:lumMod val="75000"/>
-                        </a:schemeClr>
-                      </a:solidFill>
-                      <a:prstDash val="solid"/>
-                      <a:round/>
-                      <a:headEnd type="none" w="med" len="med"/>
-                      <a:tailEnd type="none" w="med" len="med"/>
-                    </a:lnT>
-                    <a:lnB w="3175" cap="flat" cmpd="sng" algn="ctr">
-                      <a:solidFill>
-                        <a:schemeClr val="bg1">
-                          <a:lumMod val="75000"/>
-                        </a:schemeClr>
-                      </a:solidFill>
-                      <a:prstDash val="solid"/>
-                      <a:round/>
-                      <a:headEnd type="none" w="med" len="med"/>
-                      <a:tailEnd type="none" w="med" len="med"/>
-                    </a:lnB>
-                    <a:lnTlToBr w="12700" cmpd="sng">
-                      <a:noFill/>
-                      <a:prstDash val="solid"/>
-                    </a:lnTlToBr>
-                    <a:lnBlToTr w="12700" cmpd="sng">
-                      <a:noFill/>
-                      <a:prstDash val="solid"/>
-                    </a:lnBlToTr>
-                    <a:noFill/>
-                  </a:tcPr>
-                </a:tc>
-                <a:tc>
-                  <a:txBody>
-                    <a:bodyPr/>
-                    <a:lstStyle/>
-                    <a:p>
-                      <a:pPr algn="r"/>
-                      <a:r>
-                        <a:rPr lang="en-ZA" sz="1600" dirty="0">
-                          <a:solidFill>
-                            <a:schemeClr val="tx1">
-                              <a:lumMod val="75000"/>
-                              <a:lumOff val="25000"/>
-                            </a:schemeClr>
-                          </a:solidFill>
-                        </a:rPr>
-                        <a:t>500</a:t>
-                      </a:r>
-                    </a:p>
-                  </a:txBody>
-                  <a:tcPr anchor="ctr">
-                    <a:lnL w="12700" cap="flat" cmpd="sng" algn="ctr">
-                      <a:solidFill>
-                        <a:schemeClr val="bg1">
-                          <a:lumMod val="85000"/>
-                        </a:schemeClr>
-                      </a:solidFill>
-                      <a:prstDash val="solid"/>
-                      <a:round/>
-                      <a:headEnd type="none" w="med" len="med"/>
-                      <a:tailEnd type="none" w="med" len="med"/>
-                    </a:lnL>
-                    <a:lnR w="12700" cap="flat" cmpd="sng" algn="ctr">
-                      <a:solidFill>
-                        <a:schemeClr val="bg1">
-                          <a:lumMod val="85000"/>
-                        </a:schemeClr>
-                      </a:solidFill>
-                      <a:prstDash val="solid"/>
-                      <a:round/>
-                      <a:headEnd type="none" w="med" len="med"/>
-                      <a:tailEnd type="none" w="med" len="med"/>
-                    </a:lnR>
-                    <a:lnT w="3175" cap="flat" cmpd="sng" algn="ctr">
-                      <a:solidFill>
-                        <a:schemeClr val="bg1">
-                          <a:lumMod val="75000"/>
-                        </a:schemeClr>
-                      </a:solidFill>
-                      <a:prstDash val="solid"/>
-                      <a:round/>
-                      <a:headEnd type="none" w="med" len="med"/>
-                      <a:tailEnd type="none" w="med" len="med"/>
-                    </a:lnT>
-                    <a:lnB w="3175" cap="flat" cmpd="sng" algn="ctr">
-                      <a:solidFill>
-                        <a:schemeClr val="bg1">
-                          <a:lumMod val="75000"/>
-                        </a:schemeClr>
-                      </a:solidFill>
-                      <a:prstDash val="solid"/>
-                      <a:round/>
-                      <a:headEnd type="none" w="med" len="med"/>
-                      <a:tailEnd type="none" w="med" len="med"/>
-                    </a:lnB>
-                    <a:lnTlToBr w="12700" cmpd="sng">
-                      <a:noFill/>
-                      <a:prstDash val="solid"/>
-                    </a:lnTlToBr>
-                    <a:lnBlToTr w="12700" cmpd="sng">
-                      <a:noFill/>
-                      <a:prstDash val="solid"/>
-                    </a:lnBlToTr>
-                    <a:noFill/>
-                  </a:tcPr>
-                </a:tc>
-                <a:tc>
-                  <a:txBody>
-                    <a:bodyPr/>
-                    <a:lstStyle/>
-                    <a:p>
-                      <a:pPr algn="r"/>
-                      <a:r>
-                        <a:rPr lang="en-ZA" sz="1600" dirty="0">
-                          <a:solidFill>
-                            <a:schemeClr val="tx1">
-                              <a:lumMod val="75000"/>
-                              <a:lumOff val="25000"/>
-                            </a:schemeClr>
-                          </a:solidFill>
-                        </a:rPr>
-                        <a:t>$33,750</a:t>
-                      </a:r>
-                    </a:p>
-                  </a:txBody>
-                  <a:tcPr anchor="ctr">
-                    <a:lnL w="12700" cap="flat" cmpd="sng" algn="ctr">
-                      <a:solidFill>
-                        <a:schemeClr val="bg1">
-                          <a:lumMod val="85000"/>
-                        </a:schemeClr>
-                      </a:solidFill>
-                      <a:prstDash val="solid"/>
-                      <a:round/>
-                      <a:headEnd type="none" w="med" len="med"/>
-                      <a:tailEnd type="none" w="med" len="med"/>
-                    </a:lnL>
-                    <a:lnR w="12700" cap="flat" cmpd="sng" algn="ctr">
-                      <a:solidFill>
-                        <a:schemeClr val="bg1">
-                          <a:lumMod val="85000"/>
-                        </a:schemeClr>
-                      </a:solidFill>
-                      <a:prstDash val="solid"/>
-                      <a:round/>
-                      <a:headEnd type="none" w="med" len="med"/>
-                      <a:tailEnd type="none" w="med" len="med"/>
-                    </a:lnR>
-                    <a:lnT w="12700" cap="flat" cmpd="sng" algn="ctr">
-                      <a:solidFill>
-                        <a:schemeClr val="accent1"/>
-                      </a:solidFill>
-                      <a:prstDash val="solid"/>
-                      <a:round/>
-                      <a:headEnd type="none" w="med" len="med"/>
-                      <a:tailEnd type="none" w="med" len="med"/>
-                    </a:lnT>
-                    <a:lnB w="12700" cap="flat" cmpd="sng" algn="ctr">
-                      <a:solidFill>
-                        <a:schemeClr val="accent1"/>
-                      </a:solidFill>
-                      <a:prstDash val="solid"/>
-                      <a:round/>
-                      <a:headEnd type="none" w="med" len="med"/>
-                      <a:tailEnd type="none" w="med" len="med"/>
-                    </a:lnB>
-                    <a:lnTlToBr w="12700" cmpd="sng">
-                      <a:noFill/>
-                      <a:prstDash val="solid"/>
-                    </a:lnTlToBr>
-                    <a:lnBlToTr w="12700" cmpd="sng">
-                      <a:noFill/>
-                      <a:prstDash val="solid"/>
-                    </a:lnBlToTr>
-                    <a:solidFill>
-                      <a:schemeClr val="bg1">
-                        <a:lumMod val="95000"/>
-                      </a:schemeClr>
-                    </a:solidFill>
-                  </a:tcPr>
-                </a:tc>
-                <a:tc>
-                  <a:txBody>
-                    <a:bodyPr/>
-                    <a:lstStyle/>
-                    <a:p>
-                      <a:pPr algn="r"/>
-                      <a:r>
-                        <a:rPr lang="en-ZA" sz="1600" dirty="0">
-                          <a:solidFill>
-                            <a:schemeClr val="tx1">
-                              <a:lumMod val="75000"/>
-                              <a:lumOff val="25000"/>
-                            </a:schemeClr>
-                          </a:solidFill>
-                        </a:rPr>
-                        <a:t>$5,063</a:t>
-                      </a:r>
-                    </a:p>
-                  </a:txBody>
-                  <a:tcPr anchor="ctr">
-                    <a:lnL w="12700" cap="flat" cmpd="sng" algn="ctr">
-                      <a:solidFill>
-                        <a:schemeClr val="bg1">
-                          <a:lumMod val="85000"/>
-                        </a:schemeClr>
-                      </a:solidFill>
-                      <a:prstDash val="solid"/>
-                      <a:round/>
-                      <a:headEnd type="none" w="med" len="med"/>
-                      <a:tailEnd type="none" w="med" len="med"/>
-                    </a:lnL>
-                    <a:lnR w="3175" cap="flat" cmpd="sng" algn="ctr">
-                      <a:solidFill>
-                        <a:schemeClr val="bg1">
-                          <a:lumMod val="75000"/>
-                        </a:schemeClr>
-                      </a:solidFill>
-                      <a:prstDash val="solid"/>
-                      <a:round/>
-                      <a:headEnd type="none" w="med" len="med"/>
-                      <a:tailEnd type="none" w="med" len="med"/>
-                    </a:lnR>
-                    <a:lnT w="3175" cap="flat" cmpd="sng" algn="ctr">
-                      <a:solidFill>
-                        <a:schemeClr val="bg1">
-                          <a:lumMod val="75000"/>
-                        </a:schemeClr>
-                      </a:solidFill>
-                      <a:prstDash val="solid"/>
-                      <a:round/>
-                      <a:headEnd type="none" w="med" len="med"/>
-                      <a:tailEnd type="none" w="med" len="med"/>
-                    </a:lnT>
-                    <a:lnB w="3175" cap="flat" cmpd="sng" algn="ctr">
-                      <a:solidFill>
-                        <a:schemeClr val="bg1">
-                          <a:lumMod val="75000"/>
-                        </a:schemeClr>
-                      </a:solidFill>
-                      <a:prstDash val="solid"/>
-                      <a:round/>
-                      <a:headEnd type="none" w="med" len="med"/>
-                      <a:tailEnd type="none" w="med" len="med"/>
-                    </a:lnB>
-                    <a:lnTlToBr w="12700" cmpd="sng">
-                      <a:noFill/>
-                      <a:prstDash val="solid"/>
-                    </a:lnTlToBr>
-                    <a:lnBlToTr w="12700" cmpd="sng">
-                      <a:noFill/>
-                      <a:prstDash val="solid"/>
-                    </a:lnBlToTr>
-                    <a:noFill/>
-                  </a:tcPr>
-                </a:tc>
-                <a:extLst>
-                  <a:ext uri="{0D108BD9-81ED-4DB2-BD59-A6C34878D82A}">
-                    <a16:rowId xmlns:a16="http://schemas.microsoft.com/office/drawing/2014/main" val="1094300830"/>
-                  </a:ext>
-                </a:extLst>
-              </a:tr>
-              <a:tr h="726924">
-                <a:tc>
-                  <a:txBody>
-                    <a:bodyPr/>
-                    <a:lstStyle/>
-                    <a:p>
-                      <a:pPr algn="ctr"/>
-                      <a:r>
-                        <a:rPr lang="en-ZA" sz="1600" b="1" dirty="0">
-                          <a:solidFill>
-                            <a:schemeClr val="tx1">
-                              <a:lumMod val="75000"/>
-                              <a:lumOff val="25000"/>
-                            </a:schemeClr>
-                          </a:solidFill>
-                        </a:rPr>
-                        <a:t>20YY</a:t>
-                      </a:r>
-                    </a:p>
-                  </a:txBody>
-                  <a:tcPr anchor="ctr">
-                    <a:lnL w="12700" cap="flat" cmpd="sng" algn="ctr">
-                      <a:solidFill>
-                        <a:schemeClr val="bg1">
-                          <a:lumMod val="85000"/>
-                        </a:schemeClr>
-                      </a:solidFill>
-                      <a:prstDash val="solid"/>
-                      <a:round/>
-                      <a:headEnd type="none" w="med" len="med"/>
-                      <a:tailEnd type="none" w="med" len="med"/>
-                    </a:lnL>
-                    <a:lnR w="12700" cap="flat" cmpd="sng" algn="ctr">
-                      <a:solidFill>
-                        <a:schemeClr val="bg1">
-                          <a:lumMod val="85000"/>
-                        </a:schemeClr>
-                      </a:solidFill>
-                      <a:prstDash val="solid"/>
-                      <a:round/>
-                      <a:headEnd type="none" w="med" len="med"/>
-                      <a:tailEnd type="none" w="med" len="med"/>
-                    </a:lnR>
-                    <a:lnT w="12700" cap="flat" cmpd="sng" algn="ctr">
-                      <a:solidFill>
-                        <a:schemeClr val="bg1">
-                          <a:lumMod val="85000"/>
-                        </a:schemeClr>
-                      </a:solidFill>
-                      <a:prstDash val="solid"/>
-                      <a:round/>
-                      <a:headEnd type="none" w="med" len="med"/>
-                      <a:tailEnd type="none" w="med" len="med"/>
-                    </a:lnT>
-                    <a:lnB w="12700" cap="flat" cmpd="sng" algn="ctr">
-                      <a:solidFill>
-                        <a:schemeClr val="bg1">
-                          <a:lumMod val="85000"/>
-                        </a:schemeClr>
-                      </a:solidFill>
-                      <a:prstDash val="solid"/>
-                      <a:round/>
-                      <a:headEnd type="none" w="med" len="med"/>
-                      <a:tailEnd type="none" w="med" len="med"/>
-                    </a:lnB>
-                    <a:lnTlToBr w="12700" cmpd="sng">
-                      <a:noFill/>
-                      <a:prstDash val="solid"/>
-                    </a:lnTlToBr>
-                    <a:lnBlToTr w="12700" cmpd="sng">
-                      <a:noFill/>
-                      <a:prstDash val="solid"/>
-                    </a:lnBlToTr>
-                    <a:solidFill>
-                      <a:schemeClr val="bg1"/>
-                    </a:solidFill>
-                  </a:tcPr>
-                </a:tc>
-                <a:tc>
-                  <a:txBody>
-                    <a:bodyPr/>
-                    <a:lstStyle/>
-                    <a:p>
-                      <a:pPr algn="r"/>
-                      <a:r>
-                        <a:rPr lang="en-ZA" sz="1600" dirty="0">
-                          <a:solidFill>
-                            <a:schemeClr val="tx1">
-                              <a:lumMod val="75000"/>
-                              <a:lumOff val="25000"/>
-                            </a:schemeClr>
-                          </a:solidFill>
-                        </a:rPr>
-                        <a:t>200</a:t>
-                      </a:r>
-                    </a:p>
-                  </a:txBody>
-                  <a:tcPr anchor="ctr">
-                    <a:lnL w="12700" cap="flat" cmpd="sng" algn="ctr">
-                      <a:solidFill>
-                        <a:schemeClr val="bg1">
-                          <a:lumMod val="85000"/>
-                        </a:schemeClr>
-                      </a:solidFill>
-                      <a:prstDash val="solid"/>
-                      <a:round/>
-                      <a:headEnd type="none" w="med" len="med"/>
-                      <a:tailEnd type="none" w="med" len="med"/>
-                    </a:lnL>
-                    <a:lnR w="3175" cap="flat" cmpd="sng" algn="ctr">
-                      <a:solidFill>
-                        <a:schemeClr val="bg1">
-                          <a:lumMod val="75000"/>
-                        </a:schemeClr>
-                      </a:solidFill>
-                      <a:prstDash val="solid"/>
-                      <a:round/>
-                      <a:headEnd type="none" w="med" len="med"/>
-                      <a:tailEnd type="none" w="med" len="med"/>
-                    </a:lnR>
-                    <a:lnT w="3175" cap="flat" cmpd="sng" algn="ctr">
-                      <a:solidFill>
-                        <a:schemeClr val="bg1">
-                          <a:lumMod val="75000"/>
-                        </a:schemeClr>
-                      </a:solidFill>
-                      <a:prstDash val="solid"/>
-                      <a:round/>
-                      <a:headEnd type="none" w="med" len="med"/>
-                      <a:tailEnd type="none" w="med" len="med"/>
-                    </a:lnT>
-                    <a:lnB w="3175" cap="flat" cmpd="sng" algn="ctr">
-                      <a:solidFill>
-                        <a:schemeClr val="bg1">
-                          <a:lumMod val="75000"/>
-                        </a:schemeClr>
-                      </a:solidFill>
-                      <a:prstDash val="solid"/>
-                      <a:round/>
-                      <a:headEnd type="none" w="med" len="med"/>
-                      <a:tailEnd type="none" w="med" len="med"/>
-                    </a:lnB>
-                    <a:lnTlToBr w="12700" cmpd="sng">
-                      <a:noFill/>
-                      <a:prstDash val="solid"/>
-                    </a:lnTlToBr>
-                    <a:lnBlToTr w="12700" cmpd="sng">
-                      <a:noFill/>
-                      <a:prstDash val="solid"/>
-                    </a:lnBlToTr>
-                    <a:noFill/>
-                  </a:tcPr>
-                </a:tc>
-                <a:tc>
-                  <a:txBody>
-                    <a:bodyPr/>
-                    <a:lstStyle/>
-                    <a:p>
-                      <a:pPr algn="r"/>
-                      <a:r>
-                        <a:rPr lang="en-ZA" sz="1600" dirty="0">
-                          <a:solidFill>
-                            <a:schemeClr val="tx1">
-                              <a:lumMod val="75000"/>
-                              <a:lumOff val="25000"/>
-                            </a:schemeClr>
-                          </a:solidFill>
-                        </a:rPr>
-                        <a:t>2000</a:t>
-                      </a:r>
-                    </a:p>
-                  </a:txBody>
-                  <a:tcPr anchor="ctr">
-                    <a:lnL w="3175" cap="flat" cmpd="sng" algn="ctr">
-                      <a:solidFill>
-                        <a:schemeClr val="bg1">
-                          <a:lumMod val="75000"/>
-                        </a:schemeClr>
-                      </a:solidFill>
-                      <a:prstDash val="solid"/>
-                      <a:round/>
-                      <a:headEnd type="none" w="med" len="med"/>
-                      <a:tailEnd type="none" w="med" len="med"/>
-                    </a:lnL>
-                    <a:lnR w="12700" cap="flat" cmpd="sng" algn="ctr">
-                      <a:solidFill>
-                        <a:schemeClr val="bg1">
-                          <a:lumMod val="85000"/>
-                        </a:schemeClr>
-                      </a:solidFill>
-                      <a:prstDash val="solid"/>
-                      <a:round/>
-                      <a:headEnd type="none" w="med" len="med"/>
-                      <a:tailEnd type="none" w="med" len="med"/>
-                    </a:lnR>
-                    <a:lnT w="3175" cap="flat" cmpd="sng" algn="ctr">
-                      <a:solidFill>
-                        <a:schemeClr val="bg1">
-                          <a:lumMod val="75000"/>
-                        </a:schemeClr>
-                      </a:solidFill>
-                      <a:prstDash val="solid"/>
-                      <a:round/>
-                      <a:headEnd type="none" w="med" len="med"/>
-                      <a:tailEnd type="none" w="med" len="med"/>
-                    </a:lnT>
-                    <a:lnB w="3175" cap="flat" cmpd="sng" algn="ctr">
-                      <a:solidFill>
-                        <a:schemeClr val="bg1">
-                          <a:lumMod val="75000"/>
-                        </a:schemeClr>
-                      </a:solidFill>
-                      <a:prstDash val="solid"/>
-                      <a:round/>
-                      <a:headEnd type="none" w="med" len="med"/>
-                      <a:tailEnd type="none" w="med" len="med"/>
-                    </a:lnB>
-                    <a:lnTlToBr w="12700" cmpd="sng">
-                      <a:noFill/>
-                      <a:prstDash val="solid"/>
-                    </a:lnTlToBr>
-                    <a:lnBlToTr w="12700" cmpd="sng">
-                      <a:noFill/>
-                      <a:prstDash val="solid"/>
-                    </a:lnBlToTr>
-                    <a:noFill/>
-                  </a:tcPr>
-                </a:tc>
-                <a:tc>
-                  <a:txBody>
-                    <a:bodyPr/>
-                    <a:lstStyle/>
-                    <a:p>
-                      <a:pPr algn="r"/>
-                      <a:r>
-                        <a:rPr lang="en-ZA" sz="1600" dirty="0">
-                          <a:solidFill>
-                            <a:schemeClr val="tx1">
-                              <a:lumMod val="75000"/>
-                              <a:lumOff val="25000"/>
-                            </a:schemeClr>
-                          </a:solidFill>
-                        </a:rPr>
-                        <a:t>100</a:t>
-                      </a:r>
-                    </a:p>
-                  </a:txBody>
-                  <a:tcPr anchor="ctr">
-                    <a:lnL w="12700" cap="flat" cmpd="sng" algn="ctr">
-                      <a:solidFill>
-                        <a:schemeClr val="bg1">
-                          <a:lumMod val="85000"/>
-                        </a:schemeClr>
-                      </a:solidFill>
-                      <a:prstDash val="solid"/>
-                      <a:round/>
-                      <a:headEnd type="none" w="med" len="med"/>
-                      <a:tailEnd type="none" w="med" len="med"/>
-                    </a:lnL>
-                    <a:lnR w="12700" cap="flat" cmpd="sng" algn="ctr">
-                      <a:solidFill>
-                        <a:schemeClr val="bg1">
-                          <a:lumMod val="85000"/>
-                        </a:schemeClr>
-                      </a:solidFill>
-                      <a:prstDash val="solid"/>
-                      <a:round/>
-                      <a:headEnd type="none" w="med" len="med"/>
-                      <a:tailEnd type="none" w="med" len="med"/>
-                    </a:lnR>
-                    <a:lnT w="3175" cap="flat" cmpd="sng" algn="ctr">
-                      <a:solidFill>
-                        <a:schemeClr val="bg1">
-                          <a:lumMod val="75000"/>
-                        </a:schemeClr>
-                      </a:solidFill>
-                      <a:prstDash val="solid"/>
-                      <a:round/>
-                      <a:headEnd type="none" w="med" len="med"/>
-                      <a:tailEnd type="none" w="med" len="med"/>
-                    </a:lnT>
-                    <a:lnB w="3175" cap="flat" cmpd="sng" algn="ctr">
-                      <a:solidFill>
-                        <a:schemeClr val="bg1">
-                          <a:lumMod val="75000"/>
-                        </a:schemeClr>
-                      </a:solidFill>
-                      <a:prstDash val="solid"/>
-                      <a:round/>
-                      <a:headEnd type="none" w="med" len="med"/>
-                      <a:tailEnd type="none" w="med" len="med"/>
-                    </a:lnB>
-                    <a:lnTlToBr w="12700" cmpd="sng">
-                      <a:noFill/>
-                      <a:prstDash val="solid"/>
-                    </a:lnTlToBr>
-                    <a:lnBlToTr w="12700" cmpd="sng">
-                      <a:noFill/>
-                      <a:prstDash val="solid"/>
-                    </a:lnBlToTr>
-                    <a:noFill/>
-                  </a:tcPr>
-                </a:tc>
-                <a:tc>
-                  <a:txBody>
-                    <a:bodyPr/>
-                    <a:lstStyle/>
-                    <a:p>
-                      <a:pPr algn="r"/>
-                      <a:r>
-                        <a:rPr lang="en-ZA" sz="1600" dirty="0">
-                          <a:solidFill>
-                            <a:schemeClr val="tx1">
-                              <a:lumMod val="75000"/>
-                              <a:lumOff val="25000"/>
-                            </a:schemeClr>
-                          </a:solidFill>
-                        </a:rPr>
-                        <a:t>5000</a:t>
-                      </a:r>
-                    </a:p>
-                  </a:txBody>
-                  <a:tcPr anchor="ctr">
-                    <a:lnL w="12700" cap="flat" cmpd="sng" algn="ctr">
-                      <a:solidFill>
-                        <a:schemeClr val="bg1">
-                          <a:lumMod val="85000"/>
-                        </a:schemeClr>
-                      </a:solidFill>
-                      <a:prstDash val="solid"/>
-                      <a:round/>
-                      <a:headEnd type="none" w="med" len="med"/>
-                      <a:tailEnd type="none" w="med" len="med"/>
-                    </a:lnL>
-                    <a:lnR w="12700" cap="flat" cmpd="sng" algn="ctr">
-                      <a:solidFill>
-                        <a:schemeClr val="bg1">
-                          <a:lumMod val="85000"/>
-                        </a:schemeClr>
-                      </a:solidFill>
-                      <a:prstDash val="solid"/>
-                      <a:round/>
-                      <a:headEnd type="none" w="med" len="med"/>
-                      <a:tailEnd type="none" w="med" len="med"/>
-                    </a:lnR>
-                    <a:lnT w="3175" cap="flat" cmpd="sng" algn="ctr">
-                      <a:solidFill>
-                        <a:schemeClr val="bg1">
-                          <a:lumMod val="75000"/>
-                        </a:schemeClr>
-                      </a:solidFill>
-                      <a:prstDash val="solid"/>
-                      <a:round/>
-                      <a:headEnd type="none" w="med" len="med"/>
-                      <a:tailEnd type="none" w="med" len="med"/>
-                    </a:lnT>
-                    <a:lnB w="3175" cap="flat" cmpd="sng" algn="ctr">
-                      <a:solidFill>
-                        <a:schemeClr val="bg1">
-                          <a:lumMod val="75000"/>
-                        </a:schemeClr>
-                      </a:solidFill>
-                      <a:prstDash val="solid"/>
-                      <a:round/>
-                      <a:headEnd type="none" w="med" len="med"/>
-                      <a:tailEnd type="none" w="med" len="med"/>
-                    </a:lnB>
-                    <a:lnTlToBr w="12700" cmpd="sng">
-                      <a:noFill/>
-                      <a:prstDash val="solid"/>
-                    </a:lnTlToBr>
-                    <a:lnBlToTr w="12700" cmpd="sng">
-                      <a:noFill/>
-                      <a:prstDash val="solid"/>
-                    </a:lnBlToTr>
-                    <a:noFill/>
-                  </a:tcPr>
-                </a:tc>
-                <a:tc>
-                  <a:txBody>
-                    <a:bodyPr/>
-                    <a:lstStyle/>
-                    <a:p>
-                      <a:pPr algn="r"/>
-                      <a:r>
-                        <a:rPr lang="en-ZA" sz="1600" dirty="0">
-                          <a:solidFill>
-                            <a:schemeClr val="tx1">
-                              <a:lumMod val="75000"/>
-                              <a:lumOff val="25000"/>
-                            </a:schemeClr>
-                          </a:solidFill>
-                        </a:rPr>
-                        <a:t>$135,000</a:t>
-                      </a:r>
-                    </a:p>
-                  </a:txBody>
-                  <a:tcPr anchor="ctr">
-                    <a:lnL w="12700" cap="flat" cmpd="sng" algn="ctr">
-                      <a:solidFill>
-                        <a:schemeClr val="bg1">
-                          <a:lumMod val="85000"/>
-                        </a:schemeClr>
-                      </a:solidFill>
-                      <a:prstDash val="solid"/>
-                      <a:round/>
-                      <a:headEnd type="none" w="med" len="med"/>
-                      <a:tailEnd type="none" w="med" len="med"/>
-                    </a:lnL>
-                    <a:lnR w="12700" cap="flat" cmpd="sng" algn="ctr">
-                      <a:solidFill>
-                        <a:schemeClr val="bg1">
-                          <a:lumMod val="85000"/>
-                        </a:schemeClr>
-                      </a:solidFill>
-                      <a:prstDash val="solid"/>
-                      <a:round/>
-                      <a:headEnd type="none" w="med" len="med"/>
-                      <a:tailEnd type="none" w="med" len="med"/>
-                    </a:lnR>
-                    <a:lnT w="12700" cap="flat" cmpd="sng" algn="ctr">
-                      <a:solidFill>
-                        <a:schemeClr val="accent1"/>
-                      </a:solidFill>
-                      <a:prstDash val="solid"/>
-                      <a:round/>
-                      <a:headEnd type="none" w="med" len="med"/>
-                      <a:tailEnd type="none" w="med" len="med"/>
-                    </a:lnT>
-                    <a:lnB w="12700" cap="flat" cmpd="sng" algn="ctr">
-                      <a:solidFill>
-                        <a:schemeClr val="accent1"/>
-                      </a:solidFill>
-                      <a:prstDash val="solid"/>
-                      <a:round/>
-                      <a:headEnd type="none" w="med" len="med"/>
-                      <a:tailEnd type="none" w="med" len="med"/>
-                    </a:lnB>
-                    <a:lnTlToBr w="12700" cmpd="sng">
-                      <a:noFill/>
-                      <a:prstDash val="solid"/>
-                    </a:lnTlToBr>
-                    <a:lnBlToTr w="12700" cmpd="sng">
-                      <a:noFill/>
-                      <a:prstDash val="solid"/>
-                    </a:lnBlToTr>
-                    <a:solidFill>
-                      <a:schemeClr val="bg1">
-                        <a:lumMod val="95000"/>
-                      </a:schemeClr>
-                    </a:solidFill>
-                  </a:tcPr>
-                </a:tc>
-                <a:tc>
-                  <a:txBody>
-                    <a:bodyPr/>
-                    <a:lstStyle/>
-                    <a:p>
-                      <a:pPr algn="r"/>
-                      <a:r>
-                        <a:rPr lang="en-ZA" sz="1600" dirty="0">
-                          <a:solidFill>
-                            <a:schemeClr val="tx1">
-                              <a:lumMod val="75000"/>
-                              <a:lumOff val="25000"/>
-                            </a:schemeClr>
-                          </a:solidFill>
-                        </a:rPr>
-                        <a:t>$20,250</a:t>
-                      </a:r>
-                    </a:p>
-                  </a:txBody>
-                  <a:tcPr anchor="ctr">
-                    <a:lnL w="12700" cap="flat" cmpd="sng" algn="ctr">
-                      <a:solidFill>
-                        <a:schemeClr val="bg1">
-                          <a:lumMod val="85000"/>
-                        </a:schemeClr>
-                      </a:solidFill>
-                      <a:prstDash val="solid"/>
-                      <a:round/>
-                      <a:headEnd type="none" w="med" len="med"/>
-                      <a:tailEnd type="none" w="med" len="med"/>
-                    </a:lnL>
-                    <a:lnR w="3175" cap="flat" cmpd="sng" algn="ctr">
-                      <a:solidFill>
-                        <a:schemeClr val="bg1">
-                          <a:lumMod val="75000"/>
-                        </a:schemeClr>
-                      </a:solidFill>
-                      <a:prstDash val="solid"/>
-                      <a:round/>
-                      <a:headEnd type="none" w="med" len="med"/>
-                      <a:tailEnd type="none" w="med" len="med"/>
-                    </a:lnR>
-                    <a:lnT w="3175" cap="flat" cmpd="sng" algn="ctr">
-                      <a:solidFill>
-                        <a:schemeClr val="bg1">
-                          <a:lumMod val="75000"/>
-                        </a:schemeClr>
-                      </a:solidFill>
-                      <a:prstDash val="solid"/>
-                      <a:round/>
-                      <a:headEnd type="none" w="med" len="med"/>
-                      <a:tailEnd type="none" w="med" len="med"/>
-                    </a:lnT>
-                    <a:lnB w="3175" cap="flat" cmpd="sng" algn="ctr">
-                      <a:solidFill>
-                        <a:schemeClr val="bg1">
-                          <a:lumMod val="75000"/>
-                        </a:schemeClr>
-                      </a:solidFill>
-                      <a:prstDash val="solid"/>
-                      <a:round/>
-                      <a:headEnd type="none" w="med" len="med"/>
-                      <a:tailEnd type="none" w="med" len="med"/>
-                    </a:lnB>
-                    <a:lnTlToBr w="12700" cmpd="sng">
-                      <a:noFill/>
-                      <a:prstDash val="solid"/>
-                    </a:lnTlToBr>
-                    <a:lnBlToTr w="12700" cmpd="sng">
-                      <a:noFill/>
-                      <a:prstDash val="solid"/>
-                    </a:lnBlToTr>
-                    <a:noFill/>
-                  </a:tcPr>
-                </a:tc>
-                <a:extLst>
-                  <a:ext uri="{0D108BD9-81ED-4DB2-BD59-A6C34878D82A}">
-                    <a16:rowId xmlns:a16="http://schemas.microsoft.com/office/drawing/2014/main" val="1687728417"/>
-                  </a:ext>
-                </a:extLst>
-              </a:tr>
-              <a:tr h="726924">
-                <a:tc>
-                  <a:txBody>
-                    <a:bodyPr/>
-                    <a:lstStyle/>
-                    <a:p>
-                      <a:pPr algn="ctr"/>
-                      <a:r>
-                        <a:rPr lang="en-ZA" sz="1600" b="1" dirty="0">
-                          <a:solidFill>
-                            <a:schemeClr val="tx1">
-                              <a:lumMod val="75000"/>
-                              <a:lumOff val="25000"/>
-                            </a:schemeClr>
-                          </a:solidFill>
-                        </a:rPr>
-                        <a:t>20YY</a:t>
-                      </a:r>
-                    </a:p>
-                  </a:txBody>
-                  <a:tcPr anchor="ctr">
-                    <a:lnL w="12700" cap="flat" cmpd="sng" algn="ctr">
-                      <a:solidFill>
-                        <a:schemeClr val="bg1">
-                          <a:lumMod val="85000"/>
-                        </a:schemeClr>
-                      </a:solidFill>
-                      <a:prstDash val="solid"/>
-                      <a:round/>
-                      <a:headEnd type="none" w="med" len="med"/>
-                      <a:tailEnd type="none" w="med" len="med"/>
-                    </a:lnL>
-                    <a:lnR w="12700" cap="flat" cmpd="sng" algn="ctr">
-                      <a:solidFill>
-                        <a:schemeClr val="bg1">
-                          <a:lumMod val="85000"/>
-                        </a:schemeClr>
-                      </a:solidFill>
-                      <a:prstDash val="solid"/>
-                      <a:round/>
-                      <a:headEnd type="none" w="med" len="med"/>
-                      <a:tailEnd type="none" w="med" len="med"/>
-                    </a:lnR>
-                    <a:lnT w="12700" cap="flat" cmpd="sng" algn="ctr">
-                      <a:solidFill>
-                        <a:schemeClr val="bg1">
-                          <a:lumMod val="85000"/>
-                        </a:schemeClr>
-                      </a:solidFill>
-                      <a:prstDash val="solid"/>
-                      <a:round/>
-                      <a:headEnd type="none" w="med" len="med"/>
-                      <a:tailEnd type="none" w="med" len="med"/>
-                    </a:lnT>
-                    <a:lnB w="12700" cap="flat" cmpd="sng" algn="ctr">
-                      <a:solidFill>
-                        <a:schemeClr val="bg1">
-                          <a:lumMod val="85000"/>
-                        </a:schemeClr>
-                      </a:solidFill>
-                      <a:prstDash val="solid"/>
-                      <a:round/>
-                      <a:headEnd type="none" w="med" len="med"/>
-                      <a:tailEnd type="none" w="med" len="med"/>
-                    </a:lnB>
-                    <a:lnTlToBr w="12700" cmpd="sng">
-                      <a:noFill/>
-                      <a:prstDash val="solid"/>
-                    </a:lnTlToBr>
-                    <a:lnBlToTr w="12700" cmpd="sng">
-                      <a:noFill/>
-                      <a:prstDash val="solid"/>
-                    </a:lnBlToTr>
-                    <a:solidFill>
-                      <a:schemeClr val="bg1"/>
-                    </a:solidFill>
-                  </a:tcPr>
-                </a:tc>
-                <a:tc>
-                  <a:txBody>
-                    <a:bodyPr/>
-                    <a:lstStyle/>
-                    <a:p>
-                      <a:pPr algn="r"/>
-                      <a:r>
-                        <a:rPr lang="en-ZA" sz="1600" dirty="0">
-                          <a:solidFill>
-                            <a:schemeClr val="tx1">
-                              <a:lumMod val="75000"/>
-                              <a:lumOff val="25000"/>
-                            </a:schemeClr>
-                          </a:solidFill>
-                        </a:rPr>
-                        <a:t>400</a:t>
-                      </a:r>
-                    </a:p>
-                  </a:txBody>
-                  <a:tcPr anchor="ctr">
-                    <a:lnL w="12700" cap="flat" cmpd="sng" algn="ctr">
-                      <a:solidFill>
-                        <a:schemeClr val="bg1">
-                          <a:lumMod val="85000"/>
-                        </a:schemeClr>
-                      </a:solidFill>
-                      <a:prstDash val="solid"/>
-                      <a:round/>
-                      <a:headEnd type="none" w="med" len="med"/>
-                      <a:tailEnd type="none" w="med" len="med"/>
-                    </a:lnL>
-                    <a:lnR w="3175" cap="flat" cmpd="sng" algn="ctr">
-                      <a:solidFill>
-                        <a:schemeClr val="bg1">
-                          <a:lumMod val="75000"/>
-                        </a:schemeClr>
-                      </a:solidFill>
-                      <a:prstDash val="solid"/>
-                      <a:round/>
-                      <a:headEnd type="none" w="med" len="med"/>
-                      <a:tailEnd type="none" w="med" len="med"/>
-                    </a:lnR>
-                    <a:lnT w="3175" cap="flat" cmpd="sng" algn="ctr">
-                      <a:solidFill>
-                        <a:schemeClr val="bg1">
-                          <a:lumMod val="75000"/>
-                        </a:schemeClr>
-                      </a:solidFill>
-                      <a:prstDash val="solid"/>
-                      <a:round/>
-                      <a:headEnd type="none" w="med" len="med"/>
-                      <a:tailEnd type="none" w="med" len="med"/>
-                    </a:lnT>
-                    <a:lnB w="3175" cap="flat" cmpd="sng" algn="ctr">
-                      <a:solidFill>
-                        <a:schemeClr val="bg1">
-                          <a:lumMod val="75000"/>
-                        </a:schemeClr>
-                      </a:solidFill>
-                      <a:prstDash val="solid"/>
-                      <a:round/>
-                      <a:headEnd type="none" w="med" len="med"/>
-                      <a:tailEnd type="none" w="med" len="med"/>
-                    </a:lnB>
-                    <a:lnTlToBr w="12700" cmpd="sng">
-                      <a:noFill/>
-                      <a:prstDash val="solid"/>
-                    </a:lnTlToBr>
-                    <a:lnBlToTr w="12700" cmpd="sng">
-                      <a:noFill/>
-                      <a:prstDash val="solid"/>
-                    </a:lnBlToTr>
-                    <a:noFill/>
-                  </a:tcPr>
-                </a:tc>
-                <a:tc>
-                  <a:txBody>
-                    <a:bodyPr/>
-                    <a:lstStyle/>
-                    <a:p>
-                      <a:pPr algn="r"/>
-                      <a:r>
-                        <a:rPr lang="en-ZA" sz="1600" dirty="0">
-                          <a:solidFill>
-                            <a:schemeClr val="tx1">
-                              <a:lumMod val="75000"/>
-                              <a:lumOff val="25000"/>
-                            </a:schemeClr>
-                          </a:solidFill>
-                        </a:rPr>
-                        <a:t>4000</a:t>
-                      </a:r>
-                    </a:p>
-                  </a:txBody>
-                  <a:tcPr anchor="ctr">
-                    <a:lnL w="3175" cap="flat" cmpd="sng" algn="ctr">
-                      <a:solidFill>
-                        <a:schemeClr val="bg1">
-                          <a:lumMod val="75000"/>
-                        </a:schemeClr>
-                      </a:solidFill>
-                      <a:prstDash val="solid"/>
-                      <a:round/>
-                      <a:headEnd type="none" w="med" len="med"/>
-                      <a:tailEnd type="none" w="med" len="med"/>
-                    </a:lnL>
-                    <a:lnR w="12700" cap="flat" cmpd="sng" algn="ctr">
-                      <a:solidFill>
-                        <a:schemeClr val="bg1">
-                          <a:lumMod val="85000"/>
-                        </a:schemeClr>
-                      </a:solidFill>
-                      <a:prstDash val="solid"/>
-                      <a:round/>
-                      <a:headEnd type="none" w="med" len="med"/>
-                      <a:tailEnd type="none" w="med" len="med"/>
-                    </a:lnR>
-                    <a:lnT w="3175" cap="flat" cmpd="sng" algn="ctr">
-                      <a:solidFill>
-                        <a:schemeClr val="bg1">
-                          <a:lumMod val="75000"/>
-                        </a:schemeClr>
-                      </a:solidFill>
-                      <a:prstDash val="solid"/>
-                      <a:round/>
-                      <a:headEnd type="none" w="med" len="med"/>
-                      <a:tailEnd type="none" w="med" len="med"/>
-                    </a:lnT>
-                    <a:lnB w="3175" cap="flat" cmpd="sng" algn="ctr">
-                      <a:solidFill>
-                        <a:schemeClr val="bg1">
-                          <a:lumMod val="75000"/>
-                        </a:schemeClr>
-                      </a:solidFill>
-                      <a:prstDash val="solid"/>
-                      <a:round/>
-                      <a:headEnd type="none" w="med" len="med"/>
-                      <a:tailEnd type="none" w="med" len="med"/>
-                    </a:lnB>
-                    <a:lnTlToBr w="12700" cmpd="sng">
-                      <a:noFill/>
-                      <a:prstDash val="solid"/>
-                    </a:lnTlToBr>
-                    <a:lnBlToTr w="12700" cmpd="sng">
-                      <a:noFill/>
-                      <a:prstDash val="solid"/>
-                    </a:lnBlToTr>
-                    <a:noFill/>
-                  </a:tcPr>
-                </a:tc>
-                <a:tc>
-                  <a:txBody>
-                    <a:bodyPr/>
-                    <a:lstStyle/>
-                    <a:p>
-                      <a:pPr algn="r"/>
-                      <a:r>
-                        <a:rPr lang="en-ZA" sz="1600" dirty="0">
-                          <a:solidFill>
-                            <a:schemeClr val="tx1">
-                              <a:lumMod val="75000"/>
-                              <a:lumOff val="25000"/>
-                            </a:schemeClr>
-                          </a:solidFill>
-                        </a:rPr>
-                        <a:t>120</a:t>
-                      </a:r>
-                    </a:p>
-                  </a:txBody>
-                  <a:tcPr anchor="ctr">
-                    <a:lnL w="12700" cap="flat" cmpd="sng" algn="ctr">
-                      <a:solidFill>
-                        <a:schemeClr val="bg1">
-                          <a:lumMod val="85000"/>
-                        </a:schemeClr>
-                      </a:solidFill>
-                      <a:prstDash val="solid"/>
-                      <a:round/>
-                      <a:headEnd type="none" w="med" len="med"/>
-                      <a:tailEnd type="none" w="med" len="med"/>
-                    </a:lnL>
-                    <a:lnR w="12700" cap="flat" cmpd="sng" algn="ctr">
-                      <a:solidFill>
-                        <a:schemeClr val="bg1">
-                          <a:lumMod val="85000"/>
-                        </a:schemeClr>
-                      </a:solidFill>
-                      <a:prstDash val="solid"/>
-                      <a:round/>
-                      <a:headEnd type="none" w="med" len="med"/>
-                      <a:tailEnd type="none" w="med" len="med"/>
-                    </a:lnR>
-                    <a:lnT w="3175" cap="flat" cmpd="sng" algn="ctr">
-                      <a:solidFill>
-                        <a:schemeClr val="bg1">
-                          <a:lumMod val="75000"/>
-                        </a:schemeClr>
-                      </a:solidFill>
-                      <a:prstDash val="solid"/>
-                      <a:round/>
-                      <a:headEnd type="none" w="med" len="med"/>
-                      <a:tailEnd type="none" w="med" len="med"/>
-                    </a:lnT>
-                    <a:lnB w="3175" cap="flat" cmpd="sng" algn="ctr">
-                      <a:solidFill>
-                        <a:schemeClr val="bg1">
-                          <a:lumMod val="75000"/>
-                        </a:schemeClr>
-                      </a:solidFill>
-                      <a:prstDash val="solid"/>
-                      <a:round/>
-                      <a:headEnd type="none" w="med" len="med"/>
-                      <a:tailEnd type="none" w="med" len="med"/>
-                    </a:lnB>
-                    <a:lnTlToBr w="12700" cmpd="sng">
-                      <a:noFill/>
-                      <a:prstDash val="solid"/>
-                    </a:lnTlToBr>
-                    <a:lnBlToTr w="12700" cmpd="sng">
-                      <a:noFill/>
-                      <a:prstDash val="solid"/>
-                    </a:lnBlToTr>
-                    <a:noFill/>
-                  </a:tcPr>
-                </a:tc>
-                <a:tc>
-                  <a:txBody>
-                    <a:bodyPr/>
-                    <a:lstStyle/>
-                    <a:p>
-                      <a:pPr algn="r"/>
-                      <a:r>
-                        <a:rPr lang="en-ZA" sz="1600" dirty="0">
-                          <a:solidFill>
-                            <a:schemeClr val="tx1">
-                              <a:lumMod val="75000"/>
-                              <a:lumOff val="25000"/>
-                            </a:schemeClr>
-                          </a:solidFill>
-                        </a:rPr>
-                        <a:t>50000</a:t>
-                      </a:r>
-                    </a:p>
-                  </a:txBody>
-                  <a:tcPr anchor="ctr">
-                    <a:lnL w="12700" cap="flat" cmpd="sng" algn="ctr">
-                      <a:solidFill>
-                        <a:schemeClr val="bg1">
-                          <a:lumMod val="85000"/>
-                        </a:schemeClr>
-                      </a:solidFill>
-                      <a:prstDash val="solid"/>
-                      <a:round/>
-                      <a:headEnd type="none" w="med" len="med"/>
-                      <a:tailEnd type="none" w="med" len="med"/>
-                    </a:lnL>
-                    <a:lnR w="12700" cap="flat" cmpd="sng" algn="ctr">
-                      <a:solidFill>
-                        <a:schemeClr val="bg1">
-                          <a:lumMod val="85000"/>
-                        </a:schemeClr>
-                      </a:solidFill>
-                      <a:prstDash val="solid"/>
-                      <a:round/>
-                      <a:headEnd type="none" w="med" len="med"/>
-                      <a:tailEnd type="none" w="med" len="med"/>
-                    </a:lnR>
-                    <a:lnT w="3175" cap="flat" cmpd="sng" algn="ctr">
-                      <a:solidFill>
-                        <a:schemeClr val="bg1">
-                          <a:lumMod val="75000"/>
-                        </a:schemeClr>
-                      </a:solidFill>
-                      <a:prstDash val="solid"/>
-                      <a:round/>
-                      <a:headEnd type="none" w="med" len="med"/>
-                      <a:tailEnd type="none" w="med" len="med"/>
-                    </a:lnT>
-                    <a:lnB w="3175" cap="flat" cmpd="sng" algn="ctr">
-                      <a:solidFill>
-                        <a:schemeClr val="bg1">
-                          <a:lumMod val="75000"/>
-                        </a:schemeClr>
-                      </a:solidFill>
-                      <a:prstDash val="solid"/>
-                      <a:round/>
-                      <a:headEnd type="none" w="med" len="med"/>
-                      <a:tailEnd type="none" w="med" len="med"/>
-                    </a:lnB>
-                    <a:lnTlToBr w="12700" cmpd="sng">
-                      <a:noFill/>
-                      <a:prstDash val="solid"/>
-                    </a:lnTlToBr>
-                    <a:lnBlToTr w="12700" cmpd="sng">
-                      <a:noFill/>
-                      <a:prstDash val="solid"/>
-                    </a:lnBlToTr>
-                    <a:noFill/>
-                  </a:tcPr>
-                </a:tc>
-                <a:tc>
-                  <a:txBody>
-                    <a:bodyPr/>
-                    <a:lstStyle/>
-                    <a:p>
-                      <a:pPr algn="r"/>
-                      <a:r>
-                        <a:rPr lang="en-ZA" sz="1600" dirty="0">
-                          <a:solidFill>
-                            <a:schemeClr val="tx1">
-                              <a:lumMod val="75000"/>
-                              <a:lumOff val="25000"/>
-                            </a:schemeClr>
-                          </a:solidFill>
-                        </a:rPr>
-                        <a:t>$270,000</a:t>
-                      </a:r>
-                    </a:p>
-                  </a:txBody>
-                  <a:tcPr anchor="ctr">
-                    <a:lnL w="12700" cap="flat" cmpd="sng" algn="ctr">
-                      <a:solidFill>
-                        <a:schemeClr val="bg1">
-                          <a:lumMod val="85000"/>
-                        </a:schemeClr>
-                      </a:solidFill>
-                      <a:prstDash val="solid"/>
-                      <a:round/>
-                      <a:headEnd type="none" w="med" len="med"/>
-                      <a:tailEnd type="none" w="med" len="med"/>
-                    </a:lnL>
-                    <a:lnR w="12700" cap="flat" cmpd="sng" algn="ctr">
-                      <a:solidFill>
-                        <a:schemeClr val="bg1">
-                          <a:lumMod val="85000"/>
-                        </a:schemeClr>
-                      </a:solidFill>
-                      <a:prstDash val="solid"/>
-                      <a:round/>
-                      <a:headEnd type="none" w="med" len="med"/>
-                      <a:tailEnd type="none" w="med" len="med"/>
-                    </a:lnR>
-                    <a:lnT w="12700" cap="flat" cmpd="sng" algn="ctr">
-                      <a:solidFill>
-                        <a:schemeClr val="accent1"/>
-                      </a:solidFill>
-                      <a:prstDash val="solid"/>
-                      <a:round/>
-                      <a:headEnd type="none" w="med" len="med"/>
-                      <a:tailEnd type="none" w="med" len="med"/>
-                    </a:lnT>
-                    <a:lnB w="12700" cap="flat" cmpd="sng" algn="ctr">
-                      <a:solidFill>
-                        <a:schemeClr val="bg1">
-                          <a:lumMod val="85000"/>
-                        </a:schemeClr>
-                      </a:solidFill>
-                      <a:prstDash val="solid"/>
-                      <a:round/>
-                      <a:headEnd type="none" w="med" len="med"/>
-                      <a:tailEnd type="none" w="med" len="med"/>
-                    </a:lnB>
-                    <a:lnTlToBr w="12700" cmpd="sng">
-                      <a:noFill/>
-                      <a:prstDash val="solid"/>
-                    </a:lnTlToBr>
-                    <a:lnBlToTr w="12700" cmpd="sng">
-                      <a:noFill/>
-                      <a:prstDash val="solid"/>
-                    </a:lnBlToTr>
-                    <a:solidFill>
-                      <a:schemeClr val="bg1">
-                        <a:lumMod val="95000"/>
-                      </a:schemeClr>
-                    </a:solidFill>
-                  </a:tcPr>
-                </a:tc>
-                <a:tc>
-                  <a:txBody>
-                    <a:bodyPr/>
-                    <a:lstStyle/>
-                    <a:p>
-                      <a:pPr algn="r"/>
-                      <a:r>
-                        <a:rPr lang="en-ZA" sz="1600" dirty="0">
-                          <a:solidFill>
-                            <a:schemeClr val="tx1">
-                              <a:lumMod val="75000"/>
-                              <a:lumOff val="25000"/>
-                            </a:schemeClr>
-                          </a:solidFill>
-                        </a:rPr>
-                        <a:t>$40,500</a:t>
-                      </a:r>
-                    </a:p>
-                  </a:txBody>
-                  <a:tcPr anchor="ctr">
-                    <a:lnL w="12700" cap="flat" cmpd="sng" algn="ctr">
-                      <a:solidFill>
-                        <a:schemeClr val="bg1">
-                          <a:lumMod val="85000"/>
-                        </a:schemeClr>
-                      </a:solidFill>
-                      <a:prstDash val="solid"/>
-                      <a:round/>
-                      <a:headEnd type="none" w="med" len="med"/>
-                      <a:tailEnd type="none" w="med" len="med"/>
-                    </a:lnL>
-                    <a:lnR w="3175" cap="flat" cmpd="sng" algn="ctr">
-                      <a:solidFill>
-                        <a:schemeClr val="bg1">
-                          <a:lumMod val="75000"/>
-                        </a:schemeClr>
-                      </a:solidFill>
-                      <a:prstDash val="solid"/>
-                      <a:round/>
-                      <a:headEnd type="none" w="med" len="med"/>
-                      <a:tailEnd type="none" w="med" len="med"/>
-                    </a:lnR>
-                    <a:lnT w="3175" cap="flat" cmpd="sng" algn="ctr">
-                      <a:solidFill>
-                        <a:schemeClr val="bg1">
-                          <a:lumMod val="75000"/>
-                        </a:schemeClr>
-                      </a:solidFill>
-                      <a:prstDash val="solid"/>
-                      <a:round/>
-                      <a:headEnd type="none" w="med" len="med"/>
-                      <a:tailEnd type="none" w="med" len="med"/>
-                    </a:lnT>
-                    <a:lnB w="3175" cap="flat" cmpd="sng" algn="ctr">
-                      <a:solidFill>
-                        <a:schemeClr val="bg1">
-                          <a:lumMod val="75000"/>
-                        </a:schemeClr>
-                      </a:solidFill>
-                      <a:prstDash val="solid"/>
-                      <a:round/>
-                      <a:headEnd type="none" w="med" len="med"/>
-                      <a:tailEnd type="none" w="med" len="med"/>
-                    </a:lnB>
-                    <a:lnTlToBr w="12700" cmpd="sng">
-                      <a:noFill/>
-                      <a:prstDash val="solid"/>
-                    </a:lnTlToBr>
-                    <a:lnBlToTr w="12700" cmpd="sng">
-                      <a:noFill/>
-                      <a:prstDash val="solid"/>
-                    </a:lnBlToTr>
-                    <a:noFill/>
-                  </a:tcPr>
-                </a:tc>
-                <a:extLst>
-                  <a:ext uri="{0D108BD9-81ED-4DB2-BD59-A6C34878D82A}">
-                    <a16:rowId xmlns:a16="http://schemas.microsoft.com/office/drawing/2014/main" val="3857078208"/>
-                  </a:ext>
-                </a:extLst>
-              </a:tr>
-            </a:tbl>
-          </a:graphicData>
-        </a:graphic>
-      </p:graphicFrame>
-      <p:sp>
-        <p:nvSpPr>
-          <p:cNvPr id="6" name="Slide Number Placeholder 5">
-            <a:extLst>
-              <a:ext uri="{FF2B5EF4-FFF2-40B4-BE49-F238E27FC236}">
-                <a16:creationId xmlns:a16="http://schemas.microsoft.com/office/drawing/2014/main" id="{4B379698-AB4C-493D-BF95-F5781FDF2AC5}"/>
-              </a:ext>
-            </a:extLst>
-          </p:cNvPr>
-          <p:cNvSpPr>
-            <a:spLocks noGrp="1"/>
-          </p:cNvSpPr>
-          <p:nvPr>
-            <p:ph type="sldNum" sz="quarter" idx="33"/>
-          </p:nvPr>
-        </p:nvSpPr>
-        <p:spPr>
-          <a:xfrm>
-            <a:off x="11760000" y="6371351"/>
-            <a:ext cx="432000" cy="432000"/>
-          </a:xfrm>
-          <a:solidFill>
-            <a:schemeClr val="tx1">
-              <a:lumMod val="95000"/>
-              <a:lumOff val="5000"/>
-            </a:schemeClr>
-          </a:solidFill>
-        </p:spPr>
-        <p:txBody>
-          <a:bodyPr/>
-          <a:lstStyle/>
-          <a:p>
-            <a:fld id="{19B51A1E-902D-48AF-9020-955120F399B6}" type="slidenum">
-              <a:rPr lang="en-US" smtClean="0"/>
-              <a:pPr/>
-              <a:t>7</a:t>
-            </a:fld>
-            <a:endParaRPr lang="en-US" dirty="0"/>
-          </a:p>
-        </p:txBody>
-      </p:sp>
-    </p:spTree>
-    <p:extLst>
-      <p:ext uri="{BB962C8B-B14F-4D97-AF65-F5344CB8AC3E}">
-        <p14:creationId xmlns:p14="http://schemas.microsoft.com/office/powerpoint/2010/main" val="2575421478"/>
-      </p:ext>
-    </p:extLst>
-  </p:cSld>
-  <p:clrMapOvr>
-    <a:masterClrMapping/>
-  </p:clrMapOvr>
-</p:sld>
-</file>
-
-<file path=ppt/slides/slide8.xml><?xml version="1.0" encoding="utf-8"?>
-<p:sld xmlns:a="http://schemas.openxmlformats.org/drawingml/2006/main" xmlns:r="http://schemas.openxmlformats.org/officeDocument/2006/relationships" xmlns:p="http://schemas.openxmlformats.org/presentationml/2006/main">
-  <p:cSld>
-    <p:spTree>
-      <p:nvGrpSpPr>
-        <p:cNvPr id="1" name=""/>
-        <p:cNvGrpSpPr/>
-        <p:nvPr/>
-      </p:nvGrpSpPr>
-      <p:grpSpPr>
-        <a:xfrm>
-          <a:off x="0" y="0"/>
-          <a:ext cx="0" cy="0"/>
-          <a:chOff x="0" y="0"/>
-          <a:chExt cx="0" cy="0"/>
-        </a:xfrm>
-      </p:grpSpPr>
-      <p:pic>
-        <p:nvPicPr>
-          <p:cNvPr id="12" name="Picture Placeholder 11" descr="conference room">
-            <a:extLst>
-              <a:ext uri="{FF2B5EF4-FFF2-40B4-BE49-F238E27FC236}">
-                <a16:creationId xmlns:a16="http://schemas.microsoft.com/office/drawing/2014/main" id="{8F5AE0D5-C196-A947-8AFE-449A48B26153}"/>
-              </a:ext>
-            </a:extLst>
-          </p:cNvPr>
-          <p:cNvPicPr>
-            <a:picLocks noGrp="1" noChangeAspect="1"/>
-          </p:cNvPicPr>
-          <p:nvPr>
-            <p:ph type="pic" sz="quarter" idx="14"/>
-          </p:nvPr>
-        </p:nvPicPr>
-        <p:blipFill>
-          <a:blip r:embed="rId2" cstate="screen">
-            <a:extLst>
-              <a:ext uri="{28A0092B-C50C-407E-A947-70E740481C1C}">
-                <a14:useLocalDpi xmlns:a14="http://schemas.microsoft.com/office/drawing/2010/main"/>
-              </a:ext>
-            </a:extLst>
-          </a:blip>
-          <a:srcRect t="45" b="45"/>
-          <a:stretch>
-            <a:fillRect/>
-          </a:stretch>
-        </p:blipFill>
-        <p:spPr/>
-      </p:pic>
-      <p:sp>
-        <p:nvSpPr>
-          <p:cNvPr id="4" name="Content Placeholder 3">
-            <a:extLst>
-              <a:ext uri="{FF2B5EF4-FFF2-40B4-BE49-F238E27FC236}">
-                <a16:creationId xmlns:a16="http://schemas.microsoft.com/office/drawing/2014/main" id="{3B86E961-B76E-423F-995E-11B31E921437}"/>
-              </a:ext>
-            </a:extLst>
-          </p:cNvPr>
-          <p:cNvSpPr>
-            <a:spLocks noGrp="1"/>
-          </p:cNvSpPr>
-          <p:nvPr>
-            <p:ph sz="half" idx="1"/>
-          </p:nvPr>
-        </p:nvSpPr>
-        <p:spPr>
-          <a:xfrm>
-            <a:off x="8071104" y="5359400"/>
-            <a:ext cx="3688896" cy="565899"/>
-          </a:xfrm>
-          <a:solidFill>
-            <a:schemeClr val="tx1">
-              <a:lumMod val="95000"/>
-              <a:lumOff val="5000"/>
-            </a:schemeClr>
-          </a:solidFill>
-        </p:spPr>
-        <p:txBody>
-          <a:bodyPr/>
-          <a:lstStyle/>
-          <a:p>
-            <a:r>
-              <a:rPr lang="en-US" dirty="0"/>
-              <a:t>Full screen image with caption lorem ipsum dolor sit amet </a:t>
-            </a:r>
-          </a:p>
-        </p:txBody>
-      </p:sp>
-      <p:sp>
-        <p:nvSpPr>
-          <p:cNvPr id="6" name="Slide Number Placeholder 5">
-            <a:extLst>
-              <a:ext uri="{FF2B5EF4-FFF2-40B4-BE49-F238E27FC236}">
-                <a16:creationId xmlns:a16="http://schemas.microsoft.com/office/drawing/2014/main" id="{70202D98-AA1E-41BB-B94E-180311759C13}"/>
-              </a:ext>
-            </a:extLst>
-          </p:cNvPr>
-          <p:cNvSpPr>
-            <a:spLocks noGrp="1"/>
-          </p:cNvSpPr>
-          <p:nvPr>
-            <p:ph type="sldNum" sz="quarter" idx="15"/>
-          </p:nvPr>
-        </p:nvSpPr>
-        <p:spPr/>
-        <p:txBody>
-          <a:bodyPr/>
-          <a:lstStyle/>
-          <a:p>
-            <a:fld id="{19B51A1E-902D-48AF-9020-955120F399B6}" type="slidenum">
-              <a:rPr lang="en-US" smtClean="0"/>
-              <a:pPr/>
-              <a:t>8</a:t>
-            </a:fld>
-            <a:endParaRPr lang="en-US" dirty="0"/>
-          </a:p>
-        </p:txBody>
-      </p:sp>
-      <p:sp>
-        <p:nvSpPr>
-          <p:cNvPr id="11" name="Title 10" hidden="1">
-            <a:extLst>
-              <a:ext uri="{FF2B5EF4-FFF2-40B4-BE49-F238E27FC236}">
-                <a16:creationId xmlns:a16="http://schemas.microsoft.com/office/drawing/2014/main" id="{C5462610-1D7E-437B-B516-F30D9A789B9B}"/>
-              </a:ext>
-            </a:extLst>
-          </p:cNvPr>
-          <p:cNvSpPr>
-            <a:spLocks noGrp="1"/>
-          </p:cNvSpPr>
-          <p:nvPr>
-            <p:ph type="title"/>
-          </p:nvPr>
-        </p:nvSpPr>
-        <p:spPr/>
-        <p:txBody>
-          <a:bodyPr/>
-          <a:lstStyle/>
-          <a:p>
-            <a:r>
-              <a:rPr lang="en-US" dirty="0"/>
-              <a:t>Large image</a:t>
-            </a:r>
-          </a:p>
-        </p:txBody>
-      </p:sp>
-    </p:spTree>
-    <p:extLst>
-      <p:ext uri="{BB962C8B-B14F-4D97-AF65-F5344CB8AC3E}">
-        <p14:creationId xmlns:p14="http://schemas.microsoft.com/office/powerpoint/2010/main" val="665219316"/>
-      </p:ext>
-    </p:extLst>
-  </p:cSld>
-  <p:clrMapOvr>
-    <a:masterClrMapping/>
-  </p:clrMapOvr>
-</p:sld>
-</file>
-
-<file path=ppt/slides/slide9.xml><?xml version="1.0" encoding="utf-8"?>
 <p:sld xmlns:a="http://schemas.openxmlformats.org/drawingml/2006/main" xmlns:r="http://schemas.openxmlformats.org/officeDocument/2006/relationships" xmlns:p="http://schemas.openxmlformats.org/presentationml/2006/main">
   <p:cSld>
     <p:spTree>
@@ -18337,7 +11415,7 @@
             <a:fld id="{19B51A1E-902D-48AF-9020-955120F399B6}" type="slidenum">
               <a:rPr lang="en-US" smtClean="0"/>
               <a:pPr/>
-              <a:t>9</a:t>
+              <a:t>5</a:t>
             </a:fld>
             <a:endParaRPr lang="en-US" dirty="0"/>
           </a:p>
@@ -19178,6 +12256,23 @@
 </file>
 
 <file path=customXml/item1.xml><?xml version="1.0" encoding="utf-8"?>
+<?mso-contentType ?>
+<FormTemplates xmlns="http://schemas.microsoft.com/sharepoint/v3/contenttype/forms">
+  <Display>DocumentLibraryForm</Display>
+  <Edit>DocumentLibraryForm</Edit>
+  <New>DocumentLibraryForm</New>
+</FormTemplates>
+</file>
+
+<file path=customXml/item2.xml><?xml version="1.0" encoding="utf-8"?>
+<p:properties xmlns:p="http://schemas.microsoft.com/office/2006/metadata/properties" xmlns:xsi="http://www.w3.org/2001/XMLSchema-instance" xmlns:pc="http://schemas.microsoft.com/office/infopath/2007/PartnerControls">
+  <documentManagement>
+    <MediaServiceKeyPoints xmlns="71af3243-3dd4-4a8d-8c0d-dd76da1f02a5" xsi:nil="true"/>
+  </documentManagement>
+</p:properties>
+</file>
+
+<file path=customXml/item3.xml><?xml version="1.0" encoding="utf-8"?>
 <ct:contentTypeSchema xmlns:ct="http://schemas.microsoft.com/office/2006/metadata/contentType" xmlns:ma="http://schemas.microsoft.com/office/2006/metadata/properties/metaAttributes" ct:_="" ma:_="" ma:contentTypeName="Document" ma:contentTypeID="0x01010079F111ED35F8CC479449609E8A0923A6" ma:contentTypeVersion="11" ma:contentTypeDescription="Create a new document." ma:contentTypeScope="" ma:versionID="96291512c1ee715ab617f4c07df79fc1">
   <xsd:schema xmlns:xsd="http://www.w3.org/2001/XMLSchema" xmlns:xs="http://www.w3.org/2001/XMLSchema" xmlns:p="http://schemas.microsoft.com/office/2006/metadata/properties" xmlns:ns2="71af3243-3dd4-4a8d-8c0d-dd76da1f02a5" xmlns:ns3="16c05727-aa75-4e4a-9b5f-8a80a1165891" targetNamespace="http://schemas.microsoft.com/office/2006/metadata/properties" ma:root="true" ma:fieldsID="8256c27c40ca5c40ce1cf6c44f0205df" ns2:_="" ns3:_="">
     <xsd:import namespace="71af3243-3dd4-4a8d-8c0d-dd76da1f02a5"/>
@@ -19388,24 +12483,25 @@
 </ct:contentTypeSchema>
 </file>
 
-<file path=customXml/item2.xml><?xml version="1.0" encoding="utf-8"?>
-<p:properties xmlns:p="http://schemas.microsoft.com/office/2006/metadata/properties" xmlns:xsi="http://www.w3.org/2001/XMLSchema-instance" xmlns:pc="http://schemas.microsoft.com/office/infopath/2007/PartnerControls">
-  <documentManagement>
-    <MediaServiceKeyPoints xmlns="71af3243-3dd4-4a8d-8c0d-dd76da1f02a5" xsi:nil="true"/>
-  </documentManagement>
-</p:properties>
+<file path=customXml/itemProps1.xml><?xml version="1.0" encoding="utf-8"?>
+<ds:datastoreItem xmlns:ds="http://schemas.openxmlformats.org/officeDocument/2006/customXml" ds:itemID="{B8E15EA0-2F38-456B-B156-038699A5D17F}">
+  <ds:schemaRefs>
+    <ds:schemaRef ds:uri="http://schemas.microsoft.com/sharepoint/v3/contenttype/forms"/>
+  </ds:schemaRefs>
+</ds:datastoreItem>
 </file>
 
-<file path=customXml/item3.xml><?xml version="1.0" encoding="utf-8"?>
-<?mso-contentType ?>
-<FormTemplates xmlns="http://schemas.microsoft.com/sharepoint/v3/contenttype/forms">
-  <Display>DocumentLibraryForm</Display>
-  <Edit>DocumentLibraryForm</Edit>
-  <New>DocumentLibraryForm</New>
-</FormTemplates>
+<file path=customXml/itemProps2.xml><?xml version="1.0" encoding="utf-8"?>
+<ds:datastoreItem xmlns:ds="http://schemas.openxmlformats.org/officeDocument/2006/customXml" ds:itemID="{BF90D0D0-7C1D-47FF-A2F0-9937AA567A3D}">
+  <ds:schemaRefs>
+    <ds:schemaRef ds:uri="http://schemas.microsoft.com/office/2006/metadata/properties"/>
+    <ds:schemaRef ds:uri="http://schemas.microsoft.com/office/infopath/2007/PartnerControls"/>
+    <ds:schemaRef ds:uri="71af3243-3dd4-4a8d-8c0d-dd76da1f02a5"/>
+  </ds:schemaRefs>
+</ds:datastoreItem>
 </file>
 
-<file path=customXml/itemProps1.xml><?xml version="1.0" encoding="utf-8"?>
+<file path=customXml/itemProps3.xml><?xml version="1.0" encoding="utf-8"?>
 <ds:datastoreItem xmlns:ds="http://schemas.openxmlformats.org/officeDocument/2006/customXml" ds:itemID="{2EDB5DD7-8DCC-4069-9EB3-5D098186652E}">
   <ds:schemaRefs>
     <ds:schemaRef ds:uri="http://schemas.microsoft.com/office/2006/metadata/contentType"/>
@@ -19422,22 +12518,4 @@
     <ds:schemaRef ds:uri="http://schemas.microsoft.com/internal/obd"/>
   </ds:schemaRefs>
 </ds:datastoreItem>
-</file>
-
-<file path=customXml/itemProps2.xml><?xml version="1.0" encoding="utf-8"?>
-<ds:datastoreItem xmlns:ds="http://schemas.openxmlformats.org/officeDocument/2006/customXml" ds:itemID="{BF90D0D0-7C1D-47FF-A2F0-9937AA567A3D}">
-  <ds:schemaRefs>
-    <ds:schemaRef ds:uri="http://schemas.microsoft.com/office/2006/metadata/properties"/>
-    <ds:schemaRef ds:uri="http://schemas.microsoft.com/office/infopath/2007/PartnerControls"/>
-    <ds:schemaRef ds:uri="71af3243-3dd4-4a8d-8c0d-dd76da1f02a5"/>
-  </ds:schemaRefs>
-</ds:datastoreItem>
-</file>
-
-<file path=customXml/itemProps3.xml><?xml version="1.0" encoding="utf-8"?>
-<ds:datastoreItem xmlns:ds="http://schemas.openxmlformats.org/officeDocument/2006/customXml" ds:itemID="{B8E15EA0-2F38-456B-B156-038699A5D17F}">
-  <ds:schemaRefs>
-    <ds:schemaRef ds:uri="http://schemas.microsoft.com/sharepoint/v3/contenttype/forms"/>
-  </ds:schemaRefs>
-</ds:datastoreItem>
 </file>
--- a/Presentations/Non-Disclosure Agreement.pptx
+++ b/Presentations/Non-Disclosure Agreement.pptx
@@ -5,17 +5,22 @@
     <p:sldMasterId id="2147483648" r:id="rId4"/>
   </p:sldMasterIdLst>
   <p:notesMasterIdLst>
-    <p:notesMasterId r:id="rId10"/>
+    <p:notesMasterId r:id="rId15"/>
   </p:notesMasterIdLst>
   <p:handoutMasterIdLst>
-    <p:handoutMasterId r:id="rId11"/>
+    <p:handoutMasterId r:id="rId16"/>
   </p:handoutMasterIdLst>
   <p:sldIdLst>
     <p:sldId id="298" r:id="rId5"/>
     <p:sldId id="283" r:id="rId6"/>
     <p:sldId id="300" r:id="rId7"/>
-    <p:sldId id="301" r:id="rId8"/>
-    <p:sldId id="296" r:id="rId9"/>
+    <p:sldId id="302" r:id="rId8"/>
+    <p:sldId id="301" r:id="rId9"/>
+    <p:sldId id="303" r:id="rId10"/>
+    <p:sldId id="304" r:id="rId11"/>
+    <p:sldId id="305" r:id="rId12"/>
+    <p:sldId id="306" r:id="rId13"/>
+    <p:sldId id="296" r:id="rId14"/>
   </p:sldIdLst>
   <p:sldSz cx="12192000" cy="6858000"/>
   <p:notesSz cx="6858000" cy="9144000"/>
@@ -10111,6 +10116,445 @@
 </p:sld>
 </file>
 
+<file path=ppt/slides/slide10.xml><?xml version="1.0" encoding="utf-8"?>
+<p:sld xmlns:a="http://schemas.openxmlformats.org/drawingml/2006/main" xmlns:r="http://schemas.openxmlformats.org/officeDocument/2006/relationships" xmlns:p="http://schemas.openxmlformats.org/presentationml/2006/main">
+  <p:cSld>
+    <p:spTree>
+      <p:nvGrpSpPr>
+        <p:cNvPr id="1" name=""/>
+        <p:cNvGrpSpPr/>
+        <p:nvPr/>
+      </p:nvGrpSpPr>
+      <p:grpSpPr>
+        <a:xfrm>
+          <a:off x="0" y="0"/>
+          <a:ext cx="0" cy="0"/>
+          <a:chOff x="0" y="0"/>
+          <a:chExt cx="0" cy="0"/>
+        </a:xfrm>
+      </p:grpSpPr>
+      <p:pic>
+        <p:nvPicPr>
+          <p:cNvPr id="32" name="Picture Placeholder 31" descr="hand clapping">
+            <a:extLst>
+              <a:ext uri="{FF2B5EF4-FFF2-40B4-BE49-F238E27FC236}">
+                <a16:creationId xmlns:a16="http://schemas.microsoft.com/office/drawing/2014/main" id="{AAB6EE12-FEF8-FB41-A909-0DA61D7725C7}"/>
+              </a:ext>
+            </a:extLst>
+          </p:cNvPr>
+          <p:cNvPicPr>
+            <a:picLocks noGrp="1" noChangeAspect="1"/>
+          </p:cNvPicPr>
+          <p:nvPr>
+            <p:ph type="pic" sz="quarter" idx="10"/>
+          </p:nvPr>
+        </p:nvPicPr>
+        <p:blipFill>
+          <a:blip r:embed="rId2" cstate="screen">
+            <a:extLst>
+              <a:ext uri="{28A0092B-C50C-407E-A947-70E740481C1C}">
+                <a14:useLocalDpi xmlns:a14="http://schemas.microsoft.com/office/drawing/2010/main"/>
+              </a:ext>
+            </a:extLst>
+          </a:blip>
+          <a:srcRect/>
+          <a:stretch>
+            <a:fillRect/>
+          </a:stretch>
+        </p:blipFill>
+        <p:spPr/>
+      </p:pic>
+      <p:sp>
+        <p:nvSpPr>
+          <p:cNvPr id="14" name="Title 13">
+            <a:extLst>
+              <a:ext uri="{FF2B5EF4-FFF2-40B4-BE49-F238E27FC236}">
+                <a16:creationId xmlns:a16="http://schemas.microsoft.com/office/drawing/2014/main" id="{6C38D7A9-9299-4108-BB08-026F4B9CAE7B}"/>
+              </a:ext>
+            </a:extLst>
+          </p:cNvPr>
+          <p:cNvSpPr>
+            <a:spLocks noGrp="1"/>
+          </p:cNvSpPr>
+          <p:nvPr>
+            <p:ph type="ctrTitle"/>
+          </p:nvPr>
+        </p:nvSpPr>
+        <p:spPr/>
+        <p:txBody>
+          <a:bodyPr/>
+          <a:lstStyle/>
+          <a:p>
+            <a:r>
+              <a:rPr lang="en-US"/>
+              <a:t>Thank  You</a:t>
+            </a:r>
+            <a:endParaRPr lang="en-US" dirty="0"/>
+          </a:p>
+        </p:txBody>
+      </p:sp>
+      <p:sp>
+        <p:nvSpPr>
+          <p:cNvPr id="4" name="Text Placeholder 3">
+            <a:extLst>
+              <a:ext uri="{FF2B5EF4-FFF2-40B4-BE49-F238E27FC236}">
+                <a16:creationId xmlns:a16="http://schemas.microsoft.com/office/drawing/2014/main" id="{60828E04-9C2A-4859-8050-C2DF67A249CB}"/>
+              </a:ext>
+            </a:extLst>
+          </p:cNvPr>
+          <p:cNvSpPr>
+            <a:spLocks noGrp="1"/>
+          </p:cNvSpPr>
+          <p:nvPr>
+            <p:ph type="body" sz="quarter" idx="15"/>
+          </p:nvPr>
+        </p:nvSpPr>
+        <p:spPr>
+          <a:xfrm>
+            <a:off x="7325360" y="3968984"/>
+            <a:ext cx="4043182" cy="305521"/>
+          </a:xfrm>
+          <a:solidFill>
+            <a:schemeClr val="tx1">
+              <a:lumMod val="75000"/>
+              <a:lumOff val="25000"/>
+            </a:schemeClr>
+          </a:solidFill>
+        </p:spPr>
+        <p:txBody>
+          <a:bodyPr/>
+          <a:lstStyle/>
+          <a:p>
+            <a:r>
+              <a:rPr lang="en-US" dirty="0"/>
+              <a:t>Thalagala B.P.</a:t>
+            </a:r>
+          </a:p>
+        </p:txBody>
+      </p:sp>
+      <p:pic>
+        <p:nvPicPr>
+          <p:cNvPr id="8" name="Graphic 7" descr="User" title="Icon - Presenter Name">
+            <a:extLst>
+              <a:ext uri="{FF2B5EF4-FFF2-40B4-BE49-F238E27FC236}">
+                <a16:creationId xmlns:a16="http://schemas.microsoft.com/office/drawing/2014/main" id="{111541C4-DB03-4E53-994D-499C7D73C4DF}"/>
+              </a:ext>
+            </a:extLst>
+          </p:cNvPr>
+          <p:cNvPicPr>
+            <a:picLocks noChangeAspect="1"/>
+          </p:cNvPicPr>
+          <p:nvPr/>
+        </p:nvPicPr>
+        <p:blipFill>
+          <a:blip r:embed="rId3" cstate="screen">
+            <a:extLst>
+              <a:ext uri="{28A0092B-C50C-407E-A947-70E740481C1C}">
+                <a14:useLocalDpi xmlns:a14="http://schemas.microsoft.com/office/drawing/2010/main"/>
+              </a:ext>
+              <a:ext uri="{96DAC541-7B7A-43D3-8B79-37D633B846F1}">
+                <asvg:svgBlip xmlns:asvg="http://schemas.microsoft.com/office/drawing/2016/SVG/main" r:embed="rId4"/>
+              </a:ext>
+            </a:extLst>
+          </a:blip>
+          <a:stretch>
+            <a:fillRect/>
+          </a:stretch>
+        </p:blipFill>
+        <p:spPr>
+          <a:xfrm>
+            <a:off x="11485495" y="4006655"/>
+            <a:ext cx="218900" cy="218900"/>
+          </a:xfrm>
+          <a:prstGeom prst="rect">
+            <a:avLst/>
+          </a:prstGeom>
+        </p:spPr>
+      </p:pic>
+      <p:sp>
+        <p:nvSpPr>
+          <p:cNvPr id="5" name="Text Placeholder 4">
+            <a:extLst>
+              <a:ext uri="{FF2B5EF4-FFF2-40B4-BE49-F238E27FC236}">
+                <a16:creationId xmlns:a16="http://schemas.microsoft.com/office/drawing/2014/main" id="{11265965-2271-4C1C-BD0A-6F85F80FF9A6}"/>
+              </a:ext>
+            </a:extLst>
+          </p:cNvPr>
+          <p:cNvSpPr>
+            <a:spLocks noGrp="1"/>
+          </p:cNvSpPr>
+          <p:nvPr>
+            <p:ph type="body" sz="quarter" idx="16"/>
+          </p:nvPr>
+        </p:nvSpPr>
+        <p:spPr>
+          <a:xfrm>
+            <a:off x="7325360" y="4318000"/>
+            <a:ext cx="4043182" cy="305521"/>
+          </a:xfrm>
+          <a:solidFill>
+            <a:schemeClr val="tx1">
+              <a:lumMod val="75000"/>
+              <a:lumOff val="25000"/>
+            </a:schemeClr>
+          </a:solidFill>
+        </p:spPr>
+        <p:txBody>
+          <a:bodyPr/>
+          <a:lstStyle/>
+          <a:p>
+            <a:r>
+              <a:rPr lang="en-US" dirty="0"/>
+              <a:t>+94 75 029 6594</a:t>
+            </a:r>
+          </a:p>
+        </p:txBody>
+      </p:sp>
+      <p:pic>
+        <p:nvPicPr>
+          <p:cNvPr id="10" name="Graphic 9" descr="Smart Phone" title="Icon - Presenter Phone Number">
+            <a:extLst>
+              <a:ext uri="{FF2B5EF4-FFF2-40B4-BE49-F238E27FC236}">
+                <a16:creationId xmlns:a16="http://schemas.microsoft.com/office/drawing/2014/main" id="{A29DE31C-E099-4579-BB03-675E0A40C5F2}"/>
+              </a:ext>
+            </a:extLst>
+          </p:cNvPr>
+          <p:cNvPicPr>
+            <a:picLocks noChangeAspect="1"/>
+          </p:cNvPicPr>
+          <p:nvPr/>
+        </p:nvPicPr>
+        <p:blipFill>
+          <a:blip r:embed="rId5" cstate="screen">
+            <a:extLst>
+              <a:ext uri="{28A0092B-C50C-407E-A947-70E740481C1C}">
+                <a14:useLocalDpi xmlns:a14="http://schemas.microsoft.com/office/drawing/2010/main"/>
+              </a:ext>
+              <a:ext uri="{96DAC541-7B7A-43D3-8B79-37D633B846F1}">
+                <asvg:svgBlip xmlns:asvg="http://schemas.microsoft.com/office/drawing/2016/SVG/main" r:embed="rId6"/>
+              </a:ext>
+            </a:extLst>
+          </a:blip>
+          <a:stretch>
+            <a:fillRect/>
+          </a:stretch>
+        </p:blipFill>
+        <p:spPr>
+          <a:xfrm>
+            <a:off x="11485495" y="4355103"/>
+            <a:ext cx="218900" cy="218900"/>
+          </a:xfrm>
+          <a:prstGeom prst="rect">
+            <a:avLst/>
+          </a:prstGeom>
+        </p:spPr>
+      </p:pic>
+      <p:sp>
+        <p:nvSpPr>
+          <p:cNvPr id="6" name="Text Placeholder 5">
+            <a:extLst>
+              <a:ext uri="{FF2B5EF4-FFF2-40B4-BE49-F238E27FC236}">
+                <a16:creationId xmlns:a16="http://schemas.microsoft.com/office/drawing/2014/main" id="{50A3BCC3-A277-4C0B-9EBA-EB53990D8EBD}"/>
+              </a:ext>
+            </a:extLst>
+          </p:cNvPr>
+          <p:cNvSpPr>
+            <a:spLocks noGrp="1"/>
+          </p:cNvSpPr>
+          <p:nvPr>
+            <p:ph type="body" sz="quarter" idx="17"/>
+          </p:nvPr>
+        </p:nvSpPr>
+        <p:spPr>
+          <a:xfrm>
+            <a:off x="7325360" y="4667015"/>
+            <a:ext cx="4043182" cy="305523"/>
+          </a:xfrm>
+          <a:solidFill>
+            <a:schemeClr val="tx1">
+              <a:lumMod val="75000"/>
+              <a:lumOff val="25000"/>
+            </a:schemeClr>
+          </a:solidFill>
+        </p:spPr>
+        <p:txBody>
+          <a:bodyPr/>
+          <a:lstStyle/>
+          <a:p>
+            <a:r>
+              <a:rPr lang="en-US" dirty="0"/>
+              <a:t>bimalkapiyaruwan1998322@gmail.com</a:t>
+            </a:r>
+          </a:p>
+        </p:txBody>
+      </p:sp>
+      <p:pic>
+        <p:nvPicPr>
+          <p:cNvPr id="9" name="Graphic 8" descr="Envelope" title="Icon Presenter Email">
+            <a:extLst>
+              <a:ext uri="{FF2B5EF4-FFF2-40B4-BE49-F238E27FC236}">
+                <a16:creationId xmlns:a16="http://schemas.microsoft.com/office/drawing/2014/main" id="{773C1382-ACE1-460F-A1B6-AB761A7D2E6B}"/>
+              </a:ext>
+            </a:extLst>
+          </p:cNvPr>
+          <p:cNvPicPr>
+            <a:picLocks noChangeAspect="1"/>
+          </p:cNvPicPr>
+          <p:nvPr/>
+        </p:nvPicPr>
+        <p:blipFill>
+          <a:blip r:embed="rId7" cstate="screen">
+            <a:extLst>
+              <a:ext uri="{28A0092B-C50C-407E-A947-70E740481C1C}">
+                <a14:useLocalDpi xmlns:a14="http://schemas.microsoft.com/office/drawing/2010/main"/>
+              </a:ext>
+              <a:ext uri="{96DAC541-7B7A-43D3-8B79-37D633B846F1}">
+                <asvg:svgBlip xmlns:asvg="http://schemas.microsoft.com/office/drawing/2016/SVG/main" r:embed="rId8"/>
+              </a:ext>
+            </a:extLst>
+          </a:blip>
+          <a:stretch>
+            <a:fillRect/>
+          </a:stretch>
+        </p:blipFill>
+        <p:spPr>
+          <a:xfrm>
+            <a:off x="11485495" y="4703551"/>
+            <a:ext cx="218900" cy="218900"/>
+          </a:xfrm>
+          <a:prstGeom prst="rect">
+            <a:avLst/>
+          </a:prstGeom>
+        </p:spPr>
+      </p:pic>
+      <p:sp>
+        <p:nvSpPr>
+          <p:cNvPr id="16" name="Text Placeholder 15">
+            <a:extLst>
+              <a:ext uri="{FF2B5EF4-FFF2-40B4-BE49-F238E27FC236}">
+                <a16:creationId xmlns:a16="http://schemas.microsoft.com/office/drawing/2014/main" id="{FD8A1232-50A8-4535-AAF9-7F4180EAA0DD}"/>
+              </a:ext>
+            </a:extLst>
+          </p:cNvPr>
+          <p:cNvSpPr>
+            <a:spLocks noGrp="1"/>
+          </p:cNvSpPr>
+          <p:nvPr>
+            <p:ph type="body" sz="quarter" idx="18"/>
+          </p:nvPr>
+        </p:nvSpPr>
+        <p:spPr>
+          <a:xfrm>
+            <a:off x="7325360" y="5016032"/>
+            <a:ext cx="4043182" cy="275656"/>
+          </a:xfrm>
+          <a:solidFill>
+            <a:schemeClr val="tx1">
+              <a:lumMod val="75000"/>
+              <a:lumOff val="25000"/>
+            </a:schemeClr>
+          </a:solidFill>
+        </p:spPr>
+        <p:txBody>
+          <a:bodyPr/>
+          <a:lstStyle/>
+          <a:p>
+            <a:r>
+              <a:rPr lang="en-US" dirty="0"/>
+              <a:t>L.E. Robotics (Pvt.) Ltd.</a:t>
+            </a:r>
+          </a:p>
+        </p:txBody>
+      </p:sp>
+      <p:pic>
+        <p:nvPicPr>
+          <p:cNvPr id="11" name="Graphic 10" descr="Link">
+            <a:extLst>
+              <a:ext uri="{FF2B5EF4-FFF2-40B4-BE49-F238E27FC236}">
+                <a16:creationId xmlns:a16="http://schemas.microsoft.com/office/drawing/2014/main" id="{0718E6E0-05A2-479C-AEA8-1A385EB73474}"/>
+              </a:ext>
+            </a:extLst>
+          </p:cNvPr>
+          <p:cNvPicPr>
+            <a:picLocks noChangeAspect="1"/>
+          </p:cNvPicPr>
+          <p:nvPr/>
+        </p:nvPicPr>
+        <p:blipFill>
+          <a:blip r:embed="rId9" cstate="screen">
+            <a:extLst>
+              <a:ext uri="{28A0092B-C50C-407E-A947-70E740481C1C}">
+                <a14:useLocalDpi xmlns:a14="http://schemas.microsoft.com/office/drawing/2010/main"/>
+              </a:ext>
+              <a:ext uri="{96DAC541-7B7A-43D3-8B79-37D633B846F1}">
+                <asvg:svgBlip xmlns:asvg="http://schemas.microsoft.com/office/drawing/2016/SVG/main" r:embed="rId10"/>
+              </a:ext>
+            </a:extLst>
+          </a:blip>
+          <a:stretch>
+            <a:fillRect/>
+          </a:stretch>
+        </p:blipFill>
+        <p:spPr>
+          <a:xfrm>
+            <a:off x="11472552" y="5040763"/>
+            <a:ext cx="244786" cy="244786"/>
+          </a:xfrm>
+          <a:prstGeom prst="rect">
+            <a:avLst/>
+          </a:prstGeom>
+        </p:spPr>
+      </p:pic>
+      <p:sp>
+        <p:nvSpPr>
+          <p:cNvPr id="12" name="Slide Number Placeholder 11">
+            <a:extLst>
+              <a:ext uri="{FF2B5EF4-FFF2-40B4-BE49-F238E27FC236}">
+                <a16:creationId xmlns:a16="http://schemas.microsoft.com/office/drawing/2014/main" id="{91814EC9-246A-4C6E-941E-5774FE72F08E}"/>
+              </a:ext>
+            </a:extLst>
+          </p:cNvPr>
+          <p:cNvSpPr>
+            <a:spLocks noGrp="1"/>
+          </p:cNvSpPr>
+          <p:nvPr>
+            <p:ph type="sldNum" sz="quarter" idx="20"/>
+          </p:nvPr>
+        </p:nvSpPr>
+        <p:spPr>
+          <a:solidFill>
+            <a:schemeClr val="tx1">
+              <a:lumMod val="95000"/>
+              <a:lumOff val="5000"/>
+            </a:schemeClr>
+          </a:solidFill>
+        </p:spPr>
+        <p:txBody>
+          <a:bodyPr/>
+          <a:lstStyle/>
+          <a:p>
+            <a:fld id="{19B51A1E-902D-48AF-9020-955120F399B6}" type="slidenum">
+              <a:rPr lang="en-US" smtClean="0"/>
+              <a:pPr/>
+              <a:t>10</a:t>
+            </a:fld>
+            <a:endParaRPr lang="en-US" dirty="0"/>
+          </a:p>
+        </p:txBody>
+      </p:sp>
+    </p:spTree>
+    <p:extLst>
+      <p:ext uri="{BB962C8B-B14F-4D97-AF65-F5344CB8AC3E}">
+        <p14:creationId xmlns:p14="http://schemas.microsoft.com/office/powerpoint/2010/main" val="4153678306"/>
+      </p:ext>
+    </p:extLst>
+  </p:cSld>
+  <p:clrMapOvr>
+    <a:masterClrMapping/>
+  </p:clrMapOvr>
+</p:sld>
+</file>
+
 <file path=ppt/slides/slide2.xml><?xml version="1.0" encoding="utf-8"?>
 <p:sld xmlns:a="http://schemas.openxmlformats.org/drawingml/2006/main" xmlns:r="http://schemas.openxmlformats.org/officeDocument/2006/relationships" xmlns:p="http://schemas.openxmlformats.org/presentationml/2006/main">
   <p:cSld>
@@ -10481,7 +10925,7 @@
         <p:spPr>
           <a:xfrm>
             <a:off x="432000" y="979714"/>
-            <a:ext cx="11328000" cy="5211536"/>
+            <a:ext cx="11328000" cy="3984172"/>
           </a:xfrm>
         </p:spPr>
         <p:txBody>
@@ -10493,7 +10937,7 @@
               <a:buAutoNum type="arabicPeriod"/>
             </a:pPr>
             <a:r>
-              <a:rPr lang="en-US" sz="2000" dirty="0">
+              <a:rPr lang="en-US" sz="2200" dirty="0">
                 <a:solidFill>
                   <a:srgbClr val="FF0000"/>
                 </a:solidFill>
@@ -10501,7 +10945,7 @@
               <a:t>Definitions</a:t>
             </a:r>
             <a:r>
-              <a:rPr lang="en-US" sz="2000" dirty="0"/>
+              <a:rPr lang="en-US" sz="2200" dirty="0"/>
               <a:t> of the terms used in the document</a:t>
             </a:r>
           </a:p>
@@ -10511,11 +10955,11 @@
               <a:buAutoNum type="arabicPeriod"/>
             </a:pPr>
             <a:r>
-              <a:rPr lang="en-US" sz="2000" dirty="0"/>
+              <a:rPr lang="en-US" sz="2200" dirty="0"/>
               <a:t>Rules and regulations related to </a:t>
             </a:r>
             <a:r>
-              <a:rPr lang="en-US" sz="2000" dirty="0">
+              <a:rPr lang="en-US" sz="2200" dirty="0">
                 <a:solidFill>
                   <a:srgbClr val="FF0000"/>
                 </a:solidFill>
@@ -10523,7 +10967,7 @@
               <a:t>Use, Disclose and Reproduce</a:t>
             </a:r>
             <a:r>
-              <a:rPr lang="en-US" sz="2000" dirty="0"/>
+              <a:rPr lang="en-US" sz="2200" dirty="0"/>
               <a:t> the shared confidential information </a:t>
             </a:r>
           </a:p>
@@ -10533,11 +10977,11 @@
               <a:buAutoNum type="arabicPeriod"/>
             </a:pPr>
             <a:r>
-              <a:rPr lang="en-US" sz="2000" dirty="0"/>
+              <a:rPr lang="en-US" sz="2200" dirty="0"/>
               <a:t>Actions to be taken in an event of </a:t>
             </a:r>
             <a:r>
-              <a:rPr lang="en-US" sz="2000" dirty="0">
+              <a:rPr lang="en-US" sz="2200" dirty="0">
                 <a:solidFill>
                   <a:srgbClr val="FF0000"/>
                 </a:solidFill>
@@ -10545,7 +10989,7 @@
               <a:t>breach</a:t>
             </a:r>
             <a:r>
-              <a:rPr lang="en-US" sz="2000" dirty="0"/>
+              <a:rPr lang="en-US" sz="2200" dirty="0"/>
               <a:t> of a term of the  agreement</a:t>
             </a:r>
           </a:p>
@@ -10555,7 +10999,7 @@
               <a:buAutoNum type="arabicPeriod"/>
             </a:pPr>
             <a:r>
-              <a:rPr lang="en-US" sz="2000" dirty="0"/>
+              <a:rPr lang="en-US" sz="2200" dirty="0"/>
               <a:t>Non-Competition Clause</a:t>
             </a:r>
           </a:p>
@@ -10565,7 +11009,7 @@
               <a:buAutoNum type="arabicPeriod"/>
             </a:pPr>
             <a:r>
-              <a:rPr lang="en-US" sz="2000" dirty="0">
+              <a:rPr lang="en-US" sz="2200" dirty="0">
                 <a:solidFill>
                   <a:srgbClr val="FF0000"/>
                 </a:solidFill>
@@ -10573,7 +11017,7 @@
               <a:t>Governing Law </a:t>
             </a:r>
             <a:r>
-              <a:rPr lang="en-US" sz="2000" dirty="0"/>
+              <a:rPr lang="en-US" sz="2200" dirty="0"/>
               <a:t>which describes the way of interpreting the agreement</a:t>
             </a:r>
           </a:p>
@@ -10583,7 +11027,7 @@
               <a:buAutoNum type="arabicPeriod"/>
             </a:pPr>
             <a:r>
-              <a:rPr lang="en-US" sz="2000" dirty="0"/>
+              <a:rPr lang="en-US" sz="2200" dirty="0"/>
               <a:t>Entire agreement/ Modifications</a:t>
             </a:r>
           </a:p>
@@ -10593,8 +11037,8 @@
               <a:buAutoNum type="arabicPeriod"/>
             </a:pPr>
             <a:r>
-              <a:rPr lang="en-US" sz="2000" dirty="0"/>
-              <a:t>Confidentiality Period</a:t>
+              <a:rPr lang="en-US" sz="2200" dirty="0"/>
+              <a:t>Confidentiality Period/ Termination</a:t>
             </a:r>
           </a:p>
           <a:p>
@@ -10603,7 +11047,7 @@
               <a:buAutoNum type="arabicPeriod"/>
             </a:pPr>
             <a:r>
-              <a:rPr lang="en-US" sz="2000" dirty="0"/>
+              <a:rPr lang="en-US" sz="2200" dirty="0"/>
               <a:t>Arbitration</a:t>
             </a:r>
           </a:p>
@@ -10613,7 +11057,7 @@
               <a:buAutoNum type="arabicPeriod"/>
             </a:pPr>
             <a:r>
-              <a:rPr lang="en-US" sz="2000" dirty="0"/>
+              <a:rPr lang="en-US" sz="2200" dirty="0"/>
               <a:t>Warranty</a:t>
             </a:r>
           </a:p>
@@ -10623,38 +11067,9 @@
               <a:buAutoNum type="arabicPeriod"/>
             </a:pPr>
             <a:r>
-              <a:rPr lang="en-US" sz="2000" dirty="0"/>
+              <a:rPr lang="en-US" sz="2200" dirty="0"/>
               <a:t>Counterparts</a:t>
             </a:r>
-          </a:p>
-        </p:txBody>
-      </p:sp>
-      <p:sp>
-        <p:nvSpPr>
-          <p:cNvPr id="5" name="Footer Placeholder 4">
-            <a:extLst>
-              <a:ext uri="{FF2B5EF4-FFF2-40B4-BE49-F238E27FC236}">
-                <a16:creationId xmlns:a16="http://schemas.microsoft.com/office/drawing/2014/main" id="{A544B2DD-AC47-4E2E-9D37-91234C47BFE7}"/>
-              </a:ext>
-            </a:extLst>
-          </p:cNvPr>
-          <p:cNvSpPr>
-            <a:spLocks noGrp="1"/>
-          </p:cNvSpPr>
-          <p:nvPr>
-            <p:ph type="ftr" sz="quarter" idx="12"/>
-          </p:nvPr>
-        </p:nvSpPr>
-        <p:spPr/>
-        <p:txBody>
-          <a:bodyPr/>
-          <a:lstStyle/>
-          <a:p>
-            <a:r>
-              <a:rPr lang="en-US" noProof="0"/>
-              <a:t>Add a footer</a:t>
-            </a:r>
-            <a:endParaRPr lang="en-US" noProof="0" dirty="0"/>
           </a:p>
         </p:txBody>
       </p:sp>
@@ -10755,7 +11170,7 @@
             </a:r>
             <a:r>
               <a:rPr lang="en-US" sz="2000" dirty="0"/>
-              <a:t> Technical, customer,  supplier, personnel, financial, commercial and/or business information, data any other information or knowledge communicated at any time before or after the date of the agreement, including information of a proprietary, private or confidential nature in written, graphical, oral or otherwise tangible or intangible form whether communicated in writing, orally, graphically or by inspections, relating directly or indirectly to the business or affairs of the involved parties.</a:t>
+              <a:t> 	Technical, customer,  supplier, personnel, financial, commercial and/or business information, data any other information or knowledge communicated at any time before or after the date of the agreement, including information of a proprietary, private or confidential nature in written, graphical, oral or otherwise tangible or intangible form whether communicated in writing, orally, graphically or by inspections, relating directly or indirectly to the business or affairs of the involved parties.</a:t>
             </a:r>
           </a:p>
           <a:p>
@@ -10986,7 +11401,7 @@
     </p:spTree>
     <p:extLst>
       <p:ext uri="{BB962C8B-B14F-4D97-AF65-F5344CB8AC3E}">
-        <p14:creationId xmlns:p14="http://schemas.microsoft.com/office/powerpoint/2010/main" val="2588330324"/>
+        <p14:creationId xmlns:p14="http://schemas.microsoft.com/office/powerpoint/2010/main" val="2834800531"/>
       </p:ext>
     </p:extLst>
   </p:cSld>
@@ -11013,12 +11428,57 @@
           <a:chExt cx="0" cy="0"/>
         </a:xfrm>
       </p:grpSpPr>
+      <p:sp>
+        <p:nvSpPr>
+          <p:cNvPr id="4" name="Content Placeholder 3">
+            <a:extLst>
+              <a:ext uri="{FF2B5EF4-FFF2-40B4-BE49-F238E27FC236}">
+                <a16:creationId xmlns:a16="http://schemas.microsoft.com/office/drawing/2014/main" id="{D355C61F-C8F1-4977-8E1F-F16C0D9EA88C}"/>
+              </a:ext>
+            </a:extLst>
+          </p:cNvPr>
+          <p:cNvSpPr>
+            <a:spLocks noGrp="1"/>
+          </p:cNvSpPr>
+          <p:nvPr>
+            <p:ph sz="half" idx="1"/>
+          </p:nvPr>
+        </p:nvSpPr>
+        <p:spPr>
+          <a:xfrm>
+            <a:off x="293907" y="945814"/>
+            <a:ext cx="5463081" cy="3482803"/>
+          </a:xfrm>
+        </p:spPr>
+        <p:txBody>
+          <a:bodyPr/>
+          <a:lstStyle/>
+          <a:p>
+            <a:pPr marL="0" indent="0" algn="just">
+              <a:buNone/>
+            </a:pPr>
+            <a:r>
+              <a:rPr lang="en-US" sz="2800" dirty="0"/>
+              <a:t>This section of the NDA,</a:t>
+            </a:r>
+          </a:p>
+          <a:p>
+            <a:pPr marL="0" indent="0" algn="just">
+              <a:buNone/>
+            </a:pPr>
+            <a:r>
+              <a:rPr lang="en-US" sz="2800" dirty="0"/>
+              <a:t>	Includes all the rules and regulations that describe the intended way of respecting the confidentiality of disclosing party’s Confidential Information or any intellectual property including any patents, copyright and industrial design or etc.</a:t>
+            </a:r>
+          </a:p>
+        </p:txBody>
+      </p:sp>
       <p:pic>
         <p:nvPicPr>
-          <p:cNvPr id="32" name="Picture Placeholder 31" descr="hand clapping">
-            <a:extLst>
-              <a:ext uri="{FF2B5EF4-FFF2-40B4-BE49-F238E27FC236}">
-                <a16:creationId xmlns:a16="http://schemas.microsoft.com/office/drawing/2014/main" id="{AAB6EE12-FEF8-FB41-A909-0DA61D7725C7}"/>
+          <p:cNvPr id="9" name="Picture Placeholder 8">
+            <a:extLst>
+              <a:ext uri="{FF2B5EF4-FFF2-40B4-BE49-F238E27FC236}">
+                <a16:creationId xmlns:a16="http://schemas.microsoft.com/office/drawing/2014/main" id="{A9A75888-22E3-1D43-9112-DA02186070B5}"/>
               </a:ext>
             </a:extLst>
           </p:cNvPr>
@@ -11026,157 +11486,97 @@
             <a:picLocks noGrp="1" noChangeAspect="1"/>
           </p:cNvPicPr>
           <p:nvPr>
-            <p:ph type="pic" sz="quarter" idx="10"/>
+            <p:ph type="pic" sz="quarter" idx="14"/>
           </p:nvPr>
         </p:nvPicPr>
-        <p:blipFill>
-          <a:blip r:embed="rId2" cstate="screen">
-            <a:extLst>
-              <a:ext uri="{28A0092B-C50C-407E-A947-70E740481C1C}">
-                <a14:useLocalDpi xmlns:a14="http://schemas.microsoft.com/office/drawing/2010/main"/>
-              </a:ext>
-            </a:extLst>
-          </a:blip>
-          <a:srcRect/>
-          <a:stretch>
-            <a:fillRect/>
-          </a:stretch>
+        <p:blipFill rotWithShape="1">
+          <a:blip r:embed="rId2"/>
+          <a:srcRect l="37705"/>
+          <a:stretch/>
         </p:blipFill>
-        <p:spPr/>
+        <p:spPr>
+          <a:xfrm>
+            <a:off x="6096000" y="0"/>
+            <a:ext cx="6096000" cy="6371349"/>
+          </a:xfrm>
+        </p:spPr>
       </p:pic>
       <p:sp>
         <p:nvSpPr>
-          <p:cNvPr id="14" name="Title 13">
-            <a:extLst>
-              <a:ext uri="{FF2B5EF4-FFF2-40B4-BE49-F238E27FC236}">
-                <a16:creationId xmlns:a16="http://schemas.microsoft.com/office/drawing/2014/main" id="{6C38D7A9-9299-4108-BB08-026F4B9CAE7B}"/>
-              </a:ext>
-            </a:extLst>
-          </p:cNvPr>
-          <p:cNvSpPr>
-            <a:spLocks noGrp="1"/>
-          </p:cNvSpPr>
-          <p:nvPr>
-            <p:ph type="ctrTitle"/>
-          </p:nvPr>
-        </p:nvSpPr>
-        <p:spPr/>
-        <p:txBody>
-          <a:bodyPr/>
-          <a:lstStyle/>
-          <a:p>
-            <a:r>
-              <a:rPr lang="en-US" dirty="0"/>
-              <a:t>Thank You</a:t>
-            </a:r>
-          </a:p>
-        </p:txBody>
-      </p:sp>
-      <p:sp>
-        <p:nvSpPr>
-          <p:cNvPr id="4" name="Text Placeholder 3">
-            <a:extLst>
-              <a:ext uri="{FF2B5EF4-FFF2-40B4-BE49-F238E27FC236}">
-                <a16:creationId xmlns:a16="http://schemas.microsoft.com/office/drawing/2014/main" id="{60828E04-9C2A-4859-8050-C2DF67A249CB}"/>
-              </a:ext>
-            </a:extLst>
-          </p:cNvPr>
-          <p:cNvSpPr>
-            <a:spLocks noGrp="1"/>
-          </p:cNvSpPr>
-          <p:nvPr>
-            <p:ph type="body" sz="quarter" idx="15"/>
-          </p:nvPr>
-        </p:nvSpPr>
-        <p:spPr>
-          <a:xfrm>
-            <a:off x="7325360" y="3968984"/>
-            <a:ext cx="4043182" cy="305521"/>
-          </a:xfrm>
-          <a:solidFill>
-            <a:schemeClr val="tx1">
-              <a:lumMod val="75000"/>
-              <a:lumOff val="25000"/>
-            </a:schemeClr>
-          </a:solidFill>
-        </p:spPr>
-        <p:txBody>
-          <a:bodyPr/>
-          <a:lstStyle/>
-          <a:p>
-            <a:r>
-              <a:rPr lang="en-US" dirty="0"/>
-              <a:t>Thalagala B.P.</a:t>
-            </a:r>
-          </a:p>
-        </p:txBody>
-      </p:sp>
-      <p:pic>
-        <p:nvPicPr>
-          <p:cNvPr id="8" name="Graphic 7" descr="User" title="Icon - Presenter Name">
-            <a:extLst>
-              <a:ext uri="{FF2B5EF4-FFF2-40B4-BE49-F238E27FC236}">
-                <a16:creationId xmlns:a16="http://schemas.microsoft.com/office/drawing/2014/main" id="{111541C4-DB03-4E53-994D-499C7D73C4DF}"/>
-              </a:ext>
-            </a:extLst>
-          </p:cNvPr>
-          <p:cNvPicPr>
-            <a:picLocks noChangeAspect="1"/>
-          </p:cNvPicPr>
+          <p:cNvPr id="20" name="Rectangle 19">
+            <a:extLst>
+              <a:ext uri="{FF2B5EF4-FFF2-40B4-BE49-F238E27FC236}">
+                <a16:creationId xmlns:a16="http://schemas.microsoft.com/office/drawing/2014/main" id="{EFA08948-2B6F-46B1-9D2D-8D7B2B3FBD56}"/>
+              </a:ext>
+              <a:ext uri="{C183D7F6-B498-43B3-948B-1728B52AA6E4}">
+                <adec:decorative xmlns:adec="http://schemas.microsoft.com/office/drawing/2017/decorative" val="1"/>
+              </a:ext>
+            </a:extLst>
+          </p:cNvPr>
+          <p:cNvSpPr/>
           <p:nvPr/>
-        </p:nvPicPr>
-        <p:blipFill>
-          <a:blip r:embed="rId3" cstate="screen">
-            <a:extLst>
-              <a:ext uri="{28A0092B-C50C-407E-A947-70E740481C1C}">
-                <a14:useLocalDpi xmlns:a14="http://schemas.microsoft.com/office/drawing/2010/main"/>
-              </a:ext>
-              <a:ext uri="{96DAC541-7B7A-43D3-8B79-37D633B846F1}">
-                <asvg:svgBlip xmlns:asvg="http://schemas.microsoft.com/office/drawing/2016/SVG/main" r:embed="rId4"/>
-              </a:ext>
-            </a:extLst>
-          </a:blip>
-          <a:stretch>
-            <a:fillRect/>
-          </a:stretch>
-        </p:blipFill>
-        <p:spPr>
-          <a:xfrm>
-            <a:off x="11485495" y="4006655"/>
-            <a:ext cx="218900" cy="218900"/>
+        </p:nvSpPr>
+        <p:spPr>
+          <a:xfrm>
+            <a:off x="9348588" y="3688075"/>
+            <a:ext cx="2411412" cy="114824"/>
           </a:xfrm>
           <a:prstGeom prst="rect">
             <a:avLst/>
           </a:prstGeom>
-        </p:spPr>
-      </p:pic>
-      <p:sp>
-        <p:nvSpPr>
-          <p:cNvPr id="5" name="Text Placeholder 4">
-            <a:extLst>
-              <a:ext uri="{FF2B5EF4-FFF2-40B4-BE49-F238E27FC236}">
-                <a16:creationId xmlns:a16="http://schemas.microsoft.com/office/drawing/2014/main" id="{11265965-2271-4C1C-BD0A-6F85F80FF9A6}"/>
-              </a:ext>
-            </a:extLst>
-          </p:cNvPr>
-          <p:cNvSpPr>
-            <a:spLocks noGrp="1"/>
-          </p:cNvSpPr>
-          <p:nvPr>
-            <p:ph type="body" sz="quarter" idx="16"/>
-          </p:nvPr>
-        </p:nvSpPr>
-        <p:spPr>
-          <a:xfrm>
-            <a:off x="7325360" y="4318000"/>
-            <a:ext cx="4043182" cy="305521"/>
-          </a:xfrm>
           <a:solidFill>
-            <a:schemeClr val="tx1">
-              <a:lumMod val="75000"/>
-              <a:lumOff val="25000"/>
+            <a:schemeClr val="accent1"/>
+          </a:solidFill>
+          <a:ln>
+            <a:noFill/>
+          </a:ln>
+        </p:spPr>
+        <p:style>
+          <a:lnRef idx="2">
+            <a:schemeClr val="accent1">
+              <a:shade val="50000"/>
             </a:schemeClr>
-          </a:solidFill>
+          </a:lnRef>
+          <a:fillRef idx="1">
+            <a:schemeClr val="accent1"/>
+          </a:fillRef>
+          <a:effectRef idx="0">
+            <a:schemeClr val="accent1"/>
+          </a:effectRef>
+          <a:fontRef idx="minor">
+            <a:schemeClr val="lt1"/>
+          </a:fontRef>
+        </p:style>
+        <p:txBody>
+          <a:bodyPr rtlCol="0" anchor="ctr"/>
+          <a:lstStyle/>
+          <a:p>
+            <a:pPr algn="l"/>
+            <a:endParaRPr lang="en-US" dirty="0"/>
+          </a:p>
+        </p:txBody>
+      </p:sp>
+      <p:sp>
+        <p:nvSpPr>
+          <p:cNvPr id="2" name="Title 1">
+            <a:extLst>
+              <a:ext uri="{FF2B5EF4-FFF2-40B4-BE49-F238E27FC236}">
+                <a16:creationId xmlns:a16="http://schemas.microsoft.com/office/drawing/2014/main" id="{3560F281-4FF6-4617-A809-AC9C15ECF18A}"/>
+              </a:ext>
+            </a:extLst>
+          </p:cNvPr>
+          <p:cNvSpPr>
+            <a:spLocks noGrp="1"/>
+          </p:cNvSpPr>
+          <p:nvPr>
+            <p:ph type="title"/>
+          </p:nvPr>
+        </p:nvSpPr>
+        <p:spPr>
+          <a:xfrm>
+            <a:off x="6502398" y="2687216"/>
+            <a:ext cx="5257601" cy="2519265"/>
+          </a:xfrm>
         </p:spPr>
         <p:txBody>
           <a:bodyPr/>
@@ -11184,220 +11584,61 @@
           <a:p>
             <a:r>
               <a:rPr lang="en-US" dirty="0"/>
-              <a:t>+94 75 029 6594</a:t>
-            </a:r>
-          </a:p>
-        </p:txBody>
-      </p:sp>
-      <p:pic>
-        <p:nvPicPr>
-          <p:cNvPr id="10" name="Graphic 9" descr="Smart Phone" title="Icon - Presenter Phone Number">
-            <a:extLst>
-              <a:ext uri="{FF2B5EF4-FFF2-40B4-BE49-F238E27FC236}">
-                <a16:creationId xmlns:a16="http://schemas.microsoft.com/office/drawing/2014/main" id="{A29DE31C-E099-4579-BB03-675E0A40C5F2}"/>
-              </a:ext>
-            </a:extLst>
-          </p:cNvPr>
-          <p:cNvPicPr>
-            <a:picLocks noChangeAspect="1"/>
-          </p:cNvPicPr>
-          <p:nvPr/>
-        </p:nvPicPr>
-        <p:blipFill>
-          <a:blip r:embed="rId5" cstate="screen">
-            <a:extLst>
-              <a:ext uri="{28A0092B-C50C-407E-A947-70E740481C1C}">
-                <a14:useLocalDpi xmlns:a14="http://schemas.microsoft.com/office/drawing/2010/main"/>
-              </a:ext>
-              <a:ext uri="{96DAC541-7B7A-43D3-8B79-37D633B846F1}">
-                <asvg:svgBlip xmlns:asvg="http://schemas.microsoft.com/office/drawing/2016/SVG/main" r:embed="rId6"/>
-              </a:ext>
-            </a:extLst>
-          </a:blip>
-          <a:stretch>
-            <a:fillRect/>
-          </a:stretch>
-        </p:blipFill>
-        <p:spPr>
-          <a:xfrm>
-            <a:off x="11485495" y="4355103"/>
-            <a:ext cx="218900" cy="218900"/>
-          </a:xfrm>
-          <a:prstGeom prst="rect">
-            <a:avLst/>
-          </a:prstGeom>
-        </p:spPr>
-      </p:pic>
-      <p:sp>
-        <p:nvSpPr>
-          <p:cNvPr id="6" name="Text Placeholder 5">
-            <a:extLst>
-              <a:ext uri="{FF2B5EF4-FFF2-40B4-BE49-F238E27FC236}">
-                <a16:creationId xmlns:a16="http://schemas.microsoft.com/office/drawing/2014/main" id="{50A3BCC3-A277-4C0B-9EBA-EB53990D8EBD}"/>
-              </a:ext>
-            </a:extLst>
-          </p:cNvPr>
-          <p:cNvSpPr>
-            <a:spLocks noGrp="1"/>
-          </p:cNvSpPr>
-          <p:nvPr>
-            <p:ph type="body" sz="quarter" idx="17"/>
-          </p:nvPr>
-        </p:nvSpPr>
-        <p:spPr>
-          <a:xfrm>
-            <a:off x="7325360" y="4667015"/>
-            <a:ext cx="4043182" cy="305523"/>
-          </a:xfrm>
-          <a:solidFill>
-            <a:schemeClr val="tx1">
-              <a:lumMod val="75000"/>
-              <a:lumOff val="25000"/>
-            </a:schemeClr>
-          </a:solidFill>
+              <a:t>2. </a:t>
+            </a:r>
+            <a:r>
+              <a:rPr lang="en-US" sz="6000" dirty="0"/>
+              <a:t>Use, Disclosure and Reproduction</a:t>
+            </a:r>
+            <a:endParaRPr lang="en-US" dirty="0"/>
+          </a:p>
+        </p:txBody>
+      </p:sp>
+      <p:sp>
+        <p:nvSpPr>
+          <p:cNvPr id="3" name="Text Placeholder 2">
+            <a:extLst>
+              <a:ext uri="{FF2B5EF4-FFF2-40B4-BE49-F238E27FC236}">
+                <a16:creationId xmlns:a16="http://schemas.microsoft.com/office/drawing/2014/main" id="{611DC577-0A95-47D0-95D9-5F8DA763D46B}"/>
+              </a:ext>
+            </a:extLst>
+          </p:cNvPr>
+          <p:cNvSpPr>
+            <a:spLocks noGrp="1"/>
+          </p:cNvSpPr>
+          <p:nvPr>
+            <p:ph type="body" sz="quarter" idx="32"/>
+          </p:nvPr>
+        </p:nvSpPr>
+        <p:spPr>
+          <a:xfrm>
+            <a:off x="6502400" y="5206481"/>
+            <a:ext cx="5257600" cy="570982"/>
+          </a:xfrm>
         </p:spPr>
         <p:txBody>
           <a:bodyPr/>
           <a:lstStyle/>
           <a:p>
-            <a:r>
-              <a:rPr lang="en-US" dirty="0"/>
-              <a:t>bimalkapiyaruwan1998322@gmail.com</a:t>
-            </a:r>
-          </a:p>
-        </p:txBody>
-      </p:sp>
-      <p:pic>
-        <p:nvPicPr>
-          <p:cNvPr id="9" name="Graphic 8" descr="Envelope" title="Icon Presenter Email">
-            <a:extLst>
-              <a:ext uri="{FF2B5EF4-FFF2-40B4-BE49-F238E27FC236}">
-                <a16:creationId xmlns:a16="http://schemas.microsoft.com/office/drawing/2014/main" id="{773C1382-ACE1-460F-A1B6-AB761A7D2E6B}"/>
-              </a:ext>
-            </a:extLst>
-          </p:cNvPr>
-          <p:cNvPicPr>
-            <a:picLocks noChangeAspect="1"/>
-          </p:cNvPicPr>
-          <p:nvPr/>
-        </p:nvPicPr>
-        <p:blipFill>
-          <a:blip r:embed="rId7" cstate="screen">
-            <a:extLst>
-              <a:ext uri="{28A0092B-C50C-407E-A947-70E740481C1C}">
-                <a14:useLocalDpi xmlns:a14="http://schemas.microsoft.com/office/drawing/2010/main"/>
-              </a:ext>
-              <a:ext uri="{96DAC541-7B7A-43D3-8B79-37D633B846F1}">
-                <asvg:svgBlip xmlns:asvg="http://schemas.microsoft.com/office/drawing/2016/SVG/main" r:embed="rId8"/>
-              </a:ext>
-            </a:extLst>
-          </a:blip>
-          <a:stretch>
-            <a:fillRect/>
-          </a:stretch>
-        </p:blipFill>
-        <p:spPr>
-          <a:xfrm>
-            <a:off x="11485495" y="4703551"/>
-            <a:ext cx="218900" cy="218900"/>
-          </a:xfrm>
-          <a:prstGeom prst="rect">
-            <a:avLst/>
-          </a:prstGeom>
-        </p:spPr>
-      </p:pic>
-      <p:sp>
-        <p:nvSpPr>
-          <p:cNvPr id="16" name="Text Placeholder 15">
-            <a:extLst>
-              <a:ext uri="{FF2B5EF4-FFF2-40B4-BE49-F238E27FC236}">
-                <a16:creationId xmlns:a16="http://schemas.microsoft.com/office/drawing/2014/main" id="{FD8A1232-50A8-4535-AAF9-7F4180EAA0DD}"/>
-              </a:ext>
-            </a:extLst>
-          </p:cNvPr>
-          <p:cNvSpPr>
-            <a:spLocks noGrp="1"/>
-          </p:cNvSpPr>
-          <p:nvPr>
-            <p:ph type="body" sz="quarter" idx="18"/>
-          </p:nvPr>
-        </p:nvSpPr>
-        <p:spPr>
-          <a:xfrm>
-            <a:off x="7325360" y="5016032"/>
-            <a:ext cx="4043182" cy="275656"/>
-          </a:xfrm>
-          <a:solidFill>
-            <a:schemeClr val="tx1">
-              <a:lumMod val="75000"/>
-              <a:lumOff val="25000"/>
-            </a:schemeClr>
-          </a:solidFill>
-        </p:spPr>
-        <p:txBody>
-          <a:bodyPr/>
-          <a:lstStyle/>
-          <a:p>
-            <a:r>
-              <a:rPr lang="en-US" dirty="0"/>
-              <a:t>L.E. Robotics (Pvt.) Ltd.</a:t>
-            </a:r>
-          </a:p>
-        </p:txBody>
-      </p:sp>
-      <p:pic>
-        <p:nvPicPr>
-          <p:cNvPr id="11" name="Graphic 10" descr="Link">
-            <a:extLst>
-              <a:ext uri="{FF2B5EF4-FFF2-40B4-BE49-F238E27FC236}">
-                <a16:creationId xmlns:a16="http://schemas.microsoft.com/office/drawing/2014/main" id="{0718E6E0-05A2-479C-AEA8-1A385EB73474}"/>
-              </a:ext>
-            </a:extLst>
-          </p:cNvPr>
-          <p:cNvPicPr>
-            <a:picLocks noChangeAspect="1"/>
-          </p:cNvPicPr>
-          <p:nvPr/>
-        </p:nvPicPr>
-        <p:blipFill>
-          <a:blip r:embed="rId9" cstate="screen">
-            <a:extLst>
-              <a:ext uri="{28A0092B-C50C-407E-A947-70E740481C1C}">
-                <a14:useLocalDpi xmlns:a14="http://schemas.microsoft.com/office/drawing/2010/main"/>
-              </a:ext>
-              <a:ext uri="{96DAC541-7B7A-43D3-8B79-37D633B846F1}">
-                <asvg:svgBlip xmlns:asvg="http://schemas.microsoft.com/office/drawing/2016/SVG/main" r:embed="rId10"/>
-              </a:ext>
-            </a:extLst>
-          </a:blip>
-          <a:stretch>
-            <a:fillRect/>
-          </a:stretch>
-        </p:blipFill>
-        <p:spPr>
-          <a:xfrm>
-            <a:off x="11472552" y="5040763"/>
-            <a:ext cx="244786" cy="244786"/>
-          </a:xfrm>
-          <a:prstGeom prst="rect">
-            <a:avLst/>
-          </a:prstGeom>
-        </p:spPr>
-      </p:pic>
-      <p:sp>
-        <p:nvSpPr>
-          <p:cNvPr id="12" name="Slide Number Placeholder 11">
-            <a:extLst>
-              <a:ext uri="{FF2B5EF4-FFF2-40B4-BE49-F238E27FC236}">
-                <a16:creationId xmlns:a16="http://schemas.microsoft.com/office/drawing/2014/main" id="{91814EC9-246A-4C6E-941E-5774FE72F08E}"/>
-              </a:ext>
-            </a:extLst>
-          </p:cNvPr>
-          <p:cNvSpPr>
-            <a:spLocks noGrp="1"/>
-          </p:cNvSpPr>
-          <p:nvPr>
-            <p:ph type="sldNum" sz="quarter" idx="20"/>
+            <a:pPr algn="just"/>
+            <a:endParaRPr lang="en-US" dirty="0"/>
+          </a:p>
+        </p:txBody>
+      </p:sp>
+      <p:sp>
+        <p:nvSpPr>
+          <p:cNvPr id="6" name="Slide Number Placeholder 5">
+            <a:extLst>
+              <a:ext uri="{FF2B5EF4-FFF2-40B4-BE49-F238E27FC236}">
+                <a16:creationId xmlns:a16="http://schemas.microsoft.com/office/drawing/2014/main" id="{1C554D9F-1895-486E-BFBA-905BB2D29E08}"/>
+              </a:ext>
+            </a:extLst>
+          </p:cNvPr>
+          <p:cNvSpPr>
+            <a:spLocks noGrp="1"/>
+          </p:cNvSpPr>
+          <p:nvPr>
+            <p:ph type="sldNum" sz="quarter" idx="33"/>
           </p:nvPr>
         </p:nvSpPr>
         <p:spPr>
@@ -11424,7 +11665,1103 @@
     </p:spTree>
     <p:extLst>
       <p:ext uri="{BB962C8B-B14F-4D97-AF65-F5344CB8AC3E}">
-        <p14:creationId xmlns:p14="http://schemas.microsoft.com/office/powerpoint/2010/main" val="4153678306"/>
+        <p14:creationId xmlns:p14="http://schemas.microsoft.com/office/powerpoint/2010/main" val="2588330324"/>
+      </p:ext>
+    </p:extLst>
+  </p:cSld>
+  <p:clrMapOvr>
+    <a:masterClrMapping/>
+  </p:clrMapOvr>
+</p:sld>
+</file>
+
+<file path=ppt/slides/slide6.xml><?xml version="1.0" encoding="utf-8"?>
+<p:sld xmlns:a="http://schemas.openxmlformats.org/drawingml/2006/main" xmlns:r="http://schemas.openxmlformats.org/officeDocument/2006/relationships" xmlns:p="http://schemas.openxmlformats.org/presentationml/2006/main">
+  <p:cSld>
+    <p:spTree>
+      <p:nvGrpSpPr>
+        <p:cNvPr id="1" name=""/>
+        <p:cNvGrpSpPr/>
+        <p:nvPr/>
+      </p:nvGrpSpPr>
+      <p:grpSpPr>
+        <a:xfrm>
+          <a:off x="0" y="0"/>
+          <a:ext cx="0" cy="0"/>
+          <a:chOff x="0" y="0"/>
+          <a:chExt cx="0" cy="0"/>
+        </a:xfrm>
+      </p:grpSpPr>
+      <p:sp>
+        <p:nvSpPr>
+          <p:cNvPr id="4" name="Content Placeholder 3">
+            <a:extLst>
+              <a:ext uri="{FF2B5EF4-FFF2-40B4-BE49-F238E27FC236}">
+                <a16:creationId xmlns:a16="http://schemas.microsoft.com/office/drawing/2014/main" id="{D355C61F-C8F1-4977-8E1F-F16C0D9EA88C}"/>
+              </a:ext>
+            </a:extLst>
+          </p:cNvPr>
+          <p:cNvSpPr>
+            <a:spLocks noGrp="1"/>
+          </p:cNvSpPr>
+          <p:nvPr>
+            <p:ph sz="half" idx="1"/>
+          </p:nvPr>
+        </p:nvSpPr>
+        <p:spPr>
+          <a:xfrm>
+            <a:off x="275564" y="1426961"/>
+            <a:ext cx="5388436" cy="2705878"/>
+          </a:xfrm>
+        </p:spPr>
+        <p:txBody>
+          <a:bodyPr/>
+          <a:lstStyle/>
+          <a:p>
+            <a:pPr marL="0" indent="0" algn="just">
+              <a:buNone/>
+            </a:pPr>
+            <a:r>
+              <a:rPr lang="en-US" sz="2800" dirty="0"/>
+              <a:t>This section of the NDA,</a:t>
+            </a:r>
+          </a:p>
+          <a:p>
+            <a:pPr marL="0" indent="0" algn="just">
+              <a:buNone/>
+            </a:pPr>
+            <a:r>
+              <a:rPr lang="en-US" sz="2800" dirty="0"/>
+              <a:t>	Describes the actions to be taken in the event of breaking or failing to observe the rules and regulations described in the previous section, by such employees, agents, representatives and/or consultants of the receiving party.</a:t>
+            </a:r>
+          </a:p>
+        </p:txBody>
+      </p:sp>
+      <p:pic>
+        <p:nvPicPr>
+          <p:cNvPr id="9" name="Picture Placeholder 8">
+            <a:extLst>
+              <a:ext uri="{FF2B5EF4-FFF2-40B4-BE49-F238E27FC236}">
+                <a16:creationId xmlns:a16="http://schemas.microsoft.com/office/drawing/2014/main" id="{A9A75888-22E3-1D43-9112-DA02186070B5}"/>
+              </a:ext>
+            </a:extLst>
+          </p:cNvPr>
+          <p:cNvPicPr>
+            <a:picLocks noGrp="1" noChangeAspect="1"/>
+          </p:cNvPicPr>
+          <p:nvPr>
+            <p:ph type="pic" sz="quarter" idx="14"/>
+          </p:nvPr>
+        </p:nvPicPr>
+        <p:blipFill rotWithShape="1">
+          <a:blip r:embed="rId2"/>
+          <a:srcRect l="37705"/>
+          <a:stretch/>
+        </p:blipFill>
+        <p:spPr>
+          <a:xfrm>
+            <a:off x="6096000" y="-4405"/>
+            <a:ext cx="6096000" cy="6371349"/>
+          </a:xfrm>
+        </p:spPr>
+      </p:pic>
+      <p:sp>
+        <p:nvSpPr>
+          <p:cNvPr id="20" name="Rectangle 19">
+            <a:extLst>
+              <a:ext uri="{FF2B5EF4-FFF2-40B4-BE49-F238E27FC236}">
+                <a16:creationId xmlns:a16="http://schemas.microsoft.com/office/drawing/2014/main" id="{EFA08948-2B6F-46B1-9D2D-8D7B2B3FBD56}"/>
+              </a:ext>
+              <a:ext uri="{C183D7F6-B498-43B3-948B-1728B52AA6E4}">
+                <adec:decorative xmlns:adec="http://schemas.microsoft.com/office/drawing/2017/decorative" val="1"/>
+              </a:ext>
+            </a:extLst>
+          </p:cNvPr>
+          <p:cNvSpPr/>
+          <p:nvPr/>
+        </p:nvSpPr>
+        <p:spPr>
+          <a:xfrm>
+            <a:off x="9348588" y="3688075"/>
+            <a:ext cx="2411412" cy="114824"/>
+          </a:xfrm>
+          <a:prstGeom prst="rect">
+            <a:avLst/>
+          </a:prstGeom>
+          <a:solidFill>
+            <a:schemeClr val="accent1"/>
+          </a:solidFill>
+          <a:ln>
+            <a:noFill/>
+          </a:ln>
+        </p:spPr>
+        <p:style>
+          <a:lnRef idx="2">
+            <a:schemeClr val="accent1">
+              <a:shade val="50000"/>
+            </a:schemeClr>
+          </a:lnRef>
+          <a:fillRef idx="1">
+            <a:schemeClr val="accent1"/>
+          </a:fillRef>
+          <a:effectRef idx="0">
+            <a:schemeClr val="accent1"/>
+          </a:effectRef>
+          <a:fontRef idx="minor">
+            <a:schemeClr val="lt1"/>
+          </a:fontRef>
+        </p:style>
+        <p:txBody>
+          <a:bodyPr rtlCol="0" anchor="ctr"/>
+          <a:lstStyle/>
+          <a:p>
+            <a:pPr algn="l"/>
+            <a:endParaRPr lang="en-US" dirty="0"/>
+          </a:p>
+        </p:txBody>
+      </p:sp>
+      <p:sp>
+        <p:nvSpPr>
+          <p:cNvPr id="2" name="Title 1">
+            <a:extLst>
+              <a:ext uri="{FF2B5EF4-FFF2-40B4-BE49-F238E27FC236}">
+                <a16:creationId xmlns:a16="http://schemas.microsoft.com/office/drawing/2014/main" id="{3560F281-4FF6-4617-A809-AC9C15ECF18A}"/>
+              </a:ext>
+            </a:extLst>
+          </p:cNvPr>
+          <p:cNvSpPr>
+            <a:spLocks noGrp="1"/>
+          </p:cNvSpPr>
+          <p:nvPr>
+            <p:ph type="title"/>
+          </p:nvPr>
+        </p:nvSpPr>
+        <p:spPr>
+          <a:xfrm>
+            <a:off x="6502400" y="3640339"/>
+            <a:ext cx="5257600" cy="985000"/>
+          </a:xfrm>
+        </p:spPr>
+        <p:txBody>
+          <a:bodyPr/>
+          <a:lstStyle/>
+          <a:p>
+            <a:r>
+              <a:rPr lang="en-US" dirty="0"/>
+              <a:t>3. Breach</a:t>
+            </a:r>
+          </a:p>
+        </p:txBody>
+      </p:sp>
+      <p:sp>
+        <p:nvSpPr>
+          <p:cNvPr id="3" name="Text Placeholder 2">
+            <a:extLst>
+              <a:ext uri="{FF2B5EF4-FFF2-40B4-BE49-F238E27FC236}">
+                <a16:creationId xmlns:a16="http://schemas.microsoft.com/office/drawing/2014/main" id="{611DC577-0A95-47D0-95D9-5F8DA763D46B}"/>
+              </a:ext>
+            </a:extLst>
+          </p:cNvPr>
+          <p:cNvSpPr>
+            <a:spLocks noGrp="1"/>
+          </p:cNvSpPr>
+          <p:nvPr>
+            <p:ph type="body" sz="quarter" idx="32"/>
+          </p:nvPr>
+        </p:nvSpPr>
+        <p:spPr>
+          <a:xfrm>
+            <a:off x="6502400" y="4635500"/>
+            <a:ext cx="5257600" cy="570982"/>
+          </a:xfrm>
+        </p:spPr>
+        <p:txBody>
+          <a:bodyPr/>
+          <a:lstStyle/>
+          <a:p>
+            <a:pPr algn="just"/>
+            <a:endParaRPr lang="en-US" dirty="0"/>
+          </a:p>
+          <a:p>
+            <a:pPr algn="just"/>
+            <a:endParaRPr lang="en-US" dirty="0"/>
+          </a:p>
+        </p:txBody>
+      </p:sp>
+      <p:sp>
+        <p:nvSpPr>
+          <p:cNvPr id="6" name="Slide Number Placeholder 5">
+            <a:extLst>
+              <a:ext uri="{FF2B5EF4-FFF2-40B4-BE49-F238E27FC236}">
+                <a16:creationId xmlns:a16="http://schemas.microsoft.com/office/drawing/2014/main" id="{1C554D9F-1895-486E-BFBA-905BB2D29E08}"/>
+              </a:ext>
+            </a:extLst>
+          </p:cNvPr>
+          <p:cNvSpPr>
+            <a:spLocks noGrp="1"/>
+          </p:cNvSpPr>
+          <p:nvPr>
+            <p:ph type="sldNum" sz="quarter" idx="33"/>
+          </p:nvPr>
+        </p:nvSpPr>
+        <p:spPr>
+          <a:solidFill>
+            <a:schemeClr val="tx1">
+              <a:lumMod val="95000"/>
+              <a:lumOff val="5000"/>
+            </a:schemeClr>
+          </a:solidFill>
+        </p:spPr>
+        <p:txBody>
+          <a:bodyPr/>
+          <a:lstStyle/>
+          <a:p>
+            <a:fld id="{19B51A1E-902D-48AF-9020-955120F399B6}" type="slidenum">
+              <a:rPr lang="en-US" smtClean="0"/>
+              <a:pPr/>
+              <a:t>6</a:t>
+            </a:fld>
+            <a:endParaRPr lang="en-US" dirty="0"/>
+          </a:p>
+        </p:txBody>
+      </p:sp>
+    </p:spTree>
+    <p:extLst>
+      <p:ext uri="{BB962C8B-B14F-4D97-AF65-F5344CB8AC3E}">
+        <p14:creationId xmlns:p14="http://schemas.microsoft.com/office/powerpoint/2010/main" val="2809413229"/>
+      </p:ext>
+    </p:extLst>
+  </p:cSld>
+  <p:clrMapOvr>
+    <a:masterClrMapping/>
+  </p:clrMapOvr>
+</p:sld>
+</file>
+
+<file path=ppt/slides/slide7.xml><?xml version="1.0" encoding="utf-8"?>
+<p:sld xmlns:a="http://schemas.openxmlformats.org/drawingml/2006/main" xmlns:r="http://schemas.openxmlformats.org/officeDocument/2006/relationships" xmlns:p="http://schemas.openxmlformats.org/presentationml/2006/main">
+  <p:cSld>
+    <p:spTree>
+      <p:nvGrpSpPr>
+        <p:cNvPr id="1" name=""/>
+        <p:cNvGrpSpPr/>
+        <p:nvPr/>
+      </p:nvGrpSpPr>
+      <p:grpSpPr>
+        <a:xfrm>
+          <a:off x="0" y="0"/>
+          <a:ext cx="0" cy="0"/>
+          <a:chOff x="0" y="0"/>
+          <a:chExt cx="0" cy="0"/>
+        </a:xfrm>
+      </p:grpSpPr>
+      <p:sp>
+        <p:nvSpPr>
+          <p:cNvPr id="4" name="Content Placeholder 3">
+            <a:extLst>
+              <a:ext uri="{FF2B5EF4-FFF2-40B4-BE49-F238E27FC236}">
+                <a16:creationId xmlns:a16="http://schemas.microsoft.com/office/drawing/2014/main" id="{D355C61F-C8F1-4977-8E1F-F16C0D9EA88C}"/>
+              </a:ext>
+            </a:extLst>
+          </p:cNvPr>
+          <p:cNvSpPr>
+            <a:spLocks noGrp="1"/>
+          </p:cNvSpPr>
+          <p:nvPr>
+            <p:ph sz="half" idx="1"/>
+          </p:nvPr>
+        </p:nvSpPr>
+        <p:spPr>
+          <a:xfrm>
+            <a:off x="429719" y="709127"/>
+            <a:ext cx="5463081" cy="3881534"/>
+          </a:xfrm>
+        </p:spPr>
+        <p:txBody>
+          <a:bodyPr/>
+          <a:lstStyle/>
+          <a:p>
+            <a:pPr marL="0" indent="0" algn="just">
+              <a:buNone/>
+            </a:pPr>
+            <a:r>
+              <a:rPr lang="en-US" sz="2800" dirty="0"/>
+              <a:t>This section of the NDA,</a:t>
+            </a:r>
+          </a:p>
+          <a:p>
+            <a:pPr marL="0" indent="0" algn="just">
+              <a:buNone/>
+            </a:pPr>
+            <a:r>
+              <a:rPr lang="en-US" sz="2800" dirty="0"/>
+              <a:t>	Emphasizes the requirement of a written permission prior to direct or indirect attempt to register or use the Disclosing Party’s confidential information, during the term of the agreement and the expiry of the agreement.</a:t>
+            </a:r>
+          </a:p>
+        </p:txBody>
+      </p:sp>
+      <p:pic>
+        <p:nvPicPr>
+          <p:cNvPr id="9" name="Picture Placeholder 8">
+            <a:extLst>
+              <a:ext uri="{FF2B5EF4-FFF2-40B4-BE49-F238E27FC236}">
+                <a16:creationId xmlns:a16="http://schemas.microsoft.com/office/drawing/2014/main" id="{A9A75888-22E3-1D43-9112-DA02186070B5}"/>
+              </a:ext>
+            </a:extLst>
+          </p:cNvPr>
+          <p:cNvPicPr>
+            <a:picLocks noGrp="1" noChangeAspect="1"/>
+          </p:cNvPicPr>
+          <p:nvPr>
+            <p:ph type="pic" sz="quarter" idx="14"/>
+          </p:nvPr>
+        </p:nvPicPr>
+        <p:blipFill rotWithShape="1">
+          <a:blip r:embed="rId2"/>
+          <a:srcRect l="37705"/>
+          <a:stretch/>
+        </p:blipFill>
+        <p:spPr>
+          <a:xfrm>
+            <a:off x="6096000" y="0"/>
+            <a:ext cx="6096000" cy="6371349"/>
+          </a:xfrm>
+        </p:spPr>
+      </p:pic>
+      <p:sp>
+        <p:nvSpPr>
+          <p:cNvPr id="20" name="Rectangle 19">
+            <a:extLst>
+              <a:ext uri="{FF2B5EF4-FFF2-40B4-BE49-F238E27FC236}">
+                <a16:creationId xmlns:a16="http://schemas.microsoft.com/office/drawing/2014/main" id="{EFA08948-2B6F-46B1-9D2D-8D7B2B3FBD56}"/>
+              </a:ext>
+              <a:ext uri="{C183D7F6-B498-43B3-948B-1728B52AA6E4}">
+                <adec:decorative xmlns:adec="http://schemas.microsoft.com/office/drawing/2017/decorative" val="1"/>
+              </a:ext>
+            </a:extLst>
+          </p:cNvPr>
+          <p:cNvSpPr/>
+          <p:nvPr/>
+        </p:nvSpPr>
+        <p:spPr>
+          <a:xfrm>
+            <a:off x="9348588" y="3688075"/>
+            <a:ext cx="2411412" cy="114824"/>
+          </a:xfrm>
+          <a:prstGeom prst="rect">
+            <a:avLst/>
+          </a:prstGeom>
+          <a:solidFill>
+            <a:schemeClr val="accent1"/>
+          </a:solidFill>
+          <a:ln>
+            <a:noFill/>
+          </a:ln>
+        </p:spPr>
+        <p:style>
+          <a:lnRef idx="2">
+            <a:schemeClr val="accent1">
+              <a:shade val="50000"/>
+            </a:schemeClr>
+          </a:lnRef>
+          <a:fillRef idx="1">
+            <a:schemeClr val="accent1"/>
+          </a:fillRef>
+          <a:effectRef idx="0">
+            <a:schemeClr val="accent1"/>
+          </a:effectRef>
+          <a:fontRef idx="minor">
+            <a:schemeClr val="lt1"/>
+          </a:fontRef>
+        </p:style>
+        <p:txBody>
+          <a:bodyPr rtlCol="0" anchor="ctr"/>
+          <a:lstStyle/>
+          <a:p>
+            <a:pPr algn="l"/>
+            <a:endParaRPr lang="en-US" dirty="0"/>
+          </a:p>
+        </p:txBody>
+      </p:sp>
+      <p:sp>
+        <p:nvSpPr>
+          <p:cNvPr id="2" name="Title 1">
+            <a:extLst>
+              <a:ext uri="{FF2B5EF4-FFF2-40B4-BE49-F238E27FC236}">
+                <a16:creationId xmlns:a16="http://schemas.microsoft.com/office/drawing/2014/main" id="{3560F281-4FF6-4617-A809-AC9C15ECF18A}"/>
+              </a:ext>
+            </a:extLst>
+          </p:cNvPr>
+          <p:cNvSpPr>
+            <a:spLocks noGrp="1"/>
+          </p:cNvSpPr>
+          <p:nvPr>
+            <p:ph type="title"/>
+          </p:nvPr>
+        </p:nvSpPr>
+        <p:spPr>
+          <a:xfrm>
+            <a:off x="6502399" y="2687216"/>
+            <a:ext cx="5257600" cy="2519265"/>
+          </a:xfrm>
+        </p:spPr>
+        <p:txBody>
+          <a:bodyPr/>
+          <a:lstStyle/>
+          <a:p>
+            <a:br>
+              <a:rPr lang="en-US" dirty="0"/>
+            </a:br>
+            <a:r>
+              <a:rPr lang="en-US" dirty="0"/>
+              <a:t>4.  </a:t>
+            </a:r>
+            <a:r>
+              <a:rPr lang="en-US" sz="6000" dirty="0"/>
+              <a:t>Non-Competition Clause</a:t>
+            </a:r>
+            <a:br>
+              <a:rPr lang="en-US" sz="6000" dirty="0"/>
+            </a:br>
+            <a:endParaRPr lang="en-US" dirty="0"/>
+          </a:p>
+        </p:txBody>
+      </p:sp>
+      <p:sp>
+        <p:nvSpPr>
+          <p:cNvPr id="3" name="Text Placeholder 2">
+            <a:extLst>
+              <a:ext uri="{FF2B5EF4-FFF2-40B4-BE49-F238E27FC236}">
+                <a16:creationId xmlns:a16="http://schemas.microsoft.com/office/drawing/2014/main" id="{611DC577-0A95-47D0-95D9-5F8DA763D46B}"/>
+              </a:ext>
+            </a:extLst>
+          </p:cNvPr>
+          <p:cNvSpPr>
+            <a:spLocks noGrp="1"/>
+          </p:cNvSpPr>
+          <p:nvPr>
+            <p:ph type="body" sz="quarter" idx="32"/>
+          </p:nvPr>
+        </p:nvSpPr>
+        <p:spPr>
+          <a:xfrm>
+            <a:off x="6502400" y="5206481"/>
+            <a:ext cx="5257600" cy="570982"/>
+          </a:xfrm>
+        </p:spPr>
+        <p:txBody>
+          <a:bodyPr/>
+          <a:lstStyle/>
+          <a:p>
+            <a:pPr algn="just"/>
+            <a:endParaRPr lang="en-US" dirty="0"/>
+          </a:p>
+        </p:txBody>
+      </p:sp>
+      <p:sp>
+        <p:nvSpPr>
+          <p:cNvPr id="6" name="Slide Number Placeholder 5">
+            <a:extLst>
+              <a:ext uri="{FF2B5EF4-FFF2-40B4-BE49-F238E27FC236}">
+                <a16:creationId xmlns:a16="http://schemas.microsoft.com/office/drawing/2014/main" id="{1C554D9F-1895-486E-BFBA-905BB2D29E08}"/>
+              </a:ext>
+            </a:extLst>
+          </p:cNvPr>
+          <p:cNvSpPr>
+            <a:spLocks noGrp="1"/>
+          </p:cNvSpPr>
+          <p:nvPr>
+            <p:ph type="sldNum" sz="quarter" idx="33"/>
+          </p:nvPr>
+        </p:nvSpPr>
+        <p:spPr>
+          <a:solidFill>
+            <a:schemeClr val="tx1">
+              <a:lumMod val="95000"/>
+              <a:lumOff val="5000"/>
+            </a:schemeClr>
+          </a:solidFill>
+        </p:spPr>
+        <p:txBody>
+          <a:bodyPr/>
+          <a:lstStyle/>
+          <a:p>
+            <a:fld id="{19B51A1E-902D-48AF-9020-955120F399B6}" type="slidenum">
+              <a:rPr lang="en-US" smtClean="0"/>
+              <a:pPr/>
+              <a:t>7</a:t>
+            </a:fld>
+            <a:endParaRPr lang="en-US" dirty="0"/>
+          </a:p>
+        </p:txBody>
+      </p:sp>
+    </p:spTree>
+    <p:extLst>
+      <p:ext uri="{BB962C8B-B14F-4D97-AF65-F5344CB8AC3E}">
+        <p14:creationId xmlns:p14="http://schemas.microsoft.com/office/powerpoint/2010/main" val="2631271835"/>
+      </p:ext>
+    </p:extLst>
+  </p:cSld>
+  <p:clrMapOvr>
+    <a:masterClrMapping/>
+  </p:clrMapOvr>
+</p:sld>
+</file>
+
+<file path=ppt/slides/slide8.xml><?xml version="1.0" encoding="utf-8"?>
+<p:sld xmlns:a="http://schemas.openxmlformats.org/drawingml/2006/main" xmlns:r="http://schemas.openxmlformats.org/officeDocument/2006/relationships" xmlns:p="http://schemas.openxmlformats.org/presentationml/2006/main">
+  <p:cSld>
+    <p:spTree>
+      <p:nvGrpSpPr>
+        <p:cNvPr id="1" name=""/>
+        <p:cNvGrpSpPr/>
+        <p:nvPr/>
+      </p:nvGrpSpPr>
+      <p:grpSpPr>
+        <a:xfrm>
+          <a:off x="0" y="0"/>
+          <a:ext cx="0" cy="0"/>
+          <a:chOff x="0" y="0"/>
+          <a:chExt cx="0" cy="0"/>
+        </a:xfrm>
+      </p:grpSpPr>
+      <p:sp>
+        <p:nvSpPr>
+          <p:cNvPr id="4" name="Content Placeholder 3">
+            <a:extLst>
+              <a:ext uri="{FF2B5EF4-FFF2-40B4-BE49-F238E27FC236}">
+                <a16:creationId xmlns:a16="http://schemas.microsoft.com/office/drawing/2014/main" id="{D355C61F-C8F1-4977-8E1F-F16C0D9EA88C}"/>
+              </a:ext>
+            </a:extLst>
+          </p:cNvPr>
+          <p:cNvSpPr>
+            <a:spLocks noGrp="1"/>
+          </p:cNvSpPr>
+          <p:nvPr>
+            <p:ph sz="half" idx="1"/>
+          </p:nvPr>
+        </p:nvSpPr>
+        <p:spPr>
+          <a:xfrm>
+            <a:off x="317752" y="-923730"/>
+            <a:ext cx="5463081" cy="3881534"/>
+          </a:xfrm>
+        </p:spPr>
+        <p:txBody>
+          <a:bodyPr/>
+          <a:lstStyle/>
+          <a:p>
+            <a:pPr marL="0" indent="0" algn="just">
+              <a:buNone/>
+            </a:pPr>
+            <a:r>
+              <a:rPr lang="en-US" sz="2800" dirty="0"/>
+              <a:t>This section of the NDA,</a:t>
+            </a:r>
+          </a:p>
+          <a:p>
+            <a:pPr marL="0" indent="0" algn="just">
+              <a:buNone/>
+            </a:pPr>
+            <a:r>
+              <a:rPr lang="en-US" sz="2800" dirty="0"/>
+              <a:t>	Specifies that the agreement must be interpreted in accordance with the substantive laws of Sri Lanka.</a:t>
+            </a:r>
+          </a:p>
+        </p:txBody>
+      </p:sp>
+      <p:pic>
+        <p:nvPicPr>
+          <p:cNvPr id="9" name="Picture Placeholder 8">
+            <a:extLst>
+              <a:ext uri="{FF2B5EF4-FFF2-40B4-BE49-F238E27FC236}">
+                <a16:creationId xmlns:a16="http://schemas.microsoft.com/office/drawing/2014/main" id="{A9A75888-22E3-1D43-9112-DA02186070B5}"/>
+              </a:ext>
+            </a:extLst>
+          </p:cNvPr>
+          <p:cNvPicPr>
+            <a:picLocks noGrp="1" noChangeAspect="1"/>
+          </p:cNvPicPr>
+          <p:nvPr>
+            <p:ph type="pic" sz="quarter" idx="14"/>
+          </p:nvPr>
+        </p:nvPicPr>
+        <p:blipFill rotWithShape="1">
+          <a:blip r:embed="rId2"/>
+          <a:srcRect l="37705"/>
+          <a:stretch/>
+        </p:blipFill>
+        <p:spPr>
+          <a:xfrm>
+            <a:off x="6096000" y="0"/>
+            <a:ext cx="6096000" cy="6371349"/>
+          </a:xfrm>
+        </p:spPr>
+      </p:pic>
+      <p:sp>
+        <p:nvSpPr>
+          <p:cNvPr id="20" name="Rectangle 19">
+            <a:extLst>
+              <a:ext uri="{FF2B5EF4-FFF2-40B4-BE49-F238E27FC236}">
+                <a16:creationId xmlns:a16="http://schemas.microsoft.com/office/drawing/2014/main" id="{EFA08948-2B6F-46B1-9D2D-8D7B2B3FBD56}"/>
+              </a:ext>
+              <a:ext uri="{C183D7F6-B498-43B3-948B-1728B52AA6E4}">
+                <adec:decorative xmlns:adec="http://schemas.microsoft.com/office/drawing/2017/decorative" val="1"/>
+              </a:ext>
+            </a:extLst>
+          </p:cNvPr>
+          <p:cNvSpPr/>
+          <p:nvPr/>
+        </p:nvSpPr>
+        <p:spPr>
+          <a:xfrm>
+            <a:off x="9348588" y="3688075"/>
+            <a:ext cx="2411412" cy="114824"/>
+          </a:xfrm>
+          <a:prstGeom prst="rect">
+            <a:avLst/>
+          </a:prstGeom>
+          <a:solidFill>
+            <a:schemeClr val="accent1"/>
+          </a:solidFill>
+          <a:ln>
+            <a:noFill/>
+          </a:ln>
+        </p:spPr>
+        <p:style>
+          <a:lnRef idx="2">
+            <a:schemeClr val="accent1">
+              <a:shade val="50000"/>
+            </a:schemeClr>
+          </a:lnRef>
+          <a:fillRef idx="1">
+            <a:schemeClr val="accent1"/>
+          </a:fillRef>
+          <a:effectRef idx="0">
+            <a:schemeClr val="accent1"/>
+          </a:effectRef>
+          <a:fontRef idx="minor">
+            <a:schemeClr val="lt1"/>
+          </a:fontRef>
+        </p:style>
+        <p:txBody>
+          <a:bodyPr rtlCol="0" anchor="ctr"/>
+          <a:lstStyle/>
+          <a:p>
+            <a:pPr algn="l"/>
+            <a:endParaRPr lang="en-US" dirty="0"/>
+          </a:p>
+        </p:txBody>
+      </p:sp>
+      <p:sp>
+        <p:nvSpPr>
+          <p:cNvPr id="2" name="Title 1">
+            <a:extLst>
+              <a:ext uri="{FF2B5EF4-FFF2-40B4-BE49-F238E27FC236}">
+                <a16:creationId xmlns:a16="http://schemas.microsoft.com/office/drawing/2014/main" id="{3560F281-4FF6-4617-A809-AC9C15ECF18A}"/>
+              </a:ext>
+            </a:extLst>
+          </p:cNvPr>
+          <p:cNvSpPr>
+            <a:spLocks noGrp="1"/>
+          </p:cNvSpPr>
+          <p:nvPr>
+            <p:ph type="title"/>
+          </p:nvPr>
+        </p:nvSpPr>
+        <p:spPr>
+          <a:xfrm>
+            <a:off x="6502399" y="2687216"/>
+            <a:ext cx="5257600" cy="2519265"/>
+          </a:xfrm>
+        </p:spPr>
+        <p:txBody>
+          <a:bodyPr/>
+          <a:lstStyle/>
+          <a:p>
+            <a:br>
+              <a:rPr lang="en-US" dirty="0"/>
+            </a:br>
+            <a:r>
+              <a:rPr lang="en-US" dirty="0"/>
+              <a:t>5.  </a:t>
+            </a:r>
+            <a:r>
+              <a:rPr lang="en-US" sz="6000" dirty="0"/>
+              <a:t>Governing Law</a:t>
+            </a:r>
+            <a:br>
+              <a:rPr lang="en-US" sz="6000" dirty="0"/>
+            </a:br>
+            <a:endParaRPr lang="en-US" dirty="0"/>
+          </a:p>
+        </p:txBody>
+      </p:sp>
+      <p:sp>
+        <p:nvSpPr>
+          <p:cNvPr id="3" name="Text Placeholder 2">
+            <a:extLst>
+              <a:ext uri="{FF2B5EF4-FFF2-40B4-BE49-F238E27FC236}">
+                <a16:creationId xmlns:a16="http://schemas.microsoft.com/office/drawing/2014/main" id="{611DC577-0A95-47D0-95D9-5F8DA763D46B}"/>
+              </a:ext>
+            </a:extLst>
+          </p:cNvPr>
+          <p:cNvSpPr>
+            <a:spLocks noGrp="1"/>
+          </p:cNvSpPr>
+          <p:nvPr>
+            <p:ph type="body" sz="quarter" idx="32"/>
+          </p:nvPr>
+        </p:nvSpPr>
+        <p:spPr>
+          <a:xfrm>
+            <a:off x="6502400" y="5206481"/>
+            <a:ext cx="5257600" cy="570982"/>
+          </a:xfrm>
+        </p:spPr>
+        <p:txBody>
+          <a:bodyPr/>
+          <a:lstStyle/>
+          <a:p>
+            <a:pPr algn="just"/>
+            <a:endParaRPr lang="en-US" dirty="0"/>
+          </a:p>
+        </p:txBody>
+      </p:sp>
+      <p:sp>
+        <p:nvSpPr>
+          <p:cNvPr id="6" name="Slide Number Placeholder 5">
+            <a:extLst>
+              <a:ext uri="{FF2B5EF4-FFF2-40B4-BE49-F238E27FC236}">
+                <a16:creationId xmlns:a16="http://schemas.microsoft.com/office/drawing/2014/main" id="{1C554D9F-1895-486E-BFBA-905BB2D29E08}"/>
+              </a:ext>
+            </a:extLst>
+          </p:cNvPr>
+          <p:cNvSpPr>
+            <a:spLocks noGrp="1"/>
+          </p:cNvSpPr>
+          <p:nvPr>
+            <p:ph type="sldNum" sz="quarter" idx="33"/>
+          </p:nvPr>
+        </p:nvSpPr>
+        <p:spPr>
+          <a:solidFill>
+            <a:schemeClr val="tx1">
+              <a:lumMod val="95000"/>
+              <a:lumOff val="5000"/>
+            </a:schemeClr>
+          </a:solidFill>
+        </p:spPr>
+        <p:txBody>
+          <a:bodyPr/>
+          <a:lstStyle/>
+          <a:p>
+            <a:fld id="{19B51A1E-902D-48AF-9020-955120F399B6}" type="slidenum">
+              <a:rPr lang="en-US" smtClean="0"/>
+              <a:pPr/>
+              <a:t>8</a:t>
+            </a:fld>
+            <a:endParaRPr lang="en-US" dirty="0"/>
+          </a:p>
+        </p:txBody>
+      </p:sp>
+    </p:spTree>
+    <p:extLst>
+      <p:ext uri="{BB962C8B-B14F-4D97-AF65-F5344CB8AC3E}">
+        <p14:creationId xmlns:p14="http://schemas.microsoft.com/office/powerpoint/2010/main" val="2854121796"/>
+      </p:ext>
+    </p:extLst>
+  </p:cSld>
+  <p:clrMapOvr>
+    <a:masterClrMapping/>
+  </p:clrMapOvr>
+</p:sld>
+</file>
+
+<file path=ppt/slides/slide9.xml><?xml version="1.0" encoding="utf-8"?>
+<p:sld xmlns:a="http://schemas.openxmlformats.org/drawingml/2006/main" xmlns:r="http://schemas.openxmlformats.org/officeDocument/2006/relationships" xmlns:p="http://schemas.openxmlformats.org/presentationml/2006/main">
+  <p:cSld>
+    <p:spTree>
+      <p:nvGrpSpPr>
+        <p:cNvPr id="1" name=""/>
+        <p:cNvGrpSpPr/>
+        <p:nvPr/>
+      </p:nvGrpSpPr>
+      <p:grpSpPr>
+        <a:xfrm>
+          <a:off x="0" y="0"/>
+          <a:ext cx="0" cy="0"/>
+          <a:chOff x="0" y="0"/>
+          <a:chExt cx="0" cy="0"/>
+        </a:xfrm>
+      </p:grpSpPr>
+      <p:sp>
+        <p:nvSpPr>
+          <p:cNvPr id="4" name="Content Placeholder 3">
+            <a:extLst>
+              <a:ext uri="{FF2B5EF4-FFF2-40B4-BE49-F238E27FC236}">
+                <a16:creationId xmlns:a16="http://schemas.microsoft.com/office/drawing/2014/main" id="{D355C61F-C8F1-4977-8E1F-F16C0D9EA88C}"/>
+              </a:ext>
+            </a:extLst>
+          </p:cNvPr>
+          <p:cNvSpPr>
+            <a:spLocks noGrp="1"/>
+          </p:cNvSpPr>
+          <p:nvPr>
+            <p:ph sz="half" idx="1"/>
+          </p:nvPr>
+        </p:nvSpPr>
+        <p:spPr>
+          <a:xfrm>
+            <a:off x="345745" y="1488233"/>
+            <a:ext cx="5463081" cy="3881534"/>
+          </a:xfrm>
+        </p:spPr>
+        <p:txBody>
+          <a:bodyPr/>
+          <a:lstStyle/>
+          <a:p>
+            <a:pPr marL="0" indent="0" algn="just">
+              <a:buNone/>
+            </a:pPr>
+            <a:r>
+              <a:rPr lang="en-US" sz="2800" dirty="0"/>
+              <a:t>This section of the NDA,</a:t>
+            </a:r>
+          </a:p>
+          <a:p>
+            <a:pPr marL="0" indent="0" algn="just">
+              <a:buNone/>
+            </a:pPr>
+            <a:r>
+              <a:rPr lang="en-US" sz="2800" dirty="0"/>
+              <a:t>	Specifies the duration of time that the agreement remains in force, if its is not terminated earlier in writing by mutual agreement. </a:t>
+            </a:r>
+          </a:p>
+          <a:p>
+            <a:pPr marL="0" indent="0" algn="just">
+              <a:buNone/>
+            </a:pPr>
+            <a:endParaRPr lang="en-US" sz="2800" dirty="0"/>
+          </a:p>
+          <a:p>
+            <a:pPr marL="0" indent="0" algn="just">
+              <a:buNone/>
+            </a:pPr>
+            <a:r>
+              <a:rPr lang="en-US" sz="2800" dirty="0"/>
+              <a:t>However, this termination has no affect on the obligations of confidentiality agreed to, by the parties and those </a:t>
+            </a:r>
+            <a:r>
+              <a:rPr lang="en-US" sz="2800" dirty="0">
+                <a:solidFill>
+                  <a:srgbClr val="FF0000"/>
+                </a:solidFill>
+              </a:rPr>
+              <a:t>obligations will continue without a point in time.</a:t>
+            </a:r>
+          </a:p>
+        </p:txBody>
+      </p:sp>
+      <p:pic>
+        <p:nvPicPr>
+          <p:cNvPr id="9" name="Picture Placeholder 8">
+            <a:extLst>
+              <a:ext uri="{FF2B5EF4-FFF2-40B4-BE49-F238E27FC236}">
+                <a16:creationId xmlns:a16="http://schemas.microsoft.com/office/drawing/2014/main" id="{A9A75888-22E3-1D43-9112-DA02186070B5}"/>
+              </a:ext>
+            </a:extLst>
+          </p:cNvPr>
+          <p:cNvPicPr>
+            <a:picLocks noGrp="1" noChangeAspect="1"/>
+          </p:cNvPicPr>
+          <p:nvPr>
+            <p:ph type="pic" sz="quarter" idx="14"/>
+          </p:nvPr>
+        </p:nvPicPr>
+        <p:blipFill rotWithShape="1">
+          <a:blip r:embed="rId2"/>
+          <a:srcRect l="37705"/>
+          <a:stretch/>
+        </p:blipFill>
+        <p:spPr>
+          <a:xfrm>
+            <a:off x="6096000" y="0"/>
+            <a:ext cx="6096000" cy="6371349"/>
+          </a:xfrm>
+        </p:spPr>
+      </p:pic>
+      <p:sp>
+        <p:nvSpPr>
+          <p:cNvPr id="20" name="Rectangle 19">
+            <a:extLst>
+              <a:ext uri="{FF2B5EF4-FFF2-40B4-BE49-F238E27FC236}">
+                <a16:creationId xmlns:a16="http://schemas.microsoft.com/office/drawing/2014/main" id="{EFA08948-2B6F-46B1-9D2D-8D7B2B3FBD56}"/>
+              </a:ext>
+              <a:ext uri="{C183D7F6-B498-43B3-948B-1728B52AA6E4}">
+                <adec:decorative xmlns:adec="http://schemas.microsoft.com/office/drawing/2017/decorative" val="1"/>
+              </a:ext>
+            </a:extLst>
+          </p:cNvPr>
+          <p:cNvSpPr/>
+          <p:nvPr/>
+        </p:nvSpPr>
+        <p:spPr>
+          <a:xfrm>
+            <a:off x="9348588" y="3688075"/>
+            <a:ext cx="2411412" cy="114824"/>
+          </a:xfrm>
+          <a:prstGeom prst="rect">
+            <a:avLst/>
+          </a:prstGeom>
+          <a:solidFill>
+            <a:schemeClr val="accent1"/>
+          </a:solidFill>
+          <a:ln>
+            <a:noFill/>
+          </a:ln>
+        </p:spPr>
+        <p:style>
+          <a:lnRef idx="2">
+            <a:schemeClr val="accent1">
+              <a:shade val="50000"/>
+            </a:schemeClr>
+          </a:lnRef>
+          <a:fillRef idx="1">
+            <a:schemeClr val="accent1"/>
+          </a:fillRef>
+          <a:effectRef idx="0">
+            <a:schemeClr val="accent1"/>
+          </a:effectRef>
+          <a:fontRef idx="minor">
+            <a:schemeClr val="lt1"/>
+          </a:fontRef>
+        </p:style>
+        <p:txBody>
+          <a:bodyPr rtlCol="0" anchor="ctr"/>
+          <a:lstStyle/>
+          <a:p>
+            <a:pPr algn="l"/>
+            <a:endParaRPr lang="en-US" dirty="0"/>
+          </a:p>
+        </p:txBody>
+      </p:sp>
+      <p:sp>
+        <p:nvSpPr>
+          <p:cNvPr id="2" name="Title 1">
+            <a:extLst>
+              <a:ext uri="{FF2B5EF4-FFF2-40B4-BE49-F238E27FC236}">
+                <a16:creationId xmlns:a16="http://schemas.microsoft.com/office/drawing/2014/main" id="{3560F281-4FF6-4617-A809-AC9C15ECF18A}"/>
+              </a:ext>
+            </a:extLst>
+          </p:cNvPr>
+          <p:cNvSpPr>
+            <a:spLocks noGrp="1"/>
+          </p:cNvSpPr>
+          <p:nvPr>
+            <p:ph type="title"/>
+          </p:nvPr>
+        </p:nvSpPr>
+        <p:spPr>
+          <a:xfrm>
+            <a:off x="6391469" y="2687216"/>
+            <a:ext cx="5368530" cy="2519265"/>
+          </a:xfrm>
+        </p:spPr>
+        <p:txBody>
+          <a:bodyPr/>
+          <a:lstStyle/>
+          <a:p>
+            <a:br>
+              <a:rPr lang="en-US" dirty="0"/>
+            </a:br>
+            <a:r>
+              <a:rPr lang="en-US" dirty="0"/>
+              <a:t>6. </a:t>
+            </a:r>
+            <a:r>
+              <a:rPr lang="en-US" sz="6000" dirty="0"/>
+              <a:t>Confidentiality Period/ Termination</a:t>
+            </a:r>
+            <a:br>
+              <a:rPr lang="en-US" sz="6000" dirty="0"/>
+            </a:br>
+            <a:endParaRPr lang="en-US" dirty="0"/>
+          </a:p>
+        </p:txBody>
+      </p:sp>
+      <p:sp>
+        <p:nvSpPr>
+          <p:cNvPr id="3" name="Text Placeholder 2">
+            <a:extLst>
+              <a:ext uri="{FF2B5EF4-FFF2-40B4-BE49-F238E27FC236}">
+                <a16:creationId xmlns:a16="http://schemas.microsoft.com/office/drawing/2014/main" id="{611DC577-0A95-47D0-95D9-5F8DA763D46B}"/>
+              </a:ext>
+            </a:extLst>
+          </p:cNvPr>
+          <p:cNvSpPr>
+            <a:spLocks noGrp="1"/>
+          </p:cNvSpPr>
+          <p:nvPr>
+            <p:ph type="body" sz="quarter" idx="32"/>
+          </p:nvPr>
+        </p:nvSpPr>
+        <p:spPr>
+          <a:xfrm>
+            <a:off x="6391468" y="5206481"/>
+            <a:ext cx="5368532" cy="570982"/>
+          </a:xfrm>
+        </p:spPr>
+        <p:txBody>
+          <a:bodyPr/>
+          <a:lstStyle/>
+          <a:p>
+            <a:pPr algn="just"/>
+            <a:endParaRPr lang="en-US" dirty="0"/>
+          </a:p>
+        </p:txBody>
+      </p:sp>
+      <p:sp>
+        <p:nvSpPr>
+          <p:cNvPr id="6" name="Slide Number Placeholder 5">
+            <a:extLst>
+              <a:ext uri="{FF2B5EF4-FFF2-40B4-BE49-F238E27FC236}">
+                <a16:creationId xmlns:a16="http://schemas.microsoft.com/office/drawing/2014/main" id="{1C554D9F-1895-486E-BFBA-905BB2D29E08}"/>
+              </a:ext>
+            </a:extLst>
+          </p:cNvPr>
+          <p:cNvSpPr>
+            <a:spLocks noGrp="1"/>
+          </p:cNvSpPr>
+          <p:nvPr>
+            <p:ph type="sldNum" sz="quarter" idx="33"/>
+          </p:nvPr>
+        </p:nvSpPr>
+        <p:spPr>
+          <a:solidFill>
+            <a:schemeClr val="tx1">
+              <a:lumMod val="95000"/>
+              <a:lumOff val="5000"/>
+            </a:schemeClr>
+          </a:solidFill>
+        </p:spPr>
+        <p:txBody>
+          <a:bodyPr/>
+          <a:lstStyle/>
+          <a:p>
+            <a:fld id="{19B51A1E-902D-48AF-9020-955120F399B6}" type="slidenum">
+              <a:rPr lang="en-US" smtClean="0"/>
+              <a:pPr/>
+              <a:t>9</a:t>
+            </a:fld>
+            <a:endParaRPr lang="en-US" dirty="0"/>
+          </a:p>
+        </p:txBody>
+      </p:sp>
+    </p:spTree>
+    <p:extLst>
+      <p:ext uri="{BB962C8B-B14F-4D97-AF65-F5344CB8AC3E}">
+        <p14:creationId xmlns:p14="http://schemas.microsoft.com/office/powerpoint/2010/main" val="1350641479"/>
       </p:ext>
     </p:extLst>
   </p:cSld>
@@ -12256,20 +13593,20 @@
 </file>
 
 <file path=customXml/item1.xml><?xml version="1.0" encoding="utf-8"?>
+<p:properties xmlns:p="http://schemas.microsoft.com/office/2006/metadata/properties" xmlns:xsi="http://www.w3.org/2001/XMLSchema-instance" xmlns:pc="http://schemas.microsoft.com/office/infopath/2007/PartnerControls">
+  <documentManagement>
+    <MediaServiceKeyPoints xmlns="71af3243-3dd4-4a8d-8c0d-dd76da1f02a5" xsi:nil="true"/>
+  </documentManagement>
+</p:properties>
+</file>
+
+<file path=customXml/item2.xml><?xml version="1.0" encoding="utf-8"?>
 <?mso-contentType ?>
 <FormTemplates xmlns="http://schemas.microsoft.com/sharepoint/v3/contenttype/forms">
   <Display>DocumentLibraryForm</Display>
   <Edit>DocumentLibraryForm</Edit>
   <New>DocumentLibraryForm</New>
 </FormTemplates>
-</file>
-
-<file path=customXml/item2.xml><?xml version="1.0" encoding="utf-8"?>
-<p:properties xmlns:p="http://schemas.microsoft.com/office/2006/metadata/properties" xmlns:xsi="http://www.w3.org/2001/XMLSchema-instance" xmlns:pc="http://schemas.microsoft.com/office/infopath/2007/PartnerControls">
-  <documentManagement>
-    <MediaServiceKeyPoints xmlns="71af3243-3dd4-4a8d-8c0d-dd76da1f02a5" xsi:nil="true"/>
-  </documentManagement>
-</p:properties>
 </file>
 
 <file path=customXml/item3.xml><?xml version="1.0" encoding="utf-8"?>
@@ -12484,19 +13821,19 @@
 </file>
 
 <file path=customXml/itemProps1.xml><?xml version="1.0" encoding="utf-8"?>
-<ds:datastoreItem xmlns:ds="http://schemas.openxmlformats.org/officeDocument/2006/customXml" ds:itemID="{B8E15EA0-2F38-456B-B156-038699A5D17F}">
+<ds:datastoreItem xmlns:ds="http://schemas.openxmlformats.org/officeDocument/2006/customXml" ds:itemID="{BF90D0D0-7C1D-47FF-A2F0-9937AA567A3D}">
   <ds:schemaRefs>
-    <ds:schemaRef ds:uri="http://schemas.microsoft.com/sharepoint/v3/contenttype/forms"/>
+    <ds:schemaRef ds:uri="http://schemas.microsoft.com/office/2006/metadata/properties"/>
+    <ds:schemaRef ds:uri="http://schemas.microsoft.com/office/infopath/2007/PartnerControls"/>
+    <ds:schemaRef ds:uri="71af3243-3dd4-4a8d-8c0d-dd76da1f02a5"/>
   </ds:schemaRefs>
 </ds:datastoreItem>
 </file>
 
 <file path=customXml/itemProps2.xml><?xml version="1.0" encoding="utf-8"?>
-<ds:datastoreItem xmlns:ds="http://schemas.openxmlformats.org/officeDocument/2006/customXml" ds:itemID="{BF90D0D0-7C1D-47FF-A2F0-9937AA567A3D}">
+<ds:datastoreItem xmlns:ds="http://schemas.openxmlformats.org/officeDocument/2006/customXml" ds:itemID="{B8E15EA0-2F38-456B-B156-038699A5D17F}">
   <ds:schemaRefs>
-    <ds:schemaRef ds:uri="http://schemas.microsoft.com/office/2006/metadata/properties"/>
-    <ds:schemaRef ds:uri="http://schemas.microsoft.com/office/infopath/2007/PartnerControls"/>
-    <ds:schemaRef ds:uri="71af3243-3dd4-4a8d-8c0d-dd76da1f02a5"/>
+    <ds:schemaRef ds:uri="http://schemas.microsoft.com/sharepoint/v3/contenttype/forms"/>
   </ds:schemaRefs>
 </ds:datastoreItem>
 </file>
